--- a/Documentação/1-Diagrama PPT/Cadeias Energéticas.pptx
+++ b/Documentação/1-Diagrama PPT/Cadeias Energéticas.pptx
@@ -209,7 +209,7 @@
           <a:p>
             <a:fld id="{F22EC251-D700-40B5-87D9-A45C9416D694}" type="datetimeFigureOut">
               <a:rPr lang="pt-BR" smtClean="0"/>
-              <a:t>03/10/2024</a:t>
+              <a:t>28/10/2024</a:t>
             </a:fld>
             <a:endParaRPr lang="pt-BR"/>
           </a:p>
@@ -830,7 +830,7 @@
             <a:fld id="{C11B6B41-91B8-4293-9633-874C21C369B6}" type="datetimeFigureOut">
               <a:rPr lang="pt-BR" smtClean="0"/>
               <a:pPr/>
-              <a:t>03/10/2024</a:t>
+              <a:t>28/10/2024</a:t>
             </a:fld>
             <a:endParaRPr lang="pt-BR"/>
           </a:p>
@@ -995,7 +995,7 @@
             <a:fld id="{C11B6B41-91B8-4293-9633-874C21C369B6}" type="datetimeFigureOut">
               <a:rPr lang="pt-BR" smtClean="0"/>
               <a:pPr/>
-              <a:t>03/10/2024</a:t>
+              <a:t>28/10/2024</a:t>
             </a:fld>
             <a:endParaRPr lang="pt-BR"/>
           </a:p>
@@ -1170,7 +1170,7 @@
             <a:fld id="{C11B6B41-91B8-4293-9633-874C21C369B6}" type="datetimeFigureOut">
               <a:rPr lang="pt-BR" smtClean="0"/>
               <a:pPr/>
-              <a:t>03/10/2024</a:t>
+              <a:t>28/10/2024</a:t>
             </a:fld>
             <a:endParaRPr lang="pt-BR"/>
           </a:p>
@@ -1335,7 +1335,7 @@
             <a:fld id="{C11B6B41-91B8-4293-9633-874C21C369B6}" type="datetimeFigureOut">
               <a:rPr lang="pt-BR" smtClean="0"/>
               <a:pPr/>
-              <a:t>03/10/2024</a:t>
+              <a:t>28/10/2024</a:t>
             </a:fld>
             <a:endParaRPr lang="pt-BR"/>
           </a:p>
@@ -1577,7 +1577,7 @@
             <a:fld id="{C11B6B41-91B8-4293-9633-874C21C369B6}" type="datetimeFigureOut">
               <a:rPr lang="pt-BR" smtClean="0"/>
               <a:pPr/>
-              <a:t>03/10/2024</a:t>
+              <a:t>28/10/2024</a:t>
             </a:fld>
             <a:endParaRPr lang="pt-BR"/>
           </a:p>
@@ -1859,7 +1859,7 @@
             <a:fld id="{C11B6B41-91B8-4293-9633-874C21C369B6}" type="datetimeFigureOut">
               <a:rPr lang="pt-BR" smtClean="0"/>
               <a:pPr/>
-              <a:t>03/10/2024</a:t>
+              <a:t>28/10/2024</a:t>
             </a:fld>
             <a:endParaRPr lang="pt-BR"/>
           </a:p>
@@ -2275,7 +2275,7 @@
             <a:fld id="{C11B6B41-91B8-4293-9633-874C21C369B6}" type="datetimeFigureOut">
               <a:rPr lang="pt-BR" smtClean="0"/>
               <a:pPr/>
-              <a:t>03/10/2024</a:t>
+              <a:t>28/10/2024</a:t>
             </a:fld>
             <a:endParaRPr lang="pt-BR"/>
           </a:p>
@@ -2389,7 +2389,7 @@
             <a:fld id="{C11B6B41-91B8-4293-9633-874C21C369B6}" type="datetimeFigureOut">
               <a:rPr lang="pt-BR" smtClean="0"/>
               <a:pPr/>
-              <a:t>03/10/2024</a:t>
+              <a:t>28/10/2024</a:t>
             </a:fld>
             <a:endParaRPr lang="pt-BR"/>
           </a:p>
@@ -2481,7 +2481,7 @@
             <a:fld id="{C11B6B41-91B8-4293-9633-874C21C369B6}" type="datetimeFigureOut">
               <a:rPr lang="pt-BR" smtClean="0"/>
               <a:pPr/>
-              <a:t>03/10/2024</a:t>
+              <a:t>28/10/2024</a:t>
             </a:fld>
             <a:endParaRPr lang="pt-BR"/>
           </a:p>
@@ -2753,7 +2753,7 @@
             <a:fld id="{C11B6B41-91B8-4293-9633-874C21C369B6}" type="datetimeFigureOut">
               <a:rPr lang="pt-BR" smtClean="0"/>
               <a:pPr/>
-              <a:t>03/10/2024</a:t>
+              <a:t>28/10/2024</a:t>
             </a:fld>
             <a:endParaRPr lang="pt-BR"/>
           </a:p>
@@ -3002,7 +3002,7 @@
             <a:fld id="{C11B6B41-91B8-4293-9633-874C21C369B6}" type="datetimeFigureOut">
               <a:rPr lang="pt-BR" smtClean="0"/>
               <a:pPr/>
-              <a:t>03/10/2024</a:t>
+              <a:t>28/10/2024</a:t>
             </a:fld>
             <a:endParaRPr lang="pt-BR"/>
           </a:p>
@@ -3210,7 +3210,7 @@
             <a:fld id="{C11B6B41-91B8-4293-9633-874C21C369B6}" type="datetimeFigureOut">
               <a:rPr lang="pt-BR" smtClean="0"/>
               <a:pPr/>
-              <a:t>03/10/2024</a:t>
+              <a:t>28/10/2024</a:t>
             </a:fld>
             <a:endParaRPr lang="pt-BR"/>
           </a:p>
@@ -5565,7 +5565,7 @@
         </p:nvSpPr>
         <p:spPr bwMode="auto">
           <a:xfrm>
-            <a:off x="7848600" y="2635250"/>
+            <a:off x="7848600" y="1644650"/>
             <a:ext cx="1028700" cy="542925"/>
           </a:xfrm>
           <a:prstGeom prst="rect">
@@ -5843,8 +5843,8 @@
         </p:nvCxnSpPr>
         <p:spPr bwMode="auto">
           <a:xfrm>
-            <a:off x="7429500" y="1916112"/>
-            <a:ext cx="419100" cy="990600"/>
+            <a:off x="7429500" y="1916113"/>
+            <a:ext cx="419100" cy="12700"/>
           </a:xfrm>
           <a:prstGeom prst="bentConnector3">
             <a:avLst>
@@ -6619,6 +6619,484 @@
           </a:ln>
         </p:spPr>
       </p:cxnSp>
+      <p:sp>
+        <p:nvSpPr>
+          <p:cNvPr id="21" name="Rectangle 235">
+            <a:extLst>
+              <a:ext uri="{FF2B5EF4-FFF2-40B4-BE49-F238E27FC236}">
+                <a16:creationId xmlns:a16="http://schemas.microsoft.com/office/drawing/2014/main" id="{05910AEC-7ED2-6633-952C-07C383B5167F}"/>
+              </a:ext>
+            </a:extLst>
+          </p:cNvPr>
+          <p:cNvSpPr>
+            <a:spLocks noChangeArrowheads="1"/>
+          </p:cNvSpPr>
+          <p:nvPr/>
+        </p:nvSpPr>
+        <p:spPr bwMode="auto">
+          <a:xfrm>
+            <a:off x="9156700" y="1268760"/>
+            <a:ext cx="1028700" cy="542925"/>
+          </a:xfrm>
+          <a:prstGeom prst="rect">
+            <a:avLst/>
+          </a:prstGeom>
+          <a:solidFill>
+            <a:schemeClr val="tx2">
+              <a:lumMod val="40000"/>
+              <a:lumOff val="60000"/>
+            </a:schemeClr>
+          </a:solidFill>
+          <a:ln w="9525">
+            <a:solidFill>
+              <a:schemeClr val="tx1"/>
+            </a:solidFill>
+            <a:miter lim="800000"/>
+            <a:headEnd/>
+            <a:tailEnd/>
+          </a:ln>
+        </p:spPr>
+        <p:txBody>
+          <a:bodyPr wrap="none" anchor="ctr"/>
+          <a:lstStyle/>
+          <a:p>
+            <a:pPr algn="ctr"/>
+            <a:endParaRPr lang="en-US" sz="1400" dirty="0">
+              <a:latin typeface="Times New Roman" pitchFamily="18" charset="0"/>
+            </a:endParaRPr>
+          </a:p>
+          <a:p>
+            <a:pPr algn="ctr"/>
+            <a:r>
+              <a:rPr lang="en-US" sz="1400" dirty="0">
+                <a:latin typeface="Times New Roman" pitchFamily="18" charset="0"/>
+              </a:rPr>
+              <a:t>Residencial</a:t>
+            </a:r>
+          </a:p>
+          <a:p>
+            <a:pPr algn="ctr"/>
+            <a:endParaRPr lang="pt-BR" sz="1400" dirty="0">
+              <a:latin typeface="Times New Roman" pitchFamily="18" charset="0"/>
+            </a:endParaRPr>
+          </a:p>
+        </p:txBody>
+      </p:sp>
+      <p:sp>
+        <p:nvSpPr>
+          <p:cNvPr id="22" name="Rectangle 235">
+            <a:extLst>
+              <a:ext uri="{FF2B5EF4-FFF2-40B4-BE49-F238E27FC236}">
+                <a16:creationId xmlns:a16="http://schemas.microsoft.com/office/drawing/2014/main" id="{40F344D6-6D57-4091-8CE2-0C6402FB35B0}"/>
+              </a:ext>
+            </a:extLst>
+          </p:cNvPr>
+          <p:cNvSpPr>
+            <a:spLocks noChangeArrowheads="1"/>
+          </p:cNvSpPr>
+          <p:nvPr/>
+        </p:nvSpPr>
+        <p:spPr bwMode="auto">
+          <a:xfrm>
+            <a:off x="9246950" y="2228427"/>
+            <a:ext cx="1028700" cy="542925"/>
+          </a:xfrm>
+          <a:prstGeom prst="rect">
+            <a:avLst/>
+          </a:prstGeom>
+          <a:solidFill>
+            <a:schemeClr val="tx2">
+              <a:lumMod val="40000"/>
+              <a:lumOff val="60000"/>
+            </a:schemeClr>
+          </a:solidFill>
+          <a:ln w="9525">
+            <a:solidFill>
+              <a:schemeClr val="tx1"/>
+            </a:solidFill>
+            <a:prstDash val="dash"/>
+            <a:miter lim="800000"/>
+            <a:headEnd/>
+            <a:tailEnd/>
+          </a:ln>
+        </p:spPr>
+        <p:txBody>
+          <a:bodyPr wrap="none" anchor="ctr"/>
+          <a:lstStyle/>
+          <a:p>
+            <a:pPr algn="ctr"/>
+            <a:endParaRPr lang="en-US" sz="1400" dirty="0">
+              <a:latin typeface="Times New Roman" pitchFamily="18" charset="0"/>
+            </a:endParaRPr>
+          </a:p>
+          <a:p>
+            <a:pPr algn="ctr"/>
+            <a:r>
+              <a:rPr lang="en-US" sz="1400" dirty="0">
+                <a:latin typeface="Times New Roman" pitchFamily="18" charset="0"/>
+              </a:rPr>
+              <a:t>Industrial</a:t>
+            </a:r>
+          </a:p>
+          <a:p>
+            <a:pPr algn="ctr"/>
+            <a:endParaRPr lang="pt-BR" sz="1400" dirty="0">
+              <a:latin typeface="Times New Roman" pitchFamily="18" charset="0"/>
+            </a:endParaRPr>
+          </a:p>
+        </p:txBody>
+      </p:sp>
+      <p:sp>
+        <p:nvSpPr>
+          <p:cNvPr id="23" name="Text Box 30">
+            <a:extLst>
+              <a:ext uri="{FF2B5EF4-FFF2-40B4-BE49-F238E27FC236}">
+                <a16:creationId xmlns:a16="http://schemas.microsoft.com/office/drawing/2014/main" id="{17C75CF6-AA7D-8594-48D9-DF2F6AA0D9F4}"/>
+              </a:ext>
+            </a:extLst>
+          </p:cNvPr>
+          <p:cNvSpPr txBox="1">
+            <a:spLocks noChangeArrowheads="1"/>
+          </p:cNvSpPr>
+          <p:nvPr/>
+        </p:nvSpPr>
+        <p:spPr bwMode="auto">
+          <a:xfrm>
+            <a:off x="9028112" y="-77788"/>
+            <a:ext cx="1520552" cy="274638"/>
+          </a:xfrm>
+          <a:prstGeom prst="rect">
+            <a:avLst/>
+          </a:prstGeom>
+          <a:noFill/>
+          <a:ln w="9525">
+            <a:noFill/>
+            <a:miter lim="800000"/>
+            <a:headEnd/>
+            <a:tailEnd/>
+          </a:ln>
+        </p:spPr>
+        <p:txBody>
+          <a:bodyPr/>
+          <a:lstStyle/>
+          <a:p>
+            <a:pPr algn="ctr"/>
+            <a:r>
+              <a:rPr lang="en-US" sz="1300" b="1" dirty="0" err="1">
+                <a:latin typeface="Times New Roman" pitchFamily="18" charset="0"/>
+              </a:rPr>
+              <a:t>Energia</a:t>
+            </a:r>
+            <a:r>
+              <a:rPr lang="en-US" sz="1300" b="1" dirty="0">
+                <a:latin typeface="Times New Roman" pitchFamily="18" charset="0"/>
+              </a:rPr>
+              <a:t> Final (2)</a:t>
+            </a:r>
+          </a:p>
+        </p:txBody>
+      </p:sp>
+      <p:sp>
+        <p:nvSpPr>
+          <p:cNvPr id="24" name="Rectangle 235">
+            <a:extLst>
+              <a:ext uri="{FF2B5EF4-FFF2-40B4-BE49-F238E27FC236}">
+                <a16:creationId xmlns:a16="http://schemas.microsoft.com/office/drawing/2014/main" id="{B5F29337-40FF-6DEC-77CA-A17394D789CF}"/>
+              </a:ext>
+            </a:extLst>
+          </p:cNvPr>
+          <p:cNvSpPr>
+            <a:spLocks noChangeArrowheads="1"/>
+          </p:cNvSpPr>
+          <p:nvPr/>
+        </p:nvSpPr>
+        <p:spPr bwMode="auto">
+          <a:xfrm>
+            <a:off x="10692680" y="1272186"/>
+            <a:ext cx="1028700" cy="542925"/>
+          </a:xfrm>
+          <a:prstGeom prst="rect">
+            <a:avLst/>
+          </a:prstGeom>
+          <a:solidFill>
+            <a:schemeClr val="tx2">
+              <a:lumMod val="40000"/>
+              <a:lumOff val="60000"/>
+            </a:schemeClr>
+          </a:solidFill>
+          <a:ln w="9525">
+            <a:solidFill>
+              <a:schemeClr val="tx1"/>
+            </a:solidFill>
+            <a:miter lim="800000"/>
+            <a:headEnd/>
+            <a:tailEnd/>
+          </a:ln>
+        </p:spPr>
+        <p:txBody>
+          <a:bodyPr wrap="none" anchor="ctr"/>
+          <a:lstStyle/>
+          <a:p>
+            <a:pPr algn="ctr"/>
+            <a:endParaRPr lang="en-US" sz="1400" dirty="0">
+              <a:latin typeface="Times New Roman" pitchFamily="18" charset="0"/>
+            </a:endParaRPr>
+          </a:p>
+          <a:p>
+            <a:pPr algn="ctr"/>
+            <a:r>
+              <a:rPr lang="en-US" sz="1400" dirty="0" err="1">
+                <a:latin typeface="Times New Roman" pitchFamily="18" charset="0"/>
+              </a:rPr>
+              <a:t>Iluminação</a:t>
+            </a:r>
+            <a:endParaRPr lang="en-US" sz="1400" dirty="0">
+              <a:latin typeface="Times New Roman" pitchFamily="18" charset="0"/>
+            </a:endParaRPr>
+          </a:p>
+          <a:p>
+            <a:pPr algn="ctr"/>
+            <a:endParaRPr lang="pt-BR" sz="1400" dirty="0">
+              <a:latin typeface="Times New Roman" pitchFamily="18" charset="0"/>
+            </a:endParaRPr>
+          </a:p>
+        </p:txBody>
+      </p:sp>
+      <p:sp>
+        <p:nvSpPr>
+          <p:cNvPr id="25" name="Rectangle 235">
+            <a:extLst>
+              <a:ext uri="{FF2B5EF4-FFF2-40B4-BE49-F238E27FC236}">
+                <a16:creationId xmlns:a16="http://schemas.microsoft.com/office/drawing/2014/main" id="{7259CF8B-F00E-85D0-F816-FDF1F0BFAC7B}"/>
+              </a:ext>
+            </a:extLst>
+          </p:cNvPr>
+          <p:cNvSpPr>
+            <a:spLocks noChangeArrowheads="1"/>
+          </p:cNvSpPr>
+          <p:nvPr/>
+        </p:nvSpPr>
+        <p:spPr bwMode="auto">
+          <a:xfrm>
+            <a:off x="10692680" y="2188201"/>
+            <a:ext cx="1028700" cy="542925"/>
+          </a:xfrm>
+          <a:prstGeom prst="rect">
+            <a:avLst/>
+          </a:prstGeom>
+          <a:solidFill>
+            <a:schemeClr val="tx2">
+              <a:lumMod val="40000"/>
+              <a:lumOff val="60000"/>
+            </a:schemeClr>
+          </a:solidFill>
+          <a:ln w="9525">
+            <a:solidFill>
+              <a:schemeClr val="tx1"/>
+            </a:solidFill>
+            <a:prstDash val="dash"/>
+            <a:miter lim="800000"/>
+            <a:headEnd/>
+            <a:tailEnd/>
+          </a:ln>
+        </p:spPr>
+        <p:txBody>
+          <a:bodyPr wrap="none" anchor="ctr"/>
+          <a:lstStyle/>
+          <a:p>
+            <a:pPr algn="ctr"/>
+            <a:endParaRPr lang="en-US" sz="1400" dirty="0">
+              <a:latin typeface="Times New Roman" pitchFamily="18" charset="0"/>
+            </a:endParaRPr>
+          </a:p>
+          <a:p>
+            <a:pPr algn="ctr"/>
+            <a:r>
+              <a:rPr lang="en-US" sz="1400" dirty="0" err="1">
+                <a:latin typeface="Times New Roman" pitchFamily="18" charset="0"/>
+              </a:rPr>
+              <a:t>Aquecimento</a:t>
+            </a:r>
+            <a:endParaRPr lang="en-US" sz="1400" dirty="0">
+              <a:latin typeface="Times New Roman" pitchFamily="18" charset="0"/>
+            </a:endParaRPr>
+          </a:p>
+          <a:p>
+            <a:pPr algn="ctr"/>
+            <a:endParaRPr lang="pt-BR" sz="1400" dirty="0">
+              <a:latin typeface="Times New Roman" pitchFamily="18" charset="0"/>
+            </a:endParaRPr>
+          </a:p>
+        </p:txBody>
+      </p:sp>
+      <p:sp>
+        <p:nvSpPr>
+          <p:cNvPr id="26" name="CaixaDeTexto 25">
+            <a:extLst>
+              <a:ext uri="{FF2B5EF4-FFF2-40B4-BE49-F238E27FC236}">
+                <a16:creationId xmlns:a16="http://schemas.microsoft.com/office/drawing/2014/main" id="{652AD306-5DEC-A07E-31BE-69FD83D1558C}"/>
+              </a:ext>
+            </a:extLst>
+          </p:cNvPr>
+          <p:cNvSpPr txBox="1"/>
+          <p:nvPr/>
+        </p:nvSpPr>
+        <p:spPr>
+          <a:xfrm>
+            <a:off x="10041395" y="2698112"/>
+            <a:ext cx="972702" cy="369332"/>
+          </a:xfrm>
+          <a:prstGeom prst="rect">
+            <a:avLst/>
+          </a:prstGeom>
+          <a:noFill/>
+        </p:spPr>
+        <p:txBody>
+          <a:bodyPr wrap="none" rtlCol="0">
+            <a:spAutoFit/>
+          </a:bodyPr>
+          <a:lstStyle/>
+          <a:p>
+            <a:r>
+              <a:rPr lang="pt-BR" dirty="0"/>
+              <a:t>FUTURO</a:t>
+            </a:r>
+          </a:p>
+        </p:txBody>
+      </p:sp>
+      <p:cxnSp>
+        <p:nvCxnSpPr>
+          <p:cNvPr id="27" name="AutoShape 271">
+            <a:extLst>
+              <a:ext uri="{FF2B5EF4-FFF2-40B4-BE49-F238E27FC236}">
+                <a16:creationId xmlns:a16="http://schemas.microsoft.com/office/drawing/2014/main" id="{72105202-5E9F-C5E5-FE66-BAF4DBA44610}"/>
+              </a:ext>
+            </a:extLst>
+          </p:cNvPr>
+          <p:cNvCxnSpPr>
+            <a:cxnSpLocks noChangeShapeType="1"/>
+            <a:stCxn id="43" idx="3"/>
+            <a:endCxn id="21" idx="1"/>
+          </p:cNvCxnSpPr>
+          <p:nvPr/>
+        </p:nvCxnSpPr>
+        <p:spPr bwMode="auto">
+          <a:xfrm flipV="1">
+            <a:off x="8877300" y="1540223"/>
+            <a:ext cx="279400" cy="375890"/>
+          </a:xfrm>
+          <a:prstGeom prst="bentConnector3">
+            <a:avLst>
+              <a:gd name="adj1" fmla="val 50000"/>
+            </a:avLst>
+          </a:prstGeom>
+          <a:noFill/>
+          <a:ln w="9525">
+            <a:solidFill>
+              <a:schemeClr val="tx1"/>
+            </a:solidFill>
+            <a:miter lim="800000"/>
+            <a:headEnd/>
+            <a:tailEnd type="triangle" w="med" len="med"/>
+          </a:ln>
+        </p:spPr>
+      </p:cxnSp>
+      <p:cxnSp>
+        <p:nvCxnSpPr>
+          <p:cNvPr id="30" name="AutoShape 271">
+            <a:extLst>
+              <a:ext uri="{FF2B5EF4-FFF2-40B4-BE49-F238E27FC236}">
+                <a16:creationId xmlns:a16="http://schemas.microsoft.com/office/drawing/2014/main" id="{A684C42A-7B08-3F5D-2737-27EDC71584E5}"/>
+              </a:ext>
+            </a:extLst>
+          </p:cNvPr>
+          <p:cNvCxnSpPr>
+            <a:cxnSpLocks noChangeShapeType="1"/>
+            <a:stCxn id="21" idx="3"/>
+            <a:endCxn id="24" idx="1"/>
+          </p:cNvCxnSpPr>
+          <p:nvPr/>
+        </p:nvCxnSpPr>
+        <p:spPr bwMode="auto">
+          <a:xfrm>
+            <a:off x="10185400" y="1540223"/>
+            <a:ext cx="507280" cy="3426"/>
+          </a:xfrm>
+          <a:prstGeom prst="bentConnector3">
+            <a:avLst>
+              <a:gd name="adj1" fmla="val 50000"/>
+            </a:avLst>
+          </a:prstGeom>
+          <a:noFill/>
+          <a:ln w="9525">
+            <a:solidFill>
+              <a:schemeClr val="tx1"/>
+            </a:solidFill>
+            <a:miter lim="800000"/>
+            <a:headEnd/>
+            <a:tailEnd type="triangle" w="med" len="med"/>
+          </a:ln>
+        </p:spPr>
+      </p:cxnSp>
+      <p:sp>
+        <p:nvSpPr>
+          <p:cNvPr id="37" name="Text Box 30">
+            <a:extLst>
+              <a:ext uri="{FF2B5EF4-FFF2-40B4-BE49-F238E27FC236}">
+                <a16:creationId xmlns:a16="http://schemas.microsoft.com/office/drawing/2014/main" id="{21524AA4-D6B5-813B-E23E-59F1FC8B61D0}"/>
+              </a:ext>
+            </a:extLst>
+          </p:cNvPr>
+          <p:cNvSpPr txBox="1">
+            <a:spLocks noChangeArrowheads="1"/>
+          </p:cNvSpPr>
+          <p:nvPr/>
+        </p:nvSpPr>
+        <p:spPr bwMode="auto">
+          <a:xfrm>
+            <a:off x="10439040" y="-63500"/>
+            <a:ext cx="1520552" cy="274638"/>
+          </a:xfrm>
+          <a:prstGeom prst="rect">
+            <a:avLst/>
+          </a:prstGeom>
+          <a:noFill/>
+          <a:ln w="9525">
+            <a:noFill/>
+            <a:miter lim="800000"/>
+            <a:headEnd/>
+            <a:tailEnd/>
+          </a:ln>
+        </p:spPr>
+        <p:txBody>
+          <a:bodyPr/>
+          <a:lstStyle/>
+          <a:p>
+            <a:pPr algn="ctr"/>
+            <a:r>
+              <a:rPr lang="en-US" sz="1300" b="1" dirty="0" err="1">
+                <a:latin typeface="Times New Roman" pitchFamily="18" charset="0"/>
+              </a:rPr>
+              <a:t>Energia</a:t>
+            </a:r>
+            <a:r>
+              <a:rPr lang="en-US" sz="1300" b="1" dirty="0">
+                <a:latin typeface="Times New Roman" pitchFamily="18" charset="0"/>
+              </a:rPr>
+              <a:t> </a:t>
+            </a:r>
+            <a:r>
+              <a:rPr lang="en-US" sz="1300" b="1" dirty="0" err="1">
+                <a:latin typeface="Times New Roman" pitchFamily="18" charset="0"/>
+              </a:rPr>
+              <a:t>Útil</a:t>
+            </a:r>
+            <a:endParaRPr lang="en-US" sz="1300" b="1" dirty="0">
+              <a:latin typeface="Times New Roman" pitchFamily="18" charset="0"/>
+            </a:endParaRPr>
+          </a:p>
+        </p:txBody>
+      </p:sp>
     </p:spTree>
     <p:extLst>
       <p:ext uri="{BB962C8B-B14F-4D97-AF65-F5344CB8AC3E}">

--- a/Documentação/1-Diagrama PPT/Cadeias Energéticas.pptx
+++ b/Documentação/1-Diagrama PPT/Cadeias Energéticas.pptx
@@ -5,13 +5,16 @@
     <p:sldMasterId id="2147483648" r:id="rId1"/>
   </p:sldMasterIdLst>
   <p:notesMasterIdLst>
-    <p:notesMasterId r:id="rId4"/>
+    <p:notesMasterId r:id="rId7"/>
   </p:notesMasterIdLst>
   <p:sldIdLst>
     <p:sldId id="260" r:id="rId2"/>
     <p:sldId id="259" r:id="rId3"/>
+    <p:sldId id="261" r:id="rId4"/>
+    <p:sldId id="263" r:id="rId5"/>
+    <p:sldId id="262" r:id="rId6"/>
   </p:sldIdLst>
-  <p:sldSz cx="9144000" cy="6858000" type="screen4x3"/>
+  <p:sldSz cx="12192000" cy="6858000"/>
   <p:notesSz cx="6858000" cy="9144000"/>
   <p:defaultTextStyle>
     <a:defPPr>
@@ -111,12 +114,12 @@
   <p:extLst>
     <p:ext uri="{EFAFB233-063F-42B5-8137-9DF3F51BA10A}">
       <p15:sldGuideLst xmlns:p15="http://schemas.microsoft.com/office/powerpoint/2012/main">
-        <p15:guide id="1" orient="horz" pos="2160">
+        <p15:guide id="1" orient="horz" pos="2160" userDrawn="1">
           <p15:clr>
             <a:srgbClr val="A4A3A4"/>
           </p15:clr>
         </p15:guide>
-        <p15:guide id="2" pos="2880">
+        <p15:guide id="2" pos="3840" userDrawn="1">
           <p15:clr>
             <a:srgbClr val="A4A3A4"/>
           </p15:clr>
@@ -209,7 +212,7 @@
           <a:p>
             <a:fld id="{F22EC251-D700-40B5-87D9-A45C9416D694}" type="datetimeFigureOut">
               <a:rPr lang="pt-BR" smtClean="0"/>
-              <a:t>28/10/2024</a:t>
+              <a:t>30/10/2024</a:t>
             </a:fld>
             <a:endParaRPr lang="pt-BR"/>
           </a:p>
@@ -227,8 +230,8 @@
         </p:nvSpPr>
         <p:spPr>
           <a:xfrm>
-            <a:off x="1371600" y="1143000"/>
-            <a:ext cx="4114800" cy="3086100"/>
+            <a:off x="685800" y="1143000"/>
+            <a:ext cx="5486400" cy="3086100"/>
           </a:xfrm>
           <a:prstGeom prst="rect">
             <a:avLst/>
@@ -503,7 +506,12 @@
             <p:ph type="sldImg"/>
           </p:nvPr>
         </p:nvSpPr>
-        <p:spPr/>
+        <p:spPr>
+          <a:xfrm>
+            <a:off x="685800" y="1143000"/>
+            <a:ext cx="5486400" cy="3086100"/>
+          </a:xfrm>
+        </p:spPr>
       </p:sp>
       <p:sp>
         <p:nvSpPr>
@@ -522,7 +530,7 @@
           <a:p>
             <a:r>
               <a:rPr lang="pt-BR" dirty="0"/>
-              <a:t>Atual</a:t>
+              <a:t>Versão 01</a:t>
             </a:r>
           </a:p>
         </p:txBody>
@@ -590,7 +598,12 @@
             <p:ph type="sldImg"/>
           </p:nvPr>
         </p:nvSpPr>
-        <p:spPr/>
+        <p:spPr>
+          <a:xfrm>
+            <a:off x="685800" y="1143000"/>
+            <a:ext cx="5486400" cy="3086100"/>
+          </a:xfrm>
+        </p:spPr>
       </p:sp>
       <p:sp>
         <p:nvSpPr>
@@ -609,7 +622,7 @@
           <a:p>
             <a:r>
               <a:rPr lang="pt-BR" dirty="0"/>
-              <a:t>Próximo</a:t>
+              <a:t>Versão 02 Atual</a:t>
             </a:r>
           </a:p>
         </p:txBody>
@@ -641,6 +654,267 @@
     <p:extLst>
       <p:ext uri="{BB962C8B-B14F-4D97-AF65-F5344CB8AC3E}">
         <p14:creationId xmlns:p14="http://schemas.microsoft.com/office/powerpoint/2010/main" val="1534962120"/>
+      </p:ext>
+    </p:extLst>
+  </p:cSld>
+  <p:clrMapOvr>
+    <a:masterClrMapping/>
+  </p:clrMapOvr>
+</p:notes>
+</file>
+
+<file path=ppt/notesSlides/notesSlide3.xml><?xml version="1.0" encoding="utf-8"?>
+<p:notes xmlns:a="http://schemas.openxmlformats.org/drawingml/2006/main" xmlns:r="http://schemas.openxmlformats.org/officeDocument/2006/relationships" xmlns:p="http://schemas.openxmlformats.org/presentationml/2006/main">
+  <p:cSld>
+    <p:spTree>
+      <p:nvGrpSpPr>
+        <p:cNvPr id="1" name=""/>
+        <p:cNvGrpSpPr/>
+        <p:nvPr/>
+      </p:nvGrpSpPr>
+      <p:grpSpPr>
+        <a:xfrm>
+          <a:off x="0" y="0"/>
+          <a:ext cx="0" cy="0"/>
+          <a:chOff x="0" y="0"/>
+          <a:chExt cx="0" cy="0"/>
+        </a:xfrm>
+      </p:grpSpPr>
+      <p:sp>
+        <p:nvSpPr>
+          <p:cNvPr id="2" name="Espaço Reservado para Imagem de Slide 1"/>
+          <p:cNvSpPr>
+            <a:spLocks noGrp="1" noRot="1" noChangeAspect="1"/>
+          </p:cNvSpPr>
+          <p:nvPr>
+            <p:ph type="sldImg"/>
+          </p:nvPr>
+        </p:nvSpPr>
+        <p:spPr/>
+      </p:sp>
+      <p:sp>
+        <p:nvSpPr>
+          <p:cNvPr id="3" name="Espaço Reservado para Anotações 2"/>
+          <p:cNvSpPr>
+            <a:spLocks noGrp="1"/>
+          </p:cNvSpPr>
+          <p:nvPr>
+            <p:ph type="body" idx="1"/>
+          </p:nvPr>
+        </p:nvSpPr>
+        <p:spPr/>
+        <p:txBody>
+          <a:bodyPr/>
+          <a:lstStyle/>
+          <a:p>
+            <a:r>
+              <a:rPr lang="pt-BR" dirty="0"/>
+              <a:t>Tentativa como Energia Final</a:t>
+            </a:r>
+          </a:p>
+        </p:txBody>
+      </p:sp>
+      <p:sp>
+        <p:nvSpPr>
+          <p:cNvPr id="4" name="Espaço Reservado para Número de Slide 3"/>
+          <p:cNvSpPr>
+            <a:spLocks noGrp="1"/>
+          </p:cNvSpPr>
+          <p:nvPr>
+            <p:ph type="sldNum" sz="quarter" idx="5"/>
+          </p:nvPr>
+        </p:nvSpPr>
+        <p:spPr/>
+        <p:txBody>
+          <a:bodyPr/>
+          <a:lstStyle/>
+          <a:p>
+            <a:fld id="{04C3BA9C-038C-4BB8-B038-C189F78C736F}" type="slidenum">
+              <a:rPr lang="pt-BR" smtClean="0"/>
+              <a:t>3</a:t>
+            </a:fld>
+            <a:endParaRPr lang="pt-BR"/>
+          </a:p>
+        </p:txBody>
+      </p:sp>
+    </p:spTree>
+    <p:extLst>
+      <p:ext uri="{BB962C8B-B14F-4D97-AF65-F5344CB8AC3E}">
+        <p14:creationId xmlns:p14="http://schemas.microsoft.com/office/powerpoint/2010/main" val="3586815450"/>
+      </p:ext>
+    </p:extLst>
+  </p:cSld>
+  <p:clrMapOvr>
+    <a:masterClrMapping/>
+  </p:clrMapOvr>
+</p:notes>
+</file>
+
+<file path=ppt/notesSlides/notesSlide4.xml><?xml version="1.0" encoding="utf-8"?>
+<p:notes xmlns:a="http://schemas.openxmlformats.org/drawingml/2006/main" xmlns:r="http://schemas.openxmlformats.org/officeDocument/2006/relationships" xmlns:p="http://schemas.openxmlformats.org/presentationml/2006/main">
+  <p:cSld>
+    <p:spTree>
+      <p:nvGrpSpPr>
+        <p:cNvPr id="1" name=""/>
+        <p:cNvGrpSpPr/>
+        <p:nvPr/>
+      </p:nvGrpSpPr>
+      <p:grpSpPr>
+        <a:xfrm>
+          <a:off x="0" y="0"/>
+          <a:ext cx="0" cy="0"/>
+          <a:chOff x="0" y="0"/>
+          <a:chExt cx="0" cy="0"/>
+        </a:xfrm>
+      </p:grpSpPr>
+      <p:sp>
+        <p:nvSpPr>
+          <p:cNvPr id="2" name="Espaço Reservado para Imagem de Slide 1"/>
+          <p:cNvSpPr>
+            <a:spLocks noGrp="1" noRot="1" noChangeAspect="1"/>
+          </p:cNvSpPr>
+          <p:nvPr>
+            <p:ph type="sldImg"/>
+          </p:nvPr>
+        </p:nvSpPr>
+        <p:spPr/>
+      </p:sp>
+      <p:sp>
+        <p:nvSpPr>
+          <p:cNvPr id="3" name="Espaço Reservado para Anotações 2"/>
+          <p:cNvSpPr>
+            <a:spLocks noGrp="1"/>
+          </p:cNvSpPr>
+          <p:nvPr>
+            <p:ph type="body" idx="1"/>
+          </p:nvPr>
+        </p:nvSpPr>
+        <p:spPr/>
+        <p:txBody>
+          <a:bodyPr/>
+          <a:lstStyle/>
+          <a:p>
+            <a:r>
+              <a:rPr lang="pt-BR" dirty="0"/>
+              <a:t>Na prática</a:t>
+            </a:r>
+          </a:p>
+        </p:txBody>
+      </p:sp>
+      <p:sp>
+        <p:nvSpPr>
+          <p:cNvPr id="4" name="Espaço Reservado para Número de Slide 3"/>
+          <p:cNvSpPr>
+            <a:spLocks noGrp="1"/>
+          </p:cNvSpPr>
+          <p:nvPr>
+            <p:ph type="sldNum" sz="quarter" idx="5"/>
+          </p:nvPr>
+        </p:nvSpPr>
+        <p:spPr/>
+        <p:txBody>
+          <a:bodyPr/>
+          <a:lstStyle/>
+          <a:p>
+            <a:fld id="{04C3BA9C-038C-4BB8-B038-C189F78C736F}" type="slidenum">
+              <a:rPr lang="pt-BR" smtClean="0"/>
+              <a:t>4</a:t>
+            </a:fld>
+            <a:endParaRPr lang="pt-BR"/>
+          </a:p>
+        </p:txBody>
+      </p:sp>
+    </p:spTree>
+    <p:extLst>
+      <p:ext uri="{BB962C8B-B14F-4D97-AF65-F5344CB8AC3E}">
+        <p14:creationId xmlns:p14="http://schemas.microsoft.com/office/powerpoint/2010/main" val="2252283206"/>
+      </p:ext>
+    </p:extLst>
+  </p:cSld>
+  <p:clrMapOvr>
+    <a:masterClrMapping/>
+  </p:clrMapOvr>
+</p:notes>
+</file>
+
+<file path=ppt/notesSlides/notesSlide5.xml><?xml version="1.0" encoding="utf-8"?>
+<p:notes xmlns:a="http://schemas.openxmlformats.org/drawingml/2006/main" xmlns:r="http://schemas.openxmlformats.org/officeDocument/2006/relationships" xmlns:p="http://schemas.openxmlformats.org/presentationml/2006/main">
+  <p:cSld>
+    <p:spTree>
+      <p:nvGrpSpPr>
+        <p:cNvPr id="1" name=""/>
+        <p:cNvGrpSpPr/>
+        <p:nvPr/>
+      </p:nvGrpSpPr>
+      <p:grpSpPr>
+        <a:xfrm>
+          <a:off x="0" y="0"/>
+          <a:ext cx="0" cy="0"/>
+          <a:chOff x="0" y="0"/>
+          <a:chExt cx="0" cy="0"/>
+        </a:xfrm>
+      </p:grpSpPr>
+      <p:sp>
+        <p:nvSpPr>
+          <p:cNvPr id="2" name="Espaço Reservado para Imagem de Slide 1"/>
+          <p:cNvSpPr>
+            <a:spLocks noGrp="1" noRot="1" noChangeAspect="1"/>
+          </p:cNvSpPr>
+          <p:nvPr>
+            <p:ph type="sldImg"/>
+          </p:nvPr>
+        </p:nvSpPr>
+        <p:spPr/>
+      </p:sp>
+      <p:sp>
+        <p:nvSpPr>
+          <p:cNvPr id="3" name="Espaço Reservado para Anotações 2"/>
+          <p:cNvSpPr>
+            <a:spLocks noGrp="1"/>
+          </p:cNvSpPr>
+          <p:nvPr>
+            <p:ph type="body" idx="1"/>
+          </p:nvPr>
+        </p:nvSpPr>
+        <p:spPr/>
+        <p:txBody>
+          <a:bodyPr/>
+          <a:lstStyle/>
+          <a:p>
+            <a:r>
+              <a:rPr lang="pt-BR" dirty="0"/>
+              <a:t>Tentativa como Energia Útil</a:t>
+            </a:r>
+          </a:p>
+        </p:txBody>
+      </p:sp>
+      <p:sp>
+        <p:nvSpPr>
+          <p:cNvPr id="4" name="Espaço Reservado para Número de Slide 3"/>
+          <p:cNvSpPr>
+            <a:spLocks noGrp="1"/>
+          </p:cNvSpPr>
+          <p:nvPr>
+            <p:ph type="sldNum" sz="quarter" idx="5"/>
+          </p:nvPr>
+        </p:nvSpPr>
+        <p:spPr/>
+        <p:txBody>
+          <a:bodyPr/>
+          <a:lstStyle/>
+          <a:p>
+            <a:fld id="{04C3BA9C-038C-4BB8-B038-C189F78C736F}" type="slidenum">
+              <a:rPr lang="pt-BR" smtClean="0"/>
+              <a:t>5</a:t>
+            </a:fld>
+            <a:endParaRPr lang="pt-BR"/>
+          </a:p>
+        </p:txBody>
+      </p:sp>
+    </p:spTree>
+    <p:extLst>
+      <p:ext uri="{BB962C8B-B14F-4D97-AF65-F5344CB8AC3E}">
+        <p14:creationId xmlns:p14="http://schemas.microsoft.com/office/powerpoint/2010/main" val="4234835408"/>
       </p:ext>
     </p:extLst>
   </p:cSld>
@@ -679,8 +953,8 @@
         </p:nvSpPr>
         <p:spPr>
           <a:xfrm>
-            <a:off x="685800" y="2130425"/>
-            <a:ext cx="7772400" cy="1470025"/>
+            <a:off x="914400" y="2130426"/>
+            <a:ext cx="10363200" cy="1470025"/>
           </a:xfrm>
         </p:spPr>
         <p:txBody>
@@ -706,8 +980,8 @@
         </p:nvSpPr>
         <p:spPr>
           <a:xfrm>
-            <a:off x="1371600" y="3886200"/>
-            <a:ext cx="6400800" cy="1752600"/>
+            <a:off x="1828800" y="3886200"/>
+            <a:ext cx="8534400" cy="1752600"/>
           </a:xfrm>
         </p:spPr>
         <p:txBody>
@@ -830,7 +1104,7 @@
             <a:fld id="{C11B6B41-91B8-4293-9633-874C21C369B6}" type="datetimeFigureOut">
               <a:rPr lang="pt-BR" smtClean="0"/>
               <a:pPr/>
-              <a:t>28/10/2024</a:t>
+              <a:t>30/10/2024</a:t>
             </a:fld>
             <a:endParaRPr lang="pt-BR"/>
           </a:p>
@@ -995,7 +1269,7 @@
             <a:fld id="{C11B6B41-91B8-4293-9633-874C21C369B6}" type="datetimeFigureOut">
               <a:rPr lang="pt-BR" smtClean="0"/>
               <a:pPr/>
-              <a:t>28/10/2024</a:t>
+              <a:t>30/10/2024</a:t>
             </a:fld>
             <a:endParaRPr lang="pt-BR"/>
           </a:p>
@@ -1081,8 +1355,8 @@
         </p:nvSpPr>
         <p:spPr>
           <a:xfrm>
-            <a:off x="6629400" y="274638"/>
-            <a:ext cx="2057400" cy="5851525"/>
+            <a:off x="8839200" y="274639"/>
+            <a:ext cx="2743200" cy="5851525"/>
           </a:xfrm>
         </p:spPr>
         <p:txBody>
@@ -1108,8 +1382,8 @@
         </p:nvSpPr>
         <p:spPr>
           <a:xfrm>
-            <a:off x="457200" y="274638"/>
-            <a:ext cx="6019800" cy="5851525"/>
+            <a:off x="609600" y="274639"/>
+            <a:ext cx="8026400" cy="5851525"/>
           </a:xfrm>
         </p:spPr>
         <p:txBody>
@@ -1170,7 +1444,7 @@
             <a:fld id="{C11B6B41-91B8-4293-9633-874C21C369B6}" type="datetimeFigureOut">
               <a:rPr lang="pt-BR" smtClean="0"/>
               <a:pPr/>
-              <a:t>28/10/2024</a:t>
+              <a:t>30/10/2024</a:t>
             </a:fld>
             <a:endParaRPr lang="pt-BR"/>
           </a:p>
@@ -1335,7 +1609,7 @@
             <a:fld id="{C11B6B41-91B8-4293-9633-874C21C369B6}" type="datetimeFigureOut">
               <a:rPr lang="pt-BR" smtClean="0"/>
               <a:pPr/>
-              <a:t>28/10/2024</a:t>
+              <a:t>30/10/2024</a:t>
             </a:fld>
             <a:endParaRPr lang="pt-BR"/>
           </a:p>
@@ -1421,8 +1695,8 @@
         </p:nvSpPr>
         <p:spPr>
           <a:xfrm>
-            <a:off x="722313" y="4406900"/>
-            <a:ext cx="7772400" cy="1362075"/>
+            <a:off x="963084" y="4406901"/>
+            <a:ext cx="10363200" cy="1362075"/>
           </a:xfrm>
         </p:spPr>
         <p:txBody>
@@ -1452,8 +1726,8 @@
         </p:nvSpPr>
         <p:spPr>
           <a:xfrm>
-            <a:off x="722313" y="2906713"/>
-            <a:ext cx="7772400" cy="1500187"/>
+            <a:off x="963084" y="2906713"/>
+            <a:ext cx="10363200" cy="1500187"/>
           </a:xfrm>
         </p:spPr>
         <p:txBody>
@@ -1577,7 +1851,7 @@
             <a:fld id="{C11B6B41-91B8-4293-9633-874C21C369B6}" type="datetimeFigureOut">
               <a:rPr lang="pt-BR" smtClean="0"/>
               <a:pPr/>
-              <a:t>28/10/2024</a:t>
+              <a:t>30/10/2024</a:t>
             </a:fld>
             <a:endParaRPr lang="pt-BR"/>
           </a:p>
@@ -1685,8 +1959,8 @@
         </p:nvSpPr>
         <p:spPr>
           <a:xfrm>
-            <a:off x="457200" y="1600200"/>
-            <a:ext cx="4038600" cy="4525963"/>
+            <a:off x="609600" y="1600201"/>
+            <a:ext cx="5384800" cy="4525963"/>
           </a:xfrm>
         </p:spPr>
         <p:txBody>
@@ -1769,8 +2043,8 @@
         </p:nvSpPr>
         <p:spPr>
           <a:xfrm>
-            <a:off x="4648200" y="1600200"/>
-            <a:ext cx="4038600" cy="4525963"/>
+            <a:off x="6197600" y="1600201"/>
+            <a:ext cx="5384800" cy="4525963"/>
           </a:xfrm>
         </p:spPr>
         <p:txBody>
@@ -1859,7 +2133,7 @@
             <a:fld id="{C11B6B41-91B8-4293-9633-874C21C369B6}" type="datetimeFigureOut">
               <a:rPr lang="pt-BR" smtClean="0"/>
               <a:pPr/>
-              <a:t>28/10/2024</a:t>
+              <a:t>30/10/2024</a:t>
             </a:fld>
             <a:endParaRPr lang="pt-BR"/>
           </a:p>
@@ -1971,8 +2245,8 @@
         </p:nvSpPr>
         <p:spPr>
           <a:xfrm>
-            <a:off x="457200" y="1535113"/>
-            <a:ext cx="4040188" cy="639762"/>
+            <a:off x="609600" y="1535113"/>
+            <a:ext cx="5386917" cy="639762"/>
           </a:xfrm>
         </p:spPr>
         <p:txBody>
@@ -2036,8 +2310,8 @@
         </p:nvSpPr>
         <p:spPr>
           <a:xfrm>
-            <a:off x="457200" y="2174875"/>
-            <a:ext cx="4040188" cy="3951288"/>
+            <a:off x="609600" y="2174875"/>
+            <a:ext cx="5386917" cy="3951288"/>
           </a:xfrm>
         </p:spPr>
         <p:txBody>
@@ -2120,8 +2394,8 @@
         </p:nvSpPr>
         <p:spPr>
           <a:xfrm>
-            <a:off x="4645025" y="1535113"/>
-            <a:ext cx="4041775" cy="639762"/>
+            <a:off x="6193368" y="1535113"/>
+            <a:ext cx="5389033" cy="639762"/>
           </a:xfrm>
         </p:spPr>
         <p:txBody>
@@ -2185,8 +2459,8 @@
         </p:nvSpPr>
         <p:spPr>
           <a:xfrm>
-            <a:off x="4645025" y="2174875"/>
-            <a:ext cx="4041775" cy="3951288"/>
+            <a:off x="6193368" y="2174875"/>
+            <a:ext cx="5389033" cy="3951288"/>
           </a:xfrm>
         </p:spPr>
         <p:txBody>
@@ -2275,7 +2549,7 @@
             <a:fld id="{C11B6B41-91B8-4293-9633-874C21C369B6}" type="datetimeFigureOut">
               <a:rPr lang="pt-BR" smtClean="0"/>
               <a:pPr/>
-              <a:t>28/10/2024</a:t>
+              <a:t>30/10/2024</a:t>
             </a:fld>
             <a:endParaRPr lang="pt-BR"/>
           </a:p>
@@ -2389,7 +2663,7 @@
             <a:fld id="{C11B6B41-91B8-4293-9633-874C21C369B6}" type="datetimeFigureOut">
               <a:rPr lang="pt-BR" smtClean="0"/>
               <a:pPr/>
-              <a:t>28/10/2024</a:t>
+              <a:t>30/10/2024</a:t>
             </a:fld>
             <a:endParaRPr lang="pt-BR"/>
           </a:p>
@@ -2481,7 +2755,7 @@
             <a:fld id="{C11B6B41-91B8-4293-9633-874C21C369B6}" type="datetimeFigureOut">
               <a:rPr lang="pt-BR" smtClean="0"/>
               <a:pPr/>
-              <a:t>28/10/2024</a:t>
+              <a:t>30/10/2024</a:t>
             </a:fld>
             <a:endParaRPr lang="pt-BR"/>
           </a:p>
@@ -2567,8 +2841,8 @@
         </p:nvSpPr>
         <p:spPr>
           <a:xfrm>
-            <a:off x="457200" y="273050"/>
-            <a:ext cx="3008313" cy="1162050"/>
+            <a:off x="609601" y="273050"/>
+            <a:ext cx="4011084" cy="1162050"/>
           </a:xfrm>
         </p:spPr>
         <p:txBody>
@@ -2598,8 +2872,8 @@
         </p:nvSpPr>
         <p:spPr>
           <a:xfrm>
-            <a:off x="3575050" y="273050"/>
-            <a:ext cx="5111750" cy="5853113"/>
+            <a:off x="4766733" y="273051"/>
+            <a:ext cx="6815667" cy="5853113"/>
           </a:xfrm>
         </p:spPr>
         <p:txBody>
@@ -2682,8 +2956,8 @@
         </p:nvSpPr>
         <p:spPr>
           <a:xfrm>
-            <a:off x="457200" y="1435100"/>
-            <a:ext cx="3008313" cy="4691063"/>
+            <a:off x="609601" y="1435101"/>
+            <a:ext cx="4011084" cy="4691063"/>
           </a:xfrm>
         </p:spPr>
         <p:txBody>
@@ -2753,7 +3027,7 @@
             <a:fld id="{C11B6B41-91B8-4293-9633-874C21C369B6}" type="datetimeFigureOut">
               <a:rPr lang="pt-BR" smtClean="0"/>
               <a:pPr/>
-              <a:t>28/10/2024</a:t>
+              <a:t>30/10/2024</a:t>
             </a:fld>
             <a:endParaRPr lang="pt-BR"/>
           </a:p>
@@ -2839,8 +3113,8 @@
         </p:nvSpPr>
         <p:spPr>
           <a:xfrm>
-            <a:off x="1792288" y="4800600"/>
-            <a:ext cx="5486400" cy="566738"/>
+            <a:off x="2389717" y="4800600"/>
+            <a:ext cx="7315200" cy="566738"/>
           </a:xfrm>
         </p:spPr>
         <p:txBody>
@@ -2870,8 +3144,8 @@
         </p:nvSpPr>
         <p:spPr>
           <a:xfrm>
-            <a:off x="1792288" y="612775"/>
-            <a:ext cx="5486400" cy="4114800"/>
+            <a:off x="2389717" y="612775"/>
+            <a:ext cx="7315200" cy="4114800"/>
           </a:xfrm>
         </p:spPr>
         <p:txBody>
@@ -2931,8 +3205,8 @@
         </p:nvSpPr>
         <p:spPr>
           <a:xfrm>
-            <a:off x="1792288" y="5367338"/>
-            <a:ext cx="5486400" cy="804862"/>
+            <a:off x="2389717" y="5367338"/>
+            <a:ext cx="7315200" cy="804862"/>
           </a:xfrm>
         </p:spPr>
         <p:txBody>
@@ -3002,7 +3276,7 @@
             <a:fld id="{C11B6B41-91B8-4293-9633-874C21C369B6}" type="datetimeFigureOut">
               <a:rPr lang="pt-BR" smtClean="0"/>
               <a:pPr/>
-              <a:t>28/10/2024</a:t>
+              <a:t>30/10/2024</a:t>
             </a:fld>
             <a:endParaRPr lang="pt-BR"/>
           </a:p>
@@ -3093,8 +3367,8 @@
         </p:nvSpPr>
         <p:spPr>
           <a:xfrm>
-            <a:off x="457200" y="274638"/>
-            <a:ext cx="8229600" cy="1143000"/>
+            <a:off x="609600" y="274638"/>
+            <a:ext cx="10972800" cy="1143000"/>
           </a:xfrm>
           <a:prstGeom prst="rect">
             <a:avLst/>
@@ -3125,8 +3399,8 @@
         </p:nvSpPr>
         <p:spPr>
           <a:xfrm>
-            <a:off x="457200" y="1600200"/>
-            <a:ext cx="8229600" cy="4525963"/>
+            <a:off x="609600" y="1600201"/>
+            <a:ext cx="10972800" cy="4525963"/>
           </a:xfrm>
           <a:prstGeom prst="rect">
             <a:avLst/>
@@ -3186,8 +3460,8 @@
         </p:nvSpPr>
         <p:spPr>
           <a:xfrm>
-            <a:off x="457200" y="6356350"/>
-            <a:ext cx="2133600" cy="365125"/>
+            <a:off x="609600" y="6356351"/>
+            <a:ext cx="2844800" cy="365125"/>
           </a:xfrm>
           <a:prstGeom prst="rect">
             <a:avLst/>
@@ -3210,7 +3484,7 @@
             <a:fld id="{C11B6B41-91B8-4293-9633-874C21C369B6}" type="datetimeFigureOut">
               <a:rPr lang="pt-BR" smtClean="0"/>
               <a:pPr/>
-              <a:t>28/10/2024</a:t>
+              <a:t>30/10/2024</a:t>
             </a:fld>
             <a:endParaRPr lang="pt-BR"/>
           </a:p>
@@ -3228,8 +3502,8 @@
         </p:nvSpPr>
         <p:spPr>
           <a:xfrm>
-            <a:off x="3124200" y="6356350"/>
-            <a:ext cx="2895600" cy="365125"/>
+            <a:off x="4165600" y="6356351"/>
+            <a:ext cx="3860800" cy="365125"/>
           </a:xfrm>
           <a:prstGeom prst="rect">
             <a:avLst/>
@@ -3265,8 +3539,8 @@
         </p:nvSpPr>
         <p:spPr>
           <a:xfrm>
-            <a:off x="6553200" y="6356350"/>
-            <a:ext cx="2133600" cy="365125"/>
+            <a:off x="8737600" y="6356351"/>
+            <a:ext cx="2844800" cy="365125"/>
           </a:xfrm>
           <a:prstGeom prst="rect">
             <a:avLst/>
@@ -3591,7 +3865,7 @@
         </p:nvSpPr>
         <p:spPr bwMode="auto">
           <a:xfrm>
-            <a:off x="1808163" y="441325"/>
+            <a:off x="3332163" y="441326"/>
             <a:ext cx="1392238" cy="6119813"/>
           </a:xfrm>
           <a:prstGeom prst="rect">
@@ -3637,7 +3911,7 @@
         </p:nvSpPr>
         <p:spPr bwMode="auto">
           <a:xfrm>
-            <a:off x="0" y="425450"/>
+            <a:off x="1524000" y="425451"/>
             <a:ext cx="1600200" cy="6119813"/>
           </a:xfrm>
           <a:prstGeom prst="rect">
@@ -3683,7 +3957,7 @@
         </p:nvSpPr>
         <p:spPr bwMode="auto">
           <a:xfrm>
-            <a:off x="4700588" y="441325"/>
+            <a:off x="6224589" y="441326"/>
             <a:ext cx="1471613" cy="6119813"/>
           </a:xfrm>
           <a:prstGeom prst="rect">
@@ -3729,7 +4003,7 @@
         </p:nvSpPr>
         <p:spPr bwMode="auto">
           <a:xfrm>
-            <a:off x="3276600" y="441325"/>
+            <a:off x="4800600" y="441326"/>
             <a:ext cx="1339850" cy="6119813"/>
           </a:xfrm>
           <a:prstGeom prst="rect">
@@ -3775,7 +4049,7 @@
         </p:nvSpPr>
         <p:spPr bwMode="auto">
           <a:xfrm>
-            <a:off x="6248400" y="425450"/>
+            <a:off x="7772400" y="425451"/>
             <a:ext cx="1447800" cy="6119813"/>
           </a:xfrm>
           <a:prstGeom prst="rect">
@@ -3821,7 +4095,7 @@
         </p:nvSpPr>
         <p:spPr bwMode="auto">
           <a:xfrm>
-            <a:off x="7546194" y="425450"/>
+            <a:off x="9070194" y="425451"/>
             <a:ext cx="1460500" cy="6196013"/>
           </a:xfrm>
           <a:prstGeom prst="rect">
@@ -3870,7 +4144,7 @@
         </p:nvSpPr>
         <p:spPr bwMode="auto">
           <a:xfrm>
-            <a:off x="381000" y="-63500"/>
+            <a:off x="1905001" y="-63500"/>
             <a:ext cx="1116013" cy="274638"/>
           </a:xfrm>
           <a:prstGeom prst="rect">
@@ -3911,7 +4185,7 @@
         </p:nvSpPr>
         <p:spPr bwMode="auto">
           <a:xfrm>
-            <a:off x="2084388" y="-63500"/>
+            <a:off x="3608389" y="-63500"/>
             <a:ext cx="1116013" cy="274638"/>
           </a:xfrm>
           <a:prstGeom prst="rect">
@@ -3964,7 +4238,7 @@
         </p:nvSpPr>
         <p:spPr bwMode="auto">
           <a:xfrm>
-            <a:off x="4800600" y="-63500"/>
+            <a:off x="6324600" y="-63500"/>
             <a:ext cx="1371600" cy="274638"/>
           </a:xfrm>
           <a:prstGeom prst="rect">
@@ -4008,7 +4282,7 @@
         </p:nvSpPr>
         <p:spPr bwMode="auto">
           <a:xfrm>
-            <a:off x="6248400" y="-77788"/>
+            <a:off x="7772400" y="-77788"/>
             <a:ext cx="1447800" cy="274638"/>
           </a:xfrm>
           <a:prstGeom prst="rect">
@@ -4052,7 +4326,7 @@
         </p:nvSpPr>
         <p:spPr bwMode="auto">
           <a:xfrm>
-            <a:off x="7705725" y="-77788"/>
+            <a:off x="9229726" y="-77788"/>
             <a:ext cx="1285875" cy="274638"/>
           </a:xfrm>
           <a:prstGeom prst="rect">
@@ -4096,7 +4370,7 @@
         </p:nvSpPr>
         <p:spPr bwMode="auto">
           <a:xfrm>
-            <a:off x="3505200" y="-63500"/>
+            <a:off x="5029201" y="-63500"/>
             <a:ext cx="1116013" cy="274638"/>
           </a:xfrm>
           <a:prstGeom prst="rect">
@@ -4137,7 +4411,7 @@
         </p:nvSpPr>
         <p:spPr bwMode="auto">
           <a:xfrm>
-            <a:off x="6400800" y="3429000"/>
+            <a:off x="7924800" y="3429001"/>
             <a:ext cx="1028700" cy="542925"/>
           </a:xfrm>
           <a:prstGeom prst="rect">
@@ -4206,7 +4480,7 @@
         </p:nvSpPr>
         <p:spPr bwMode="auto">
           <a:xfrm>
-            <a:off x="7848600" y="3962400"/>
+            <a:off x="9372600" y="3962401"/>
             <a:ext cx="1028700" cy="542925"/>
           </a:xfrm>
           <a:prstGeom prst="rect">
@@ -4277,7 +4551,7 @@
         </p:nvCxnSpPr>
         <p:spPr bwMode="auto">
           <a:xfrm>
-            <a:off x="7429500" y="3700462"/>
+            <a:off x="8953500" y="3700462"/>
             <a:ext cx="419100" cy="533400"/>
           </a:xfrm>
           <a:prstGeom prst="bentConnector3">
@@ -4306,7 +4580,7 @@
         </p:nvSpPr>
         <p:spPr bwMode="auto">
           <a:xfrm>
-            <a:off x="5486400" y="3943350"/>
+            <a:off x="7010400" y="3943351"/>
             <a:ext cx="533400" cy="314325"/>
           </a:xfrm>
           <a:prstGeom prst="rect">
@@ -4366,7 +4640,7 @@
         </p:nvSpPr>
         <p:spPr bwMode="auto">
           <a:xfrm>
-            <a:off x="4953000" y="3943350"/>
+            <a:off x="6477000" y="3943351"/>
             <a:ext cx="533400" cy="314325"/>
           </a:xfrm>
           <a:prstGeom prst="rect">
@@ -4423,7 +4697,7 @@
         </p:nvSpPr>
         <p:spPr bwMode="auto">
           <a:xfrm>
-            <a:off x="5486400" y="4257675"/>
+            <a:off x="7010400" y="4257676"/>
             <a:ext cx="533400" cy="314325"/>
           </a:xfrm>
           <a:prstGeom prst="rect">
@@ -4480,7 +4754,7 @@
         </p:nvSpPr>
         <p:spPr bwMode="auto">
           <a:xfrm>
-            <a:off x="4953000" y="4257675"/>
+            <a:off x="6477000" y="4257676"/>
             <a:ext cx="533400" cy="314325"/>
           </a:xfrm>
           <a:prstGeom prst="rect">
@@ -4537,7 +4811,7 @@
         </p:nvSpPr>
         <p:spPr bwMode="auto">
           <a:xfrm flipV="1">
-            <a:off x="5486400" y="3657600"/>
+            <a:off x="7010400" y="3657600"/>
             <a:ext cx="0" cy="304800"/>
           </a:xfrm>
           <a:prstGeom prst="line">
@@ -4571,7 +4845,7 @@
         </p:nvSpPr>
         <p:spPr bwMode="auto">
           <a:xfrm>
-            <a:off x="5486400" y="3657600"/>
+            <a:off x="7010400" y="3657600"/>
             <a:ext cx="304800" cy="0"/>
           </a:xfrm>
           <a:prstGeom prst="line">
@@ -4611,7 +4885,7 @@
         </p:nvCxnSpPr>
         <p:spPr>
           <a:xfrm flipV="1">
-            <a:off x="5791200" y="3657600"/>
+            <a:off x="7315200" y="3657601"/>
             <a:ext cx="609600" cy="1"/>
           </a:xfrm>
           <a:prstGeom prst="straightConnector1">
@@ -4650,7 +4924,7 @@
         </p:nvSpPr>
         <p:spPr>
           <a:xfrm>
-            <a:off x="6256339" y="2995481"/>
+            <a:off x="7780340" y="2995481"/>
             <a:ext cx="1279581" cy="369332"/>
           </a:xfrm>
           <a:prstGeom prst="rect">
@@ -4685,8 +4959,8 @@
         </p:nvSpPr>
         <p:spPr>
           <a:xfrm>
-            <a:off x="4652711" y="2083871"/>
-            <a:ext cx="785151" cy="369332"/>
+            <a:off x="6176712" y="2083871"/>
+            <a:ext cx="934871" cy="369332"/>
           </a:xfrm>
           <a:prstGeom prst="rect">
             <a:avLst/>
@@ -4701,7 +4975,7 @@
           <a:p>
             <a:r>
               <a:rPr lang="pt-BR" dirty="0"/>
-              <a:t>ATUAL</a:t>
+              <a:t>ANTIGO</a:t>
             </a:r>
           </a:p>
         </p:txBody>
@@ -4746,7 +5020,7 @@
         </p:nvSpPr>
         <p:spPr bwMode="auto">
           <a:xfrm>
-            <a:off x="1808163" y="441325"/>
+            <a:off x="1785390" y="588368"/>
             <a:ext cx="1392238" cy="6119813"/>
           </a:xfrm>
           <a:prstGeom prst="rect">
@@ -4792,7 +5066,7 @@
         </p:nvSpPr>
         <p:spPr bwMode="auto">
           <a:xfrm>
-            <a:off x="0" y="425450"/>
+            <a:off x="-22773" y="572493"/>
             <a:ext cx="1600200" cy="6119813"/>
           </a:xfrm>
           <a:prstGeom prst="rect">
@@ -4838,7 +5112,7 @@
         </p:nvSpPr>
         <p:spPr bwMode="auto">
           <a:xfrm>
-            <a:off x="4700588" y="441325"/>
+            <a:off x="4677816" y="588368"/>
             <a:ext cx="1471613" cy="6119813"/>
           </a:xfrm>
           <a:prstGeom prst="rect">
@@ -4884,7 +5158,7 @@
         </p:nvSpPr>
         <p:spPr bwMode="auto">
           <a:xfrm>
-            <a:off x="3276600" y="441325"/>
+            <a:off x="3253827" y="588368"/>
             <a:ext cx="1339850" cy="6119813"/>
           </a:xfrm>
           <a:prstGeom prst="rect">
@@ -4930,7 +5204,7 @@
         </p:nvSpPr>
         <p:spPr bwMode="auto">
           <a:xfrm>
-            <a:off x="6248400" y="425450"/>
+            <a:off x="6225627" y="572493"/>
             <a:ext cx="1447800" cy="6119813"/>
           </a:xfrm>
           <a:prstGeom prst="rect">
@@ -4976,7 +5250,7 @@
         </p:nvSpPr>
         <p:spPr bwMode="auto">
           <a:xfrm>
-            <a:off x="7543800" y="401637"/>
+            <a:off x="7521027" y="548680"/>
             <a:ext cx="1460500" cy="6196013"/>
           </a:xfrm>
           <a:prstGeom prst="rect">
@@ -5022,7 +5296,7 @@
         </p:nvSpPr>
         <p:spPr bwMode="auto">
           <a:xfrm>
-            <a:off x="381000" y="-63500"/>
+            <a:off x="358228" y="83542"/>
             <a:ext cx="1116013" cy="274638"/>
           </a:xfrm>
           <a:prstGeom prst="rect">
@@ -5063,7 +5337,7 @@
         </p:nvSpPr>
         <p:spPr bwMode="auto">
           <a:xfrm>
-            <a:off x="2084388" y="-63500"/>
+            <a:off x="2061616" y="83542"/>
             <a:ext cx="1116013" cy="274638"/>
           </a:xfrm>
           <a:prstGeom prst="rect">
@@ -5116,7 +5390,7 @@
         </p:nvSpPr>
         <p:spPr bwMode="auto">
           <a:xfrm>
-            <a:off x="4800600" y="-63500"/>
+            <a:off x="4777827" y="83542"/>
             <a:ext cx="1371600" cy="274638"/>
           </a:xfrm>
           <a:prstGeom prst="rect">
@@ -5160,7 +5434,7 @@
         </p:nvSpPr>
         <p:spPr bwMode="auto">
           <a:xfrm>
-            <a:off x="6248400" y="-77788"/>
+            <a:off x="6225627" y="69254"/>
             <a:ext cx="1447800" cy="274638"/>
           </a:xfrm>
           <a:prstGeom prst="rect">
@@ -5204,7 +5478,7 @@
         </p:nvSpPr>
         <p:spPr bwMode="auto">
           <a:xfrm>
-            <a:off x="7705725" y="-77788"/>
+            <a:off x="7682953" y="69254"/>
             <a:ext cx="1285875" cy="274638"/>
           </a:xfrm>
           <a:prstGeom prst="rect">
@@ -5248,7 +5522,7 @@
         </p:nvSpPr>
         <p:spPr bwMode="auto">
           <a:xfrm>
-            <a:off x="3505200" y="-63500"/>
+            <a:off x="3482428" y="83542"/>
             <a:ext cx="1116013" cy="274638"/>
           </a:xfrm>
           <a:prstGeom prst="rect">
@@ -5289,7 +5563,7 @@
         </p:nvSpPr>
         <p:spPr bwMode="auto">
           <a:xfrm>
-            <a:off x="6400800" y="1644650"/>
+            <a:off x="6378027" y="1791693"/>
             <a:ext cx="1028700" cy="542925"/>
           </a:xfrm>
           <a:prstGeom prst="rect">
@@ -5358,7 +5632,7 @@
         </p:nvSpPr>
         <p:spPr bwMode="auto">
           <a:xfrm>
-            <a:off x="6400800" y="2863850"/>
+            <a:off x="6378027" y="3010893"/>
             <a:ext cx="1028700" cy="542925"/>
           </a:xfrm>
           <a:prstGeom prst="rect">
@@ -5427,7 +5701,7 @@
         </p:nvSpPr>
         <p:spPr bwMode="auto">
           <a:xfrm>
-            <a:off x="6400800" y="4083050"/>
+            <a:off x="6378027" y="4230093"/>
             <a:ext cx="1028700" cy="542925"/>
           </a:xfrm>
           <a:prstGeom prst="rect">
@@ -5496,7 +5770,7 @@
         </p:nvSpPr>
         <p:spPr bwMode="auto">
           <a:xfrm>
-            <a:off x="6400800" y="5454650"/>
+            <a:off x="6378027" y="5601693"/>
             <a:ext cx="1028700" cy="542925"/>
           </a:xfrm>
           <a:prstGeom prst="rect">
@@ -5565,7 +5839,7 @@
         </p:nvSpPr>
         <p:spPr bwMode="auto">
           <a:xfrm>
-            <a:off x="7848600" y="1644650"/>
+            <a:off x="7825827" y="1791693"/>
             <a:ext cx="1028700" cy="542925"/>
           </a:xfrm>
           <a:prstGeom prst="rect">
@@ -5634,7 +5908,7 @@
         </p:nvSpPr>
         <p:spPr bwMode="auto">
           <a:xfrm>
-            <a:off x="7848600" y="3702050"/>
+            <a:off x="7825827" y="3849093"/>
             <a:ext cx="1028700" cy="542925"/>
           </a:xfrm>
           <a:prstGeom prst="rect">
@@ -5703,7 +5977,7 @@
         </p:nvSpPr>
         <p:spPr bwMode="auto">
           <a:xfrm>
-            <a:off x="7848600" y="4768850"/>
+            <a:off x="7825827" y="4915893"/>
             <a:ext cx="1028700" cy="542925"/>
           </a:xfrm>
           <a:prstGeom prst="rect">
@@ -5772,7 +6046,7 @@
         </p:nvSpPr>
         <p:spPr bwMode="auto">
           <a:xfrm>
-            <a:off x="7848600" y="5988050"/>
+            <a:off x="7825827" y="6135093"/>
             <a:ext cx="1028700" cy="542925"/>
           </a:xfrm>
           <a:prstGeom prst="rect">
@@ -5843,7 +6117,7 @@
         </p:nvCxnSpPr>
         <p:spPr bwMode="auto">
           <a:xfrm>
-            <a:off x="7429500" y="1916113"/>
+            <a:off x="7406727" y="2063155"/>
             <a:ext cx="419100" cy="12700"/>
           </a:xfrm>
           <a:prstGeom prst="bentConnector3">
@@ -5874,7 +6148,7 @@
         </p:nvCxnSpPr>
         <p:spPr bwMode="auto">
           <a:xfrm>
-            <a:off x="7429500" y="3135312"/>
+            <a:off x="7406727" y="3282354"/>
             <a:ext cx="419100" cy="838200"/>
           </a:xfrm>
           <a:prstGeom prst="bentConnector3">
@@ -5905,7 +6179,7 @@
         </p:nvCxnSpPr>
         <p:spPr bwMode="auto">
           <a:xfrm>
-            <a:off x="7429500" y="4354512"/>
+            <a:off x="7406727" y="4501554"/>
             <a:ext cx="419100" cy="685800"/>
           </a:xfrm>
           <a:prstGeom prst="bentConnector3">
@@ -5936,7 +6210,7 @@
         </p:nvCxnSpPr>
         <p:spPr bwMode="auto">
           <a:xfrm>
-            <a:off x="7429500" y="5726112"/>
+            <a:off x="7406727" y="5873154"/>
             <a:ext cx="419100" cy="533400"/>
           </a:xfrm>
           <a:prstGeom prst="bentConnector3">
@@ -5967,7 +6241,7 @@
         </p:nvCxnSpPr>
         <p:spPr bwMode="auto">
           <a:xfrm rot="10800000" flipH="1" flipV="1">
-            <a:off x="6400800" y="1916112"/>
+            <a:off x="6378027" y="2063154"/>
             <a:ext cx="1588" cy="3810000"/>
           </a:xfrm>
           <a:prstGeom prst="bentConnector3">
@@ -5998,7 +6272,7 @@
         </p:nvCxnSpPr>
         <p:spPr bwMode="auto">
           <a:xfrm rot="10800000" flipH="1" flipV="1">
-            <a:off x="6400800" y="1916112"/>
+            <a:off x="6378027" y="2063154"/>
             <a:ext cx="1588" cy="1219200"/>
           </a:xfrm>
           <a:prstGeom prst="bentConnector3">
@@ -6029,7 +6303,7 @@
         </p:nvCxnSpPr>
         <p:spPr bwMode="auto">
           <a:xfrm rot="10800000" flipH="1" flipV="1">
-            <a:off x="6400800" y="1916112"/>
+            <a:off x="6378027" y="2063154"/>
             <a:ext cx="1588" cy="2438400"/>
           </a:xfrm>
           <a:prstGeom prst="bentConnector3">
@@ -6060,7 +6334,7 @@
         </p:nvCxnSpPr>
         <p:spPr bwMode="auto">
           <a:xfrm>
-            <a:off x="6915150" y="2187575"/>
+            <a:off x="6892377" y="2334618"/>
             <a:ext cx="0" cy="676275"/>
           </a:xfrm>
           <a:prstGeom prst="straightConnector1">
@@ -6089,7 +6363,7 @@
         </p:nvCxnSpPr>
         <p:spPr bwMode="auto">
           <a:xfrm flipV="1">
-            <a:off x="6915150" y="4625975"/>
+            <a:off x="6892377" y="4773018"/>
             <a:ext cx="0" cy="828675"/>
           </a:xfrm>
           <a:prstGeom prst="straightConnector1">
@@ -6118,7 +6392,7 @@
         </p:nvCxnSpPr>
         <p:spPr bwMode="auto">
           <a:xfrm flipH="1">
-            <a:off x="6915150" y="1916112"/>
+            <a:off x="6892377" y="2063154"/>
             <a:ext cx="514350" cy="2166938"/>
           </a:xfrm>
           <a:prstGeom prst="bentConnector4">
@@ -6148,7 +6422,7 @@
         </p:nvSpPr>
         <p:spPr bwMode="auto">
           <a:xfrm flipV="1">
-            <a:off x="5791200" y="5378450"/>
+            <a:off x="5768427" y="5525492"/>
             <a:ext cx="381000" cy="304800"/>
           </a:xfrm>
           <a:custGeom>
@@ -6236,7 +6510,7 @@
         </p:nvSpPr>
         <p:spPr bwMode="auto">
           <a:xfrm flipV="1">
-            <a:off x="5486400" y="5683250"/>
+            <a:off x="5463627" y="5830292"/>
             <a:ext cx="0" cy="304800"/>
           </a:xfrm>
           <a:prstGeom prst="line">
@@ -6270,7 +6544,7 @@
         </p:nvSpPr>
         <p:spPr bwMode="auto">
           <a:xfrm>
-            <a:off x="5486400" y="5683250"/>
+            <a:off x="5463627" y="5830292"/>
             <a:ext cx="304800" cy="0"/>
           </a:xfrm>
           <a:prstGeom prst="line">
@@ -6310,7 +6584,7 @@
         </p:nvSpPr>
         <p:spPr bwMode="auto">
           <a:xfrm>
-            <a:off x="5486400" y="5964499"/>
+            <a:off x="5463627" y="6111542"/>
             <a:ext cx="533400" cy="314325"/>
           </a:xfrm>
           <a:prstGeom prst="rect">
@@ -6376,7 +6650,7 @@
         </p:nvSpPr>
         <p:spPr bwMode="auto">
           <a:xfrm>
-            <a:off x="4953000" y="5964499"/>
+            <a:off x="4930227" y="6111542"/>
             <a:ext cx="533400" cy="314325"/>
           </a:xfrm>
           <a:prstGeom prst="rect">
@@ -6439,7 +6713,7 @@
         </p:nvSpPr>
         <p:spPr bwMode="auto">
           <a:xfrm>
-            <a:off x="5486400" y="6278824"/>
+            <a:off x="5463627" y="6425867"/>
             <a:ext cx="533400" cy="314325"/>
           </a:xfrm>
           <a:prstGeom prst="rect">
@@ -6502,7 +6776,7 @@
         </p:nvSpPr>
         <p:spPr bwMode="auto">
           <a:xfrm>
-            <a:off x="4953000" y="6278824"/>
+            <a:off x="4930227" y="6425867"/>
             <a:ext cx="533400" cy="314325"/>
           </a:xfrm>
           <a:prstGeom prst="rect">
@@ -6563,8 +6837,8 @@
         </p:nvSpPr>
         <p:spPr>
           <a:xfrm>
-            <a:off x="4736636" y="2156380"/>
-            <a:ext cx="1098506" cy="369332"/>
+            <a:off x="4713863" y="2303422"/>
+            <a:ext cx="785151" cy="369332"/>
           </a:xfrm>
           <a:prstGeom prst="rect">
             <a:avLst/>
@@ -6579,7 +6853,7 @@
           <a:p>
             <a:r>
               <a:rPr lang="pt-BR" dirty="0"/>
-              <a:t>PRÓXIMO</a:t>
+              <a:t>ATUAL</a:t>
             </a:r>
           </a:p>
         </p:txBody>
@@ -6602,7 +6876,7 @@
         </p:nvCxnSpPr>
         <p:spPr bwMode="auto">
           <a:xfrm>
-            <a:off x="6915150" y="3406775"/>
+            <a:off x="6892377" y="3553818"/>
             <a:ext cx="0" cy="676275"/>
           </a:xfrm>
           <a:prstGeom prst="straightConnector1">
@@ -6635,7 +6909,7 @@
         </p:nvSpPr>
         <p:spPr bwMode="auto">
           <a:xfrm>
-            <a:off x="9156700" y="1268760"/>
+            <a:off x="9386577" y="1426097"/>
             <a:ext cx="1028700" cy="542925"/>
           </a:xfrm>
           <a:prstGeom prst="rect">
@@ -6698,7 +6972,7 @@
         </p:nvSpPr>
         <p:spPr bwMode="auto">
           <a:xfrm>
-            <a:off x="9246950" y="2228427"/>
+            <a:off x="9476827" y="2385764"/>
             <a:ext cx="1028700" cy="542925"/>
           </a:xfrm>
           <a:prstGeom prst="rect">
@@ -6762,7 +7036,7 @@
         </p:nvSpPr>
         <p:spPr bwMode="auto">
           <a:xfrm>
-            <a:off x="9028112" y="-77788"/>
+            <a:off x="9005339" y="69254"/>
             <a:ext cx="1520552" cy="274638"/>
           </a:xfrm>
           <a:prstGeom prst="rect">
@@ -6812,7 +7086,7 @@
         </p:nvSpPr>
         <p:spPr bwMode="auto">
           <a:xfrm>
-            <a:off x="10692680" y="1272186"/>
+            <a:off x="10922557" y="1429523"/>
             <a:ext cx="1028700" cy="542925"/>
           </a:xfrm>
           <a:prstGeom prst="rect">
@@ -6878,7 +7152,7 @@
         </p:nvSpPr>
         <p:spPr bwMode="auto">
           <a:xfrm>
-            <a:off x="10692680" y="2188201"/>
+            <a:off x="10922557" y="2345538"/>
             <a:ext cx="1028700" cy="542925"/>
           </a:xfrm>
           <a:prstGeom prst="rect">
@@ -6943,7 +7217,7 @@
         </p:nvSpPr>
         <p:spPr>
           <a:xfrm>
-            <a:off x="10041395" y="2698112"/>
+            <a:off x="10271272" y="2855448"/>
             <a:ext cx="972702" cy="369332"/>
           </a:xfrm>
           <a:prstGeom prst="rect">
@@ -6982,8 +7256,8 @@
         </p:nvCxnSpPr>
         <p:spPr bwMode="auto">
           <a:xfrm flipV="1">
-            <a:off x="8877300" y="1540223"/>
-            <a:ext cx="279400" cy="375890"/>
+            <a:off x="8854527" y="1697560"/>
+            <a:ext cx="532050" cy="365596"/>
           </a:xfrm>
           <a:prstGeom prst="bentConnector3">
             <a:avLst>
@@ -7019,7 +7293,7 @@
         </p:nvCxnSpPr>
         <p:spPr bwMode="auto">
           <a:xfrm>
-            <a:off x="10185400" y="1540223"/>
+            <a:off x="10415277" y="1697559"/>
             <a:ext cx="507280" cy="3426"/>
           </a:xfrm>
           <a:prstGeom prst="bentConnector3">
@@ -7054,7 +7328,7 @@
         </p:nvSpPr>
         <p:spPr bwMode="auto">
           <a:xfrm>
-            <a:off x="10439040" y="-63500"/>
+            <a:off x="10668917" y="93836"/>
             <a:ext cx="1520552" cy="274638"/>
           </a:xfrm>
           <a:prstGeom prst="rect">
@@ -7097,10 +7371,4846 @@
           </a:p>
         </p:txBody>
       </p:sp>
+      <p:sp>
+        <p:nvSpPr>
+          <p:cNvPr id="28" name="CaixaDeTexto 27">
+            <a:extLst>
+              <a:ext uri="{FF2B5EF4-FFF2-40B4-BE49-F238E27FC236}">
+                <a16:creationId xmlns:a16="http://schemas.microsoft.com/office/drawing/2014/main" id="{B0D9A9BD-D915-EAE6-62A4-E52ED13A6E98}"/>
+              </a:ext>
+            </a:extLst>
+          </p:cNvPr>
+          <p:cNvSpPr txBox="1"/>
+          <p:nvPr/>
+        </p:nvSpPr>
+        <p:spPr>
+          <a:xfrm>
+            <a:off x="9584530" y="932632"/>
+            <a:ext cx="1098506" cy="369332"/>
+          </a:xfrm>
+          <a:prstGeom prst="rect">
+            <a:avLst/>
+          </a:prstGeom>
+          <a:noFill/>
+        </p:spPr>
+        <p:txBody>
+          <a:bodyPr wrap="none" rtlCol="0">
+            <a:spAutoFit/>
+          </a:bodyPr>
+          <a:lstStyle/>
+          <a:p>
+            <a:r>
+              <a:rPr lang="pt-BR" dirty="0"/>
+              <a:t>PRÓXIMO</a:t>
+            </a:r>
+          </a:p>
+        </p:txBody>
+      </p:sp>
     </p:spTree>
     <p:extLst>
       <p:ext uri="{BB962C8B-B14F-4D97-AF65-F5344CB8AC3E}">
         <p14:creationId xmlns:p14="http://schemas.microsoft.com/office/powerpoint/2010/main" val="807424237"/>
+      </p:ext>
+    </p:extLst>
+  </p:cSld>
+  <p:clrMapOvr>
+    <a:masterClrMapping/>
+  </p:clrMapOvr>
+</p:sld>
+</file>
+
+<file path=ppt/slides/slide3.xml><?xml version="1.0" encoding="utf-8"?>
+<p:sld xmlns:a="http://schemas.openxmlformats.org/drawingml/2006/main" xmlns:r="http://schemas.openxmlformats.org/officeDocument/2006/relationships" xmlns:p="http://schemas.openxmlformats.org/presentationml/2006/main">
+  <p:cSld>
+    <p:spTree>
+      <p:nvGrpSpPr>
+        <p:cNvPr id="1" name=""/>
+        <p:cNvGrpSpPr/>
+        <p:nvPr/>
+      </p:nvGrpSpPr>
+      <p:grpSpPr>
+        <a:xfrm>
+          <a:off x="0" y="0"/>
+          <a:ext cx="0" cy="0"/>
+          <a:chOff x="0" y="0"/>
+          <a:chExt cx="0" cy="0"/>
+        </a:xfrm>
+      </p:grpSpPr>
+      <p:pic>
+        <p:nvPicPr>
+          <p:cNvPr id="82" name="Picture 4" descr="A picture containing tree&#10;&#10;Description automatically generated">
+            <a:extLst>
+              <a:ext uri="{FF2B5EF4-FFF2-40B4-BE49-F238E27FC236}">
+                <a16:creationId xmlns:a16="http://schemas.microsoft.com/office/drawing/2014/main" id="{3CEE06BA-8962-E4A3-8629-506EB7F68158}"/>
+              </a:ext>
+            </a:extLst>
+          </p:cNvPr>
+          <p:cNvPicPr>
+            <a:picLocks noChangeAspect="1"/>
+          </p:cNvPicPr>
+          <p:nvPr/>
+        </p:nvPicPr>
+        <p:blipFill>
+          <a:blip r:embed="rId3">
+            <a:extLst>
+              <a:ext uri="{28A0092B-C50C-407E-A947-70E740481C1C}">
+                <a14:useLocalDpi xmlns:a14="http://schemas.microsoft.com/office/drawing/2010/main" val="0"/>
+              </a:ext>
+            </a:extLst>
+          </a:blip>
+          <a:stretch>
+            <a:fillRect/>
+          </a:stretch>
+        </p:blipFill>
+        <p:spPr>
+          <a:xfrm>
+            <a:off x="80282" y="90975"/>
+            <a:ext cx="1748518" cy="6650067"/>
+          </a:xfrm>
+          <a:prstGeom prst="rect">
+            <a:avLst/>
+          </a:prstGeom>
+        </p:spPr>
+      </p:pic>
+      <p:sp>
+        <p:nvSpPr>
+          <p:cNvPr id="83" name="Rectangle: Rounded Corners 5">
+            <a:extLst>
+              <a:ext uri="{FF2B5EF4-FFF2-40B4-BE49-F238E27FC236}">
+                <a16:creationId xmlns:a16="http://schemas.microsoft.com/office/drawing/2014/main" id="{91C1CC29-D433-2690-2B5E-9092DAB1EFA7}"/>
+              </a:ext>
+            </a:extLst>
+          </p:cNvPr>
+          <p:cNvSpPr/>
+          <p:nvPr/>
+        </p:nvSpPr>
+        <p:spPr>
+          <a:xfrm>
+            <a:off x="2770671" y="2158409"/>
+            <a:ext cx="1167812" cy="648098"/>
+          </a:xfrm>
+          <a:prstGeom prst="roundRect">
+            <a:avLst/>
+          </a:prstGeom>
+          <a:solidFill>
+            <a:srgbClr val="4472C4"/>
+          </a:solidFill>
+          <a:ln w="12700" cap="flat" cmpd="sng" algn="ctr">
+            <a:solidFill>
+              <a:srgbClr val="4472C4">
+                <a:shade val="50000"/>
+              </a:srgbClr>
+            </a:solidFill>
+            <a:prstDash val="solid"/>
+            <a:miter lim="800000"/>
+          </a:ln>
+          <a:effectLst>
+            <a:outerShdw blurRad="50800" dist="38100" dir="2700000" algn="tl" rotWithShape="0">
+              <a:prstClr val="black">
+                <a:alpha val="40000"/>
+              </a:prstClr>
+            </a:outerShdw>
+          </a:effectLst>
+        </p:spPr>
+        <p:txBody>
+          <a:bodyPr rtlCol="0" anchor="ctr"/>
+          <a:lstStyle/>
+          <a:p>
+            <a:pPr marL="0" marR="0" lvl="0" indent="0" algn="ctr" defTabSz="914400" eaLnBrk="1" fontAlgn="auto" latinLnBrk="0" hangingPunct="1">
+              <a:lnSpc>
+                <a:spcPct val="100000"/>
+              </a:lnSpc>
+              <a:spcBef>
+                <a:spcPts val="0"/>
+              </a:spcBef>
+              <a:spcAft>
+                <a:spcPts val="0"/>
+              </a:spcAft>
+              <a:buClrTx/>
+              <a:buSzTx/>
+              <a:buFontTx/>
+              <a:buNone/>
+              <a:tabLst/>
+              <a:defRPr/>
+            </a:pPr>
+            <a:r>
+              <a:rPr kumimoji="0" lang="en-US" sz="1400" b="0" i="0" u="none" strike="noStrike" kern="0" cap="none" spc="0" normalizeH="0" baseline="0" noProof="0" dirty="0">
+                <a:ln>
+                  <a:noFill/>
+                </a:ln>
+                <a:solidFill>
+                  <a:prstClr val="white"/>
+                </a:solidFill>
+                <a:effectLst/>
+                <a:uLnTx/>
+                <a:uFillTx/>
+                <a:latin typeface="Calibri" panose="020F0502020204030204"/>
+                <a:ea typeface="+mn-ea"/>
+                <a:cs typeface="+mn-cs"/>
+              </a:rPr>
+              <a:t>Coal Power plant</a:t>
+            </a:r>
+            <a:endParaRPr kumimoji="0" lang="en-GB" sz="1400" b="0" i="0" u="none" strike="noStrike" kern="0" cap="none" spc="0" normalizeH="0" baseline="0" noProof="0" dirty="0">
+              <a:ln>
+                <a:noFill/>
+              </a:ln>
+              <a:solidFill>
+                <a:prstClr val="white"/>
+              </a:solidFill>
+              <a:effectLst/>
+              <a:uLnTx/>
+              <a:uFillTx/>
+              <a:latin typeface="Calibri" panose="020F0502020204030204"/>
+              <a:ea typeface="+mn-ea"/>
+              <a:cs typeface="+mn-cs"/>
+            </a:endParaRPr>
+          </a:p>
+        </p:txBody>
+      </p:sp>
+      <p:sp>
+        <p:nvSpPr>
+          <p:cNvPr id="84" name="Rectangle: Rounded Corners 7">
+            <a:extLst>
+              <a:ext uri="{FF2B5EF4-FFF2-40B4-BE49-F238E27FC236}">
+                <a16:creationId xmlns:a16="http://schemas.microsoft.com/office/drawing/2014/main" id="{04F11194-7DB6-0B62-28DD-2E818B9DB007}"/>
+              </a:ext>
+            </a:extLst>
+          </p:cNvPr>
+          <p:cNvSpPr/>
+          <p:nvPr/>
+        </p:nvSpPr>
+        <p:spPr>
+          <a:xfrm>
+            <a:off x="2770671" y="3452194"/>
+            <a:ext cx="1167812" cy="648098"/>
+          </a:xfrm>
+          <a:prstGeom prst="roundRect">
+            <a:avLst/>
+          </a:prstGeom>
+          <a:solidFill>
+            <a:srgbClr val="4472C4"/>
+          </a:solidFill>
+          <a:ln w="12700" cap="flat" cmpd="sng" algn="ctr">
+            <a:solidFill>
+              <a:srgbClr val="4472C4">
+                <a:shade val="50000"/>
+              </a:srgbClr>
+            </a:solidFill>
+            <a:prstDash val="solid"/>
+            <a:miter lim="800000"/>
+          </a:ln>
+          <a:effectLst>
+            <a:outerShdw blurRad="50800" dist="38100" dir="2700000" algn="tl" rotWithShape="0">
+              <a:prstClr val="black">
+                <a:alpha val="40000"/>
+              </a:prstClr>
+            </a:outerShdw>
+          </a:effectLst>
+        </p:spPr>
+        <p:txBody>
+          <a:bodyPr rtlCol="0" anchor="ctr"/>
+          <a:lstStyle/>
+          <a:p>
+            <a:pPr marL="0" marR="0" lvl="0" indent="0" algn="ctr" defTabSz="914400" eaLnBrk="1" fontAlgn="auto" latinLnBrk="0" hangingPunct="1">
+              <a:lnSpc>
+                <a:spcPct val="100000"/>
+              </a:lnSpc>
+              <a:spcBef>
+                <a:spcPts val="0"/>
+              </a:spcBef>
+              <a:spcAft>
+                <a:spcPts val="0"/>
+              </a:spcAft>
+              <a:buClrTx/>
+              <a:buSzTx/>
+              <a:buFontTx/>
+              <a:buNone/>
+              <a:tabLst/>
+              <a:defRPr/>
+            </a:pPr>
+            <a:r>
+              <a:rPr kumimoji="0" lang="en-US" sz="1400" b="0" i="0" u="none" strike="noStrike" kern="0" cap="none" spc="0" normalizeH="0" baseline="0" noProof="0" dirty="0">
+                <a:ln>
+                  <a:noFill/>
+                </a:ln>
+                <a:solidFill>
+                  <a:prstClr val="white"/>
+                </a:solidFill>
+                <a:effectLst/>
+                <a:uLnTx/>
+                <a:uFillTx/>
+                <a:latin typeface="Calibri" panose="020F0502020204030204"/>
+                <a:ea typeface="+mn-ea"/>
+                <a:cs typeface="+mn-cs"/>
+              </a:rPr>
+              <a:t>Wind Power plant</a:t>
+            </a:r>
+            <a:endParaRPr kumimoji="0" lang="en-GB" sz="1400" b="0" i="0" u="none" strike="noStrike" kern="0" cap="none" spc="0" normalizeH="0" baseline="0" noProof="0" dirty="0">
+              <a:ln>
+                <a:noFill/>
+              </a:ln>
+              <a:solidFill>
+                <a:prstClr val="white"/>
+              </a:solidFill>
+              <a:effectLst/>
+              <a:uLnTx/>
+              <a:uFillTx/>
+              <a:latin typeface="Calibri" panose="020F0502020204030204"/>
+              <a:ea typeface="+mn-ea"/>
+              <a:cs typeface="+mn-cs"/>
+            </a:endParaRPr>
+          </a:p>
+        </p:txBody>
+      </p:sp>
+      <p:cxnSp>
+        <p:nvCxnSpPr>
+          <p:cNvPr id="85" name="Straight Connector 9">
+            <a:extLst>
+              <a:ext uri="{FF2B5EF4-FFF2-40B4-BE49-F238E27FC236}">
+                <a16:creationId xmlns:a16="http://schemas.microsoft.com/office/drawing/2014/main" id="{EF21EE4C-9B72-9C4F-AF55-6ABAE474955B}"/>
+              </a:ext>
+            </a:extLst>
+          </p:cNvPr>
+          <p:cNvCxnSpPr>
+            <a:cxnSpLocks/>
+          </p:cNvCxnSpPr>
+          <p:nvPr/>
+        </p:nvCxnSpPr>
+        <p:spPr>
+          <a:xfrm>
+            <a:off x="4427572" y="1424763"/>
+            <a:ext cx="0" cy="4848446"/>
+          </a:xfrm>
+          <a:prstGeom prst="line">
+            <a:avLst/>
+          </a:prstGeom>
+          <a:noFill/>
+          <a:ln w="19050" cap="flat" cmpd="sng" algn="ctr">
+            <a:solidFill>
+              <a:srgbClr val="A5A5A5"/>
+            </a:solidFill>
+            <a:prstDash val="solid"/>
+            <a:miter lim="800000"/>
+          </a:ln>
+          <a:effectLst/>
+        </p:spPr>
+      </p:cxnSp>
+      <p:sp>
+        <p:nvSpPr>
+          <p:cNvPr id="86" name="TextBox 11">
+            <a:extLst>
+              <a:ext uri="{FF2B5EF4-FFF2-40B4-BE49-F238E27FC236}">
+                <a16:creationId xmlns:a16="http://schemas.microsoft.com/office/drawing/2014/main" id="{C9CDE02B-488E-9D8F-C6B7-6CF0735047DA}"/>
+              </a:ext>
+            </a:extLst>
+          </p:cNvPr>
+          <p:cNvSpPr txBox="1"/>
+          <p:nvPr/>
+        </p:nvSpPr>
+        <p:spPr>
+          <a:xfrm rot="16200000">
+            <a:off x="3598236" y="5380918"/>
+            <a:ext cx="1446028" cy="338554"/>
+          </a:xfrm>
+          <a:prstGeom prst="rect">
+            <a:avLst/>
+          </a:prstGeom>
+          <a:noFill/>
+        </p:spPr>
+        <p:txBody>
+          <a:bodyPr wrap="square" rtlCol="0">
+            <a:spAutoFit/>
+          </a:bodyPr>
+          <a:lstStyle/>
+          <a:p>
+            <a:pPr marL="0" marR="0" lvl="0" indent="0" defTabSz="914400" eaLnBrk="1" fontAlgn="auto" latinLnBrk="0" hangingPunct="1">
+              <a:lnSpc>
+                <a:spcPct val="100000"/>
+              </a:lnSpc>
+              <a:spcBef>
+                <a:spcPts val="0"/>
+              </a:spcBef>
+              <a:spcAft>
+                <a:spcPts val="0"/>
+              </a:spcAft>
+              <a:buClrTx/>
+              <a:buSzTx/>
+              <a:buFontTx/>
+              <a:buNone/>
+              <a:tabLst/>
+              <a:defRPr/>
+            </a:pPr>
+            <a:r>
+              <a:rPr kumimoji="0" lang="en-US" sz="1600" b="0" i="1" u="none" strike="noStrike" kern="0" cap="none" spc="0" normalizeH="0" baseline="0" noProof="0" dirty="0">
+                <a:ln>
+                  <a:noFill/>
+                </a:ln>
+                <a:solidFill>
+                  <a:prstClr val="black"/>
+                </a:solidFill>
+                <a:effectLst/>
+                <a:uLnTx/>
+                <a:uFillTx/>
+              </a:rPr>
+              <a:t>electricity</a:t>
+            </a:r>
+            <a:endParaRPr kumimoji="0" lang="en-GB" sz="1600" b="0" i="1" u="none" strike="noStrike" kern="0" cap="none" spc="0" normalizeH="0" baseline="0" noProof="0" dirty="0">
+              <a:ln>
+                <a:noFill/>
+              </a:ln>
+              <a:solidFill>
+                <a:prstClr val="black"/>
+              </a:solidFill>
+              <a:effectLst/>
+              <a:uLnTx/>
+              <a:uFillTx/>
+            </a:endParaRPr>
+          </a:p>
+        </p:txBody>
+      </p:sp>
+      <p:cxnSp>
+        <p:nvCxnSpPr>
+          <p:cNvPr id="87" name="Straight Arrow Connector 18">
+            <a:extLst>
+              <a:ext uri="{FF2B5EF4-FFF2-40B4-BE49-F238E27FC236}">
+                <a16:creationId xmlns:a16="http://schemas.microsoft.com/office/drawing/2014/main" id="{04DC2073-5656-AB85-CC54-FCCE8560C108}"/>
+              </a:ext>
+            </a:extLst>
+          </p:cNvPr>
+          <p:cNvCxnSpPr>
+            <a:cxnSpLocks/>
+          </p:cNvCxnSpPr>
+          <p:nvPr/>
+        </p:nvCxnSpPr>
+        <p:spPr>
+          <a:xfrm>
+            <a:off x="3949116" y="2463287"/>
+            <a:ext cx="490860" cy="0"/>
+          </a:xfrm>
+          <a:prstGeom prst="straightConnector1">
+            <a:avLst/>
+          </a:prstGeom>
+          <a:noFill/>
+          <a:ln w="19050" cap="flat" cmpd="sng" algn="ctr">
+            <a:solidFill>
+              <a:srgbClr val="A5A5A5"/>
+            </a:solidFill>
+            <a:prstDash val="solid"/>
+            <a:miter lim="800000"/>
+            <a:tailEnd type="triangle"/>
+          </a:ln>
+          <a:effectLst/>
+        </p:spPr>
+      </p:cxnSp>
+      <p:sp>
+        <p:nvSpPr>
+          <p:cNvPr id="88" name="Rectangle: Rounded Corners 20">
+            <a:extLst>
+              <a:ext uri="{FF2B5EF4-FFF2-40B4-BE49-F238E27FC236}">
+                <a16:creationId xmlns:a16="http://schemas.microsoft.com/office/drawing/2014/main" id="{68D0F1BD-5E90-EBB5-0DD8-7F3331A01B81}"/>
+              </a:ext>
+            </a:extLst>
+          </p:cNvPr>
+          <p:cNvSpPr/>
+          <p:nvPr/>
+        </p:nvSpPr>
+        <p:spPr>
+          <a:xfrm>
+            <a:off x="4928188" y="2701159"/>
+            <a:ext cx="1167812" cy="648098"/>
+          </a:xfrm>
+          <a:prstGeom prst="roundRect">
+            <a:avLst/>
+          </a:prstGeom>
+          <a:solidFill>
+            <a:srgbClr val="A5A5A5"/>
+          </a:solidFill>
+          <a:ln w="12700" cap="flat" cmpd="sng" algn="ctr">
+            <a:solidFill>
+              <a:srgbClr val="4472C4">
+                <a:shade val="50000"/>
+              </a:srgbClr>
+            </a:solidFill>
+            <a:prstDash val="solid"/>
+            <a:miter lim="800000"/>
+          </a:ln>
+          <a:effectLst>
+            <a:outerShdw blurRad="50800" dist="38100" dir="2700000" algn="tl" rotWithShape="0">
+              <a:prstClr val="black">
+                <a:alpha val="40000"/>
+              </a:prstClr>
+            </a:outerShdw>
+          </a:effectLst>
+        </p:spPr>
+        <p:txBody>
+          <a:bodyPr rtlCol="0" anchor="ctr"/>
+          <a:lstStyle/>
+          <a:p>
+            <a:pPr marL="0" marR="0" lvl="0" indent="0" algn="ctr" defTabSz="914400" eaLnBrk="1" fontAlgn="auto" latinLnBrk="0" hangingPunct="1">
+              <a:lnSpc>
+                <a:spcPct val="100000"/>
+              </a:lnSpc>
+              <a:spcBef>
+                <a:spcPts val="0"/>
+              </a:spcBef>
+              <a:spcAft>
+                <a:spcPts val="0"/>
+              </a:spcAft>
+              <a:buClrTx/>
+              <a:buSzTx/>
+              <a:buFontTx/>
+              <a:buNone/>
+              <a:tabLst/>
+              <a:defRPr/>
+            </a:pPr>
+            <a:r>
+              <a:rPr kumimoji="0" lang="en-US" sz="1400" b="0" i="0" u="none" strike="noStrike" kern="0" cap="none" spc="0" normalizeH="0" baseline="0" noProof="0" dirty="0">
+                <a:ln>
+                  <a:noFill/>
+                </a:ln>
+                <a:solidFill>
+                  <a:prstClr val="white"/>
+                </a:solidFill>
+                <a:effectLst/>
+                <a:uLnTx/>
+                <a:uFillTx/>
+                <a:latin typeface="Calibri" panose="020F0502020204030204"/>
+                <a:ea typeface="+mn-ea"/>
+                <a:cs typeface="+mn-cs"/>
+              </a:rPr>
+              <a:t>Electricity grid</a:t>
+            </a:r>
+            <a:endParaRPr kumimoji="0" lang="en-GB" sz="1400" b="0" i="0" u="none" strike="noStrike" kern="0" cap="none" spc="0" normalizeH="0" baseline="0" noProof="0" dirty="0">
+              <a:ln>
+                <a:noFill/>
+              </a:ln>
+              <a:solidFill>
+                <a:prstClr val="white"/>
+              </a:solidFill>
+              <a:effectLst/>
+              <a:uLnTx/>
+              <a:uFillTx/>
+              <a:latin typeface="Calibri" panose="020F0502020204030204"/>
+              <a:ea typeface="+mn-ea"/>
+              <a:cs typeface="+mn-cs"/>
+            </a:endParaRPr>
+          </a:p>
+        </p:txBody>
+      </p:sp>
+      <p:cxnSp>
+        <p:nvCxnSpPr>
+          <p:cNvPr id="89" name="Straight Connector 23">
+            <a:extLst>
+              <a:ext uri="{FF2B5EF4-FFF2-40B4-BE49-F238E27FC236}">
+                <a16:creationId xmlns:a16="http://schemas.microsoft.com/office/drawing/2014/main" id="{4CFAC3CB-F7CF-CC1D-4DF1-F7266A4692D5}"/>
+              </a:ext>
+            </a:extLst>
+          </p:cNvPr>
+          <p:cNvCxnSpPr>
+            <a:cxnSpLocks/>
+          </p:cNvCxnSpPr>
+          <p:nvPr/>
+        </p:nvCxnSpPr>
+        <p:spPr>
+          <a:xfrm>
+            <a:off x="6574470" y="1414130"/>
+            <a:ext cx="0" cy="4848446"/>
+          </a:xfrm>
+          <a:prstGeom prst="line">
+            <a:avLst/>
+          </a:prstGeom>
+          <a:noFill/>
+          <a:ln w="19050" cap="flat" cmpd="sng" algn="ctr">
+            <a:solidFill>
+              <a:srgbClr val="A5A5A5"/>
+            </a:solidFill>
+            <a:prstDash val="solid"/>
+            <a:miter lim="800000"/>
+          </a:ln>
+          <a:effectLst/>
+        </p:spPr>
+      </p:cxnSp>
+      <p:sp>
+        <p:nvSpPr>
+          <p:cNvPr id="90" name="TextBox 24">
+            <a:extLst>
+              <a:ext uri="{FF2B5EF4-FFF2-40B4-BE49-F238E27FC236}">
+                <a16:creationId xmlns:a16="http://schemas.microsoft.com/office/drawing/2014/main" id="{13546338-03FC-5259-DC2D-EA23032A3D75}"/>
+              </a:ext>
+            </a:extLst>
+          </p:cNvPr>
+          <p:cNvSpPr txBox="1"/>
+          <p:nvPr/>
+        </p:nvSpPr>
+        <p:spPr>
+          <a:xfrm rot="16200000">
+            <a:off x="5745134" y="5370285"/>
+            <a:ext cx="1446028" cy="338554"/>
+          </a:xfrm>
+          <a:prstGeom prst="rect">
+            <a:avLst/>
+          </a:prstGeom>
+          <a:noFill/>
+        </p:spPr>
+        <p:txBody>
+          <a:bodyPr wrap="square" rtlCol="0">
+            <a:spAutoFit/>
+          </a:bodyPr>
+          <a:lstStyle/>
+          <a:p>
+            <a:pPr marL="0" marR="0" lvl="0" indent="0" defTabSz="914400" eaLnBrk="1" fontAlgn="auto" latinLnBrk="0" hangingPunct="1">
+              <a:lnSpc>
+                <a:spcPct val="100000"/>
+              </a:lnSpc>
+              <a:spcBef>
+                <a:spcPts val="0"/>
+              </a:spcBef>
+              <a:spcAft>
+                <a:spcPts val="0"/>
+              </a:spcAft>
+              <a:buClrTx/>
+              <a:buSzTx/>
+              <a:buFontTx/>
+              <a:buNone/>
+              <a:tabLst/>
+              <a:defRPr/>
+            </a:pPr>
+            <a:r>
+              <a:rPr kumimoji="0" lang="en-US" sz="1600" b="0" i="1" u="none" strike="noStrike" kern="0" cap="none" spc="0" normalizeH="0" baseline="0" noProof="0" dirty="0">
+                <a:ln>
+                  <a:noFill/>
+                </a:ln>
+                <a:solidFill>
+                  <a:prstClr val="black"/>
+                </a:solidFill>
+                <a:effectLst/>
+                <a:uLnTx/>
+                <a:uFillTx/>
+              </a:rPr>
+              <a:t>electricity</a:t>
+            </a:r>
+            <a:endParaRPr kumimoji="0" lang="en-GB" sz="1600" b="0" i="1" u="none" strike="noStrike" kern="0" cap="none" spc="0" normalizeH="0" baseline="0" noProof="0" dirty="0">
+              <a:ln>
+                <a:noFill/>
+              </a:ln>
+              <a:solidFill>
+                <a:prstClr val="black"/>
+              </a:solidFill>
+              <a:effectLst/>
+              <a:uLnTx/>
+              <a:uFillTx/>
+            </a:endParaRPr>
+          </a:p>
+        </p:txBody>
+      </p:sp>
+      <p:sp>
+        <p:nvSpPr>
+          <p:cNvPr id="91" name="Rectangle: Rounded Corners 26">
+            <a:extLst>
+              <a:ext uri="{FF2B5EF4-FFF2-40B4-BE49-F238E27FC236}">
+                <a16:creationId xmlns:a16="http://schemas.microsoft.com/office/drawing/2014/main" id="{177D6552-AA41-4BD6-E6EC-99BA9A1D0013}"/>
+              </a:ext>
+            </a:extLst>
+          </p:cNvPr>
+          <p:cNvSpPr/>
+          <p:nvPr/>
+        </p:nvSpPr>
+        <p:spPr>
+          <a:xfrm>
+            <a:off x="7079476" y="2699220"/>
+            <a:ext cx="1167812" cy="648098"/>
+          </a:xfrm>
+          <a:prstGeom prst="roundRect">
+            <a:avLst/>
+          </a:prstGeom>
+          <a:solidFill>
+            <a:srgbClr val="FFC000">
+              <a:lumMod val="60000"/>
+              <a:lumOff val="40000"/>
+            </a:srgbClr>
+          </a:solidFill>
+          <a:ln w="12700" cap="flat" cmpd="sng" algn="ctr">
+            <a:solidFill>
+              <a:srgbClr val="4472C4">
+                <a:shade val="50000"/>
+              </a:srgbClr>
+            </a:solidFill>
+            <a:prstDash val="solid"/>
+            <a:miter lim="800000"/>
+          </a:ln>
+          <a:effectLst>
+            <a:outerShdw blurRad="50800" dist="38100" dir="2700000" algn="tl" rotWithShape="0">
+              <a:prstClr val="black">
+                <a:alpha val="40000"/>
+              </a:prstClr>
+            </a:outerShdw>
+          </a:effectLst>
+        </p:spPr>
+        <p:txBody>
+          <a:bodyPr rtlCol="0" anchor="ctr"/>
+          <a:lstStyle/>
+          <a:p>
+            <a:pPr marL="0" marR="0" lvl="0" indent="0" algn="ctr" defTabSz="914400" eaLnBrk="1" fontAlgn="auto" latinLnBrk="0" hangingPunct="1">
+              <a:lnSpc>
+                <a:spcPct val="100000"/>
+              </a:lnSpc>
+              <a:spcBef>
+                <a:spcPts val="0"/>
+              </a:spcBef>
+              <a:spcAft>
+                <a:spcPts val="0"/>
+              </a:spcAft>
+              <a:buClrTx/>
+              <a:buSzTx/>
+              <a:buFontTx/>
+              <a:buNone/>
+              <a:tabLst/>
+              <a:defRPr/>
+            </a:pPr>
+            <a:r>
+              <a:rPr kumimoji="0" lang="en-US" sz="1400" b="0" i="0" u="none" strike="noStrike" kern="0" cap="none" spc="0" normalizeH="0" baseline="0" noProof="0" dirty="0">
+                <a:ln>
+                  <a:noFill/>
+                </a:ln>
+                <a:solidFill>
+                  <a:srgbClr val="44546A"/>
+                </a:solidFill>
+                <a:effectLst/>
+                <a:uLnTx/>
+                <a:uFillTx/>
+                <a:latin typeface="Calibri" panose="020F0502020204030204"/>
+                <a:ea typeface="+mn-ea"/>
+                <a:cs typeface="+mn-cs"/>
+              </a:rPr>
+              <a:t>Electric Households</a:t>
+            </a:r>
+            <a:endParaRPr kumimoji="0" lang="en-GB" sz="1400" b="0" i="0" u="none" strike="noStrike" kern="0" cap="none" spc="0" normalizeH="0" baseline="0" noProof="0" dirty="0">
+              <a:ln>
+                <a:noFill/>
+              </a:ln>
+              <a:solidFill>
+                <a:srgbClr val="44546A"/>
+              </a:solidFill>
+              <a:effectLst/>
+              <a:uLnTx/>
+              <a:uFillTx/>
+              <a:latin typeface="Calibri" panose="020F0502020204030204"/>
+              <a:ea typeface="+mn-ea"/>
+              <a:cs typeface="+mn-cs"/>
+            </a:endParaRPr>
+          </a:p>
+        </p:txBody>
+      </p:sp>
+      <p:cxnSp>
+        <p:nvCxnSpPr>
+          <p:cNvPr id="92" name="Straight Connector 29">
+            <a:extLst>
+              <a:ext uri="{FF2B5EF4-FFF2-40B4-BE49-F238E27FC236}">
+                <a16:creationId xmlns:a16="http://schemas.microsoft.com/office/drawing/2014/main" id="{D3A2D6EB-FAD4-D3AC-1C17-4E2858AE84AC}"/>
+              </a:ext>
+            </a:extLst>
+          </p:cNvPr>
+          <p:cNvCxnSpPr>
+            <a:cxnSpLocks/>
+          </p:cNvCxnSpPr>
+          <p:nvPr/>
+        </p:nvCxnSpPr>
+        <p:spPr>
+          <a:xfrm>
+            <a:off x="8743499" y="1417673"/>
+            <a:ext cx="0" cy="4848446"/>
+          </a:xfrm>
+          <a:prstGeom prst="line">
+            <a:avLst/>
+          </a:prstGeom>
+          <a:noFill/>
+          <a:ln w="19050" cap="flat" cmpd="sng" algn="ctr">
+            <a:solidFill>
+              <a:srgbClr val="A5A5A5"/>
+            </a:solidFill>
+            <a:prstDash val="solid"/>
+            <a:miter lim="800000"/>
+          </a:ln>
+          <a:effectLst/>
+        </p:spPr>
+      </p:cxnSp>
+      <p:sp>
+        <p:nvSpPr>
+          <p:cNvPr id="93" name="TextBox 33">
+            <a:extLst>
+              <a:ext uri="{FF2B5EF4-FFF2-40B4-BE49-F238E27FC236}">
+                <a16:creationId xmlns:a16="http://schemas.microsoft.com/office/drawing/2014/main" id="{1F331446-0C2F-619E-47A5-E3E8C0A7AA45}"/>
+              </a:ext>
+            </a:extLst>
+          </p:cNvPr>
+          <p:cNvSpPr txBox="1"/>
+          <p:nvPr/>
+        </p:nvSpPr>
+        <p:spPr>
+          <a:xfrm rot="16200000">
+            <a:off x="7908405" y="5380918"/>
+            <a:ext cx="1446028" cy="338554"/>
+          </a:xfrm>
+          <a:prstGeom prst="rect">
+            <a:avLst/>
+          </a:prstGeom>
+          <a:noFill/>
+        </p:spPr>
+        <p:txBody>
+          <a:bodyPr wrap="square" rtlCol="0">
+            <a:spAutoFit/>
+          </a:bodyPr>
+          <a:lstStyle/>
+          <a:p>
+            <a:pPr marL="0" marR="0" lvl="0" indent="0" defTabSz="914400" eaLnBrk="1" fontAlgn="auto" latinLnBrk="0" hangingPunct="1">
+              <a:lnSpc>
+                <a:spcPct val="100000"/>
+              </a:lnSpc>
+              <a:spcBef>
+                <a:spcPts val="0"/>
+              </a:spcBef>
+              <a:spcAft>
+                <a:spcPts val="0"/>
+              </a:spcAft>
+              <a:buClrTx/>
+              <a:buSzTx/>
+              <a:buFontTx/>
+              <a:buNone/>
+              <a:tabLst/>
+              <a:defRPr/>
+            </a:pPr>
+            <a:r>
+              <a:rPr kumimoji="0" lang="en-US" sz="1600" b="0" i="1" u="none" strike="noStrike" kern="0" cap="none" spc="0" normalizeH="0" baseline="0" noProof="0" dirty="0">
+                <a:ln>
+                  <a:noFill/>
+                </a:ln>
+                <a:solidFill>
+                  <a:prstClr val="black"/>
+                </a:solidFill>
+                <a:effectLst/>
+                <a:uLnTx/>
+                <a:uFillTx/>
+              </a:rPr>
+              <a:t>electricity</a:t>
+            </a:r>
+            <a:endParaRPr kumimoji="0" lang="en-GB" sz="1600" b="0" i="1" u="none" strike="noStrike" kern="0" cap="none" spc="0" normalizeH="0" baseline="0" noProof="0" dirty="0">
+              <a:ln>
+                <a:noFill/>
+              </a:ln>
+              <a:solidFill>
+                <a:prstClr val="black"/>
+              </a:solidFill>
+              <a:effectLst/>
+              <a:uLnTx/>
+              <a:uFillTx/>
+            </a:endParaRPr>
+          </a:p>
+        </p:txBody>
+      </p:sp>
+      <p:cxnSp>
+        <p:nvCxnSpPr>
+          <p:cNvPr id="94" name="Straight Arrow Connector 35">
+            <a:extLst>
+              <a:ext uri="{FF2B5EF4-FFF2-40B4-BE49-F238E27FC236}">
+                <a16:creationId xmlns:a16="http://schemas.microsoft.com/office/drawing/2014/main" id="{1167CF55-28CA-97EC-3CAF-9498304EA943}"/>
+              </a:ext>
+            </a:extLst>
+          </p:cNvPr>
+          <p:cNvCxnSpPr>
+            <a:cxnSpLocks/>
+          </p:cNvCxnSpPr>
+          <p:nvPr/>
+        </p:nvCxnSpPr>
+        <p:spPr>
+          <a:xfrm>
+            <a:off x="3938483" y="3817166"/>
+            <a:ext cx="490860" cy="0"/>
+          </a:xfrm>
+          <a:prstGeom prst="straightConnector1">
+            <a:avLst/>
+          </a:prstGeom>
+          <a:noFill/>
+          <a:ln w="19050" cap="flat" cmpd="sng" algn="ctr">
+            <a:solidFill>
+              <a:srgbClr val="A5A5A5"/>
+            </a:solidFill>
+            <a:prstDash val="solid"/>
+            <a:miter lim="800000"/>
+            <a:tailEnd type="triangle"/>
+          </a:ln>
+          <a:effectLst/>
+        </p:spPr>
+      </p:cxnSp>
+      <p:cxnSp>
+        <p:nvCxnSpPr>
+          <p:cNvPr id="95" name="Straight Arrow Connector 36">
+            <a:extLst>
+              <a:ext uri="{FF2B5EF4-FFF2-40B4-BE49-F238E27FC236}">
+                <a16:creationId xmlns:a16="http://schemas.microsoft.com/office/drawing/2014/main" id="{C38A7058-2BFE-EE26-6D86-5BE0819ABB24}"/>
+              </a:ext>
+            </a:extLst>
+          </p:cNvPr>
+          <p:cNvCxnSpPr>
+            <a:cxnSpLocks/>
+          </p:cNvCxnSpPr>
+          <p:nvPr/>
+        </p:nvCxnSpPr>
+        <p:spPr>
+          <a:xfrm>
+            <a:off x="4439976" y="3023269"/>
+            <a:ext cx="490860" cy="0"/>
+          </a:xfrm>
+          <a:prstGeom prst="straightConnector1">
+            <a:avLst/>
+          </a:prstGeom>
+          <a:noFill/>
+          <a:ln w="19050" cap="flat" cmpd="sng" algn="ctr">
+            <a:solidFill>
+              <a:srgbClr val="A5A5A5"/>
+            </a:solidFill>
+            <a:prstDash val="solid"/>
+            <a:miter lim="800000"/>
+            <a:tailEnd type="triangle"/>
+          </a:ln>
+          <a:effectLst/>
+        </p:spPr>
+      </p:cxnSp>
+      <p:cxnSp>
+        <p:nvCxnSpPr>
+          <p:cNvPr id="96" name="Straight Arrow Connector 37">
+            <a:extLst>
+              <a:ext uri="{FF2B5EF4-FFF2-40B4-BE49-F238E27FC236}">
+                <a16:creationId xmlns:a16="http://schemas.microsoft.com/office/drawing/2014/main" id="{67E1E918-734C-C8DA-93B2-18DCCF00D8BA}"/>
+              </a:ext>
+            </a:extLst>
+          </p:cNvPr>
+          <p:cNvCxnSpPr>
+            <a:cxnSpLocks/>
+          </p:cNvCxnSpPr>
+          <p:nvPr/>
+        </p:nvCxnSpPr>
+        <p:spPr>
+          <a:xfrm>
+            <a:off x="6096000" y="3023269"/>
+            <a:ext cx="490860" cy="0"/>
+          </a:xfrm>
+          <a:prstGeom prst="straightConnector1">
+            <a:avLst/>
+          </a:prstGeom>
+          <a:noFill/>
+          <a:ln w="19050" cap="flat" cmpd="sng" algn="ctr">
+            <a:solidFill>
+              <a:srgbClr val="A5A5A5"/>
+            </a:solidFill>
+            <a:prstDash val="solid"/>
+            <a:miter lim="800000"/>
+            <a:tailEnd type="triangle"/>
+          </a:ln>
+          <a:effectLst/>
+        </p:spPr>
+      </p:cxnSp>
+      <p:cxnSp>
+        <p:nvCxnSpPr>
+          <p:cNvPr id="97" name="Straight Arrow Connector 38">
+            <a:extLst>
+              <a:ext uri="{FF2B5EF4-FFF2-40B4-BE49-F238E27FC236}">
+                <a16:creationId xmlns:a16="http://schemas.microsoft.com/office/drawing/2014/main" id="{811E9208-24B2-F114-8B29-71917280B4E4}"/>
+              </a:ext>
+            </a:extLst>
+          </p:cNvPr>
+          <p:cNvCxnSpPr>
+            <a:cxnSpLocks/>
+          </p:cNvCxnSpPr>
+          <p:nvPr/>
+        </p:nvCxnSpPr>
+        <p:spPr>
+          <a:xfrm>
+            <a:off x="6586860" y="3023269"/>
+            <a:ext cx="490860" cy="0"/>
+          </a:xfrm>
+          <a:prstGeom prst="straightConnector1">
+            <a:avLst/>
+          </a:prstGeom>
+          <a:noFill/>
+          <a:ln w="19050" cap="flat" cmpd="sng" algn="ctr">
+            <a:solidFill>
+              <a:srgbClr val="A5A5A5"/>
+            </a:solidFill>
+            <a:prstDash val="solid"/>
+            <a:miter lim="800000"/>
+            <a:tailEnd type="triangle"/>
+          </a:ln>
+          <a:effectLst/>
+        </p:spPr>
+      </p:cxnSp>
+      <p:cxnSp>
+        <p:nvCxnSpPr>
+          <p:cNvPr id="98" name="Straight Arrow Connector 39">
+            <a:extLst>
+              <a:ext uri="{FF2B5EF4-FFF2-40B4-BE49-F238E27FC236}">
+                <a16:creationId xmlns:a16="http://schemas.microsoft.com/office/drawing/2014/main" id="{61875357-CE45-591D-29C1-A42118D6EF26}"/>
+              </a:ext>
+            </a:extLst>
+          </p:cNvPr>
+          <p:cNvCxnSpPr>
+            <a:cxnSpLocks/>
+          </p:cNvCxnSpPr>
+          <p:nvPr/>
+        </p:nvCxnSpPr>
+        <p:spPr>
+          <a:xfrm>
+            <a:off x="8247288" y="3023269"/>
+            <a:ext cx="490860" cy="0"/>
+          </a:xfrm>
+          <a:prstGeom prst="straightConnector1">
+            <a:avLst/>
+          </a:prstGeom>
+          <a:noFill/>
+          <a:ln w="19050" cap="flat" cmpd="sng" algn="ctr">
+            <a:solidFill>
+              <a:srgbClr val="A5A5A5"/>
+            </a:solidFill>
+            <a:prstDash val="solid"/>
+            <a:miter lim="800000"/>
+            <a:tailEnd type="triangle"/>
+          </a:ln>
+          <a:effectLst/>
+        </p:spPr>
+      </p:cxnSp>
+      <p:sp>
+        <p:nvSpPr>
+          <p:cNvPr id="99" name="TextBox 27">
+            <a:extLst>
+              <a:ext uri="{FF2B5EF4-FFF2-40B4-BE49-F238E27FC236}">
+                <a16:creationId xmlns:a16="http://schemas.microsoft.com/office/drawing/2014/main" id="{693AA40C-E54D-5FCD-73E9-CCE905301FD0}"/>
+              </a:ext>
+            </a:extLst>
+          </p:cNvPr>
+          <p:cNvSpPr txBox="1"/>
+          <p:nvPr/>
+        </p:nvSpPr>
+        <p:spPr>
+          <a:xfrm>
+            <a:off x="3271267" y="89549"/>
+            <a:ext cx="2052083" cy="646331"/>
+          </a:xfrm>
+          <a:prstGeom prst="rect">
+            <a:avLst/>
+          </a:prstGeom>
+          <a:noFill/>
+        </p:spPr>
+        <p:txBody>
+          <a:bodyPr wrap="square" rtlCol="0">
+            <a:spAutoFit/>
+          </a:bodyPr>
+          <a:lstStyle/>
+          <a:p>
+            <a:pPr marL="0" marR="0" lvl="0" indent="0" algn="ctr" defTabSz="914400" eaLnBrk="1" fontAlgn="auto" latinLnBrk="0" hangingPunct="1">
+              <a:lnSpc>
+                <a:spcPct val="100000"/>
+              </a:lnSpc>
+              <a:spcBef>
+                <a:spcPts val="0"/>
+              </a:spcBef>
+              <a:spcAft>
+                <a:spcPts val="0"/>
+              </a:spcAft>
+              <a:buClrTx/>
+              <a:buSzTx/>
+              <a:buFontTx/>
+              <a:buNone/>
+              <a:tabLst/>
+              <a:defRPr/>
+            </a:pPr>
+            <a:r>
+              <a:rPr kumimoji="0" lang="en-US" sz="1800" b="0" i="0" u="none" strike="noStrike" kern="0" cap="none" spc="0" normalizeH="0" baseline="0" noProof="0" dirty="0">
+                <a:ln>
+                  <a:noFill/>
+                </a:ln>
+                <a:solidFill>
+                  <a:prstClr val="black"/>
+                </a:solidFill>
+                <a:effectLst/>
+                <a:uLnTx/>
+                <a:uFillTx/>
+              </a:rPr>
+              <a:t>Secondary</a:t>
+            </a:r>
+          </a:p>
+          <a:p>
+            <a:pPr marL="0" marR="0" lvl="0" indent="0" algn="ctr" defTabSz="914400" eaLnBrk="1" fontAlgn="auto" latinLnBrk="0" hangingPunct="1">
+              <a:lnSpc>
+                <a:spcPct val="100000"/>
+              </a:lnSpc>
+              <a:spcBef>
+                <a:spcPts val="0"/>
+              </a:spcBef>
+              <a:spcAft>
+                <a:spcPts val="0"/>
+              </a:spcAft>
+              <a:buClrTx/>
+              <a:buSzTx/>
+              <a:buFontTx/>
+              <a:buNone/>
+              <a:tabLst/>
+              <a:defRPr/>
+            </a:pPr>
+            <a:r>
+              <a:rPr kumimoji="0" lang="en-US" sz="1800" b="0" i="0" u="none" strike="noStrike" kern="0" cap="none" spc="0" normalizeH="0" baseline="0" noProof="0" dirty="0">
+                <a:ln>
+                  <a:noFill/>
+                </a:ln>
+                <a:solidFill>
+                  <a:prstClr val="black"/>
+                </a:solidFill>
+                <a:effectLst/>
+                <a:uLnTx/>
+                <a:uFillTx/>
+              </a:rPr>
+              <a:t> Energy</a:t>
+            </a:r>
+            <a:endParaRPr kumimoji="0" lang="en-GB" sz="1800" b="0" i="0" u="none" strike="noStrike" kern="0" cap="none" spc="0" normalizeH="0" baseline="0" noProof="0" dirty="0">
+              <a:ln>
+                <a:noFill/>
+              </a:ln>
+              <a:solidFill>
+                <a:prstClr val="black"/>
+              </a:solidFill>
+              <a:effectLst/>
+              <a:uLnTx/>
+              <a:uFillTx/>
+            </a:endParaRPr>
+          </a:p>
+        </p:txBody>
+      </p:sp>
+      <p:sp>
+        <p:nvSpPr>
+          <p:cNvPr id="100" name="TextBox 28">
+            <a:extLst>
+              <a:ext uri="{FF2B5EF4-FFF2-40B4-BE49-F238E27FC236}">
+                <a16:creationId xmlns:a16="http://schemas.microsoft.com/office/drawing/2014/main" id="{7B8E3931-E4C9-4D04-5026-F0BE7BCBAF52}"/>
+              </a:ext>
+            </a:extLst>
+          </p:cNvPr>
+          <p:cNvSpPr txBox="1"/>
+          <p:nvPr/>
+        </p:nvSpPr>
+        <p:spPr>
+          <a:xfrm>
+            <a:off x="5776274" y="89549"/>
+            <a:ext cx="2052083" cy="646331"/>
+          </a:xfrm>
+          <a:prstGeom prst="rect">
+            <a:avLst/>
+          </a:prstGeom>
+          <a:noFill/>
+        </p:spPr>
+        <p:txBody>
+          <a:bodyPr wrap="square" rtlCol="0">
+            <a:spAutoFit/>
+          </a:bodyPr>
+          <a:lstStyle/>
+          <a:p>
+            <a:pPr marL="0" marR="0" lvl="0" indent="0" algn="ctr" defTabSz="914400" eaLnBrk="1" fontAlgn="auto" latinLnBrk="0" hangingPunct="1">
+              <a:lnSpc>
+                <a:spcPct val="100000"/>
+              </a:lnSpc>
+              <a:spcBef>
+                <a:spcPts val="0"/>
+              </a:spcBef>
+              <a:spcAft>
+                <a:spcPts val="0"/>
+              </a:spcAft>
+              <a:buClrTx/>
+              <a:buSzTx/>
+              <a:buFontTx/>
+              <a:buNone/>
+              <a:tabLst/>
+              <a:defRPr/>
+            </a:pPr>
+            <a:r>
+              <a:rPr kumimoji="0" lang="en-US" sz="1800" b="0" i="0" u="none" strike="noStrike" kern="0" cap="none" spc="0" normalizeH="0" baseline="0" noProof="0" dirty="0">
+                <a:ln>
+                  <a:noFill/>
+                </a:ln>
+                <a:solidFill>
+                  <a:prstClr val="black"/>
+                </a:solidFill>
+                <a:effectLst/>
+                <a:uLnTx/>
+                <a:uFillTx/>
+              </a:rPr>
+              <a:t>Final</a:t>
+            </a:r>
+          </a:p>
+          <a:p>
+            <a:pPr marL="0" marR="0" lvl="0" indent="0" algn="ctr" defTabSz="914400" eaLnBrk="1" fontAlgn="auto" latinLnBrk="0" hangingPunct="1">
+              <a:lnSpc>
+                <a:spcPct val="100000"/>
+              </a:lnSpc>
+              <a:spcBef>
+                <a:spcPts val="0"/>
+              </a:spcBef>
+              <a:spcAft>
+                <a:spcPts val="0"/>
+              </a:spcAft>
+              <a:buClrTx/>
+              <a:buSzTx/>
+              <a:buFontTx/>
+              <a:buNone/>
+              <a:tabLst/>
+              <a:defRPr/>
+            </a:pPr>
+            <a:r>
+              <a:rPr kumimoji="0" lang="en-US" sz="1800" b="0" i="0" u="none" strike="noStrike" kern="0" cap="none" spc="0" normalizeH="0" baseline="0" noProof="0" dirty="0">
+                <a:ln>
+                  <a:noFill/>
+                </a:ln>
+                <a:solidFill>
+                  <a:prstClr val="black"/>
+                </a:solidFill>
+                <a:effectLst/>
+                <a:uLnTx/>
+                <a:uFillTx/>
+              </a:rPr>
+              <a:t> Energy</a:t>
+            </a:r>
+            <a:endParaRPr kumimoji="0" lang="en-GB" sz="1800" b="0" i="0" u="none" strike="noStrike" kern="0" cap="none" spc="0" normalizeH="0" baseline="0" noProof="0" dirty="0">
+              <a:ln>
+                <a:noFill/>
+              </a:ln>
+              <a:solidFill>
+                <a:prstClr val="black"/>
+              </a:solidFill>
+              <a:effectLst/>
+              <a:uLnTx/>
+              <a:uFillTx/>
+            </a:endParaRPr>
+          </a:p>
+        </p:txBody>
+      </p:sp>
+      <p:sp>
+        <p:nvSpPr>
+          <p:cNvPr id="101" name="TextBox 30">
+            <a:extLst>
+              <a:ext uri="{FF2B5EF4-FFF2-40B4-BE49-F238E27FC236}">
+                <a16:creationId xmlns:a16="http://schemas.microsoft.com/office/drawing/2014/main" id="{94355DD1-102D-085F-C210-87B49A4C834A}"/>
+              </a:ext>
+            </a:extLst>
+          </p:cNvPr>
+          <p:cNvSpPr txBox="1"/>
+          <p:nvPr/>
+        </p:nvSpPr>
+        <p:spPr>
+          <a:xfrm>
+            <a:off x="7841528" y="103706"/>
+            <a:ext cx="2052083" cy="646331"/>
+          </a:xfrm>
+          <a:prstGeom prst="rect">
+            <a:avLst/>
+          </a:prstGeom>
+          <a:noFill/>
+        </p:spPr>
+        <p:txBody>
+          <a:bodyPr wrap="square" rtlCol="0">
+            <a:spAutoFit/>
+          </a:bodyPr>
+          <a:lstStyle/>
+          <a:p>
+            <a:pPr marL="0" marR="0" lvl="0" indent="0" algn="ctr" defTabSz="914400" eaLnBrk="1" fontAlgn="auto" latinLnBrk="0" hangingPunct="1">
+              <a:lnSpc>
+                <a:spcPct val="100000"/>
+              </a:lnSpc>
+              <a:spcBef>
+                <a:spcPts val="0"/>
+              </a:spcBef>
+              <a:spcAft>
+                <a:spcPts val="0"/>
+              </a:spcAft>
+              <a:buClrTx/>
+              <a:buSzTx/>
+              <a:buFontTx/>
+              <a:buNone/>
+              <a:tabLst/>
+              <a:defRPr/>
+            </a:pPr>
+            <a:r>
+              <a:rPr kumimoji="0" lang="en-US" sz="1800" b="0" i="0" u="none" strike="noStrike" kern="0" cap="none" spc="0" normalizeH="0" baseline="0" noProof="0" dirty="0">
+                <a:ln>
+                  <a:noFill/>
+                </a:ln>
+                <a:solidFill>
+                  <a:prstClr val="black"/>
+                </a:solidFill>
+                <a:effectLst/>
+                <a:uLnTx/>
+                <a:uFillTx/>
+              </a:rPr>
+              <a:t>Final</a:t>
+            </a:r>
+          </a:p>
+          <a:p>
+            <a:pPr marL="0" marR="0" lvl="0" indent="0" algn="ctr" defTabSz="914400" eaLnBrk="1" fontAlgn="auto" latinLnBrk="0" hangingPunct="1">
+              <a:lnSpc>
+                <a:spcPct val="100000"/>
+              </a:lnSpc>
+              <a:spcBef>
+                <a:spcPts val="0"/>
+              </a:spcBef>
+              <a:spcAft>
+                <a:spcPts val="0"/>
+              </a:spcAft>
+              <a:buClrTx/>
+              <a:buSzTx/>
+              <a:buFontTx/>
+              <a:buNone/>
+              <a:tabLst/>
+              <a:defRPr/>
+            </a:pPr>
+            <a:r>
+              <a:rPr kumimoji="0" lang="en-US" sz="1800" b="0" i="0" u="none" strike="noStrike" kern="0" cap="none" spc="0" normalizeH="0" baseline="0" noProof="0" dirty="0">
+                <a:ln>
+                  <a:noFill/>
+                </a:ln>
+                <a:solidFill>
+                  <a:prstClr val="black"/>
+                </a:solidFill>
+                <a:effectLst/>
+                <a:uLnTx/>
+                <a:uFillTx/>
+              </a:rPr>
+              <a:t> Energy (2)</a:t>
+            </a:r>
+            <a:endParaRPr kumimoji="0" lang="en-GB" sz="1800" b="0" i="0" u="none" strike="noStrike" kern="0" cap="none" spc="0" normalizeH="0" baseline="0" noProof="0" dirty="0">
+              <a:ln>
+                <a:noFill/>
+              </a:ln>
+              <a:solidFill>
+                <a:prstClr val="black"/>
+              </a:solidFill>
+              <a:effectLst/>
+              <a:uLnTx/>
+              <a:uFillTx/>
+            </a:endParaRPr>
+          </a:p>
+        </p:txBody>
+      </p:sp>
+      <p:sp>
+        <p:nvSpPr>
+          <p:cNvPr id="103" name="Rectangle: Rounded Corners 26">
+            <a:extLst>
+              <a:ext uri="{FF2B5EF4-FFF2-40B4-BE49-F238E27FC236}">
+                <a16:creationId xmlns:a16="http://schemas.microsoft.com/office/drawing/2014/main" id="{40C10F16-B9F9-8E6B-EC88-99D6A7BF3836}"/>
+              </a:ext>
+            </a:extLst>
+          </p:cNvPr>
+          <p:cNvSpPr/>
+          <p:nvPr/>
+        </p:nvSpPr>
+        <p:spPr>
+          <a:xfrm>
+            <a:off x="9248504" y="2699220"/>
+            <a:ext cx="1167812" cy="648098"/>
+          </a:xfrm>
+          <a:prstGeom prst="roundRect">
+            <a:avLst/>
+          </a:prstGeom>
+          <a:solidFill>
+            <a:srgbClr val="FFC000">
+              <a:lumMod val="60000"/>
+              <a:lumOff val="40000"/>
+            </a:srgbClr>
+          </a:solidFill>
+          <a:ln w="12700" cap="flat" cmpd="sng" algn="ctr">
+            <a:solidFill>
+              <a:srgbClr val="4472C4">
+                <a:shade val="50000"/>
+              </a:srgbClr>
+            </a:solidFill>
+            <a:prstDash val="solid"/>
+            <a:miter lim="800000"/>
+          </a:ln>
+          <a:effectLst>
+            <a:outerShdw blurRad="50800" dist="38100" dir="2700000" algn="tl" rotWithShape="0">
+              <a:prstClr val="black">
+                <a:alpha val="40000"/>
+              </a:prstClr>
+            </a:outerShdw>
+          </a:effectLst>
+        </p:spPr>
+        <p:txBody>
+          <a:bodyPr rtlCol="0" anchor="ctr"/>
+          <a:lstStyle/>
+          <a:p>
+            <a:pPr marL="0" marR="0" lvl="0" indent="0" algn="ctr" defTabSz="914400" eaLnBrk="1" fontAlgn="auto" latinLnBrk="0" hangingPunct="1">
+              <a:lnSpc>
+                <a:spcPct val="100000"/>
+              </a:lnSpc>
+              <a:spcBef>
+                <a:spcPts val="0"/>
+              </a:spcBef>
+              <a:spcAft>
+                <a:spcPts val="0"/>
+              </a:spcAft>
+              <a:buClrTx/>
+              <a:buSzTx/>
+              <a:buFontTx/>
+              <a:buNone/>
+              <a:tabLst/>
+              <a:defRPr/>
+            </a:pPr>
+            <a:r>
+              <a:rPr kumimoji="0" lang="en-US" sz="1400" b="0" i="0" u="none" strike="noStrike" kern="0" cap="none" spc="0" normalizeH="0" baseline="0" noProof="0" dirty="0">
+                <a:ln>
+                  <a:noFill/>
+                </a:ln>
+                <a:solidFill>
+                  <a:srgbClr val="44546A"/>
+                </a:solidFill>
+                <a:effectLst/>
+                <a:uLnTx/>
+                <a:uFillTx/>
+                <a:latin typeface="Calibri" panose="020F0502020204030204"/>
+                <a:ea typeface="+mn-ea"/>
+                <a:cs typeface="+mn-cs"/>
+              </a:rPr>
+              <a:t>Lightning</a:t>
+            </a:r>
+            <a:endParaRPr kumimoji="0" lang="en-GB" sz="1400" b="0" i="0" u="none" strike="noStrike" kern="0" cap="none" spc="0" normalizeH="0" baseline="0" noProof="0" dirty="0">
+              <a:ln>
+                <a:noFill/>
+              </a:ln>
+              <a:solidFill>
+                <a:srgbClr val="44546A"/>
+              </a:solidFill>
+              <a:effectLst/>
+              <a:uLnTx/>
+              <a:uFillTx/>
+              <a:latin typeface="Calibri" panose="020F0502020204030204"/>
+              <a:ea typeface="+mn-ea"/>
+              <a:cs typeface="+mn-cs"/>
+            </a:endParaRPr>
+          </a:p>
+        </p:txBody>
+      </p:sp>
+      <p:cxnSp>
+        <p:nvCxnSpPr>
+          <p:cNvPr id="104" name="Straight Connector 29">
+            <a:extLst>
+              <a:ext uri="{FF2B5EF4-FFF2-40B4-BE49-F238E27FC236}">
+                <a16:creationId xmlns:a16="http://schemas.microsoft.com/office/drawing/2014/main" id="{1C6A4E6F-46F7-0D3B-D470-4B6E83DA0749}"/>
+              </a:ext>
+            </a:extLst>
+          </p:cNvPr>
+          <p:cNvCxnSpPr>
+            <a:cxnSpLocks/>
+          </p:cNvCxnSpPr>
+          <p:nvPr/>
+        </p:nvCxnSpPr>
+        <p:spPr>
+          <a:xfrm>
+            <a:off x="10912527" y="1417673"/>
+            <a:ext cx="0" cy="4848446"/>
+          </a:xfrm>
+          <a:prstGeom prst="line">
+            <a:avLst/>
+          </a:prstGeom>
+          <a:noFill/>
+          <a:ln w="19050" cap="flat" cmpd="sng" algn="ctr">
+            <a:solidFill>
+              <a:srgbClr val="A5A5A5"/>
+            </a:solidFill>
+            <a:prstDash val="solid"/>
+            <a:miter lim="800000"/>
+          </a:ln>
+          <a:effectLst/>
+        </p:spPr>
+      </p:cxnSp>
+      <p:sp>
+        <p:nvSpPr>
+          <p:cNvPr id="105" name="TextBox 33">
+            <a:extLst>
+              <a:ext uri="{FF2B5EF4-FFF2-40B4-BE49-F238E27FC236}">
+                <a16:creationId xmlns:a16="http://schemas.microsoft.com/office/drawing/2014/main" id="{EB34EC6F-A82F-861A-C194-005C2FA8F732}"/>
+              </a:ext>
+            </a:extLst>
+          </p:cNvPr>
+          <p:cNvSpPr txBox="1"/>
+          <p:nvPr/>
+        </p:nvSpPr>
+        <p:spPr>
+          <a:xfrm rot="16200000">
+            <a:off x="10077433" y="5380918"/>
+            <a:ext cx="1446028" cy="338554"/>
+          </a:xfrm>
+          <a:prstGeom prst="rect">
+            <a:avLst/>
+          </a:prstGeom>
+          <a:noFill/>
+        </p:spPr>
+        <p:txBody>
+          <a:bodyPr wrap="square" rtlCol="0">
+            <a:spAutoFit/>
+          </a:bodyPr>
+          <a:lstStyle/>
+          <a:p>
+            <a:pPr marL="0" marR="0" lvl="0" indent="0" defTabSz="914400" eaLnBrk="1" fontAlgn="auto" latinLnBrk="0" hangingPunct="1">
+              <a:lnSpc>
+                <a:spcPct val="100000"/>
+              </a:lnSpc>
+              <a:spcBef>
+                <a:spcPts val="0"/>
+              </a:spcBef>
+              <a:spcAft>
+                <a:spcPts val="0"/>
+              </a:spcAft>
+              <a:buClrTx/>
+              <a:buSzTx/>
+              <a:buFontTx/>
+              <a:buNone/>
+              <a:tabLst/>
+              <a:defRPr/>
+            </a:pPr>
+            <a:r>
+              <a:rPr kumimoji="0" lang="en-US" sz="1600" b="0" i="1" u="none" strike="noStrike" kern="0" cap="none" spc="0" normalizeH="0" baseline="0" noProof="0" dirty="0">
+                <a:ln>
+                  <a:noFill/>
+                </a:ln>
+                <a:solidFill>
+                  <a:prstClr val="black"/>
+                </a:solidFill>
+                <a:effectLst/>
+                <a:uLnTx/>
+                <a:uFillTx/>
+              </a:rPr>
+              <a:t>light</a:t>
+            </a:r>
+            <a:endParaRPr kumimoji="0" lang="en-GB" sz="1600" b="0" i="1" u="none" strike="noStrike" kern="0" cap="none" spc="0" normalizeH="0" baseline="0" noProof="0" dirty="0">
+              <a:ln>
+                <a:noFill/>
+              </a:ln>
+              <a:solidFill>
+                <a:prstClr val="black"/>
+              </a:solidFill>
+              <a:effectLst/>
+              <a:uLnTx/>
+              <a:uFillTx/>
+            </a:endParaRPr>
+          </a:p>
+        </p:txBody>
+      </p:sp>
+      <p:cxnSp>
+        <p:nvCxnSpPr>
+          <p:cNvPr id="106" name="Straight Arrow Connector 38">
+            <a:extLst>
+              <a:ext uri="{FF2B5EF4-FFF2-40B4-BE49-F238E27FC236}">
+                <a16:creationId xmlns:a16="http://schemas.microsoft.com/office/drawing/2014/main" id="{0D8A37EA-D25F-4449-A801-FD5118063826}"/>
+              </a:ext>
+            </a:extLst>
+          </p:cNvPr>
+          <p:cNvCxnSpPr>
+            <a:cxnSpLocks/>
+          </p:cNvCxnSpPr>
+          <p:nvPr/>
+        </p:nvCxnSpPr>
+        <p:spPr>
+          <a:xfrm>
+            <a:off x="8755888" y="3023269"/>
+            <a:ext cx="490860" cy="0"/>
+          </a:xfrm>
+          <a:prstGeom prst="straightConnector1">
+            <a:avLst/>
+          </a:prstGeom>
+          <a:noFill/>
+          <a:ln w="19050" cap="flat" cmpd="sng" algn="ctr">
+            <a:solidFill>
+              <a:srgbClr val="A5A5A5"/>
+            </a:solidFill>
+            <a:prstDash val="solid"/>
+            <a:miter lim="800000"/>
+            <a:tailEnd type="triangle"/>
+          </a:ln>
+          <a:effectLst/>
+        </p:spPr>
+      </p:cxnSp>
+      <p:cxnSp>
+        <p:nvCxnSpPr>
+          <p:cNvPr id="107" name="Straight Arrow Connector 39">
+            <a:extLst>
+              <a:ext uri="{FF2B5EF4-FFF2-40B4-BE49-F238E27FC236}">
+                <a16:creationId xmlns:a16="http://schemas.microsoft.com/office/drawing/2014/main" id="{6331BE02-0AB7-C78D-B729-F29F1D338609}"/>
+              </a:ext>
+            </a:extLst>
+          </p:cNvPr>
+          <p:cNvCxnSpPr>
+            <a:cxnSpLocks/>
+          </p:cNvCxnSpPr>
+          <p:nvPr/>
+        </p:nvCxnSpPr>
+        <p:spPr>
+          <a:xfrm>
+            <a:off x="10416316" y="3023269"/>
+            <a:ext cx="490860" cy="0"/>
+          </a:xfrm>
+          <a:prstGeom prst="straightConnector1">
+            <a:avLst/>
+          </a:prstGeom>
+          <a:noFill/>
+          <a:ln w="19050" cap="flat" cmpd="sng" algn="ctr">
+            <a:solidFill>
+              <a:srgbClr val="A5A5A5"/>
+            </a:solidFill>
+            <a:prstDash val="solid"/>
+            <a:miter lim="800000"/>
+            <a:tailEnd type="triangle"/>
+          </a:ln>
+          <a:effectLst/>
+        </p:spPr>
+      </p:cxnSp>
+      <p:sp>
+        <p:nvSpPr>
+          <p:cNvPr id="108" name="TextBox 30">
+            <a:extLst>
+              <a:ext uri="{FF2B5EF4-FFF2-40B4-BE49-F238E27FC236}">
+                <a16:creationId xmlns:a16="http://schemas.microsoft.com/office/drawing/2014/main" id="{9FE2EA77-C762-D3F6-6525-33B1C79F8ECE}"/>
+              </a:ext>
+            </a:extLst>
+          </p:cNvPr>
+          <p:cNvSpPr txBox="1"/>
+          <p:nvPr/>
+        </p:nvSpPr>
+        <p:spPr>
+          <a:xfrm>
+            <a:off x="10010556" y="103706"/>
+            <a:ext cx="2052083" cy="646331"/>
+          </a:xfrm>
+          <a:prstGeom prst="rect">
+            <a:avLst/>
+          </a:prstGeom>
+          <a:noFill/>
+        </p:spPr>
+        <p:txBody>
+          <a:bodyPr wrap="square" rtlCol="0">
+            <a:spAutoFit/>
+          </a:bodyPr>
+          <a:lstStyle/>
+          <a:p>
+            <a:pPr marL="0" marR="0" lvl="0" indent="0" algn="ctr" defTabSz="914400" eaLnBrk="1" fontAlgn="auto" latinLnBrk="0" hangingPunct="1">
+              <a:lnSpc>
+                <a:spcPct val="100000"/>
+              </a:lnSpc>
+              <a:spcBef>
+                <a:spcPts val="0"/>
+              </a:spcBef>
+              <a:spcAft>
+                <a:spcPts val="0"/>
+              </a:spcAft>
+              <a:buClrTx/>
+              <a:buSzTx/>
+              <a:buFontTx/>
+              <a:buNone/>
+              <a:tabLst/>
+              <a:defRPr/>
+            </a:pPr>
+            <a:r>
+              <a:rPr kumimoji="0" lang="en-US" sz="1800" b="0" i="0" u="none" strike="noStrike" kern="0" cap="none" spc="0" normalizeH="0" baseline="0" noProof="0" dirty="0">
+                <a:ln>
+                  <a:noFill/>
+                </a:ln>
+                <a:solidFill>
+                  <a:prstClr val="black"/>
+                </a:solidFill>
+                <a:effectLst/>
+                <a:uLnTx/>
+                <a:uFillTx/>
+              </a:rPr>
+              <a:t>Useful</a:t>
+            </a:r>
+          </a:p>
+          <a:p>
+            <a:pPr marL="0" marR="0" lvl="0" indent="0" algn="ctr" defTabSz="914400" eaLnBrk="1" fontAlgn="auto" latinLnBrk="0" hangingPunct="1">
+              <a:lnSpc>
+                <a:spcPct val="100000"/>
+              </a:lnSpc>
+              <a:spcBef>
+                <a:spcPts val="0"/>
+              </a:spcBef>
+              <a:spcAft>
+                <a:spcPts val="0"/>
+              </a:spcAft>
+              <a:buClrTx/>
+              <a:buSzTx/>
+              <a:buFontTx/>
+              <a:buNone/>
+              <a:tabLst/>
+              <a:defRPr/>
+            </a:pPr>
+            <a:r>
+              <a:rPr kumimoji="0" lang="en-US" sz="1800" b="0" i="0" u="none" strike="noStrike" kern="0" cap="none" spc="0" normalizeH="0" baseline="0" noProof="0" dirty="0">
+                <a:ln>
+                  <a:noFill/>
+                </a:ln>
+                <a:solidFill>
+                  <a:prstClr val="black"/>
+                </a:solidFill>
+                <a:effectLst/>
+                <a:uLnTx/>
+                <a:uFillTx/>
+              </a:rPr>
+              <a:t> Energy</a:t>
+            </a:r>
+            <a:endParaRPr kumimoji="0" lang="en-GB" sz="1800" b="0" i="0" u="none" strike="noStrike" kern="0" cap="none" spc="0" normalizeH="0" baseline="0" noProof="0" dirty="0">
+              <a:ln>
+                <a:noFill/>
+              </a:ln>
+              <a:solidFill>
+                <a:prstClr val="black"/>
+              </a:solidFill>
+              <a:effectLst/>
+              <a:uLnTx/>
+              <a:uFillTx/>
+            </a:endParaRPr>
+          </a:p>
+        </p:txBody>
+      </p:sp>
+    </p:spTree>
+    <p:extLst>
+      <p:ext uri="{BB962C8B-B14F-4D97-AF65-F5344CB8AC3E}">
+        <p14:creationId xmlns:p14="http://schemas.microsoft.com/office/powerpoint/2010/main" val="3156359377"/>
+      </p:ext>
+    </p:extLst>
+  </p:cSld>
+  <p:clrMapOvr>
+    <a:masterClrMapping/>
+  </p:clrMapOvr>
+</p:sld>
+</file>
+
+<file path=ppt/slides/slide4.xml><?xml version="1.0" encoding="utf-8"?>
+<p:sld xmlns:a="http://schemas.openxmlformats.org/drawingml/2006/main" xmlns:r="http://schemas.openxmlformats.org/officeDocument/2006/relationships" xmlns:p="http://schemas.openxmlformats.org/presentationml/2006/main">
+  <p:cSld>
+    <p:spTree>
+      <p:nvGrpSpPr>
+        <p:cNvPr id="1" name="">
+          <a:extLst>
+            <a:ext uri="{FF2B5EF4-FFF2-40B4-BE49-F238E27FC236}">
+              <a16:creationId xmlns:a16="http://schemas.microsoft.com/office/drawing/2014/main" id="{97999C87-6155-B2AB-7692-CC5100E79943}"/>
+            </a:ext>
+          </a:extLst>
+        </p:cNvPr>
+        <p:cNvGrpSpPr/>
+        <p:nvPr/>
+      </p:nvGrpSpPr>
+      <p:grpSpPr>
+        <a:xfrm>
+          <a:off x="0" y="0"/>
+          <a:ext cx="0" cy="0"/>
+          <a:chOff x="0" y="0"/>
+          <a:chExt cx="0" cy="0"/>
+        </a:xfrm>
+      </p:grpSpPr>
+      <p:pic>
+        <p:nvPicPr>
+          <p:cNvPr id="82" name="Picture 4" descr="A picture containing tree&#10;&#10;Description automatically generated">
+            <a:extLst>
+              <a:ext uri="{FF2B5EF4-FFF2-40B4-BE49-F238E27FC236}">
+                <a16:creationId xmlns:a16="http://schemas.microsoft.com/office/drawing/2014/main" id="{5C78F37C-5E16-9B7C-66A5-C574BCF33650}"/>
+              </a:ext>
+            </a:extLst>
+          </p:cNvPr>
+          <p:cNvPicPr>
+            <a:picLocks noChangeAspect="1"/>
+          </p:cNvPicPr>
+          <p:nvPr/>
+        </p:nvPicPr>
+        <p:blipFill>
+          <a:blip r:embed="rId3">
+            <a:extLst>
+              <a:ext uri="{28A0092B-C50C-407E-A947-70E740481C1C}">
+                <a14:useLocalDpi xmlns:a14="http://schemas.microsoft.com/office/drawing/2010/main" val="0"/>
+              </a:ext>
+            </a:extLst>
+          </a:blip>
+          <a:stretch>
+            <a:fillRect/>
+          </a:stretch>
+        </p:blipFill>
+        <p:spPr>
+          <a:xfrm>
+            <a:off x="80282" y="90975"/>
+            <a:ext cx="1748518" cy="6650067"/>
+          </a:xfrm>
+          <a:prstGeom prst="rect">
+            <a:avLst/>
+          </a:prstGeom>
+        </p:spPr>
+      </p:pic>
+      <p:sp>
+        <p:nvSpPr>
+          <p:cNvPr id="83" name="Rectangle: Rounded Corners 5">
+            <a:extLst>
+              <a:ext uri="{FF2B5EF4-FFF2-40B4-BE49-F238E27FC236}">
+                <a16:creationId xmlns:a16="http://schemas.microsoft.com/office/drawing/2014/main" id="{99D32BEB-D502-1903-D49A-770A13C0D3E0}"/>
+              </a:ext>
+            </a:extLst>
+          </p:cNvPr>
+          <p:cNvSpPr/>
+          <p:nvPr/>
+        </p:nvSpPr>
+        <p:spPr>
+          <a:xfrm>
+            <a:off x="2770671" y="2158409"/>
+            <a:ext cx="1167812" cy="648098"/>
+          </a:xfrm>
+          <a:prstGeom prst="roundRect">
+            <a:avLst/>
+          </a:prstGeom>
+          <a:solidFill>
+            <a:srgbClr val="4472C4"/>
+          </a:solidFill>
+          <a:ln w="12700" cap="flat" cmpd="sng" algn="ctr">
+            <a:solidFill>
+              <a:srgbClr val="4472C4">
+                <a:shade val="50000"/>
+              </a:srgbClr>
+            </a:solidFill>
+            <a:prstDash val="solid"/>
+            <a:miter lim="800000"/>
+          </a:ln>
+          <a:effectLst>
+            <a:outerShdw blurRad="50800" dist="38100" dir="2700000" algn="tl" rotWithShape="0">
+              <a:prstClr val="black">
+                <a:alpha val="40000"/>
+              </a:prstClr>
+            </a:outerShdw>
+          </a:effectLst>
+        </p:spPr>
+        <p:txBody>
+          <a:bodyPr rtlCol="0" anchor="ctr"/>
+          <a:lstStyle/>
+          <a:p>
+            <a:pPr marL="0" marR="0" lvl="0" indent="0" algn="ctr" defTabSz="914400" eaLnBrk="1" fontAlgn="auto" latinLnBrk="0" hangingPunct="1">
+              <a:lnSpc>
+                <a:spcPct val="100000"/>
+              </a:lnSpc>
+              <a:spcBef>
+                <a:spcPts val="0"/>
+              </a:spcBef>
+              <a:spcAft>
+                <a:spcPts val="0"/>
+              </a:spcAft>
+              <a:buClrTx/>
+              <a:buSzTx/>
+              <a:buFontTx/>
+              <a:buNone/>
+              <a:tabLst/>
+              <a:defRPr/>
+            </a:pPr>
+            <a:r>
+              <a:rPr kumimoji="0" lang="en-US" sz="1400" b="0" i="0" u="none" strike="noStrike" kern="0" cap="none" spc="0" normalizeH="0" baseline="0" noProof="0" dirty="0">
+                <a:ln>
+                  <a:noFill/>
+                </a:ln>
+                <a:solidFill>
+                  <a:prstClr val="white"/>
+                </a:solidFill>
+                <a:effectLst/>
+                <a:uLnTx/>
+                <a:uFillTx/>
+                <a:latin typeface="Calibri" panose="020F0502020204030204"/>
+                <a:ea typeface="+mn-ea"/>
+                <a:cs typeface="+mn-cs"/>
+              </a:rPr>
+              <a:t>Coal Power plant</a:t>
+            </a:r>
+            <a:endParaRPr kumimoji="0" lang="en-GB" sz="1400" b="0" i="0" u="none" strike="noStrike" kern="0" cap="none" spc="0" normalizeH="0" baseline="0" noProof="0" dirty="0">
+              <a:ln>
+                <a:noFill/>
+              </a:ln>
+              <a:solidFill>
+                <a:prstClr val="white"/>
+              </a:solidFill>
+              <a:effectLst/>
+              <a:uLnTx/>
+              <a:uFillTx/>
+              <a:latin typeface="Calibri" panose="020F0502020204030204"/>
+              <a:ea typeface="+mn-ea"/>
+              <a:cs typeface="+mn-cs"/>
+            </a:endParaRPr>
+          </a:p>
+        </p:txBody>
+      </p:sp>
+      <p:sp>
+        <p:nvSpPr>
+          <p:cNvPr id="84" name="Rectangle: Rounded Corners 7">
+            <a:extLst>
+              <a:ext uri="{FF2B5EF4-FFF2-40B4-BE49-F238E27FC236}">
+                <a16:creationId xmlns:a16="http://schemas.microsoft.com/office/drawing/2014/main" id="{26AA3ED7-3B37-31AD-A6B6-AA9331D5D492}"/>
+              </a:ext>
+            </a:extLst>
+          </p:cNvPr>
+          <p:cNvSpPr/>
+          <p:nvPr/>
+        </p:nvSpPr>
+        <p:spPr>
+          <a:xfrm>
+            <a:off x="2770671" y="3452194"/>
+            <a:ext cx="1167812" cy="648098"/>
+          </a:xfrm>
+          <a:prstGeom prst="roundRect">
+            <a:avLst/>
+          </a:prstGeom>
+          <a:solidFill>
+            <a:srgbClr val="4472C4"/>
+          </a:solidFill>
+          <a:ln w="12700" cap="flat" cmpd="sng" algn="ctr">
+            <a:solidFill>
+              <a:srgbClr val="4472C4">
+                <a:shade val="50000"/>
+              </a:srgbClr>
+            </a:solidFill>
+            <a:prstDash val="solid"/>
+            <a:miter lim="800000"/>
+          </a:ln>
+          <a:effectLst>
+            <a:outerShdw blurRad="50800" dist="38100" dir="2700000" algn="tl" rotWithShape="0">
+              <a:prstClr val="black">
+                <a:alpha val="40000"/>
+              </a:prstClr>
+            </a:outerShdw>
+          </a:effectLst>
+        </p:spPr>
+        <p:txBody>
+          <a:bodyPr rtlCol="0" anchor="ctr"/>
+          <a:lstStyle/>
+          <a:p>
+            <a:pPr marL="0" marR="0" lvl="0" indent="0" algn="ctr" defTabSz="914400" eaLnBrk="1" fontAlgn="auto" latinLnBrk="0" hangingPunct="1">
+              <a:lnSpc>
+                <a:spcPct val="100000"/>
+              </a:lnSpc>
+              <a:spcBef>
+                <a:spcPts val="0"/>
+              </a:spcBef>
+              <a:spcAft>
+                <a:spcPts val="0"/>
+              </a:spcAft>
+              <a:buClrTx/>
+              <a:buSzTx/>
+              <a:buFontTx/>
+              <a:buNone/>
+              <a:tabLst/>
+              <a:defRPr/>
+            </a:pPr>
+            <a:r>
+              <a:rPr kumimoji="0" lang="en-US" sz="1400" b="0" i="0" u="none" strike="noStrike" kern="0" cap="none" spc="0" normalizeH="0" baseline="0" noProof="0" dirty="0">
+                <a:ln>
+                  <a:noFill/>
+                </a:ln>
+                <a:solidFill>
+                  <a:prstClr val="white"/>
+                </a:solidFill>
+                <a:effectLst/>
+                <a:uLnTx/>
+                <a:uFillTx/>
+                <a:latin typeface="Calibri" panose="020F0502020204030204"/>
+                <a:ea typeface="+mn-ea"/>
+                <a:cs typeface="+mn-cs"/>
+              </a:rPr>
+              <a:t>Wind Power plant</a:t>
+            </a:r>
+            <a:endParaRPr kumimoji="0" lang="en-GB" sz="1400" b="0" i="0" u="none" strike="noStrike" kern="0" cap="none" spc="0" normalizeH="0" baseline="0" noProof="0" dirty="0">
+              <a:ln>
+                <a:noFill/>
+              </a:ln>
+              <a:solidFill>
+                <a:prstClr val="white"/>
+              </a:solidFill>
+              <a:effectLst/>
+              <a:uLnTx/>
+              <a:uFillTx/>
+              <a:latin typeface="Calibri" panose="020F0502020204030204"/>
+              <a:ea typeface="+mn-ea"/>
+              <a:cs typeface="+mn-cs"/>
+            </a:endParaRPr>
+          </a:p>
+        </p:txBody>
+      </p:sp>
+      <p:cxnSp>
+        <p:nvCxnSpPr>
+          <p:cNvPr id="85" name="Straight Connector 9">
+            <a:extLst>
+              <a:ext uri="{FF2B5EF4-FFF2-40B4-BE49-F238E27FC236}">
+                <a16:creationId xmlns:a16="http://schemas.microsoft.com/office/drawing/2014/main" id="{AF0B7204-14F6-1167-6373-490D907623CF}"/>
+              </a:ext>
+            </a:extLst>
+          </p:cNvPr>
+          <p:cNvCxnSpPr>
+            <a:cxnSpLocks/>
+          </p:cNvCxnSpPr>
+          <p:nvPr/>
+        </p:nvCxnSpPr>
+        <p:spPr>
+          <a:xfrm>
+            <a:off x="4427572" y="1424763"/>
+            <a:ext cx="0" cy="4848446"/>
+          </a:xfrm>
+          <a:prstGeom prst="line">
+            <a:avLst/>
+          </a:prstGeom>
+          <a:noFill/>
+          <a:ln w="19050" cap="flat" cmpd="sng" algn="ctr">
+            <a:solidFill>
+              <a:srgbClr val="A5A5A5"/>
+            </a:solidFill>
+            <a:prstDash val="solid"/>
+            <a:miter lim="800000"/>
+          </a:ln>
+          <a:effectLst/>
+        </p:spPr>
+      </p:cxnSp>
+      <p:sp>
+        <p:nvSpPr>
+          <p:cNvPr id="86" name="TextBox 11">
+            <a:extLst>
+              <a:ext uri="{FF2B5EF4-FFF2-40B4-BE49-F238E27FC236}">
+                <a16:creationId xmlns:a16="http://schemas.microsoft.com/office/drawing/2014/main" id="{9EBF433D-F633-F69D-ACCD-03FA0293DCC5}"/>
+              </a:ext>
+            </a:extLst>
+          </p:cNvPr>
+          <p:cNvSpPr txBox="1"/>
+          <p:nvPr/>
+        </p:nvSpPr>
+        <p:spPr>
+          <a:xfrm rot="16200000">
+            <a:off x="3598236" y="5380918"/>
+            <a:ext cx="1446028" cy="338554"/>
+          </a:xfrm>
+          <a:prstGeom prst="rect">
+            <a:avLst/>
+          </a:prstGeom>
+          <a:noFill/>
+        </p:spPr>
+        <p:txBody>
+          <a:bodyPr wrap="square" rtlCol="0">
+            <a:spAutoFit/>
+          </a:bodyPr>
+          <a:lstStyle/>
+          <a:p>
+            <a:pPr marL="0" marR="0" lvl="0" indent="0" defTabSz="914400" eaLnBrk="1" fontAlgn="auto" latinLnBrk="0" hangingPunct="1">
+              <a:lnSpc>
+                <a:spcPct val="100000"/>
+              </a:lnSpc>
+              <a:spcBef>
+                <a:spcPts val="0"/>
+              </a:spcBef>
+              <a:spcAft>
+                <a:spcPts val="0"/>
+              </a:spcAft>
+              <a:buClrTx/>
+              <a:buSzTx/>
+              <a:buFontTx/>
+              <a:buNone/>
+              <a:tabLst/>
+              <a:defRPr/>
+            </a:pPr>
+            <a:r>
+              <a:rPr kumimoji="0" lang="en-US" sz="1600" b="0" i="1" u="none" strike="noStrike" kern="0" cap="none" spc="0" normalizeH="0" baseline="0" noProof="0" dirty="0">
+                <a:ln>
+                  <a:noFill/>
+                </a:ln>
+                <a:solidFill>
+                  <a:prstClr val="black"/>
+                </a:solidFill>
+                <a:effectLst/>
+                <a:uLnTx/>
+                <a:uFillTx/>
+              </a:rPr>
+              <a:t>electricity</a:t>
+            </a:r>
+            <a:endParaRPr kumimoji="0" lang="en-GB" sz="1600" b="0" i="1" u="none" strike="noStrike" kern="0" cap="none" spc="0" normalizeH="0" baseline="0" noProof="0" dirty="0">
+              <a:ln>
+                <a:noFill/>
+              </a:ln>
+              <a:solidFill>
+                <a:prstClr val="black"/>
+              </a:solidFill>
+              <a:effectLst/>
+              <a:uLnTx/>
+              <a:uFillTx/>
+            </a:endParaRPr>
+          </a:p>
+        </p:txBody>
+      </p:sp>
+      <p:cxnSp>
+        <p:nvCxnSpPr>
+          <p:cNvPr id="87" name="Straight Arrow Connector 18">
+            <a:extLst>
+              <a:ext uri="{FF2B5EF4-FFF2-40B4-BE49-F238E27FC236}">
+                <a16:creationId xmlns:a16="http://schemas.microsoft.com/office/drawing/2014/main" id="{EF27C09B-C37C-8AB8-FCDF-E872EF4F79EC}"/>
+              </a:ext>
+            </a:extLst>
+          </p:cNvPr>
+          <p:cNvCxnSpPr>
+            <a:cxnSpLocks/>
+          </p:cNvCxnSpPr>
+          <p:nvPr/>
+        </p:nvCxnSpPr>
+        <p:spPr>
+          <a:xfrm>
+            <a:off x="3949116" y="2463287"/>
+            <a:ext cx="490860" cy="0"/>
+          </a:xfrm>
+          <a:prstGeom prst="straightConnector1">
+            <a:avLst/>
+          </a:prstGeom>
+          <a:noFill/>
+          <a:ln w="19050" cap="flat" cmpd="sng" algn="ctr">
+            <a:solidFill>
+              <a:srgbClr val="A5A5A5"/>
+            </a:solidFill>
+            <a:prstDash val="solid"/>
+            <a:miter lim="800000"/>
+            <a:tailEnd type="triangle"/>
+          </a:ln>
+          <a:effectLst/>
+        </p:spPr>
+      </p:cxnSp>
+      <p:sp>
+        <p:nvSpPr>
+          <p:cNvPr id="88" name="Rectangle: Rounded Corners 20">
+            <a:extLst>
+              <a:ext uri="{FF2B5EF4-FFF2-40B4-BE49-F238E27FC236}">
+                <a16:creationId xmlns:a16="http://schemas.microsoft.com/office/drawing/2014/main" id="{BB9437DA-39B1-D4CF-01F6-41479B87399E}"/>
+              </a:ext>
+            </a:extLst>
+          </p:cNvPr>
+          <p:cNvSpPr/>
+          <p:nvPr/>
+        </p:nvSpPr>
+        <p:spPr>
+          <a:xfrm>
+            <a:off x="4928188" y="2701159"/>
+            <a:ext cx="1167812" cy="648098"/>
+          </a:xfrm>
+          <a:prstGeom prst="roundRect">
+            <a:avLst/>
+          </a:prstGeom>
+          <a:solidFill>
+            <a:srgbClr val="A5A5A5"/>
+          </a:solidFill>
+          <a:ln w="12700" cap="flat" cmpd="sng" algn="ctr">
+            <a:solidFill>
+              <a:srgbClr val="4472C4">
+                <a:shade val="50000"/>
+              </a:srgbClr>
+            </a:solidFill>
+            <a:prstDash val="solid"/>
+            <a:miter lim="800000"/>
+          </a:ln>
+          <a:effectLst>
+            <a:outerShdw blurRad="50800" dist="38100" dir="2700000" algn="tl" rotWithShape="0">
+              <a:prstClr val="black">
+                <a:alpha val="40000"/>
+              </a:prstClr>
+            </a:outerShdw>
+          </a:effectLst>
+        </p:spPr>
+        <p:txBody>
+          <a:bodyPr rtlCol="0" anchor="ctr"/>
+          <a:lstStyle/>
+          <a:p>
+            <a:pPr marL="0" marR="0" lvl="0" indent="0" algn="ctr" defTabSz="914400" eaLnBrk="1" fontAlgn="auto" latinLnBrk="0" hangingPunct="1">
+              <a:lnSpc>
+                <a:spcPct val="100000"/>
+              </a:lnSpc>
+              <a:spcBef>
+                <a:spcPts val="0"/>
+              </a:spcBef>
+              <a:spcAft>
+                <a:spcPts val="0"/>
+              </a:spcAft>
+              <a:buClrTx/>
+              <a:buSzTx/>
+              <a:buFontTx/>
+              <a:buNone/>
+              <a:tabLst/>
+              <a:defRPr/>
+            </a:pPr>
+            <a:r>
+              <a:rPr kumimoji="0" lang="en-US" sz="1400" b="0" i="0" u="none" strike="noStrike" kern="0" cap="none" spc="0" normalizeH="0" baseline="0" noProof="0" dirty="0">
+                <a:ln>
+                  <a:noFill/>
+                </a:ln>
+                <a:solidFill>
+                  <a:prstClr val="white"/>
+                </a:solidFill>
+                <a:effectLst/>
+                <a:uLnTx/>
+                <a:uFillTx/>
+                <a:latin typeface="Calibri" panose="020F0502020204030204"/>
+                <a:ea typeface="+mn-ea"/>
+                <a:cs typeface="+mn-cs"/>
+              </a:rPr>
+              <a:t>Electricity grid</a:t>
+            </a:r>
+            <a:endParaRPr kumimoji="0" lang="en-GB" sz="1400" b="0" i="0" u="none" strike="noStrike" kern="0" cap="none" spc="0" normalizeH="0" baseline="0" noProof="0" dirty="0">
+              <a:ln>
+                <a:noFill/>
+              </a:ln>
+              <a:solidFill>
+                <a:prstClr val="white"/>
+              </a:solidFill>
+              <a:effectLst/>
+              <a:uLnTx/>
+              <a:uFillTx/>
+              <a:latin typeface="Calibri" panose="020F0502020204030204"/>
+              <a:ea typeface="+mn-ea"/>
+              <a:cs typeface="+mn-cs"/>
+            </a:endParaRPr>
+          </a:p>
+        </p:txBody>
+      </p:sp>
+      <p:cxnSp>
+        <p:nvCxnSpPr>
+          <p:cNvPr id="89" name="Straight Connector 23">
+            <a:extLst>
+              <a:ext uri="{FF2B5EF4-FFF2-40B4-BE49-F238E27FC236}">
+                <a16:creationId xmlns:a16="http://schemas.microsoft.com/office/drawing/2014/main" id="{4DE0ED22-E571-E067-A57E-A44ABF6055E6}"/>
+              </a:ext>
+            </a:extLst>
+          </p:cNvPr>
+          <p:cNvCxnSpPr>
+            <a:cxnSpLocks/>
+          </p:cNvCxnSpPr>
+          <p:nvPr/>
+        </p:nvCxnSpPr>
+        <p:spPr>
+          <a:xfrm>
+            <a:off x="6574470" y="1414130"/>
+            <a:ext cx="0" cy="4848446"/>
+          </a:xfrm>
+          <a:prstGeom prst="line">
+            <a:avLst/>
+          </a:prstGeom>
+          <a:noFill/>
+          <a:ln w="19050" cap="flat" cmpd="sng" algn="ctr">
+            <a:solidFill>
+              <a:srgbClr val="A5A5A5"/>
+            </a:solidFill>
+            <a:prstDash val="solid"/>
+            <a:miter lim="800000"/>
+          </a:ln>
+          <a:effectLst/>
+        </p:spPr>
+      </p:cxnSp>
+      <p:sp>
+        <p:nvSpPr>
+          <p:cNvPr id="90" name="TextBox 24">
+            <a:extLst>
+              <a:ext uri="{FF2B5EF4-FFF2-40B4-BE49-F238E27FC236}">
+                <a16:creationId xmlns:a16="http://schemas.microsoft.com/office/drawing/2014/main" id="{C7ABCCD8-F00B-78D5-B30E-17B929A07E7C}"/>
+              </a:ext>
+            </a:extLst>
+          </p:cNvPr>
+          <p:cNvSpPr txBox="1"/>
+          <p:nvPr/>
+        </p:nvSpPr>
+        <p:spPr>
+          <a:xfrm rot="16200000">
+            <a:off x="5745134" y="5370285"/>
+            <a:ext cx="1446028" cy="338554"/>
+          </a:xfrm>
+          <a:prstGeom prst="rect">
+            <a:avLst/>
+          </a:prstGeom>
+          <a:noFill/>
+        </p:spPr>
+        <p:txBody>
+          <a:bodyPr wrap="square" rtlCol="0">
+            <a:spAutoFit/>
+          </a:bodyPr>
+          <a:lstStyle/>
+          <a:p>
+            <a:pPr marL="0" marR="0" lvl="0" indent="0" defTabSz="914400" eaLnBrk="1" fontAlgn="auto" latinLnBrk="0" hangingPunct="1">
+              <a:lnSpc>
+                <a:spcPct val="100000"/>
+              </a:lnSpc>
+              <a:spcBef>
+                <a:spcPts val="0"/>
+              </a:spcBef>
+              <a:spcAft>
+                <a:spcPts val="0"/>
+              </a:spcAft>
+              <a:buClrTx/>
+              <a:buSzTx/>
+              <a:buFontTx/>
+              <a:buNone/>
+              <a:tabLst/>
+              <a:defRPr/>
+            </a:pPr>
+            <a:r>
+              <a:rPr kumimoji="0" lang="en-US" sz="1600" b="0" i="1" u="none" strike="noStrike" kern="0" cap="none" spc="0" normalizeH="0" baseline="0" noProof="0" dirty="0">
+                <a:ln>
+                  <a:noFill/>
+                </a:ln>
+                <a:solidFill>
+                  <a:prstClr val="black"/>
+                </a:solidFill>
+                <a:effectLst/>
+                <a:uLnTx/>
+                <a:uFillTx/>
+              </a:rPr>
+              <a:t>electricity</a:t>
+            </a:r>
+            <a:endParaRPr kumimoji="0" lang="en-GB" sz="1600" b="0" i="1" u="none" strike="noStrike" kern="0" cap="none" spc="0" normalizeH="0" baseline="0" noProof="0" dirty="0">
+              <a:ln>
+                <a:noFill/>
+              </a:ln>
+              <a:solidFill>
+                <a:prstClr val="black"/>
+              </a:solidFill>
+              <a:effectLst/>
+              <a:uLnTx/>
+              <a:uFillTx/>
+            </a:endParaRPr>
+          </a:p>
+        </p:txBody>
+      </p:sp>
+      <p:sp>
+        <p:nvSpPr>
+          <p:cNvPr id="91" name="Rectangle: Rounded Corners 26">
+            <a:extLst>
+              <a:ext uri="{FF2B5EF4-FFF2-40B4-BE49-F238E27FC236}">
+                <a16:creationId xmlns:a16="http://schemas.microsoft.com/office/drawing/2014/main" id="{115061CC-9197-6B74-8D0B-AC71CF0AA8CA}"/>
+              </a:ext>
+            </a:extLst>
+          </p:cNvPr>
+          <p:cNvSpPr/>
+          <p:nvPr/>
+        </p:nvSpPr>
+        <p:spPr>
+          <a:xfrm>
+            <a:off x="7079476" y="1359363"/>
+            <a:ext cx="1167812" cy="648098"/>
+          </a:xfrm>
+          <a:prstGeom prst="roundRect">
+            <a:avLst/>
+          </a:prstGeom>
+          <a:solidFill>
+            <a:srgbClr val="FFC000">
+              <a:lumMod val="60000"/>
+              <a:lumOff val="40000"/>
+            </a:srgbClr>
+          </a:solidFill>
+          <a:ln w="12700" cap="flat" cmpd="sng" algn="ctr">
+            <a:solidFill>
+              <a:srgbClr val="4472C4">
+                <a:shade val="50000"/>
+              </a:srgbClr>
+            </a:solidFill>
+            <a:prstDash val="solid"/>
+            <a:miter lim="800000"/>
+          </a:ln>
+          <a:effectLst>
+            <a:outerShdw blurRad="50800" dist="38100" dir="2700000" algn="tl" rotWithShape="0">
+              <a:prstClr val="black">
+                <a:alpha val="40000"/>
+              </a:prstClr>
+            </a:outerShdw>
+          </a:effectLst>
+        </p:spPr>
+        <p:txBody>
+          <a:bodyPr rtlCol="0" anchor="ctr"/>
+          <a:lstStyle/>
+          <a:p>
+            <a:pPr marL="0" marR="0" lvl="0" indent="0" algn="ctr" defTabSz="914400" eaLnBrk="1" fontAlgn="auto" latinLnBrk="0" hangingPunct="1">
+              <a:lnSpc>
+                <a:spcPct val="100000"/>
+              </a:lnSpc>
+              <a:spcBef>
+                <a:spcPts val="0"/>
+              </a:spcBef>
+              <a:spcAft>
+                <a:spcPts val="0"/>
+              </a:spcAft>
+              <a:buClrTx/>
+              <a:buSzTx/>
+              <a:buFontTx/>
+              <a:buNone/>
+              <a:tabLst/>
+              <a:defRPr/>
+            </a:pPr>
+            <a:r>
+              <a:rPr kumimoji="0" lang="en-US" sz="1400" b="0" i="0" u="none" strike="noStrike" kern="0" cap="none" spc="0" normalizeH="0" baseline="0" noProof="0" dirty="0">
+                <a:ln>
+                  <a:noFill/>
+                </a:ln>
+                <a:solidFill>
+                  <a:srgbClr val="44546A"/>
+                </a:solidFill>
+                <a:effectLst/>
+                <a:uLnTx/>
+                <a:uFillTx/>
+                <a:latin typeface="Calibri" panose="020F0502020204030204"/>
+                <a:ea typeface="+mn-ea"/>
+                <a:cs typeface="+mn-cs"/>
+              </a:rPr>
+              <a:t>Electric Households</a:t>
+            </a:r>
+            <a:endParaRPr kumimoji="0" lang="en-GB" sz="1400" b="0" i="0" u="none" strike="noStrike" kern="0" cap="none" spc="0" normalizeH="0" baseline="0" noProof="0" dirty="0">
+              <a:ln>
+                <a:noFill/>
+              </a:ln>
+              <a:solidFill>
+                <a:srgbClr val="44546A"/>
+              </a:solidFill>
+              <a:effectLst/>
+              <a:uLnTx/>
+              <a:uFillTx/>
+              <a:latin typeface="Calibri" panose="020F0502020204030204"/>
+              <a:ea typeface="+mn-ea"/>
+              <a:cs typeface="+mn-cs"/>
+            </a:endParaRPr>
+          </a:p>
+        </p:txBody>
+      </p:sp>
+      <p:cxnSp>
+        <p:nvCxnSpPr>
+          <p:cNvPr id="94" name="Straight Arrow Connector 35">
+            <a:extLst>
+              <a:ext uri="{FF2B5EF4-FFF2-40B4-BE49-F238E27FC236}">
+                <a16:creationId xmlns:a16="http://schemas.microsoft.com/office/drawing/2014/main" id="{914ED883-9575-87DF-C546-71C235DBF9CC}"/>
+              </a:ext>
+            </a:extLst>
+          </p:cNvPr>
+          <p:cNvCxnSpPr>
+            <a:cxnSpLocks/>
+          </p:cNvCxnSpPr>
+          <p:nvPr/>
+        </p:nvCxnSpPr>
+        <p:spPr>
+          <a:xfrm>
+            <a:off x="3938483" y="3817166"/>
+            <a:ext cx="490860" cy="0"/>
+          </a:xfrm>
+          <a:prstGeom prst="straightConnector1">
+            <a:avLst/>
+          </a:prstGeom>
+          <a:noFill/>
+          <a:ln w="19050" cap="flat" cmpd="sng" algn="ctr">
+            <a:solidFill>
+              <a:srgbClr val="A5A5A5"/>
+            </a:solidFill>
+            <a:prstDash val="solid"/>
+            <a:miter lim="800000"/>
+            <a:tailEnd type="triangle"/>
+          </a:ln>
+          <a:effectLst/>
+        </p:spPr>
+      </p:cxnSp>
+      <p:cxnSp>
+        <p:nvCxnSpPr>
+          <p:cNvPr id="95" name="Straight Arrow Connector 36">
+            <a:extLst>
+              <a:ext uri="{FF2B5EF4-FFF2-40B4-BE49-F238E27FC236}">
+                <a16:creationId xmlns:a16="http://schemas.microsoft.com/office/drawing/2014/main" id="{18B892A0-B962-F9BD-5AC1-4F1D5712A24A}"/>
+              </a:ext>
+            </a:extLst>
+          </p:cNvPr>
+          <p:cNvCxnSpPr>
+            <a:cxnSpLocks/>
+          </p:cNvCxnSpPr>
+          <p:nvPr/>
+        </p:nvCxnSpPr>
+        <p:spPr>
+          <a:xfrm>
+            <a:off x="4439976" y="3023269"/>
+            <a:ext cx="490860" cy="0"/>
+          </a:xfrm>
+          <a:prstGeom prst="straightConnector1">
+            <a:avLst/>
+          </a:prstGeom>
+          <a:noFill/>
+          <a:ln w="19050" cap="flat" cmpd="sng" algn="ctr">
+            <a:solidFill>
+              <a:srgbClr val="A5A5A5"/>
+            </a:solidFill>
+            <a:prstDash val="solid"/>
+            <a:miter lim="800000"/>
+            <a:tailEnd type="triangle"/>
+          </a:ln>
+          <a:effectLst/>
+        </p:spPr>
+      </p:cxnSp>
+      <p:cxnSp>
+        <p:nvCxnSpPr>
+          <p:cNvPr id="96" name="Straight Arrow Connector 37">
+            <a:extLst>
+              <a:ext uri="{FF2B5EF4-FFF2-40B4-BE49-F238E27FC236}">
+                <a16:creationId xmlns:a16="http://schemas.microsoft.com/office/drawing/2014/main" id="{6606A24C-D19B-D906-ACE5-1E2694DEEA7A}"/>
+              </a:ext>
+            </a:extLst>
+          </p:cNvPr>
+          <p:cNvCxnSpPr>
+            <a:cxnSpLocks/>
+          </p:cNvCxnSpPr>
+          <p:nvPr/>
+        </p:nvCxnSpPr>
+        <p:spPr>
+          <a:xfrm>
+            <a:off x="6096000" y="3023269"/>
+            <a:ext cx="490860" cy="0"/>
+          </a:xfrm>
+          <a:prstGeom prst="straightConnector1">
+            <a:avLst/>
+          </a:prstGeom>
+          <a:noFill/>
+          <a:ln w="19050" cap="flat" cmpd="sng" algn="ctr">
+            <a:solidFill>
+              <a:srgbClr val="A5A5A5"/>
+            </a:solidFill>
+            <a:prstDash val="solid"/>
+            <a:miter lim="800000"/>
+            <a:tailEnd type="triangle"/>
+          </a:ln>
+          <a:effectLst/>
+        </p:spPr>
+      </p:cxnSp>
+      <p:cxnSp>
+        <p:nvCxnSpPr>
+          <p:cNvPr id="97" name="Straight Arrow Connector 38">
+            <a:extLst>
+              <a:ext uri="{FF2B5EF4-FFF2-40B4-BE49-F238E27FC236}">
+                <a16:creationId xmlns:a16="http://schemas.microsoft.com/office/drawing/2014/main" id="{0DB85C5C-0756-7D9D-4B22-CA89CF6F3738}"/>
+              </a:ext>
+            </a:extLst>
+          </p:cNvPr>
+          <p:cNvCxnSpPr>
+            <a:cxnSpLocks/>
+          </p:cNvCxnSpPr>
+          <p:nvPr/>
+        </p:nvCxnSpPr>
+        <p:spPr>
+          <a:xfrm>
+            <a:off x="6586860" y="1683412"/>
+            <a:ext cx="490860" cy="0"/>
+          </a:xfrm>
+          <a:prstGeom prst="straightConnector1">
+            <a:avLst/>
+          </a:prstGeom>
+          <a:noFill/>
+          <a:ln w="19050" cap="flat" cmpd="sng" algn="ctr">
+            <a:solidFill>
+              <a:srgbClr val="A5A5A5"/>
+            </a:solidFill>
+            <a:prstDash val="solid"/>
+            <a:miter lim="800000"/>
+            <a:tailEnd type="triangle"/>
+          </a:ln>
+          <a:effectLst/>
+        </p:spPr>
+      </p:cxnSp>
+      <p:sp>
+        <p:nvSpPr>
+          <p:cNvPr id="99" name="TextBox 27">
+            <a:extLst>
+              <a:ext uri="{FF2B5EF4-FFF2-40B4-BE49-F238E27FC236}">
+                <a16:creationId xmlns:a16="http://schemas.microsoft.com/office/drawing/2014/main" id="{D604A8D2-8B20-6A47-0E9E-65120212EC2D}"/>
+              </a:ext>
+            </a:extLst>
+          </p:cNvPr>
+          <p:cNvSpPr txBox="1"/>
+          <p:nvPr/>
+        </p:nvSpPr>
+        <p:spPr>
+          <a:xfrm>
+            <a:off x="3271267" y="89549"/>
+            <a:ext cx="2052083" cy="646331"/>
+          </a:xfrm>
+          <a:prstGeom prst="rect">
+            <a:avLst/>
+          </a:prstGeom>
+          <a:noFill/>
+        </p:spPr>
+        <p:txBody>
+          <a:bodyPr wrap="square" rtlCol="0">
+            <a:spAutoFit/>
+          </a:bodyPr>
+          <a:lstStyle/>
+          <a:p>
+            <a:pPr marL="0" marR="0" lvl="0" indent="0" algn="ctr" defTabSz="914400" eaLnBrk="1" fontAlgn="auto" latinLnBrk="0" hangingPunct="1">
+              <a:lnSpc>
+                <a:spcPct val="100000"/>
+              </a:lnSpc>
+              <a:spcBef>
+                <a:spcPts val="0"/>
+              </a:spcBef>
+              <a:spcAft>
+                <a:spcPts val="0"/>
+              </a:spcAft>
+              <a:buClrTx/>
+              <a:buSzTx/>
+              <a:buFontTx/>
+              <a:buNone/>
+              <a:tabLst/>
+              <a:defRPr/>
+            </a:pPr>
+            <a:r>
+              <a:rPr kumimoji="0" lang="en-US" sz="1800" b="0" i="0" u="none" strike="noStrike" kern="0" cap="none" spc="0" normalizeH="0" baseline="0" noProof="0" dirty="0">
+                <a:ln>
+                  <a:noFill/>
+                </a:ln>
+                <a:solidFill>
+                  <a:prstClr val="black"/>
+                </a:solidFill>
+                <a:effectLst/>
+                <a:uLnTx/>
+                <a:uFillTx/>
+              </a:rPr>
+              <a:t>Secondary</a:t>
+            </a:r>
+          </a:p>
+          <a:p>
+            <a:pPr marL="0" marR="0" lvl="0" indent="0" algn="ctr" defTabSz="914400" eaLnBrk="1" fontAlgn="auto" latinLnBrk="0" hangingPunct="1">
+              <a:lnSpc>
+                <a:spcPct val="100000"/>
+              </a:lnSpc>
+              <a:spcBef>
+                <a:spcPts val="0"/>
+              </a:spcBef>
+              <a:spcAft>
+                <a:spcPts val="0"/>
+              </a:spcAft>
+              <a:buClrTx/>
+              <a:buSzTx/>
+              <a:buFontTx/>
+              <a:buNone/>
+              <a:tabLst/>
+              <a:defRPr/>
+            </a:pPr>
+            <a:r>
+              <a:rPr kumimoji="0" lang="en-US" sz="1800" b="0" i="0" u="none" strike="noStrike" kern="0" cap="none" spc="0" normalizeH="0" baseline="0" noProof="0" dirty="0">
+                <a:ln>
+                  <a:noFill/>
+                </a:ln>
+                <a:solidFill>
+                  <a:prstClr val="black"/>
+                </a:solidFill>
+                <a:effectLst/>
+                <a:uLnTx/>
+                <a:uFillTx/>
+              </a:rPr>
+              <a:t> Energy</a:t>
+            </a:r>
+            <a:endParaRPr kumimoji="0" lang="en-GB" sz="1800" b="0" i="0" u="none" strike="noStrike" kern="0" cap="none" spc="0" normalizeH="0" baseline="0" noProof="0" dirty="0">
+              <a:ln>
+                <a:noFill/>
+              </a:ln>
+              <a:solidFill>
+                <a:prstClr val="black"/>
+              </a:solidFill>
+              <a:effectLst/>
+              <a:uLnTx/>
+              <a:uFillTx/>
+            </a:endParaRPr>
+          </a:p>
+        </p:txBody>
+      </p:sp>
+      <p:sp>
+        <p:nvSpPr>
+          <p:cNvPr id="100" name="TextBox 28">
+            <a:extLst>
+              <a:ext uri="{FF2B5EF4-FFF2-40B4-BE49-F238E27FC236}">
+                <a16:creationId xmlns:a16="http://schemas.microsoft.com/office/drawing/2014/main" id="{DE38CA19-33F7-2CE6-5F2E-061B1E627F4C}"/>
+              </a:ext>
+            </a:extLst>
+          </p:cNvPr>
+          <p:cNvSpPr txBox="1"/>
+          <p:nvPr/>
+        </p:nvSpPr>
+        <p:spPr>
+          <a:xfrm>
+            <a:off x="5776274" y="89549"/>
+            <a:ext cx="2052083" cy="646331"/>
+          </a:xfrm>
+          <a:prstGeom prst="rect">
+            <a:avLst/>
+          </a:prstGeom>
+          <a:noFill/>
+        </p:spPr>
+        <p:txBody>
+          <a:bodyPr wrap="square" rtlCol="0">
+            <a:spAutoFit/>
+          </a:bodyPr>
+          <a:lstStyle/>
+          <a:p>
+            <a:pPr marL="0" marR="0" lvl="0" indent="0" algn="ctr" defTabSz="914400" eaLnBrk="1" fontAlgn="auto" latinLnBrk="0" hangingPunct="1">
+              <a:lnSpc>
+                <a:spcPct val="100000"/>
+              </a:lnSpc>
+              <a:spcBef>
+                <a:spcPts val="0"/>
+              </a:spcBef>
+              <a:spcAft>
+                <a:spcPts val="0"/>
+              </a:spcAft>
+              <a:buClrTx/>
+              <a:buSzTx/>
+              <a:buFontTx/>
+              <a:buNone/>
+              <a:tabLst/>
+              <a:defRPr/>
+            </a:pPr>
+            <a:r>
+              <a:rPr kumimoji="0" lang="en-US" sz="1800" b="0" i="0" u="none" strike="noStrike" kern="0" cap="none" spc="0" normalizeH="0" baseline="0" noProof="0" dirty="0">
+                <a:ln>
+                  <a:noFill/>
+                </a:ln>
+                <a:solidFill>
+                  <a:prstClr val="black"/>
+                </a:solidFill>
+                <a:effectLst/>
+                <a:uLnTx/>
+                <a:uFillTx/>
+              </a:rPr>
+              <a:t>Final</a:t>
+            </a:r>
+          </a:p>
+          <a:p>
+            <a:pPr marL="0" marR="0" lvl="0" indent="0" algn="ctr" defTabSz="914400" eaLnBrk="1" fontAlgn="auto" latinLnBrk="0" hangingPunct="1">
+              <a:lnSpc>
+                <a:spcPct val="100000"/>
+              </a:lnSpc>
+              <a:spcBef>
+                <a:spcPts val="0"/>
+              </a:spcBef>
+              <a:spcAft>
+                <a:spcPts val="0"/>
+              </a:spcAft>
+              <a:buClrTx/>
+              <a:buSzTx/>
+              <a:buFontTx/>
+              <a:buNone/>
+              <a:tabLst/>
+              <a:defRPr/>
+            </a:pPr>
+            <a:r>
+              <a:rPr kumimoji="0" lang="en-US" sz="1800" b="0" i="0" u="none" strike="noStrike" kern="0" cap="none" spc="0" normalizeH="0" baseline="0" noProof="0" dirty="0">
+                <a:ln>
+                  <a:noFill/>
+                </a:ln>
+                <a:solidFill>
+                  <a:prstClr val="black"/>
+                </a:solidFill>
+                <a:effectLst/>
+                <a:uLnTx/>
+                <a:uFillTx/>
+              </a:rPr>
+              <a:t> Energy</a:t>
+            </a:r>
+            <a:endParaRPr kumimoji="0" lang="en-GB" sz="1800" b="0" i="0" u="none" strike="noStrike" kern="0" cap="none" spc="0" normalizeH="0" baseline="0" noProof="0" dirty="0">
+              <a:ln>
+                <a:noFill/>
+              </a:ln>
+              <a:solidFill>
+                <a:prstClr val="black"/>
+              </a:solidFill>
+              <a:effectLst/>
+              <a:uLnTx/>
+              <a:uFillTx/>
+            </a:endParaRPr>
+          </a:p>
+        </p:txBody>
+      </p:sp>
+      <p:sp>
+        <p:nvSpPr>
+          <p:cNvPr id="103" name="Rectangle: Rounded Corners 26">
+            <a:extLst>
+              <a:ext uri="{FF2B5EF4-FFF2-40B4-BE49-F238E27FC236}">
+                <a16:creationId xmlns:a16="http://schemas.microsoft.com/office/drawing/2014/main" id="{A718ACD6-BD71-38C6-6A14-553A1585EADD}"/>
+              </a:ext>
+            </a:extLst>
+          </p:cNvPr>
+          <p:cNvSpPr/>
+          <p:nvPr/>
+        </p:nvSpPr>
+        <p:spPr>
+          <a:xfrm>
+            <a:off x="7075492" y="2699220"/>
+            <a:ext cx="1167812" cy="648098"/>
+          </a:xfrm>
+          <a:prstGeom prst="roundRect">
+            <a:avLst/>
+          </a:prstGeom>
+          <a:solidFill>
+            <a:srgbClr val="FFC000">
+              <a:lumMod val="60000"/>
+              <a:lumOff val="40000"/>
+            </a:srgbClr>
+          </a:solidFill>
+          <a:ln w="12700" cap="flat" cmpd="sng" algn="ctr">
+            <a:solidFill>
+              <a:srgbClr val="4472C4">
+                <a:shade val="50000"/>
+              </a:srgbClr>
+            </a:solidFill>
+            <a:prstDash val="solid"/>
+            <a:miter lim="800000"/>
+          </a:ln>
+          <a:effectLst>
+            <a:outerShdw blurRad="50800" dist="38100" dir="2700000" algn="tl" rotWithShape="0">
+              <a:prstClr val="black">
+                <a:alpha val="40000"/>
+              </a:prstClr>
+            </a:outerShdw>
+          </a:effectLst>
+        </p:spPr>
+        <p:txBody>
+          <a:bodyPr rtlCol="0" anchor="ctr"/>
+          <a:lstStyle/>
+          <a:p>
+            <a:pPr marL="0" marR="0" lvl="0" indent="0" algn="ctr" defTabSz="914400" eaLnBrk="1" fontAlgn="auto" latinLnBrk="0" hangingPunct="1">
+              <a:lnSpc>
+                <a:spcPct val="100000"/>
+              </a:lnSpc>
+              <a:spcBef>
+                <a:spcPts val="0"/>
+              </a:spcBef>
+              <a:spcAft>
+                <a:spcPts val="0"/>
+              </a:spcAft>
+              <a:buClrTx/>
+              <a:buSzTx/>
+              <a:buFontTx/>
+              <a:buNone/>
+              <a:tabLst/>
+              <a:defRPr/>
+            </a:pPr>
+            <a:r>
+              <a:rPr kumimoji="0" lang="en-US" sz="1400" b="0" i="0" u="none" strike="noStrike" kern="0" cap="none" spc="0" normalizeH="0" baseline="0" noProof="0" dirty="0">
+                <a:ln>
+                  <a:noFill/>
+                </a:ln>
+                <a:solidFill>
+                  <a:srgbClr val="44546A"/>
+                </a:solidFill>
+                <a:effectLst/>
+                <a:uLnTx/>
+                <a:uFillTx/>
+                <a:latin typeface="Calibri" panose="020F0502020204030204"/>
+                <a:ea typeface="+mn-ea"/>
+                <a:cs typeface="+mn-cs"/>
+              </a:rPr>
+              <a:t>Lightning</a:t>
+            </a:r>
+            <a:endParaRPr kumimoji="0" lang="en-GB" sz="1400" b="0" i="0" u="none" strike="noStrike" kern="0" cap="none" spc="0" normalizeH="0" baseline="0" noProof="0" dirty="0">
+              <a:ln>
+                <a:noFill/>
+              </a:ln>
+              <a:solidFill>
+                <a:srgbClr val="44546A"/>
+              </a:solidFill>
+              <a:effectLst/>
+              <a:uLnTx/>
+              <a:uFillTx/>
+              <a:latin typeface="Calibri" panose="020F0502020204030204"/>
+              <a:ea typeface="+mn-ea"/>
+              <a:cs typeface="+mn-cs"/>
+            </a:endParaRPr>
+          </a:p>
+        </p:txBody>
+      </p:sp>
+      <p:cxnSp>
+        <p:nvCxnSpPr>
+          <p:cNvPr id="104" name="Straight Connector 29">
+            <a:extLst>
+              <a:ext uri="{FF2B5EF4-FFF2-40B4-BE49-F238E27FC236}">
+                <a16:creationId xmlns:a16="http://schemas.microsoft.com/office/drawing/2014/main" id="{A6223F92-282E-D3DD-2213-AA0E48B953BE}"/>
+              </a:ext>
+            </a:extLst>
+          </p:cNvPr>
+          <p:cNvCxnSpPr>
+            <a:cxnSpLocks/>
+          </p:cNvCxnSpPr>
+          <p:nvPr/>
+        </p:nvCxnSpPr>
+        <p:spPr>
+          <a:xfrm>
+            <a:off x="8739515" y="1417673"/>
+            <a:ext cx="0" cy="4848446"/>
+          </a:xfrm>
+          <a:prstGeom prst="line">
+            <a:avLst/>
+          </a:prstGeom>
+          <a:noFill/>
+          <a:ln w="19050" cap="flat" cmpd="sng" algn="ctr">
+            <a:solidFill>
+              <a:srgbClr val="A5A5A5"/>
+            </a:solidFill>
+            <a:prstDash val="solid"/>
+            <a:miter lim="800000"/>
+          </a:ln>
+          <a:effectLst/>
+        </p:spPr>
+      </p:cxnSp>
+      <p:sp>
+        <p:nvSpPr>
+          <p:cNvPr id="105" name="TextBox 33">
+            <a:extLst>
+              <a:ext uri="{FF2B5EF4-FFF2-40B4-BE49-F238E27FC236}">
+                <a16:creationId xmlns:a16="http://schemas.microsoft.com/office/drawing/2014/main" id="{8F72C9BB-5B24-409C-AAF3-AF63DBC92C85}"/>
+              </a:ext>
+            </a:extLst>
+          </p:cNvPr>
+          <p:cNvSpPr txBox="1"/>
+          <p:nvPr/>
+        </p:nvSpPr>
+        <p:spPr>
+          <a:xfrm rot="16200000">
+            <a:off x="7904421" y="5380918"/>
+            <a:ext cx="1446028" cy="338554"/>
+          </a:xfrm>
+          <a:prstGeom prst="rect">
+            <a:avLst/>
+          </a:prstGeom>
+          <a:noFill/>
+        </p:spPr>
+        <p:txBody>
+          <a:bodyPr wrap="square" rtlCol="0">
+            <a:spAutoFit/>
+          </a:bodyPr>
+          <a:lstStyle/>
+          <a:p>
+            <a:pPr marL="0" marR="0" lvl="0" indent="0" defTabSz="914400" eaLnBrk="1" fontAlgn="auto" latinLnBrk="0" hangingPunct="1">
+              <a:lnSpc>
+                <a:spcPct val="100000"/>
+              </a:lnSpc>
+              <a:spcBef>
+                <a:spcPts val="0"/>
+              </a:spcBef>
+              <a:spcAft>
+                <a:spcPts val="0"/>
+              </a:spcAft>
+              <a:buClrTx/>
+              <a:buSzTx/>
+              <a:buFontTx/>
+              <a:buNone/>
+              <a:tabLst/>
+              <a:defRPr/>
+            </a:pPr>
+            <a:r>
+              <a:rPr kumimoji="0" lang="en-US" sz="1600" b="0" i="1" u="none" strike="noStrike" kern="0" cap="none" spc="0" normalizeH="0" baseline="0" noProof="0" dirty="0">
+                <a:ln>
+                  <a:noFill/>
+                </a:ln>
+                <a:solidFill>
+                  <a:prstClr val="black"/>
+                </a:solidFill>
+                <a:effectLst/>
+                <a:uLnTx/>
+                <a:uFillTx/>
+              </a:rPr>
+              <a:t>light</a:t>
+            </a:r>
+            <a:endParaRPr kumimoji="0" lang="en-GB" sz="1600" b="0" i="1" u="none" strike="noStrike" kern="0" cap="none" spc="0" normalizeH="0" baseline="0" noProof="0" dirty="0">
+              <a:ln>
+                <a:noFill/>
+              </a:ln>
+              <a:solidFill>
+                <a:prstClr val="black"/>
+              </a:solidFill>
+              <a:effectLst/>
+              <a:uLnTx/>
+              <a:uFillTx/>
+            </a:endParaRPr>
+          </a:p>
+        </p:txBody>
+      </p:sp>
+      <p:cxnSp>
+        <p:nvCxnSpPr>
+          <p:cNvPr id="106" name="Straight Arrow Connector 38">
+            <a:extLst>
+              <a:ext uri="{FF2B5EF4-FFF2-40B4-BE49-F238E27FC236}">
+                <a16:creationId xmlns:a16="http://schemas.microsoft.com/office/drawing/2014/main" id="{B9D0FF2D-099E-BBB6-3A8B-FB0460EFDD53}"/>
+              </a:ext>
+            </a:extLst>
+          </p:cNvPr>
+          <p:cNvCxnSpPr>
+            <a:cxnSpLocks/>
+          </p:cNvCxnSpPr>
+          <p:nvPr/>
+        </p:nvCxnSpPr>
+        <p:spPr>
+          <a:xfrm>
+            <a:off x="6582876" y="3023269"/>
+            <a:ext cx="490860" cy="0"/>
+          </a:xfrm>
+          <a:prstGeom prst="straightConnector1">
+            <a:avLst/>
+          </a:prstGeom>
+          <a:noFill/>
+          <a:ln w="19050" cap="flat" cmpd="sng" algn="ctr">
+            <a:solidFill>
+              <a:srgbClr val="A5A5A5"/>
+            </a:solidFill>
+            <a:prstDash val="solid"/>
+            <a:miter lim="800000"/>
+            <a:tailEnd type="triangle"/>
+          </a:ln>
+          <a:effectLst/>
+        </p:spPr>
+      </p:cxnSp>
+      <p:cxnSp>
+        <p:nvCxnSpPr>
+          <p:cNvPr id="107" name="Straight Arrow Connector 39">
+            <a:extLst>
+              <a:ext uri="{FF2B5EF4-FFF2-40B4-BE49-F238E27FC236}">
+                <a16:creationId xmlns:a16="http://schemas.microsoft.com/office/drawing/2014/main" id="{45F796AF-0CDF-F28D-4768-9389AD0ACA1E}"/>
+              </a:ext>
+            </a:extLst>
+          </p:cNvPr>
+          <p:cNvCxnSpPr>
+            <a:cxnSpLocks/>
+          </p:cNvCxnSpPr>
+          <p:nvPr/>
+        </p:nvCxnSpPr>
+        <p:spPr>
+          <a:xfrm>
+            <a:off x="8243304" y="3023269"/>
+            <a:ext cx="490860" cy="0"/>
+          </a:xfrm>
+          <a:prstGeom prst="straightConnector1">
+            <a:avLst/>
+          </a:prstGeom>
+          <a:noFill/>
+          <a:ln w="19050" cap="flat" cmpd="sng" algn="ctr">
+            <a:solidFill>
+              <a:srgbClr val="A5A5A5"/>
+            </a:solidFill>
+            <a:prstDash val="solid"/>
+            <a:miter lim="800000"/>
+            <a:tailEnd type="triangle"/>
+          </a:ln>
+          <a:effectLst/>
+        </p:spPr>
+      </p:cxnSp>
+      <p:sp>
+        <p:nvSpPr>
+          <p:cNvPr id="108" name="TextBox 30">
+            <a:extLst>
+              <a:ext uri="{FF2B5EF4-FFF2-40B4-BE49-F238E27FC236}">
+                <a16:creationId xmlns:a16="http://schemas.microsoft.com/office/drawing/2014/main" id="{5242947D-348A-81DE-597C-5A0B097E6E55}"/>
+              </a:ext>
+            </a:extLst>
+          </p:cNvPr>
+          <p:cNvSpPr txBox="1"/>
+          <p:nvPr/>
+        </p:nvSpPr>
+        <p:spPr>
+          <a:xfrm>
+            <a:off x="7837544" y="103706"/>
+            <a:ext cx="2052083" cy="646331"/>
+          </a:xfrm>
+          <a:prstGeom prst="rect">
+            <a:avLst/>
+          </a:prstGeom>
+          <a:noFill/>
+        </p:spPr>
+        <p:txBody>
+          <a:bodyPr wrap="square" rtlCol="0">
+            <a:spAutoFit/>
+          </a:bodyPr>
+          <a:lstStyle/>
+          <a:p>
+            <a:pPr marL="0" marR="0" lvl="0" indent="0" algn="ctr" defTabSz="914400" eaLnBrk="1" fontAlgn="auto" latinLnBrk="0" hangingPunct="1">
+              <a:lnSpc>
+                <a:spcPct val="100000"/>
+              </a:lnSpc>
+              <a:spcBef>
+                <a:spcPts val="0"/>
+              </a:spcBef>
+              <a:spcAft>
+                <a:spcPts val="0"/>
+              </a:spcAft>
+              <a:buClrTx/>
+              <a:buSzTx/>
+              <a:buFontTx/>
+              <a:buNone/>
+              <a:tabLst/>
+              <a:defRPr/>
+            </a:pPr>
+            <a:r>
+              <a:rPr kumimoji="0" lang="en-US" sz="1800" b="0" i="0" u="none" strike="noStrike" kern="0" cap="none" spc="0" normalizeH="0" baseline="0" noProof="0" dirty="0">
+                <a:ln>
+                  <a:noFill/>
+                </a:ln>
+                <a:solidFill>
+                  <a:prstClr val="black"/>
+                </a:solidFill>
+                <a:effectLst/>
+                <a:uLnTx/>
+                <a:uFillTx/>
+              </a:rPr>
+              <a:t>Useful</a:t>
+            </a:r>
+          </a:p>
+          <a:p>
+            <a:pPr marL="0" marR="0" lvl="0" indent="0" algn="ctr" defTabSz="914400" eaLnBrk="1" fontAlgn="auto" latinLnBrk="0" hangingPunct="1">
+              <a:lnSpc>
+                <a:spcPct val="100000"/>
+              </a:lnSpc>
+              <a:spcBef>
+                <a:spcPts val="0"/>
+              </a:spcBef>
+              <a:spcAft>
+                <a:spcPts val="0"/>
+              </a:spcAft>
+              <a:buClrTx/>
+              <a:buSzTx/>
+              <a:buFontTx/>
+              <a:buNone/>
+              <a:tabLst/>
+              <a:defRPr/>
+            </a:pPr>
+            <a:r>
+              <a:rPr kumimoji="0" lang="en-US" sz="1800" b="0" i="0" u="none" strike="noStrike" kern="0" cap="none" spc="0" normalizeH="0" baseline="0" noProof="0" dirty="0">
+                <a:ln>
+                  <a:noFill/>
+                </a:ln>
+                <a:solidFill>
+                  <a:prstClr val="black"/>
+                </a:solidFill>
+                <a:effectLst/>
+                <a:uLnTx/>
+                <a:uFillTx/>
+              </a:rPr>
+              <a:t> Energy</a:t>
+            </a:r>
+            <a:endParaRPr kumimoji="0" lang="en-GB" sz="1800" b="0" i="0" u="none" strike="noStrike" kern="0" cap="none" spc="0" normalizeH="0" baseline="0" noProof="0" dirty="0">
+              <a:ln>
+                <a:noFill/>
+              </a:ln>
+              <a:solidFill>
+                <a:prstClr val="black"/>
+              </a:solidFill>
+              <a:effectLst/>
+              <a:uLnTx/>
+              <a:uFillTx/>
+            </a:endParaRPr>
+          </a:p>
+        </p:txBody>
+      </p:sp>
+      <p:cxnSp>
+        <p:nvCxnSpPr>
+          <p:cNvPr id="2" name="Straight Arrow Connector 38">
+            <a:extLst>
+              <a:ext uri="{FF2B5EF4-FFF2-40B4-BE49-F238E27FC236}">
+                <a16:creationId xmlns:a16="http://schemas.microsoft.com/office/drawing/2014/main" id="{921501FE-817E-4497-F4D3-9B042DF0109E}"/>
+              </a:ext>
+            </a:extLst>
+          </p:cNvPr>
+          <p:cNvCxnSpPr>
+            <a:cxnSpLocks/>
+          </p:cNvCxnSpPr>
+          <p:nvPr/>
+        </p:nvCxnSpPr>
+        <p:spPr>
+          <a:xfrm flipH="1">
+            <a:off x="6574470" y="1916832"/>
+            <a:ext cx="499266" cy="0"/>
+          </a:xfrm>
+          <a:prstGeom prst="straightConnector1">
+            <a:avLst/>
+          </a:prstGeom>
+          <a:noFill/>
+          <a:ln w="19050" cap="flat" cmpd="sng" algn="ctr">
+            <a:solidFill>
+              <a:srgbClr val="A5A5A5"/>
+            </a:solidFill>
+            <a:prstDash val="solid"/>
+            <a:miter lim="800000"/>
+            <a:tailEnd type="triangle"/>
+          </a:ln>
+          <a:effectLst/>
+        </p:spPr>
+      </p:cxnSp>
+    </p:spTree>
+    <p:extLst>
+      <p:ext uri="{BB962C8B-B14F-4D97-AF65-F5344CB8AC3E}">
+        <p14:creationId xmlns:p14="http://schemas.microsoft.com/office/powerpoint/2010/main" val="1887803004"/>
+      </p:ext>
+    </p:extLst>
+  </p:cSld>
+  <p:clrMapOvr>
+    <a:masterClrMapping/>
+  </p:clrMapOvr>
+</p:sld>
+</file>
+
+<file path=ppt/slides/slide5.xml><?xml version="1.0" encoding="utf-8"?>
+<p:sld xmlns:a="http://schemas.openxmlformats.org/drawingml/2006/main" xmlns:r="http://schemas.openxmlformats.org/officeDocument/2006/relationships" xmlns:p="http://schemas.openxmlformats.org/presentationml/2006/main">
+  <p:cSld>
+    <p:spTree>
+      <p:nvGrpSpPr>
+        <p:cNvPr id="1" name="">
+          <a:extLst>
+            <a:ext uri="{FF2B5EF4-FFF2-40B4-BE49-F238E27FC236}">
+              <a16:creationId xmlns:a16="http://schemas.microsoft.com/office/drawing/2014/main" id="{EFA9BC55-90A1-E5E1-F80F-1CFE4F901645}"/>
+            </a:ext>
+          </a:extLst>
+        </p:cNvPr>
+        <p:cNvGrpSpPr/>
+        <p:nvPr/>
+      </p:nvGrpSpPr>
+      <p:grpSpPr>
+        <a:xfrm>
+          <a:off x="0" y="0"/>
+          <a:ext cx="0" cy="0"/>
+          <a:chOff x="0" y="0"/>
+          <a:chExt cx="0" cy="0"/>
+        </a:xfrm>
+      </p:grpSpPr>
+      <p:pic>
+        <p:nvPicPr>
+          <p:cNvPr id="82" name="Picture 4" descr="A picture containing tree&#10;&#10;Description automatically generated">
+            <a:extLst>
+              <a:ext uri="{FF2B5EF4-FFF2-40B4-BE49-F238E27FC236}">
+                <a16:creationId xmlns:a16="http://schemas.microsoft.com/office/drawing/2014/main" id="{CD26F56F-8E08-E389-F95B-87306AF4608C}"/>
+              </a:ext>
+            </a:extLst>
+          </p:cNvPr>
+          <p:cNvPicPr>
+            <a:picLocks noChangeAspect="1"/>
+          </p:cNvPicPr>
+          <p:nvPr/>
+        </p:nvPicPr>
+        <p:blipFill>
+          <a:blip r:embed="rId3">
+            <a:extLst>
+              <a:ext uri="{28A0092B-C50C-407E-A947-70E740481C1C}">
+                <a14:useLocalDpi xmlns:a14="http://schemas.microsoft.com/office/drawing/2010/main" val="0"/>
+              </a:ext>
+            </a:extLst>
+          </a:blip>
+          <a:stretch>
+            <a:fillRect/>
+          </a:stretch>
+        </p:blipFill>
+        <p:spPr>
+          <a:xfrm>
+            <a:off x="80282" y="90975"/>
+            <a:ext cx="1748518" cy="6650067"/>
+          </a:xfrm>
+          <a:prstGeom prst="rect">
+            <a:avLst/>
+          </a:prstGeom>
+        </p:spPr>
+      </p:pic>
+      <p:sp>
+        <p:nvSpPr>
+          <p:cNvPr id="83" name="Rectangle: Rounded Corners 5">
+            <a:extLst>
+              <a:ext uri="{FF2B5EF4-FFF2-40B4-BE49-F238E27FC236}">
+                <a16:creationId xmlns:a16="http://schemas.microsoft.com/office/drawing/2014/main" id="{17CBC95F-D4B0-E994-B013-1BB77F48D13A}"/>
+              </a:ext>
+            </a:extLst>
+          </p:cNvPr>
+          <p:cNvSpPr/>
+          <p:nvPr/>
+        </p:nvSpPr>
+        <p:spPr>
+          <a:xfrm>
+            <a:off x="2770671" y="2158409"/>
+            <a:ext cx="1167812" cy="648098"/>
+          </a:xfrm>
+          <a:prstGeom prst="roundRect">
+            <a:avLst/>
+          </a:prstGeom>
+          <a:solidFill>
+            <a:srgbClr val="4472C4"/>
+          </a:solidFill>
+          <a:ln w="12700" cap="flat" cmpd="sng" algn="ctr">
+            <a:solidFill>
+              <a:srgbClr val="4472C4">
+                <a:shade val="50000"/>
+              </a:srgbClr>
+            </a:solidFill>
+            <a:prstDash val="solid"/>
+            <a:miter lim="800000"/>
+          </a:ln>
+          <a:effectLst>
+            <a:outerShdw blurRad="50800" dist="38100" dir="2700000" algn="tl" rotWithShape="0">
+              <a:prstClr val="black">
+                <a:alpha val="40000"/>
+              </a:prstClr>
+            </a:outerShdw>
+          </a:effectLst>
+        </p:spPr>
+        <p:txBody>
+          <a:bodyPr rtlCol="0" anchor="ctr"/>
+          <a:lstStyle/>
+          <a:p>
+            <a:pPr marL="0" marR="0" lvl="0" indent="0" algn="ctr" defTabSz="914400" eaLnBrk="1" fontAlgn="auto" latinLnBrk="0" hangingPunct="1">
+              <a:lnSpc>
+                <a:spcPct val="100000"/>
+              </a:lnSpc>
+              <a:spcBef>
+                <a:spcPts val="0"/>
+              </a:spcBef>
+              <a:spcAft>
+                <a:spcPts val="0"/>
+              </a:spcAft>
+              <a:buClrTx/>
+              <a:buSzTx/>
+              <a:buFontTx/>
+              <a:buNone/>
+              <a:tabLst/>
+              <a:defRPr/>
+            </a:pPr>
+            <a:r>
+              <a:rPr kumimoji="0" lang="en-US" sz="1400" b="0" i="0" u="none" strike="noStrike" kern="0" cap="none" spc="0" normalizeH="0" baseline="0" noProof="0" dirty="0">
+                <a:ln>
+                  <a:noFill/>
+                </a:ln>
+                <a:solidFill>
+                  <a:prstClr val="white"/>
+                </a:solidFill>
+                <a:effectLst/>
+                <a:uLnTx/>
+                <a:uFillTx/>
+                <a:latin typeface="Calibri" panose="020F0502020204030204"/>
+                <a:ea typeface="+mn-ea"/>
+                <a:cs typeface="+mn-cs"/>
+              </a:rPr>
+              <a:t>Coal Power plant</a:t>
+            </a:r>
+            <a:endParaRPr kumimoji="0" lang="en-GB" sz="1400" b="0" i="0" u="none" strike="noStrike" kern="0" cap="none" spc="0" normalizeH="0" baseline="0" noProof="0" dirty="0">
+              <a:ln>
+                <a:noFill/>
+              </a:ln>
+              <a:solidFill>
+                <a:prstClr val="white"/>
+              </a:solidFill>
+              <a:effectLst/>
+              <a:uLnTx/>
+              <a:uFillTx/>
+              <a:latin typeface="Calibri" panose="020F0502020204030204"/>
+              <a:ea typeface="+mn-ea"/>
+              <a:cs typeface="+mn-cs"/>
+            </a:endParaRPr>
+          </a:p>
+        </p:txBody>
+      </p:sp>
+      <p:sp>
+        <p:nvSpPr>
+          <p:cNvPr id="84" name="Rectangle: Rounded Corners 7">
+            <a:extLst>
+              <a:ext uri="{FF2B5EF4-FFF2-40B4-BE49-F238E27FC236}">
+                <a16:creationId xmlns:a16="http://schemas.microsoft.com/office/drawing/2014/main" id="{3E00B13D-E5BE-2BA5-2F1E-DC36C5755F5F}"/>
+              </a:ext>
+            </a:extLst>
+          </p:cNvPr>
+          <p:cNvSpPr/>
+          <p:nvPr/>
+        </p:nvSpPr>
+        <p:spPr>
+          <a:xfrm>
+            <a:off x="2770671" y="3452194"/>
+            <a:ext cx="1167812" cy="648098"/>
+          </a:xfrm>
+          <a:prstGeom prst="roundRect">
+            <a:avLst/>
+          </a:prstGeom>
+          <a:solidFill>
+            <a:srgbClr val="4472C4"/>
+          </a:solidFill>
+          <a:ln w="12700" cap="flat" cmpd="sng" algn="ctr">
+            <a:solidFill>
+              <a:srgbClr val="4472C4">
+                <a:shade val="50000"/>
+              </a:srgbClr>
+            </a:solidFill>
+            <a:prstDash val="solid"/>
+            <a:miter lim="800000"/>
+          </a:ln>
+          <a:effectLst>
+            <a:outerShdw blurRad="50800" dist="38100" dir="2700000" algn="tl" rotWithShape="0">
+              <a:prstClr val="black">
+                <a:alpha val="40000"/>
+              </a:prstClr>
+            </a:outerShdw>
+          </a:effectLst>
+        </p:spPr>
+        <p:txBody>
+          <a:bodyPr rtlCol="0" anchor="ctr"/>
+          <a:lstStyle/>
+          <a:p>
+            <a:pPr marL="0" marR="0" lvl="0" indent="0" algn="ctr" defTabSz="914400" eaLnBrk="1" fontAlgn="auto" latinLnBrk="0" hangingPunct="1">
+              <a:lnSpc>
+                <a:spcPct val="100000"/>
+              </a:lnSpc>
+              <a:spcBef>
+                <a:spcPts val="0"/>
+              </a:spcBef>
+              <a:spcAft>
+                <a:spcPts val="0"/>
+              </a:spcAft>
+              <a:buClrTx/>
+              <a:buSzTx/>
+              <a:buFontTx/>
+              <a:buNone/>
+              <a:tabLst/>
+              <a:defRPr/>
+            </a:pPr>
+            <a:r>
+              <a:rPr kumimoji="0" lang="en-US" sz="1400" b="0" i="0" u="none" strike="noStrike" kern="0" cap="none" spc="0" normalizeH="0" baseline="0" noProof="0" dirty="0">
+                <a:ln>
+                  <a:noFill/>
+                </a:ln>
+                <a:solidFill>
+                  <a:prstClr val="white"/>
+                </a:solidFill>
+                <a:effectLst/>
+                <a:uLnTx/>
+                <a:uFillTx/>
+                <a:latin typeface="Calibri" panose="020F0502020204030204"/>
+                <a:ea typeface="+mn-ea"/>
+                <a:cs typeface="+mn-cs"/>
+              </a:rPr>
+              <a:t>Wind Power plant</a:t>
+            </a:r>
+            <a:endParaRPr kumimoji="0" lang="en-GB" sz="1400" b="0" i="0" u="none" strike="noStrike" kern="0" cap="none" spc="0" normalizeH="0" baseline="0" noProof="0" dirty="0">
+              <a:ln>
+                <a:noFill/>
+              </a:ln>
+              <a:solidFill>
+                <a:prstClr val="white"/>
+              </a:solidFill>
+              <a:effectLst/>
+              <a:uLnTx/>
+              <a:uFillTx/>
+              <a:latin typeface="Calibri" panose="020F0502020204030204"/>
+              <a:ea typeface="+mn-ea"/>
+              <a:cs typeface="+mn-cs"/>
+            </a:endParaRPr>
+          </a:p>
+        </p:txBody>
+      </p:sp>
+      <p:cxnSp>
+        <p:nvCxnSpPr>
+          <p:cNvPr id="85" name="Straight Connector 9">
+            <a:extLst>
+              <a:ext uri="{FF2B5EF4-FFF2-40B4-BE49-F238E27FC236}">
+                <a16:creationId xmlns:a16="http://schemas.microsoft.com/office/drawing/2014/main" id="{875900E8-538A-5E49-6D85-E9ACEB84B57F}"/>
+              </a:ext>
+            </a:extLst>
+          </p:cNvPr>
+          <p:cNvCxnSpPr>
+            <a:cxnSpLocks/>
+          </p:cNvCxnSpPr>
+          <p:nvPr/>
+        </p:nvCxnSpPr>
+        <p:spPr>
+          <a:xfrm>
+            <a:off x="4427572" y="1424763"/>
+            <a:ext cx="0" cy="4848446"/>
+          </a:xfrm>
+          <a:prstGeom prst="line">
+            <a:avLst/>
+          </a:prstGeom>
+          <a:noFill/>
+          <a:ln w="19050" cap="flat" cmpd="sng" algn="ctr">
+            <a:solidFill>
+              <a:srgbClr val="A5A5A5"/>
+            </a:solidFill>
+            <a:prstDash val="solid"/>
+            <a:miter lim="800000"/>
+          </a:ln>
+          <a:effectLst/>
+        </p:spPr>
+      </p:cxnSp>
+      <p:sp>
+        <p:nvSpPr>
+          <p:cNvPr id="86" name="TextBox 11">
+            <a:extLst>
+              <a:ext uri="{FF2B5EF4-FFF2-40B4-BE49-F238E27FC236}">
+                <a16:creationId xmlns:a16="http://schemas.microsoft.com/office/drawing/2014/main" id="{582C02C8-A33D-0D16-295E-C131B7882791}"/>
+              </a:ext>
+            </a:extLst>
+          </p:cNvPr>
+          <p:cNvSpPr txBox="1"/>
+          <p:nvPr/>
+        </p:nvSpPr>
+        <p:spPr>
+          <a:xfrm rot="16200000">
+            <a:off x="3598236" y="5380918"/>
+            <a:ext cx="1446028" cy="338554"/>
+          </a:xfrm>
+          <a:prstGeom prst="rect">
+            <a:avLst/>
+          </a:prstGeom>
+          <a:noFill/>
+        </p:spPr>
+        <p:txBody>
+          <a:bodyPr wrap="square" rtlCol="0">
+            <a:spAutoFit/>
+          </a:bodyPr>
+          <a:lstStyle/>
+          <a:p>
+            <a:pPr marL="0" marR="0" lvl="0" indent="0" defTabSz="914400" eaLnBrk="1" fontAlgn="auto" latinLnBrk="0" hangingPunct="1">
+              <a:lnSpc>
+                <a:spcPct val="100000"/>
+              </a:lnSpc>
+              <a:spcBef>
+                <a:spcPts val="0"/>
+              </a:spcBef>
+              <a:spcAft>
+                <a:spcPts val="0"/>
+              </a:spcAft>
+              <a:buClrTx/>
+              <a:buSzTx/>
+              <a:buFontTx/>
+              <a:buNone/>
+              <a:tabLst/>
+              <a:defRPr/>
+            </a:pPr>
+            <a:r>
+              <a:rPr kumimoji="0" lang="en-US" sz="1600" b="0" i="1" u="none" strike="noStrike" kern="0" cap="none" spc="0" normalizeH="0" baseline="0" noProof="0" dirty="0">
+                <a:ln>
+                  <a:noFill/>
+                </a:ln>
+                <a:solidFill>
+                  <a:prstClr val="black"/>
+                </a:solidFill>
+                <a:effectLst/>
+                <a:uLnTx/>
+                <a:uFillTx/>
+              </a:rPr>
+              <a:t>electricity</a:t>
+            </a:r>
+            <a:endParaRPr kumimoji="0" lang="en-GB" sz="1600" b="0" i="1" u="none" strike="noStrike" kern="0" cap="none" spc="0" normalizeH="0" baseline="0" noProof="0" dirty="0">
+              <a:ln>
+                <a:noFill/>
+              </a:ln>
+              <a:solidFill>
+                <a:prstClr val="black"/>
+              </a:solidFill>
+              <a:effectLst/>
+              <a:uLnTx/>
+              <a:uFillTx/>
+            </a:endParaRPr>
+          </a:p>
+        </p:txBody>
+      </p:sp>
+      <p:cxnSp>
+        <p:nvCxnSpPr>
+          <p:cNvPr id="87" name="Straight Arrow Connector 18">
+            <a:extLst>
+              <a:ext uri="{FF2B5EF4-FFF2-40B4-BE49-F238E27FC236}">
+                <a16:creationId xmlns:a16="http://schemas.microsoft.com/office/drawing/2014/main" id="{DEC405A3-1ED9-A654-AB9B-1E827592B74F}"/>
+              </a:ext>
+            </a:extLst>
+          </p:cNvPr>
+          <p:cNvCxnSpPr>
+            <a:cxnSpLocks/>
+          </p:cNvCxnSpPr>
+          <p:nvPr/>
+        </p:nvCxnSpPr>
+        <p:spPr>
+          <a:xfrm>
+            <a:off x="3949116" y="2463287"/>
+            <a:ext cx="490860" cy="0"/>
+          </a:xfrm>
+          <a:prstGeom prst="straightConnector1">
+            <a:avLst/>
+          </a:prstGeom>
+          <a:noFill/>
+          <a:ln w="19050" cap="flat" cmpd="sng" algn="ctr">
+            <a:solidFill>
+              <a:srgbClr val="A5A5A5"/>
+            </a:solidFill>
+            <a:prstDash val="solid"/>
+            <a:miter lim="800000"/>
+            <a:tailEnd type="triangle"/>
+          </a:ln>
+          <a:effectLst/>
+        </p:spPr>
+      </p:cxnSp>
+      <p:sp>
+        <p:nvSpPr>
+          <p:cNvPr id="88" name="Rectangle: Rounded Corners 20">
+            <a:extLst>
+              <a:ext uri="{FF2B5EF4-FFF2-40B4-BE49-F238E27FC236}">
+                <a16:creationId xmlns:a16="http://schemas.microsoft.com/office/drawing/2014/main" id="{8261FC71-1552-48A0-8F23-893B0EA5FB5A}"/>
+              </a:ext>
+            </a:extLst>
+          </p:cNvPr>
+          <p:cNvSpPr/>
+          <p:nvPr/>
+        </p:nvSpPr>
+        <p:spPr>
+          <a:xfrm>
+            <a:off x="4928188" y="2701159"/>
+            <a:ext cx="1167812" cy="648098"/>
+          </a:xfrm>
+          <a:prstGeom prst="roundRect">
+            <a:avLst/>
+          </a:prstGeom>
+          <a:solidFill>
+            <a:srgbClr val="A5A5A5"/>
+          </a:solidFill>
+          <a:ln w="12700" cap="flat" cmpd="sng" algn="ctr">
+            <a:solidFill>
+              <a:srgbClr val="4472C4">
+                <a:shade val="50000"/>
+              </a:srgbClr>
+            </a:solidFill>
+            <a:prstDash val="solid"/>
+            <a:miter lim="800000"/>
+          </a:ln>
+          <a:effectLst>
+            <a:outerShdw blurRad="50800" dist="38100" dir="2700000" algn="tl" rotWithShape="0">
+              <a:prstClr val="black">
+                <a:alpha val="40000"/>
+              </a:prstClr>
+            </a:outerShdw>
+          </a:effectLst>
+        </p:spPr>
+        <p:txBody>
+          <a:bodyPr rtlCol="0" anchor="ctr"/>
+          <a:lstStyle/>
+          <a:p>
+            <a:pPr marL="0" marR="0" lvl="0" indent="0" algn="ctr" defTabSz="914400" eaLnBrk="1" fontAlgn="auto" latinLnBrk="0" hangingPunct="1">
+              <a:lnSpc>
+                <a:spcPct val="100000"/>
+              </a:lnSpc>
+              <a:spcBef>
+                <a:spcPts val="0"/>
+              </a:spcBef>
+              <a:spcAft>
+                <a:spcPts val="0"/>
+              </a:spcAft>
+              <a:buClrTx/>
+              <a:buSzTx/>
+              <a:buFontTx/>
+              <a:buNone/>
+              <a:tabLst/>
+              <a:defRPr/>
+            </a:pPr>
+            <a:r>
+              <a:rPr kumimoji="0" lang="en-US" sz="1400" b="0" i="0" u="none" strike="noStrike" kern="0" cap="none" spc="0" normalizeH="0" baseline="0" noProof="0" dirty="0">
+                <a:ln>
+                  <a:noFill/>
+                </a:ln>
+                <a:solidFill>
+                  <a:prstClr val="white"/>
+                </a:solidFill>
+                <a:effectLst/>
+                <a:uLnTx/>
+                <a:uFillTx/>
+                <a:latin typeface="Calibri" panose="020F0502020204030204"/>
+                <a:ea typeface="+mn-ea"/>
+                <a:cs typeface="+mn-cs"/>
+              </a:rPr>
+              <a:t>Electricity grid</a:t>
+            </a:r>
+            <a:endParaRPr kumimoji="0" lang="en-GB" sz="1400" b="0" i="0" u="none" strike="noStrike" kern="0" cap="none" spc="0" normalizeH="0" baseline="0" noProof="0" dirty="0">
+              <a:ln>
+                <a:noFill/>
+              </a:ln>
+              <a:solidFill>
+                <a:prstClr val="white"/>
+              </a:solidFill>
+              <a:effectLst/>
+              <a:uLnTx/>
+              <a:uFillTx/>
+              <a:latin typeface="Calibri" panose="020F0502020204030204"/>
+              <a:ea typeface="+mn-ea"/>
+              <a:cs typeface="+mn-cs"/>
+            </a:endParaRPr>
+          </a:p>
+        </p:txBody>
+      </p:sp>
+      <p:cxnSp>
+        <p:nvCxnSpPr>
+          <p:cNvPr id="89" name="Straight Connector 23">
+            <a:extLst>
+              <a:ext uri="{FF2B5EF4-FFF2-40B4-BE49-F238E27FC236}">
+                <a16:creationId xmlns:a16="http://schemas.microsoft.com/office/drawing/2014/main" id="{F1F47A76-FAB3-255E-0882-F84CE1FFBBD7}"/>
+              </a:ext>
+            </a:extLst>
+          </p:cNvPr>
+          <p:cNvCxnSpPr>
+            <a:cxnSpLocks/>
+          </p:cNvCxnSpPr>
+          <p:nvPr/>
+        </p:nvCxnSpPr>
+        <p:spPr>
+          <a:xfrm>
+            <a:off x="6574470" y="1414130"/>
+            <a:ext cx="0" cy="4848446"/>
+          </a:xfrm>
+          <a:prstGeom prst="line">
+            <a:avLst/>
+          </a:prstGeom>
+          <a:noFill/>
+          <a:ln w="19050" cap="flat" cmpd="sng" algn="ctr">
+            <a:solidFill>
+              <a:srgbClr val="A5A5A5"/>
+            </a:solidFill>
+            <a:prstDash val="solid"/>
+            <a:miter lim="800000"/>
+          </a:ln>
+          <a:effectLst/>
+        </p:spPr>
+      </p:cxnSp>
+      <p:sp>
+        <p:nvSpPr>
+          <p:cNvPr id="90" name="TextBox 24">
+            <a:extLst>
+              <a:ext uri="{FF2B5EF4-FFF2-40B4-BE49-F238E27FC236}">
+                <a16:creationId xmlns:a16="http://schemas.microsoft.com/office/drawing/2014/main" id="{DC47A9E5-18EB-3929-441D-8E53D00234B6}"/>
+              </a:ext>
+            </a:extLst>
+          </p:cNvPr>
+          <p:cNvSpPr txBox="1"/>
+          <p:nvPr/>
+        </p:nvSpPr>
+        <p:spPr>
+          <a:xfrm rot="16200000">
+            <a:off x="5745134" y="5370285"/>
+            <a:ext cx="1446028" cy="338554"/>
+          </a:xfrm>
+          <a:prstGeom prst="rect">
+            <a:avLst/>
+          </a:prstGeom>
+          <a:noFill/>
+        </p:spPr>
+        <p:txBody>
+          <a:bodyPr wrap="square" rtlCol="0">
+            <a:spAutoFit/>
+          </a:bodyPr>
+          <a:lstStyle/>
+          <a:p>
+            <a:pPr marL="0" marR="0" lvl="0" indent="0" defTabSz="914400" eaLnBrk="1" fontAlgn="auto" latinLnBrk="0" hangingPunct="1">
+              <a:lnSpc>
+                <a:spcPct val="100000"/>
+              </a:lnSpc>
+              <a:spcBef>
+                <a:spcPts val="0"/>
+              </a:spcBef>
+              <a:spcAft>
+                <a:spcPts val="0"/>
+              </a:spcAft>
+              <a:buClrTx/>
+              <a:buSzTx/>
+              <a:buFontTx/>
+              <a:buNone/>
+              <a:tabLst/>
+              <a:defRPr/>
+            </a:pPr>
+            <a:r>
+              <a:rPr kumimoji="0" lang="en-US" sz="1600" b="0" i="1" u="none" strike="noStrike" kern="0" cap="none" spc="0" normalizeH="0" baseline="0" noProof="0" dirty="0">
+                <a:ln>
+                  <a:noFill/>
+                </a:ln>
+                <a:solidFill>
+                  <a:prstClr val="black"/>
+                </a:solidFill>
+                <a:effectLst/>
+                <a:uLnTx/>
+                <a:uFillTx/>
+              </a:rPr>
+              <a:t>electricity</a:t>
+            </a:r>
+            <a:endParaRPr kumimoji="0" lang="en-GB" sz="1600" b="0" i="1" u="none" strike="noStrike" kern="0" cap="none" spc="0" normalizeH="0" baseline="0" noProof="0" dirty="0">
+              <a:ln>
+                <a:noFill/>
+              </a:ln>
+              <a:solidFill>
+                <a:prstClr val="black"/>
+              </a:solidFill>
+              <a:effectLst/>
+              <a:uLnTx/>
+              <a:uFillTx/>
+            </a:endParaRPr>
+          </a:p>
+        </p:txBody>
+      </p:sp>
+      <p:sp>
+        <p:nvSpPr>
+          <p:cNvPr id="91" name="Rectangle: Rounded Corners 26">
+            <a:extLst>
+              <a:ext uri="{FF2B5EF4-FFF2-40B4-BE49-F238E27FC236}">
+                <a16:creationId xmlns:a16="http://schemas.microsoft.com/office/drawing/2014/main" id="{CE61C593-775B-608D-4E91-D9613B9A03BB}"/>
+              </a:ext>
+            </a:extLst>
+          </p:cNvPr>
+          <p:cNvSpPr/>
+          <p:nvPr/>
+        </p:nvSpPr>
+        <p:spPr>
+          <a:xfrm>
+            <a:off x="7079476" y="2699220"/>
+            <a:ext cx="1167812" cy="648098"/>
+          </a:xfrm>
+          <a:prstGeom prst="roundRect">
+            <a:avLst/>
+          </a:prstGeom>
+          <a:solidFill>
+            <a:srgbClr val="FFC000">
+              <a:lumMod val="60000"/>
+              <a:lumOff val="40000"/>
+            </a:srgbClr>
+          </a:solidFill>
+          <a:ln w="12700" cap="flat" cmpd="sng" algn="ctr">
+            <a:solidFill>
+              <a:srgbClr val="4472C4">
+                <a:shade val="50000"/>
+              </a:srgbClr>
+            </a:solidFill>
+            <a:prstDash val="solid"/>
+            <a:miter lim="800000"/>
+          </a:ln>
+          <a:effectLst>
+            <a:outerShdw blurRad="50800" dist="38100" dir="2700000" algn="tl" rotWithShape="0">
+              <a:prstClr val="black">
+                <a:alpha val="40000"/>
+              </a:prstClr>
+            </a:outerShdw>
+          </a:effectLst>
+        </p:spPr>
+        <p:txBody>
+          <a:bodyPr rtlCol="0" anchor="ctr"/>
+          <a:lstStyle/>
+          <a:p>
+            <a:pPr marL="0" marR="0" lvl="0" indent="0" algn="ctr" defTabSz="914400" eaLnBrk="1" fontAlgn="auto" latinLnBrk="0" hangingPunct="1">
+              <a:lnSpc>
+                <a:spcPct val="100000"/>
+              </a:lnSpc>
+              <a:spcBef>
+                <a:spcPts val="0"/>
+              </a:spcBef>
+              <a:spcAft>
+                <a:spcPts val="0"/>
+              </a:spcAft>
+              <a:buClrTx/>
+              <a:buSzTx/>
+              <a:buFontTx/>
+              <a:buNone/>
+              <a:tabLst/>
+              <a:defRPr/>
+            </a:pPr>
+            <a:r>
+              <a:rPr kumimoji="0" lang="en-US" sz="1400" b="0" i="0" u="none" strike="noStrike" kern="0" cap="none" spc="0" normalizeH="0" baseline="0" noProof="0" dirty="0">
+                <a:ln>
+                  <a:noFill/>
+                </a:ln>
+                <a:solidFill>
+                  <a:srgbClr val="44546A"/>
+                </a:solidFill>
+                <a:effectLst/>
+                <a:uLnTx/>
+                <a:uFillTx/>
+                <a:latin typeface="Calibri" panose="020F0502020204030204"/>
+                <a:ea typeface="+mn-ea"/>
+                <a:cs typeface="+mn-cs"/>
+              </a:rPr>
+              <a:t>Electric Households</a:t>
+            </a:r>
+            <a:endParaRPr kumimoji="0" lang="en-GB" sz="1400" b="0" i="0" u="none" strike="noStrike" kern="0" cap="none" spc="0" normalizeH="0" baseline="0" noProof="0" dirty="0">
+              <a:ln>
+                <a:noFill/>
+              </a:ln>
+              <a:solidFill>
+                <a:srgbClr val="44546A"/>
+              </a:solidFill>
+              <a:effectLst/>
+              <a:uLnTx/>
+              <a:uFillTx/>
+              <a:latin typeface="Calibri" panose="020F0502020204030204"/>
+              <a:ea typeface="+mn-ea"/>
+              <a:cs typeface="+mn-cs"/>
+            </a:endParaRPr>
+          </a:p>
+        </p:txBody>
+      </p:sp>
+      <p:cxnSp>
+        <p:nvCxnSpPr>
+          <p:cNvPr id="92" name="Straight Connector 29">
+            <a:extLst>
+              <a:ext uri="{FF2B5EF4-FFF2-40B4-BE49-F238E27FC236}">
+                <a16:creationId xmlns:a16="http://schemas.microsoft.com/office/drawing/2014/main" id="{07B0731B-AFC4-7555-C8EA-645B02C136F6}"/>
+              </a:ext>
+            </a:extLst>
+          </p:cNvPr>
+          <p:cNvCxnSpPr>
+            <a:cxnSpLocks/>
+          </p:cNvCxnSpPr>
+          <p:nvPr/>
+        </p:nvCxnSpPr>
+        <p:spPr>
+          <a:xfrm>
+            <a:off x="8743499" y="1417673"/>
+            <a:ext cx="0" cy="4848446"/>
+          </a:xfrm>
+          <a:prstGeom prst="line">
+            <a:avLst/>
+          </a:prstGeom>
+          <a:noFill/>
+          <a:ln w="19050" cap="flat" cmpd="sng" algn="ctr">
+            <a:solidFill>
+              <a:srgbClr val="A5A5A5"/>
+            </a:solidFill>
+            <a:prstDash val="solid"/>
+            <a:miter lim="800000"/>
+          </a:ln>
+          <a:effectLst/>
+        </p:spPr>
+      </p:cxnSp>
+      <p:sp>
+        <p:nvSpPr>
+          <p:cNvPr id="93" name="TextBox 33">
+            <a:extLst>
+              <a:ext uri="{FF2B5EF4-FFF2-40B4-BE49-F238E27FC236}">
+                <a16:creationId xmlns:a16="http://schemas.microsoft.com/office/drawing/2014/main" id="{324D07D0-B19E-FA0B-F715-FA712810FE6E}"/>
+              </a:ext>
+            </a:extLst>
+          </p:cNvPr>
+          <p:cNvSpPr txBox="1"/>
+          <p:nvPr/>
+        </p:nvSpPr>
+        <p:spPr>
+          <a:xfrm rot="16200000">
+            <a:off x="7908405" y="5380918"/>
+            <a:ext cx="1446028" cy="338554"/>
+          </a:xfrm>
+          <a:prstGeom prst="rect">
+            <a:avLst/>
+          </a:prstGeom>
+          <a:noFill/>
+        </p:spPr>
+        <p:txBody>
+          <a:bodyPr wrap="square" rtlCol="0">
+            <a:spAutoFit/>
+          </a:bodyPr>
+          <a:lstStyle/>
+          <a:p>
+            <a:pPr marL="0" marR="0" lvl="0" indent="0" defTabSz="914400" eaLnBrk="1" fontAlgn="auto" latinLnBrk="0" hangingPunct="1">
+              <a:lnSpc>
+                <a:spcPct val="100000"/>
+              </a:lnSpc>
+              <a:spcBef>
+                <a:spcPts val="0"/>
+              </a:spcBef>
+              <a:spcAft>
+                <a:spcPts val="0"/>
+              </a:spcAft>
+              <a:buClrTx/>
+              <a:buSzTx/>
+              <a:buFontTx/>
+              <a:buNone/>
+              <a:tabLst/>
+              <a:defRPr/>
+            </a:pPr>
+            <a:r>
+              <a:rPr kumimoji="0" lang="en-US" sz="1600" b="0" i="1" u="none" strike="noStrike" kern="0" cap="none" spc="0" normalizeH="0" baseline="0" noProof="0" dirty="0">
+                <a:ln>
+                  <a:noFill/>
+                </a:ln>
+                <a:solidFill>
+                  <a:prstClr val="black"/>
+                </a:solidFill>
+                <a:effectLst/>
+                <a:uLnTx/>
+                <a:uFillTx/>
+              </a:rPr>
+              <a:t>electricity</a:t>
+            </a:r>
+            <a:endParaRPr kumimoji="0" lang="en-GB" sz="1600" b="0" i="1" u="none" strike="noStrike" kern="0" cap="none" spc="0" normalizeH="0" baseline="0" noProof="0" dirty="0">
+              <a:ln>
+                <a:noFill/>
+              </a:ln>
+              <a:solidFill>
+                <a:prstClr val="black"/>
+              </a:solidFill>
+              <a:effectLst/>
+              <a:uLnTx/>
+              <a:uFillTx/>
+            </a:endParaRPr>
+          </a:p>
+        </p:txBody>
+      </p:sp>
+      <p:cxnSp>
+        <p:nvCxnSpPr>
+          <p:cNvPr id="94" name="Straight Arrow Connector 35">
+            <a:extLst>
+              <a:ext uri="{FF2B5EF4-FFF2-40B4-BE49-F238E27FC236}">
+                <a16:creationId xmlns:a16="http://schemas.microsoft.com/office/drawing/2014/main" id="{66EB626B-0650-3A43-A2EA-C11A14C990D9}"/>
+              </a:ext>
+            </a:extLst>
+          </p:cNvPr>
+          <p:cNvCxnSpPr>
+            <a:cxnSpLocks/>
+          </p:cNvCxnSpPr>
+          <p:nvPr/>
+        </p:nvCxnSpPr>
+        <p:spPr>
+          <a:xfrm>
+            <a:off x="3938483" y="3817166"/>
+            <a:ext cx="490860" cy="0"/>
+          </a:xfrm>
+          <a:prstGeom prst="straightConnector1">
+            <a:avLst/>
+          </a:prstGeom>
+          <a:noFill/>
+          <a:ln w="19050" cap="flat" cmpd="sng" algn="ctr">
+            <a:solidFill>
+              <a:srgbClr val="A5A5A5"/>
+            </a:solidFill>
+            <a:prstDash val="solid"/>
+            <a:miter lim="800000"/>
+            <a:tailEnd type="triangle"/>
+          </a:ln>
+          <a:effectLst/>
+        </p:spPr>
+      </p:cxnSp>
+      <p:cxnSp>
+        <p:nvCxnSpPr>
+          <p:cNvPr id="95" name="Straight Arrow Connector 36">
+            <a:extLst>
+              <a:ext uri="{FF2B5EF4-FFF2-40B4-BE49-F238E27FC236}">
+                <a16:creationId xmlns:a16="http://schemas.microsoft.com/office/drawing/2014/main" id="{0B687128-90E4-A96E-C7A5-364F84CD2E40}"/>
+              </a:ext>
+            </a:extLst>
+          </p:cNvPr>
+          <p:cNvCxnSpPr>
+            <a:cxnSpLocks/>
+          </p:cNvCxnSpPr>
+          <p:nvPr/>
+        </p:nvCxnSpPr>
+        <p:spPr>
+          <a:xfrm>
+            <a:off x="4439976" y="3023269"/>
+            <a:ext cx="490860" cy="0"/>
+          </a:xfrm>
+          <a:prstGeom prst="straightConnector1">
+            <a:avLst/>
+          </a:prstGeom>
+          <a:noFill/>
+          <a:ln w="19050" cap="flat" cmpd="sng" algn="ctr">
+            <a:solidFill>
+              <a:srgbClr val="A5A5A5"/>
+            </a:solidFill>
+            <a:prstDash val="solid"/>
+            <a:miter lim="800000"/>
+            <a:tailEnd type="triangle"/>
+          </a:ln>
+          <a:effectLst/>
+        </p:spPr>
+      </p:cxnSp>
+      <p:cxnSp>
+        <p:nvCxnSpPr>
+          <p:cNvPr id="96" name="Straight Arrow Connector 37">
+            <a:extLst>
+              <a:ext uri="{FF2B5EF4-FFF2-40B4-BE49-F238E27FC236}">
+                <a16:creationId xmlns:a16="http://schemas.microsoft.com/office/drawing/2014/main" id="{8364A4DB-B075-1534-F61A-02CB288BB13D}"/>
+              </a:ext>
+            </a:extLst>
+          </p:cNvPr>
+          <p:cNvCxnSpPr>
+            <a:cxnSpLocks/>
+          </p:cNvCxnSpPr>
+          <p:nvPr/>
+        </p:nvCxnSpPr>
+        <p:spPr>
+          <a:xfrm>
+            <a:off x="6096000" y="3023269"/>
+            <a:ext cx="490860" cy="0"/>
+          </a:xfrm>
+          <a:prstGeom prst="straightConnector1">
+            <a:avLst/>
+          </a:prstGeom>
+          <a:noFill/>
+          <a:ln w="19050" cap="flat" cmpd="sng" algn="ctr">
+            <a:solidFill>
+              <a:srgbClr val="A5A5A5"/>
+            </a:solidFill>
+            <a:prstDash val="solid"/>
+            <a:miter lim="800000"/>
+            <a:tailEnd type="triangle"/>
+          </a:ln>
+          <a:effectLst/>
+        </p:spPr>
+      </p:cxnSp>
+      <p:cxnSp>
+        <p:nvCxnSpPr>
+          <p:cNvPr id="97" name="Straight Arrow Connector 38">
+            <a:extLst>
+              <a:ext uri="{FF2B5EF4-FFF2-40B4-BE49-F238E27FC236}">
+                <a16:creationId xmlns:a16="http://schemas.microsoft.com/office/drawing/2014/main" id="{6F954841-7111-7AD6-E6E2-0C1415557D70}"/>
+              </a:ext>
+            </a:extLst>
+          </p:cNvPr>
+          <p:cNvCxnSpPr>
+            <a:cxnSpLocks/>
+          </p:cNvCxnSpPr>
+          <p:nvPr/>
+        </p:nvCxnSpPr>
+        <p:spPr>
+          <a:xfrm>
+            <a:off x="6586860" y="3023269"/>
+            <a:ext cx="490860" cy="0"/>
+          </a:xfrm>
+          <a:prstGeom prst="straightConnector1">
+            <a:avLst/>
+          </a:prstGeom>
+          <a:noFill/>
+          <a:ln w="19050" cap="flat" cmpd="sng" algn="ctr">
+            <a:solidFill>
+              <a:srgbClr val="A5A5A5"/>
+            </a:solidFill>
+            <a:prstDash val="solid"/>
+            <a:miter lim="800000"/>
+            <a:tailEnd type="triangle"/>
+          </a:ln>
+          <a:effectLst/>
+        </p:spPr>
+      </p:cxnSp>
+      <p:cxnSp>
+        <p:nvCxnSpPr>
+          <p:cNvPr id="98" name="Straight Arrow Connector 39">
+            <a:extLst>
+              <a:ext uri="{FF2B5EF4-FFF2-40B4-BE49-F238E27FC236}">
+                <a16:creationId xmlns:a16="http://schemas.microsoft.com/office/drawing/2014/main" id="{00D6B5E8-054E-8DC7-BA61-708DABAA3C35}"/>
+              </a:ext>
+            </a:extLst>
+          </p:cNvPr>
+          <p:cNvCxnSpPr>
+            <a:cxnSpLocks/>
+          </p:cNvCxnSpPr>
+          <p:nvPr/>
+        </p:nvCxnSpPr>
+        <p:spPr>
+          <a:xfrm>
+            <a:off x="8247288" y="3023269"/>
+            <a:ext cx="490860" cy="0"/>
+          </a:xfrm>
+          <a:prstGeom prst="straightConnector1">
+            <a:avLst/>
+          </a:prstGeom>
+          <a:noFill/>
+          <a:ln w="19050" cap="flat" cmpd="sng" algn="ctr">
+            <a:solidFill>
+              <a:srgbClr val="A5A5A5"/>
+            </a:solidFill>
+            <a:prstDash val="solid"/>
+            <a:miter lim="800000"/>
+            <a:tailEnd type="triangle"/>
+          </a:ln>
+          <a:effectLst/>
+        </p:spPr>
+      </p:cxnSp>
+      <p:sp>
+        <p:nvSpPr>
+          <p:cNvPr id="99" name="TextBox 27">
+            <a:extLst>
+              <a:ext uri="{FF2B5EF4-FFF2-40B4-BE49-F238E27FC236}">
+                <a16:creationId xmlns:a16="http://schemas.microsoft.com/office/drawing/2014/main" id="{09F68A92-34D0-0F7B-83C3-8291D6DA4603}"/>
+              </a:ext>
+            </a:extLst>
+          </p:cNvPr>
+          <p:cNvSpPr txBox="1"/>
+          <p:nvPr/>
+        </p:nvSpPr>
+        <p:spPr>
+          <a:xfrm>
+            <a:off x="3271267" y="89549"/>
+            <a:ext cx="2052083" cy="646331"/>
+          </a:xfrm>
+          <a:prstGeom prst="rect">
+            <a:avLst/>
+          </a:prstGeom>
+          <a:noFill/>
+        </p:spPr>
+        <p:txBody>
+          <a:bodyPr wrap="square" rtlCol="0">
+            <a:spAutoFit/>
+          </a:bodyPr>
+          <a:lstStyle/>
+          <a:p>
+            <a:pPr marL="0" marR="0" lvl="0" indent="0" algn="ctr" defTabSz="914400" eaLnBrk="1" fontAlgn="auto" latinLnBrk="0" hangingPunct="1">
+              <a:lnSpc>
+                <a:spcPct val="100000"/>
+              </a:lnSpc>
+              <a:spcBef>
+                <a:spcPts val="0"/>
+              </a:spcBef>
+              <a:spcAft>
+                <a:spcPts val="0"/>
+              </a:spcAft>
+              <a:buClrTx/>
+              <a:buSzTx/>
+              <a:buFontTx/>
+              <a:buNone/>
+              <a:tabLst/>
+              <a:defRPr/>
+            </a:pPr>
+            <a:r>
+              <a:rPr kumimoji="0" lang="en-US" sz="1800" b="0" i="0" u="none" strike="noStrike" kern="0" cap="none" spc="0" normalizeH="0" baseline="0" noProof="0" dirty="0">
+                <a:ln>
+                  <a:noFill/>
+                </a:ln>
+                <a:solidFill>
+                  <a:prstClr val="black"/>
+                </a:solidFill>
+                <a:effectLst/>
+                <a:uLnTx/>
+                <a:uFillTx/>
+              </a:rPr>
+              <a:t>Secondary</a:t>
+            </a:r>
+          </a:p>
+          <a:p>
+            <a:pPr marL="0" marR="0" lvl="0" indent="0" algn="ctr" defTabSz="914400" eaLnBrk="1" fontAlgn="auto" latinLnBrk="0" hangingPunct="1">
+              <a:lnSpc>
+                <a:spcPct val="100000"/>
+              </a:lnSpc>
+              <a:spcBef>
+                <a:spcPts val="0"/>
+              </a:spcBef>
+              <a:spcAft>
+                <a:spcPts val="0"/>
+              </a:spcAft>
+              <a:buClrTx/>
+              <a:buSzTx/>
+              <a:buFontTx/>
+              <a:buNone/>
+              <a:tabLst/>
+              <a:defRPr/>
+            </a:pPr>
+            <a:r>
+              <a:rPr kumimoji="0" lang="en-US" sz="1800" b="0" i="0" u="none" strike="noStrike" kern="0" cap="none" spc="0" normalizeH="0" baseline="0" noProof="0" dirty="0">
+                <a:ln>
+                  <a:noFill/>
+                </a:ln>
+                <a:solidFill>
+                  <a:prstClr val="black"/>
+                </a:solidFill>
+                <a:effectLst/>
+                <a:uLnTx/>
+                <a:uFillTx/>
+              </a:rPr>
+              <a:t> Energy</a:t>
+            </a:r>
+            <a:endParaRPr kumimoji="0" lang="en-GB" sz="1800" b="0" i="0" u="none" strike="noStrike" kern="0" cap="none" spc="0" normalizeH="0" baseline="0" noProof="0" dirty="0">
+              <a:ln>
+                <a:noFill/>
+              </a:ln>
+              <a:solidFill>
+                <a:prstClr val="black"/>
+              </a:solidFill>
+              <a:effectLst/>
+              <a:uLnTx/>
+              <a:uFillTx/>
+            </a:endParaRPr>
+          </a:p>
+        </p:txBody>
+      </p:sp>
+      <p:sp>
+        <p:nvSpPr>
+          <p:cNvPr id="100" name="TextBox 28">
+            <a:extLst>
+              <a:ext uri="{FF2B5EF4-FFF2-40B4-BE49-F238E27FC236}">
+                <a16:creationId xmlns:a16="http://schemas.microsoft.com/office/drawing/2014/main" id="{B41E61B6-1083-6459-34A1-A528C96BCD82}"/>
+              </a:ext>
+            </a:extLst>
+          </p:cNvPr>
+          <p:cNvSpPr txBox="1"/>
+          <p:nvPr/>
+        </p:nvSpPr>
+        <p:spPr>
+          <a:xfrm>
+            <a:off x="5776274" y="89549"/>
+            <a:ext cx="2052083" cy="646331"/>
+          </a:xfrm>
+          <a:prstGeom prst="rect">
+            <a:avLst/>
+          </a:prstGeom>
+          <a:noFill/>
+        </p:spPr>
+        <p:txBody>
+          <a:bodyPr wrap="square" rtlCol="0">
+            <a:spAutoFit/>
+          </a:bodyPr>
+          <a:lstStyle/>
+          <a:p>
+            <a:pPr marL="0" marR="0" lvl="0" indent="0" algn="ctr" defTabSz="914400" eaLnBrk="1" fontAlgn="auto" latinLnBrk="0" hangingPunct="1">
+              <a:lnSpc>
+                <a:spcPct val="100000"/>
+              </a:lnSpc>
+              <a:spcBef>
+                <a:spcPts val="0"/>
+              </a:spcBef>
+              <a:spcAft>
+                <a:spcPts val="0"/>
+              </a:spcAft>
+              <a:buClrTx/>
+              <a:buSzTx/>
+              <a:buFontTx/>
+              <a:buNone/>
+              <a:tabLst/>
+              <a:defRPr/>
+            </a:pPr>
+            <a:r>
+              <a:rPr kumimoji="0" lang="en-US" sz="1800" b="0" i="0" u="none" strike="noStrike" kern="0" cap="none" spc="0" normalizeH="0" baseline="0" noProof="0" dirty="0">
+                <a:ln>
+                  <a:noFill/>
+                </a:ln>
+                <a:solidFill>
+                  <a:prstClr val="black"/>
+                </a:solidFill>
+                <a:effectLst/>
+                <a:uLnTx/>
+                <a:uFillTx/>
+              </a:rPr>
+              <a:t>Final</a:t>
+            </a:r>
+          </a:p>
+          <a:p>
+            <a:pPr marL="0" marR="0" lvl="0" indent="0" algn="ctr" defTabSz="914400" eaLnBrk="1" fontAlgn="auto" latinLnBrk="0" hangingPunct="1">
+              <a:lnSpc>
+                <a:spcPct val="100000"/>
+              </a:lnSpc>
+              <a:spcBef>
+                <a:spcPts val="0"/>
+              </a:spcBef>
+              <a:spcAft>
+                <a:spcPts val="0"/>
+              </a:spcAft>
+              <a:buClrTx/>
+              <a:buSzTx/>
+              <a:buFontTx/>
+              <a:buNone/>
+              <a:tabLst/>
+              <a:defRPr/>
+            </a:pPr>
+            <a:r>
+              <a:rPr kumimoji="0" lang="en-US" sz="1800" b="0" i="0" u="none" strike="noStrike" kern="0" cap="none" spc="0" normalizeH="0" baseline="0" noProof="0" dirty="0">
+                <a:ln>
+                  <a:noFill/>
+                </a:ln>
+                <a:solidFill>
+                  <a:prstClr val="black"/>
+                </a:solidFill>
+                <a:effectLst/>
+                <a:uLnTx/>
+                <a:uFillTx/>
+              </a:rPr>
+              <a:t> Energy</a:t>
+            </a:r>
+            <a:endParaRPr kumimoji="0" lang="en-GB" sz="1800" b="0" i="0" u="none" strike="noStrike" kern="0" cap="none" spc="0" normalizeH="0" baseline="0" noProof="0" dirty="0">
+              <a:ln>
+                <a:noFill/>
+              </a:ln>
+              <a:solidFill>
+                <a:prstClr val="black"/>
+              </a:solidFill>
+              <a:effectLst/>
+              <a:uLnTx/>
+              <a:uFillTx/>
+            </a:endParaRPr>
+          </a:p>
+        </p:txBody>
+      </p:sp>
+      <p:sp>
+        <p:nvSpPr>
+          <p:cNvPr id="101" name="TextBox 30">
+            <a:extLst>
+              <a:ext uri="{FF2B5EF4-FFF2-40B4-BE49-F238E27FC236}">
+                <a16:creationId xmlns:a16="http://schemas.microsoft.com/office/drawing/2014/main" id="{2D9733DD-504F-C37D-5374-2400D24D4B91}"/>
+              </a:ext>
+            </a:extLst>
+          </p:cNvPr>
+          <p:cNvSpPr txBox="1"/>
+          <p:nvPr/>
+        </p:nvSpPr>
+        <p:spPr>
+          <a:xfrm>
+            <a:off x="7841528" y="103706"/>
+            <a:ext cx="2052083" cy="646331"/>
+          </a:xfrm>
+          <a:prstGeom prst="rect">
+            <a:avLst/>
+          </a:prstGeom>
+          <a:noFill/>
+        </p:spPr>
+        <p:txBody>
+          <a:bodyPr wrap="square" rtlCol="0">
+            <a:spAutoFit/>
+          </a:bodyPr>
+          <a:lstStyle/>
+          <a:p>
+            <a:pPr marL="0" marR="0" lvl="0" indent="0" algn="ctr" defTabSz="914400" eaLnBrk="1" fontAlgn="auto" latinLnBrk="0" hangingPunct="1">
+              <a:lnSpc>
+                <a:spcPct val="100000"/>
+              </a:lnSpc>
+              <a:spcBef>
+                <a:spcPts val="0"/>
+              </a:spcBef>
+              <a:spcAft>
+                <a:spcPts val="0"/>
+              </a:spcAft>
+              <a:buClrTx/>
+              <a:buSzTx/>
+              <a:buFontTx/>
+              <a:buNone/>
+              <a:tabLst/>
+              <a:defRPr/>
+            </a:pPr>
+            <a:r>
+              <a:rPr kumimoji="0" lang="en-US" sz="1800" b="0" i="0" u="none" strike="noStrike" kern="0" cap="none" spc="0" normalizeH="0" baseline="0" noProof="0" dirty="0">
+                <a:ln>
+                  <a:noFill/>
+                </a:ln>
+                <a:solidFill>
+                  <a:prstClr val="black"/>
+                </a:solidFill>
+                <a:effectLst/>
+                <a:uLnTx/>
+                <a:uFillTx/>
+              </a:rPr>
+              <a:t>Useful</a:t>
+            </a:r>
+          </a:p>
+          <a:p>
+            <a:pPr marL="0" marR="0" lvl="0" indent="0" algn="ctr" defTabSz="914400" eaLnBrk="1" fontAlgn="auto" latinLnBrk="0" hangingPunct="1">
+              <a:lnSpc>
+                <a:spcPct val="100000"/>
+              </a:lnSpc>
+              <a:spcBef>
+                <a:spcPts val="0"/>
+              </a:spcBef>
+              <a:spcAft>
+                <a:spcPts val="0"/>
+              </a:spcAft>
+              <a:buClrTx/>
+              <a:buSzTx/>
+              <a:buFontTx/>
+              <a:buNone/>
+              <a:tabLst/>
+              <a:defRPr/>
+            </a:pPr>
+            <a:r>
+              <a:rPr kumimoji="0" lang="en-US" sz="1800" b="0" i="0" u="none" strike="noStrike" kern="0" cap="none" spc="0" normalizeH="0" baseline="0" noProof="0" dirty="0">
+                <a:ln>
+                  <a:noFill/>
+                </a:ln>
+                <a:solidFill>
+                  <a:prstClr val="black"/>
+                </a:solidFill>
+                <a:effectLst/>
+                <a:uLnTx/>
+                <a:uFillTx/>
+              </a:rPr>
+              <a:t> Energy</a:t>
+            </a:r>
+            <a:endParaRPr kumimoji="0" lang="en-GB" sz="1800" b="0" i="0" u="none" strike="noStrike" kern="0" cap="none" spc="0" normalizeH="0" baseline="0" noProof="0" dirty="0">
+              <a:ln>
+                <a:noFill/>
+              </a:ln>
+              <a:solidFill>
+                <a:prstClr val="black"/>
+              </a:solidFill>
+              <a:effectLst/>
+              <a:uLnTx/>
+              <a:uFillTx/>
+            </a:endParaRPr>
+          </a:p>
+        </p:txBody>
+      </p:sp>
+      <p:sp>
+        <p:nvSpPr>
+          <p:cNvPr id="103" name="Rectangle: Rounded Corners 26">
+            <a:extLst>
+              <a:ext uri="{FF2B5EF4-FFF2-40B4-BE49-F238E27FC236}">
+                <a16:creationId xmlns:a16="http://schemas.microsoft.com/office/drawing/2014/main" id="{B214F4C7-8353-92F4-B217-FCBEA608425E}"/>
+              </a:ext>
+            </a:extLst>
+          </p:cNvPr>
+          <p:cNvSpPr/>
+          <p:nvPr/>
+        </p:nvSpPr>
+        <p:spPr>
+          <a:xfrm>
+            <a:off x="9248504" y="2699220"/>
+            <a:ext cx="1167812" cy="648098"/>
+          </a:xfrm>
+          <a:prstGeom prst="roundRect">
+            <a:avLst/>
+          </a:prstGeom>
+          <a:solidFill>
+            <a:srgbClr val="FFC000">
+              <a:lumMod val="60000"/>
+              <a:lumOff val="40000"/>
+            </a:srgbClr>
+          </a:solidFill>
+          <a:ln w="12700" cap="flat" cmpd="sng" algn="ctr">
+            <a:solidFill>
+              <a:srgbClr val="4472C4">
+                <a:shade val="50000"/>
+              </a:srgbClr>
+            </a:solidFill>
+            <a:prstDash val="solid"/>
+            <a:miter lim="800000"/>
+          </a:ln>
+          <a:effectLst>
+            <a:outerShdw blurRad="50800" dist="38100" dir="2700000" algn="tl" rotWithShape="0">
+              <a:prstClr val="black">
+                <a:alpha val="40000"/>
+              </a:prstClr>
+            </a:outerShdw>
+          </a:effectLst>
+        </p:spPr>
+        <p:txBody>
+          <a:bodyPr rtlCol="0" anchor="ctr"/>
+          <a:lstStyle/>
+          <a:p>
+            <a:pPr marL="0" marR="0" lvl="0" indent="0" algn="ctr" defTabSz="914400" eaLnBrk="1" fontAlgn="auto" latinLnBrk="0" hangingPunct="1">
+              <a:lnSpc>
+                <a:spcPct val="100000"/>
+              </a:lnSpc>
+              <a:spcBef>
+                <a:spcPts val="0"/>
+              </a:spcBef>
+              <a:spcAft>
+                <a:spcPts val="0"/>
+              </a:spcAft>
+              <a:buClrTx/>
+              <a:buSzTx/>
+              <a:buFontTx/>
+              <a:buNone/>
+              <a:tabLst/>
+              <a:defRPr/>
+            </a:pPr>
+            <a:r>
+              <a:rPr kumimoji="0" lang="en-US" sz="1400" b="0" i="0" u="none" strike="noStrike" kern="0" cap="none" spc="0" normalizeH="0" baseline="0" noProof="0" dirty="0">
+                <a:ln>
+                  <a:noFill/>
+                </a:ln>
+                <a:solidFill>
+                  <a:srgbClr val="44546A"/>
+                </a:solidFill>
+                <a:effectLst/>
+                <a:uLnTx/>
+                <a:uFillTx/>
+                <a:latin typeface="Calibri" panose="020F0502020204030204"/>
+                <a:ea typeface="+mn-ea"/>
+                <a:cs typeface="+mn-cs"/>
+              </a:rPr>
+              <a:t>Lightning</a:t>
+            </a:r>
+            <a:endParaRPr kumimoji="0" lang="en-GB" sz="1400" b="0" i="0" u="none" strike="noStrike" kern="0" cap="none" spc="0" normalizeH="0" baseline="0" noProof="0" dirty="0">
+              <a:ln>
+                <a:noFill/>
+              </a:ln>
+              <a:solidFill>
+                <a:srgbClr val="44546A"/>
+              </a:solidFill>
+              <a:effectLst/>
+              <a:uLnTx/>
+              <a:uFillTx/>
+              <a:latin typeface="Calibri" panose="020F0502020204030204"/>
+              <a:ea typeface="+mn-ea"/>
+              <a:cs typeface="+mn-cs"/>
+            </a:endParaRPr>
+          </a:p>
+        </p:txBody>
+      </p:sp>
+      <p:cxnSp>
+        <p:nvCxnSpPr>
+          <p:cNvPr id="104" name="Straight Connector 29">
+            <a:extLst>
+              <a:ext uri="{FF2B5EF4-FFF2-40B4-BE49-F238E27FC236}">
+                <a16:creationId xmlns:a16="http://schemas.microsoft.com/office/drawing/2014/main" id="{7281E7D0-FAA8-77FA-5F2B-FF855991BF77}"/>
+              </a:ext>
+            </a:extLst>
+          </p:cNvPr>
+          <p:cNvCxnSpPr>
+            <a:cxnSpLocks/>
+          </p:cNvCxnSpPr>
+          <p:nvPr/>
+        </p:nvCxnSpPr>
+        <p:spPr>
+          <a:xfrm>
+            <a:off x="10912527" y="1417673"/>
+            <a:ext cx="0" cy="4848446"/>
+          </a:xfrm>
+          <a:prstGeom prst="line">
+            <a:avLst/>
+          </a:prstGeom>
+          <a:noFill/>
+          <a:ln w="19050" cap="flat" cmpd="sng" algn="ctr">
+            <a:solidFill>
+              <a:srgbClr val="A5A5A5"/>
+            </a:solidFill>
+            <a:prstDash val="solid"/>
+            <a:miter lim="800000"/>
+          </a:ln>
+          <a:effectLst/>
+        </p:spPr>
+      </p:cxnSp>
+      <p:sp>
+        <p:nvSpPr>
+          <p:cNvPr id="105" name="TextBox 33">
+            <a:extLst>
+              <a:ext uri="{FF2B5EF4-FFF2-40B4-BE49-F238E27FC236}">
+                <a16:creationId xmlns:a16="http://schemas.microsoft.com/office/drawing/2014/main" id="{3A654A2F-4B55-B861-F357-0B46312EBF19}"/>
+              </a:ext>
+            </a:extLst>
+          </p:cNvPr>
+          <p:cNvSpPr txBox="1"/>
+          <p:nvPr/>
+        </p:nvSpPr>
+        <p:spPr>
+          <a:xfrm rot="16200000">
+            <a:off x="10077433" y="5380918"/>
+            <a:ext cx="1446028" cy="338554"/>
+          </a:xfrm>
+          <a:prstGeom prst="rect">
+            <a:avLst/>
+          </a:prstGeom>
+          <a:noFill/>
+        </p:spPr>
+        <p:txBody>
+          <a:bodyPr wrap="square" rtlCol="0">
+            <a:spAutoFit/>
+          </a:bodyPr>
+          <a:lstStyle/>
+          <a:p>
+            <a:pPr marL="0" marR="0" lvl="0" indent="0" defTabSz="914400" eaLnBrk="1" fontAlgn="auto" latinLnBrk="0" hangingPunct="1">
+              <a:lnSpc>
+                <a:spcPct val="100000"/>
+              </a:lnSpc>
+              <a:spcBef>
+                <a:spcPts val="0"/>
+              </a:spcBef>
+              <a:spcAft>
+                <a:spcPts val="0"/>
+              </a:spcAft>
+              <a:buClrTx/>
+              <a:buSzTx/>
+              <a:buFontTx/>
+              <a:buNone/>
+              <a:tabLst/>
+              <a:defRPr/>
+            </a:pPr>
+            <a:r>
+              <a:rPr kumimoji="0" lang="en-US" sz="1600" b="0" i="1" u="none" strike="noStrike" kern="0" cap="none" spc="0" normalizeH="0" baseline="0" noProof="0" dirty="0">
+                <a:ln>
+                  <a:noFill/>
+                </a:ln>
+                <a:solidFill>
+                  <a:prstClr val="black"/>
+                </a:solidFill>
+                <a:effectLst/>
+                <a:uLnTx/>
+                <a:uFillTx/>
+              </a:rPr>
+              <a:t>light</a:t>
+            </a:r>
+            <a:endParaRPr kumimoji="0" lang="en-GB" sz="1600" b="0" i="1" u="none" strike="noStrike" kern="0" cap="none" spc="0" normalizeH="0" baseline="0" noProof="0" dirty="0">
+              <a:ln>
+                <a:noFill/>
+              </a:ln>
+              <a:solidFill>
+                <a:prstClr val="black"/>
+              </a:solidFill>
+              <a:effectLst/>
+              <a:uLnTx/>
+              <a:uFillTx/>
+            </a:endParaRPr>
+          </a:p>
+        </p:txBody>
+      </p:sp>
+      <p:cxnSp>
+        <p:nvCxnSpPr>
+          <p:cNvPr id="106" name="Straight Arrow Connector 38">
+            <a:extLst>
+              <a:ext uri="{FF2B5EF4-FFF2-40B4-BE49-F238E27FC236}">
+                <a16:creationId xmlns:a16="http://schemas.microsoft.com/office/drawing/2014/main" id="{C44D8DF7-CAD3-C20B-144E-DCE6E069FB1B}"/>
+              </a:ext>
+            </a:extLst>
+          </p:cNvPr>
+          <p:cNvCxnSpPr>
+            <a:cxnSpLocks/>
+          </p:cNvCxnSpPr>
+          <p:nvPr/>
+        </p:nvCxnSpPr>
+        <p:spPr>
+          <a:xfrm>
+            <a:off x="8755888" y="3023269"/>
+            <a:ext cx="490860" cy="0"/>
+          </a:xfrm>
+          <a:prstGeom prst="straightConnector1">
+            <a:avLst/>
+          </a:prstGeom>
+          <a:noFill/>
+          <a:ln w="19050" cap="flat" cmpd="sng" algn="ctr">
+            <a:solidFill>
+              <a:srgbClr val="A5A5A5"/>
+            </a:solidFill>
+            <a:prstDash val="solid"/>
+            <a:miter lim="800000"/>
+            <a:tailEnd type="triangle"/>
+          </a:ln>
+          <a:effectLst/>
+        </p:spPr>
+      </p:cxnSp>
+      <p:cxnSp>
+        <p:nvCxnSpPr>
+          <p:cNvPr id="107" name="Straight Arrow Connector 39">
+            <a:extLst>
+              <a:ext uri="{FF2B5EF4-FFF2-40B4-BE49-F238E27FC236}">
+                <a16:creationId xmlns:a16="http://schemas.microsoft.com/office/drawing/2014/main" id="{61629CA6-B591-E395-A439-74DB0A88B242}"/>
+              </a:ext>
+            </a:extLst>
+          </p:cNvPr>
+          <p:cNvCxnSpPr>
+            <a:cxnSpLocks/>
+          </p:cNvCxnSpPr>
+          <p:nvPr/>
+        </p:nvCxnSpPr>
+        <p:spPr>
+          <a:xfrm>
+            <a:off x="10416316" y="3023269"/>
+            <a:ext cx="490860" cy="0"/>
+          </a:xfrm>
+          <a:prstGeom prst="straightConnector1">
+            <a:avLst/>
+          </a:prstGeom>
+          <a:noFill/>
+          <a:ln w="19050" cap="flat" cmpd="sng" algn="ctr">
+            <a:solidFill>
+              <a:srgbClr val="A5A5A5"/>
+            </a:solidFill>
+            <a:prstDash val="solid"/>
+            <a:miter lim="800000"/>
+            <a:tailEnd type="triangle"/>
+          </a:ln>
+          <a:effectLst/>
+        </p:spPr>
+      </p:cxnSp>
+      <p:sp>
+        <p:nvSpPr>
+          <p:cNvPr id="108" name="TextBox 30">
+            <a:extLst>
+              <a:ext uri="{FF2B5EF4-FFF2-40B4-BE49-F238E27FC236}">
+                <a16:creationId xmlns:a16="http://schemas.microsoft.com/office/drawing/2014/main" id="{7A56EC41-8554-FB29-1428-1A076A0B12E4}"/>
+              </a:ext>
+            </a:extLst>
+          </p:cNvPr>
+          <p:cNvSpPr txBox="1"/>
+          <p:nvPr/>
+        </p:nvSpPr>
+        <p:spPr>
+          <a:xfrm>
+            <a:off x="10010556" y="103706"/>
+            <a:ext cx="2052083" cy="646331"/>
+          </a:xfrm>
+          <a:prstGeom prst="rect">
+            <a:avLst/>
+          </a:prstGeom>
+          <a:noFill/>
+        </p:spPr>
+        <p:txBody>
+          <a:bodyPr wrap="square" rtlCol="0">
+            <a:spAutoFit/>
+          </a:bodyPr>
+          <a:lstStyle/>
+          <a:p>
+            <a:pPr marL="0" marR="0" lvl="0" indent="0" algn="ctr" defTabSz="914400" eaLnBrk="1" fontAlgn="auto" latinLnBrk="0" hangingPunct="1">
+              <a:lnSpc>
+                <a:spcPct val="100000"/>
+              </a:lnSpc>
+              <a:spcBef>
+                <a:spcPts val="0"/>
+              </a:spcBef>
+              <a:spcAft>
+                <a:spcPts val="0"/>
+              </a:spcAft>
+              <a:buClrTx/>
+              <a:buSzTx/>
+              <a:buFontTx/>
+              <a:buNone/>
+              <a:tabLst/>
+              <a:defRPr/>
+            </a:pPr>
+            <a:r>
+              <a:rPr kumimoji="0" lang="en-US" sz="1800" b="0" i="0" u="none" strike="noStrike" kern="0" cap="none" spc="0" normalizeH="0" baseline="0" noProof="0" dirty="0">
+                <a:ln>
+                  <a:noFill/>
+                </a:ln>
+                <a:solidFill>
+                  <a:prstClr val="black"/>
+                </a:solidFill>
+                <a:effectLst/>
+                <a:uLnTx/>
+                <a:uFillTx/>
+              </a:rPr>
+              <a:t>Useful</a:t>
+            </a:r>
+          </a:p>
+          <a:p>
+            <a:pPr marL="0" marR="0" lvl="0" indent="0" algn="ctr" defTabSz="914400" eaLnBrk="1" fontAlgn="auto" latinLnBrk="0" hangingPunct="1">
+              <a:lnSpc>
+                <a:spcPct val="100000"/>
+              </a:lnSpc>
+              <a:spcBef>
+                <a:spcPts val="0"/>
+              </a:spcBef>
+              <a:spcAft>
+                <a:spcPts val="0"/>
+              </a:spcAft>
+              <a:buClrTx/>
+              <a:buSzTx/>
+              <a:buFontTx/>
+              <a:buNone/>
+              <a:tabLst/>
+              <a:defRPr/>
+            </a:pPr>
+            <a:r>
+              <a:rPr kumimoji="0" lang="en-US" sz="1800" b="0" i="0" u="none" strike="noStrike" kern="0" cap="none" spc="0" normalizeH="0" baseline="0" noProof="0" dirty="0">
+                <a:ln>
+                  <a:noFill/>
+                </a:ln>
+                <a:solidFill>
+                  <a:prstClr val="black"/>
+                </a:solidFill>
+                <a:effectLst/>
+                <a:uLnTx/>
+                <a:uFillTx/>
+              </a:rPr>
+              <a:t> Energy</a:t>
+            </a:r>
+            <a:endParaRPr kumimoji="0" lang="en-GB" sz="1800" b="0" i="0" u="none" strike="noStrike" kern="0" cap="none" spc="0" normalizeH="0" baseline="0" noProof="0" dirty="0">
+              <a:ln>
+                <a:noFill/>
+              </a:ln>
+              <a:solidFill>
+                <a:prstClr val="black"/>
+              </a:solidFill>
+              <a:effectLst/>
+              <a:uLnTx/>
+              <a:uFillTx/>
+            </a:endParaRPr>
+          </a:p>
+        </p:txBody>
+      </p:sp>
+    </p:spTree>
+    <p:extLst>
+      <p:ext uri="{BB962C8B-B14F-4D97-AF65-F5344CB8AC3E}">
+        <p14:creationId xmlns:p14="http://schemas.microsoft.com/office/powerpoint/2010/main" val="3597963014"/>
       </p:ext>
     </p:extLst>
   </p:cSld>

--- a/Documentação/1-Diagrama PPT/Cadeias Energéticas.pptx
+++ b/Documentação/1-Diagrama PPT/Cadeias Energéticas.pptx
@@ -5,14 +5,12 @@
     <p:sldMasterId id="2147483648" r:id="rId1"/>
   </p:sldMasterIdLst>
   <p:notesMasterIdLst>
-    <p:notesMasterId r:id="rId7"/>
+    <p:notesMasterId r:id="rId5"/>
   </p:notesMasterIdLst>
   <p:sldIdLst>
     <p:sldId id="260" r:id="rId2"/>
     <p:sldId id="259" r:id="rId3"/>
     <p:sldId id="261" r:id="rId4"/>
-    <p:sldId id="263" r:id="rId5"/>
-    <p:sldId id="262" r:id="rId6"/>
   </p:sldIdLst>
   <p:sldSz cx="12192000" cy="6858000"/>
   <p:notesSz cx="6858000" cy="9144000"/>
@@ -741,180 +739,6 @@
     <p:extLst>
       <p:ext uri="{BB962C8B-B14F-4D97-AF65-F5344CB8AC3E}">
         <p14:creationId xmlns:p14="http://schemas.microsoft.com/office/powerpoint/2010/main" val="3586815450"/>
-      </p:ext>
-    </p:extLst>
-  </p:cSld>
-  <p:clrMapOvr>
-    <a:masterClrMapping/>
-  </p:clrMapOvr>
-</p:notes>
-</file>
-
-<file path=ppt/notesSlides/notesSlide4.xml><?xml version="1.0" encoding="utf-8"?>
-<p:notes xmlns:a="http://schemas.openxmlformats.org/drawingml/2006/main" xmlns:r="http://schemas.openxmlformats.org/officeDocument/2006/relationships" xmlns:p="http://schemas.openxmlformats.org/presentationml/2006/main">
-  <p:cSld>
-    <p:spTree>
-      <p:nvGrpSpPr>
-        <p:cNvPr id="1" name=""/>
-        <p:cNvGrpSpPr/>
-        <p:nvPr/>
-      </p:nvGrpSpPr>
-      <p:grpSpPr>
-        <a:xfrm>
-          <a:off x="0" y="0"/>
-          <a:ext cx="0" cy="0"/>
-          <a:chOff x="0" y="0"/>
-          <a:chExt cx="0" cy="0"/>
-        </a:xfrm>
-      </p:grpSpPr>
-      <p:sp>
-        <p:nvSpPr>
-          <p:cNvPr id="2" name="Espaço Reservado para Imagem de Slide 1"/>
-          <p:cNvSpPr>
-            <a:spLocks noGrp="1" noRot="1" noChangeAspect="1"/>
-          </p:cNvSpPr>
-          <p:nvPr>
-            <p:ph type="sldImg"/>
-          </p:nvPr>
-        </p:nvSpPr>
-        <p:spPr/>
-      </p:sp>
-      <p:sp>
-        <p:nvSpPr>
-          <p:cNvPr id="3" name="Espaço Reservado para Anotações 2"/>
-          <p:cNvSpPr>
-            <a:spLocks noGrp="1"/>
-          </p:cNvSpPr>
-          <p:nvPr>
-            <p:ph type="body" idx="1"/>
-          </p:nvPr>
-        </p:nvSpPr>
-        <p:spPr/>
-        <p:txBody>
-          <a:bodyPr/>
-          <a:lstStyle/>
-          <a:p>
-            <a:r>
-              <a:rPr lang="pt-BR" dirty="0"/>
-              <a:t>Na prática</a:t>
-            </a:r>
-          </a:p>
-        </p:txBody>
-      </p:sp>
-      <p:sp>
-        <p:nvSpPr>
-          <p:cNvPr id="4" name="Espaço Reservado para Número de Slide 3"/>
-          <p:cNvSpPr>
-            <a:spLocks noGrp="1"/>
-          </p:cNvSpPr>
-          <p:nvPr>
-            <p:ph type="sldNum" sz="quarter" idx="5"/>
-          </p:nvPr>
-        </p:nvSpPr>
-        <p:spPr/>
-        <p:txBody>
-          <a:bodyPr/>
-          <a:lstStyle/>
-          <a:p>
-            <a:fld id="{04C3BA9C-038C-4BB8-B038-C189F78C736F}" type="slidenum">
-              <a:rPr lang="pt-BR" smtClean="0"/>
-              <a:t>4</a:t>
-            </a:fld>
-            <a:endParaRPr lang="pt-BR"/>
-          </a:p>
-        </p:txBody>
-      </p:sp>
-    </p:spTree>
-    <p:extLst>
-      <p:ext uri="{BB962C8B-B14F-4D97-AF65-F5344CB8AC3E}">
-        <p14:creationId xmlns:p14="http://schemas.microsoft.com/office/powerpoint/2010/main" val="2252283206"/>
-      </p:ext>
-    </p:extLst>
-  </p:cSld>
-  <p:clrMapOvr>
-    <a:masterClrMapping/>
-  </p:clrMapOvr>
-</p:notes>
-</file>
-
-<file path=ppt/notesSlides/notesSlide5.xml><?xml version="1.0" encoding="utf-8"?>
-<p:notes xmlns:a="http://schemas.openxmlformats.org/drawingml/2006/main" xmlns:r="http://schemas.openxmlformats.org/officeDocument/2006/relationships" xmlns:p="http://schemas.openxmlformats.org/presentationml/2006/main">
-  <p:cSld>
-    <p:spTree>
-      <p:nvGrpSpPr>
-        <p:cNvPr id="1" name=""/>
-        <p:cNvGrpSpPr/>
-        <p:nvPr/>
-      </p:nvGrpSpPr>
-      <p:grpSpPr>
-        <a:xfrm>
-          <a:off x="0" y="0"/>
-          <a:ext cx="0" cy="0"/>
-          <a:chOff x="0" y="0"/>
-          <a:chExt cx="0" cy="0"/>
-        </a:xfrm>
-      </p:grpSpPr>
-      <p:sp>
-        <p:nvSpPr>
-          <p:cNvPr id="2" name="Espaço Reservado para Imagem de Slide 1"/>
-          <p:cNvSpPr>
-            <a:spLocks noGrp="1" noRot="1" noChangeAspect="1"/>
-          </p:cNvSpPr>
-          <p:nvPr>
-            <p:ph type="sldImg"/>
-          </p:nvPr>
-        </p:nvSpPr>
-        <p:spPr/>
-      </p:sp>
-      <p:sp>
-        <p:nvSpPr>
-          <p:cNvPr id="3" name="Espaço Reservado para Anotações 2"/>
-          <p:cNvSpPr>
-            <a:spLocks noGrp="1"/>
-          </p:cNvSpPr>
-          <p:nvPr>
-            <p:ph type="body" idx="1"/>
-          </p:nvPr>
-        </p:nvSpPr>
-        <p:spPr/>
-        <p:txBody>
-          <a:bodyPr/>
-          <a:lstStyle/>
-          <a:p>
-            <a:r>
-              <a:rPr lang="pt-BR" dirty="0"/>
-              <a:t>Tentativa como Energia Útil</a:t>
-            </a:r>
-          </a:p>
-        </p:txBody>
-      </p:sp>
-      <p:sp>
-        <p:nvSpPr>
-          <p:cNvPr id="4" name="Espaço Reservado para Número de Slide 3"/>
-          <p:cNvSpPr>
-            <a:spLocks noGrp="1"/>
-          </p:cNvSpPr>
-          <p:nvPr>
-            <p:ph type="sldNum" sz="quarter" idx="5"/>
-          </p:nvPr>
-        </p:nvSpPr>
-        <p:spPr/>
-        <p:txBody>
-          <a:bodyPr/>
-          <a:lstStyle/>
-          <a:p>
-            <a:fld id="{04C3BA9C-038C-4BB8-B038-C189F78C736F}" type="slidenum">
-              <a:rPr lang="pt-BR" smtClean="0"/>
-              <a:t>5</a:t>
-            </a:fld>
-            <a:endParaRPr lang="pt-BR"/>
-          </a:p>
-        </p:txBody>
-      </p:sp>
-    </p:spTree>
-    <p:extLst>
-      <p:ext uri="{BB962C8B-B14F-4D97-AF65-F5344CB8AC3E}">
-        <p14:creationId xmlns:p14="http://schemas.microsoft.com/office/powerpoint/2010/main" val="4234835408"/>
       </p:ext>
     </p:extLst>
   </p:cSld>
@@ -7548,7 +7372,7 @@
                 <a:ea typeface="+mn-ea"/>
                 <a:cs typeface="+mn-cs"/>
               </a:rPr>
-              <a:t>Coal Power plant</a:t>
+              <a:t>Hydro Power plant</a:t>
             </a:r>
             <a:endParaRPr kumimoji="0" lang="en-GB" sz="1400" b="0" i="0" u="none" strike="noStrike" kern="0" cap="none" spc="0" normalizeH="0" baseline="0" noProof="0" dirty="0">
               <a:ln>
@@ -7581,7 +7405,7 @@
         </p:nvSpPr>
         <p:spPr>
           <a:xfrm>
-            <a:off x="2770671" y="3452194"/>
+            <a:off x="2770671" y="3023269"/>
             <a:ext cx="1167812" cy="648098"/>
           </a:xfrm>
           <a:prstGeom prst="roundRect">
@@ -8082,7 +7906,7 @@
                 <a:ea typeface="+mn-ea"/>
                 <a:cs typeface="+mn-cs"/>
               </a:rPr>
-              <a:t>Electric Households</a:t>
+              <a:t>Electric Housing</a:t>
             </a:r>
             <a:endParaRPr kumimoji="0" lang="en-GB" sz="1400" b="0" i="0" u="none" strike="noStrike" kern="0" cap="none" spc="0" normalizeH="0" baseline="0" noProof="0" dirty="0">
               <a:ln>
@@ -8148,8 +7972,8 @@
         </p:nvSpPr>
         <p:spPr>
           <a:xfrm rot="16200000">
-            <a:off x="7908405" y="5380918"/>
-            <a:ext cx="1446028" cy="338554"/>
+            <a:off x="7569355" y="5041867"/>
+            <a:ext cx="2124130" cy="338554"/>
           </a:xfrm>
           <a:prstGeom prst="rect">
             <a:avLst/>
@@ -8191,7 +8015,7 @@
                 <a:uLnTx/>
                 <a:uFillTx/>
               </a:rPr>
-              <a:t>electricity</a:t>
+              <a:t>electric households</a:t>
             </a:r>
             <a:endParaRPr kumimoji="0" lang="en-GB" sz="1600" b="0" i="1" u="none" strike="noStrike" kern="0" cap="none" spc="0" normalizeH="0" baseline="0" noProof="0" dirty="0">
               <a:ln>
@@ -8223,7 +8047,7 @@
         </p:nvCxnSpPr>
         <p:spPr>
           <a:xfrm>
-            <a:off x="3938483" y="3817166"/>
+            <a:off x="3938483" y="3388241"/>
             <a:ext cx="490860" cy="0"/>
           </a:xfrm>
           <a:prstGeom prst="straightConnector1">
@@ -8679,7 +8503,7 @@
                 <a:uLnTx/>
                 <a:uFillTx/>
               </a:rPr>
-              <a:t> Energy (2)</a:t>
+              <a:t> Energy</a:t>
             </a:r>
             <a:endParaRPr kumimoji="0" lang="en-GB" sz="1800" b="0" i="0" u="none" strike="noStrike" kern="0" cap="none" spc="0" normalizeH="0" baseline="0" noProof="0" dirty="0">
               <a:ln>
@@ -8774,7 +8598,7 @@
                 <a:ea typeface="+mn-ea"/>
                 <a:cs typeface="+mn-cs"/>
               </a:rPr>
-              <a:t>Lightning</a:t>
+              <a:t>Bulb</a:t>
             </a:r>
             <a:endParaRPr kumimoji="0" lang="en-GB" sz="1400" b="0" i="0" u="none" strike="noStrike" kern="0" cap="none" spc="0" normalizeH="0" baseline="0" noProof="0" dirty="0">
               <a:ln>
@@ -8840,8 +8664,8 @@
         </p:nvSpPr>
         <p:spPr>
           <a:xfrm rot="16200000">
-            <a:off x="10077433" y="5380918"/>
-            <a:ext cx="1446028" cy="338554"/>
+            <a:off x="9738382" y="5041866"/>
+            <a:ext cx="2124132" cy="338554"/>
           </a:xfrm>
           <a:prstGeom prst="rect">
             <a:avLst/>
@@ -8883,7 +8707,7 @@
                 <a:uLnTx/>
                 <a:uFillTx/>
               </a:rPr>
-              <a:t>light</a:t>
+              <a:t>electric households</a:t>
             </a:r>
             <a:endParaRPr kumimoji="0" lang="en-GB" sz="1600" b="0" i="1" u="none" strike="noStrike" kern="0" cap="none" spc="0" normalizeH="0" baseline="0" noProof="0" dirty="0">
               <a:ln>
@@ -9073,84 +8897,47 @@
           </a:p>
         </p:txBody>
       </p:sp>
-    </p:spTree>
-    <p:extLst>
-      <p:ext uri="{BB962C8B-B14F-4D97-AF65-F5344CB8AC3E}">
-        <p14:creationId xmlns:p14="http://schemas.microsoft.com/office/powerpoint/2010/main" val="3156359377"/>
-      </p:ext>
-    </p:extLst>
-  </p:cSld>
-  <p:clrMapOvr>
-    <a:masterClrMapping/>
-  </p:clrMapOvr>
-</p:sld>
-</file>
-
-<file path=ppt/slides/slide4.xml><?xml version="1.0" encoding="utf-8"?>
-<p:sld xmlns:a="http://schemas.openxmlformats.org/drawingml/2006/main" xmlns:r="http://schemas.openxmlformats.org/officeDocument/2006/relationships" xmlns:p="http://schemas.openxmlformats.org/presentationml/2006/main">
-  <p:cSld>
-    <p:spTree>
-      <p:nvGrpSpPr>
-        <p:cNvPr id="1" name="">
-          <a:extLst>
-            <a:ext uri="{FF2B5EF4-FFF2-40B4-BE49-F238E27FC236}">
-              <a16:creationId xmlns:a16="http://schemas.microsoft.com/office/drawing/2014/main" id="{97999C87-6155-B2AB-7692-CC5100E79943}"/>
-            </a:ext>
-          </a:extLst>
-        </p:cNvPr>
-        <p:cNvGrpSpPr/>
-        <p:nvPr/>
-      </p:nvGrpSpPr>
-      <p:grpSpPr>
-        <a:xfrm>
-          <a:off x="0" y="0"/>
-          <a:ext cx="0" cy="0"/>
-          <a:chOff x="0" y="0"/>
-          <a:chExt cx="0" cy="0"/>
-        </a:xfrm>
-      </p:grpSpPr>
-      <p:pic>
-        <p:nvPicPr>
-          <p:cNvPr id="82" name="Picture 4" descr="A picture containing tree&#10;&#10;Description automatically generated">
+      <p:sp>
+        <p:nvSpPr>
+          <p:cNvPr id="2" name="CaixaDeTexto 1">
             <a:extLst>
               <a:ext uri="{FF2B5EF4-FFF2-40B4-BE49-F238E27FC236}">
-                <a16:creationId xmlns:a16="http://schemas.microsoft.com/office/drawing/2014/main" id="{5C78F37C-5E16-9B7C-66A5-C574BCF33650}"/>
+                <a16:creationId xmlns:a16="http://schemas.microsoft.com/office/drawing/2014/main" id="{7139667C-6E5D-7404-EBA7-FA3B3B14E659}"/>
               </a:ext>
             </a:extLst>
           </p:cNvPr>
-          <p:cNvPicPr>
-            <a:picLocks noChangeAspect="1"/>
-          </p:cNvPicPr>
-          <p:nvPr/>
-        </p:nvPicPr>
-        <p:blipFill>
-          <a:blip r:embed="rId3">
-            <a:extLst>
-              <a:ext uri="{28A0092B-C50C-407E-A947-70E740481C1C}">
-                <a14:useLocalDpi xmlns:a14="http://schemas.microsoft.com/office/drawing/2010/main" val="0"/>
-              </a:ext>
-            </a:extLst>
-          </a:blip>
-          <a:stretch>
-            <a:fillRect/>
-          </a:stretch>
-        </p:blipFill>
+          <p:cNvSpPr txBox="1"/>
+          <p:nvPr/>
+        </p:nvSpPr>
         <p:spPr>
-          <a:xfrm>
-            <a:off x="80282" y="90975"/>
-            <a:ext cx="1748518" cy="6650067"/>
+          <a:xfrm rot="5400000">
+            <a:off x="3226163" y="3737577"/>
+            <a:ext cx="458780" cy="523220"/>
           </a:xfrm>
           <a:prstGeom prst="rect">
             <a:avLst/>
           </a:prstGeom>
-        </p:spPr>
-      </p:pic>
-      <p:sp>
-        <p:nvSpPr>
-          <p:cNvPr id="83" name="Rectangle: Rounded Corners 5">
+          <a:noFill/>
+        </p:spPr>
+        <p:txBody>
+          <a:bodyPr wrap="none" rtlCol="0">
+            <a:spAutoFit/>
+          </a:bodyPr>
+          <a:lstStyle/>
+          <a:p>
+            <a:r>
+              <a:rPr lang="pt-BR" sz="2800" dirty="0"/>
+              <a:t>...</a:t>
+            </a:r>
+          </a:p>
+        </p:txBody>
+      </p:sp>
+      <p:sp>
+        <p:nvSpPr>
+          <p:cNvPr id="3" name="Rectangle: Rounded Corners 5">
             <a:extLst>
               <a:ext uri="{FF2B5EF4-FFF2-40B4-BE49-F238E27FC236}">
-                <a16:creationId xmlns:a16="http://schemas.microsoft.com/office/drawing/2014/main" id="{99D32BEB-D502-1903-D49A-770A13C0D3E0}"/>
+                <a16:creationId xmlns:a16="http://schemas.microsoft.com/office/drawing/2014/main" id="{1E41E1DC-A110-7665-7B86-4C273A72FB20}"/>
               </a:ext>
             </a:extLst>
           </p:cNvPr>
@@ -9159,7 +8946,7 @@
         </p:nvSpPr>
         <p:spPr>
           <a:xfrm>
-            <a:off x="2770671" y="2158409"/>
+            <a:off x="2756722" y="4318028"/>
             <a:ext cx="1167812" cy="648098"/>
           </a:xfrm>
           <a:prstGeom prst="roundRect">
@@ -9221,7 +9008,7 @@
                 <a:ea typeface="+mn-ea"/>
                 <a:cs typeface="+mn-cs"/>
               </a:rPr>
-              <a:t>Coal Power plant</a:t>
+              <a:t>Oil Power plant</a:t>
             </a:r>
             <a:endParaRPr kumimoji="0" lang="en-GB" sz="1400" b="0" i="0" u="none" strike="noStrike" kern="0" cap="none" spc="0" normalizeH="0" baseline="0" noProof="0" dirty="0">
               <a:ln>
@@ -9240,107 +9027,12 @@
           </a:p>
         </p:txBody>
       </p:sp>
-      <p:sp>
-        <p:nvSpPr>
-          <p:cNvPr id="84" name="Rectangle: Rounded Corners 7">
+      <p:cxnSp>
+        <p:nvCxnSpPr>
+          <p:cNvPr id="4" name="Straight Arrow Connector 18">
             <a:extLst>
               <a:ext uri="{FF2B5EF4-FFF2-40B4-BE49-F238E27FC236}">
-                <a16:creationId xmlns:a16="http://schemas.microsoft.com/office/drawing/2014/main" id="{26AA3ED7-3B37-31AD-A6B6-AA9331D5D492}"/>
-              </a:ext>
-            </a:extLst>
-          </p:cNvPr>
-          <p:cNvSpPr/>
-          <p:nvPr/>
-        </p:nvSpPr>
-        <p:spPr>
-          <a:xfrm>
-            <a:off x="2770671" y="3452194"/>
-            <a:ext cx="1167812" cy="648098"/>
-          </a:xfrm>
-          <a:prstGeom prst="roundRect">
-            <a:avLst/>
-          </a:prstGeom>
-          <a:solidFill>
-            <a:srgbClr val="4472C4"/>
-          </a:solidFill>
-          <a:ln w="12700" cap="flat" cmpd="sng" algn="ctr">
-            <a:solidFill>
-              <a:srgbClr val="4472C4">
-                <a:shade val="50000"/>
-              </a:srgbClr>
-            </a:solidFill>
-            <a:prstDash val="solid"/>
-            <a:miter lim="800000"/>
-          </a:ln>
-          <a:effectLst>
-            <a:outerShdw blurRad="50800" dist="38100" dir="2700000" algn="tl" rotWithShape="0">
-              <a:prstClr val="black">
-                <a:alpha val="40000"/>
-              </a:prstClr>
-            </a:outerShdw>
-          </a:effectLst>
-        </p:spPr>
-        <p:txBody>
-          <a:bodyPr rtlCol="0" anchor="ctr"/>
-          <a:lstStyle/>
-          <a:p>
-            <a:pPr marL="0" marR="0" lvl="0" indent="0" algn="ctr" defTabSz="914400" eaLnBrk="1" fontAlgn="auto" latinLnBrk="0" hangingPunct="1">
-              <a:lnSpc>
-                <a:spcPct val="100000"/>
-              </a:lnSpc>
-              <a:spcBef>
-                <a:spcPts val="0"/>
-              </a:spcBef>
-              <a:spcAft>
-                <a:spcPts val="0"/>
-              </a:spcAft>
-              <a:buClrTx/>
-              <a:buSzTx/>
-              <a:buFontTx/>
-              <a:buNone/>
-              <a:tabLst/>
-              <a:defRPr/>
-            </a:pPr>
-            <a:r>
-              <a:rPr kumimoji="0" lang="en-US" sz="1400" b="0" i="0" u="none" strike="noStrike" kern="0" cap="none" spc="0" normalizeH="0" baseline="0" noProof="0" dirty="0">
-                <a:ln>
-                  <a:noFill/>
-                </a:ln>
-                <a:solidFill>
-                  <a:prstClr val="white"/>
-                </a:solidFill>
-                <a:effectLst/>
-                <a:uLnTx/>
-                <a:uFillTx/>
-                <a:latin typeface="Calibri" panose="020F0502020204030204"/>
-                <a:ea typeface="+mn-ea"/>
-                <a:cs typeface="+mn-cs"/>
-              </a:rPr>
-              <a:t>Wind Power plant</a:t>
-            </a:r>
-            <a:endParaRPr kumimoji="0" lang="en-GB" sz="1400" b="0" i="0" u="none" strike="noStrike" kern="0" cap="none" spc="0" normalizeH="0" baseline="0" noProof="0" dirty="0">
-              <a:ln>
-                <a:noFill/>
-              </a:ln>
-              <a:solidFill>
-                <a:prstClr val="white"/>
-              </a:solidFill>
-              <a:effectLst/>
-              <a:uLnTx/>
-              <a:uFillTx/>
-              <a:latin typeface="Calibri" panose="020F0502020204030204"/>
-              <a:ea typeface="+mn-ea"/>
-              <a:cs typeface="+mn-cs"/>
-            </a:endParaRPr>
-          </a:p>
-        </p:txBody>
-      </p:sp>
-      <p:cxnSp>
-        <p:nvCxnSpPr>
-          <p:cNvPr id="85" name="Straight Connector 9">
-            <a:extLst>
-              <a:ext uri="{FF2B5EF4-FFF2-40B4-BE49-F238E27FC236}">
-                <a16:creationId xmlns:a16="http://schemas.microsoft.com/office/drawing/2014/main" id="{AF0B7204-14F6-1167-6373-490D907623CF}"/>
+                <a16:creationId xmlns:a16="http://schemas.microsoft.com/office/drawing/2014/main" id="{0E0F6F7E-1541-98D1-D121-CAF7BDDD19D1}"/>
               </a:ext>
             </a:extLst>
           </p:cNvPr>
@@ -9351,113 +9043,7 @@
         </p:nvCxnSpPr>
         <p:spPr>
           <a:xfrm>
-            <a:off x="4427572" y="1424763"/>
-            <a:ext cx="0" cy="4848446"/>
-          </a:xfrm>
-          <a:prstGeom prst="line">
-            <a:avLst/>
-          </a:prstGeom>
-          <a:noFill/>
-          <a:ln w="19050" cap="flat" cmpd="sng" algn="ctr">
-            <a:solidFill>
-              <a:srgbClr val="A5A5A5"/>
-            </a:solidFill>
-            <a:prstDash val="solid"/>
-            <a:miter lim="800000"/>
-          </a:ln>
-          <a:effectLst/>
-        </p:spPr>
-      </p:cxnSp>
-      <p:sp>
-        <p:nvSpPr>
-          <p:cNvPr id="86" name="TextBox 11">
-            <a:extLst>
-              <a:ext uri="{FF2B5EF4-FFF2-40B4-BE49-F238E27FC236}">
-                <a16:creationId xmlns:a16="http://schemas.microsoft.com/office/drawing/2014/main" id="{9EBF433D-F633-F69D-ACCD-03FA0293DCC5}"/>
-              </a:ext>
-            </a:extLst>
-          </p:cNvPr>
-          <p:cNvSpPr txBox="1"/>
-          <p:nvPr/>
-        </p:nvSpPr>
-        <p:spPr>
-          <a:xfrm rot="16200000">
-            <a:off x="3598236" y="5380918"/>
-            <a:ext cx="1446028" cy="338554"/>
-          </a:xfrm>
-          <a:prstGeom prst="rect">
-            <a:avLst/>
-          </a:prstGeom>
-          <a:noFill/>
-        </p:spPr>
-        <p:txBody>
-          <a:bodyPr wrap="square" rtlCol="0">
-            <a:spAutoFit/>
-          </a:bodyPr>
-          <a:lstStyle/>
-          <a:p>
-            <a:pPr marL="0" marR="0" lvl="0" indent="0" defTabSz="914400" eaLnBrk="1" fontAlgn="auto" latinLnBrk="0" hangingPunct="1">
-              <a:lnSpc>
-                <a:spcPct val="100000"/>
-              </a:lnSpc>
-              <a:spcBef>
-                <a:spcPts val="0"/>
-              </a:spcBef>
-              <a:spcAft>
-                <a:spcPts val="0"/>
-              </a:spcAft>
-              <a:buClrTx/>
-              <a:buSzTx/>
-              <a:buFontTx/>
-              <a:buNone/>
-              <a:tabLst/>
-              <a:defRPr/>
-            </a:pPr>
-            <a:r>
-              <a:rPr kumimoji="0" lang="en-US" sz="1600" b="0" i="1" u="none" strike="noStrike" kern="0" cap="none" spc="0" normalizeH="0" baseline="0" noProof="0" dirty="0">
-                <a:ln>
-                  <a:noFill/>
-                </a:ln>
-                <a:solidFill>
-                  <a:prstClr val="black"/>
-                </a:solidFill>
-                <a:effectLst/>
-                <a:uLnTx/>
-                <a:uFillTx/>
-              </a:rPr>
-              <a:t>electricity</a:t>
-            </a:r>
-            <a:endParaRPr kumimoji="0" lang="en-GB" sz="1600" b="0" i="1" u="none" strike="noStrike" kern="0" cap="none" spc="0" normalizeH="0" baseline="0" noProof="0" dirty="0">
-              <a:ln>
-                <a:noFill/>
-              </a:ln>
-              <a:solidFill>
-                <a:prstClr val="black"/>
-              </a:solidFill>
-              <a:effectLst/>
-              <a:uLnTx/>
-              <a:uFillTx/>
-            </a:endParaRPr>
-          </a:p>
-        </p:txBody>
-      </p:sp>
-      <p:cxnSp>
-        <p:nvCxnSpPr>
-          <p:cNvPr id="87" name="Straight Arrow Connector 18">
-            <a:extLst>
-              <a:ext uri="{FF2B5EF4-FFF2-40B4-BE49-F238E27FC236}">
-                <a16:creationId xmlns:a16="http://schemas.microsoft.com/office/drawing/2014/main" id="{EF27C09B-C37C-8AB8-FCDF-E872EF4F79EC}"/>
-              </a:ext>
-            </a:extLst>
-          </p:cNvPr>
-          <p:cNvCxnSpPr>
-            <a:cxnSpLocks/>
-          </p:cNvCxnSpPr>
-          <p:nvPr/>
-        </p:nvCxnSpPr>
-        <p:spPr>
-          <a:xfrm>
-            <a:off x="3949116" y="2463287"/>
+            <a:off x="3935167" y="4622906"/>
             <a:ext cx="490860" cy="0"/>
           </a:xfrm>
           <a:prstGeom prst="straightConnector1">
@@ -9475,2742 +9061,10 @@
           <a:effectLst/>
         </p:spPr>
       </p:cxnSp>
-      <p:sp>
-        <p:nvSpPr>
-          <p:cNvPr id="88" name="Rectangle: Rounded Corners 20">
-            <a:extLst>
-              <a:ext uri="{FF2B5EF4-FFF2-40B4-BE49-F238E27FC236}">
-                <a16:creationId xmlns:a16="http://schemas.microsoft.com/office/drawing/2014/main" id="{BB9437DA-39B1-D4CF-01F6-41479B87399E}"/>
-              </a:ext>
-            </a:extLst>
-          </p:cNvPr>
-          <p:cNvSpPr/>
-          <p:nvPr/>
-        </p:nvSpPr>
-        <p:spPr>
-          <a:xfrm>
-            <a:off x="4928188" y="2701159"/>
-            <a:ext cx="1167812" cy="648098"/>
-          </a:xfrm>
-          <a:prstGeom prst="roundRect">
-            <a:avLst/>
-          </a:prstGeom>
-          <a:solidFill>
-            <a:srgbClr val="A5A5A5"/>
-          </a:solidFill>
-          <a:ln w="12700" cap="flat" cmpd="sng" algn="ctr">
-            <a:solidFill>
-              <a:srgbClr val="4472C4">
-                <a:shade val="50000"/>
-              </a:srgbClr>
-            </a:solidFill>
-            <a:prstDash val="solid"/>
-            <a:miter lim="800000"/>
-          </a:ln>
-          <a:effectLst>
-            <a:outerShdw blurRad="50800" dist="38100" dir="2700000" algn="tl" rotWithShape="0">
-              <a:prstClr val="black">
-                <a:alpha val="40000"/>
-              </a:prstClr>
-            </a:outerShdw>
-          </a:effectLst>
-        </p:spPr>
-        <p:txBody>
-          <a:bodyPr rtlCol="0" anchor="ctr"/>
-          <a:lstStyle/>
-          <a:p>
-            <a:pPr marL="0" marR="0" lvl="0" indent="0" algn="ctr" defTabSz="914400" eaLnBrk="1" fontAlgn="auto" latinLnBrk="0" hangingPunct="1">
-              <a:lnSpc>
-                <a:spcPct val="100000"/>
-              </a:lnSpc>
-              <a:spcBef>
-                <a:spcPts val="0"/>
-              </a:spcBef>
-              <a:spcAft>
-                <a:spcPts val="0"/>
-              </a:spcAft>
-              <a:buClrTx/>
-              <a:buSzTx/>
-              <a:buFontTx/>
-              <a:buNone/>
-              <a:tabLst/>
-              <a:defRPr/>
-            </a:pPr>
-            <a:r>
-              <a:rPr kumimoji="0" lang="en-US" sz="1400" b="0" i="0" u="none" strike="noStrike" kern="0" cap="none" spc="0" normalizeH="0" baseline="0" noProof="0" dirty="0">
-                <a:ln>
-                  <a:noFill/>
-                </a:ln>
-                <a:solidFill>
-                  <a:prstClr val="white"/>
-                </a:solidFill>
-                <a:effectLst/>
-                <a:uLnTx/>
-                <a:uFillTx/>
-                <a:latin typeface="Calibri" panose="020F0502020204030204"/>
-                <a:ea typeface="+mn-ea"/>
-                <a:cs typeface="+mn-cs"/>
-              </a:rPr>
-              <a:t>Electricity grid</a:t>
-            </a:r>
-            <a:endParaRPr kumimoji="0" lang="en-GB" sz="1400" b="0" i="0" u="none" strike="noStrike" kern="0" cap="none" spc="0" normalizeH="0" baseline="0" noProof="0" dirty="0">
-              <a:ln>
-                <a:noFill/>
-              </a:ln>
-              <a:solidFill>
-                <a:prstClr val="white"/>
-              </a:solidFill>
-              <a:effectLst/>
-              <a:uLnTx/>
-              <a:uFillTx/>
-              <a:latin typeface="Calibri" panose="020F0502020204030204"/>
-              <a:ea typeface="+mn-ea"/>
-              <a:cs typeface="+mn-cs"/>
-            </a:endParaRPr>
-          </a:p>
-        </p:txBody>
-      </p:sp>
-      <p:cxnSp>
-        <p:nvCxnSpPr>
-          <p:cNvPr id="89" name="Straight Connector 23">
-            <a:extLst>
-              <a:ext uri="{FF2B5EF4-FFF2-40B4-BE49-F238E27FC236}">
-                <a16:creationId xmlns:a16="http://schemas.microsoft.com/office/drawing/2014/main" id="{4DE0ED22-E571-E067-A57E-A44ABF6055E6}"/>
-              </a:ext>
-            </a:extLst>
-          </p:cNvPr>
-          <p:cNvCxnSpPr>
-            <a:cxnSpLocks/>
-          </p:cNvCxnSpPr>
-          <p:nvPr/>
-        </p:nvCxnSpPr>
-        <p:spPr>
-          <a:xfrm>
-            <a:off x="6574470" y="1414130"/>
-            <a:ext cx="0" cy="4848446"/>
-          </a:xfrm>
-          <a:prstGeom prst="line">
-            <a:avLst/>
-          </a:prstGeom>
-          <a:noFill/>
-          <a:ln w="19050" cap="flat" cmpd="sng" algn="ctr">
-            <a:solidFill>
-              <a:srgbClr val="A5A5A5"/>
-            </a:solidFill>
-            <a:prstDash val="solid"/>
-            <a:miter lim="800000"/>
-          </a:ln>
-          <a:effectLst/>
-        </p:spPr>
-      </p:cxnSp>
-      <p:sp>
-        <p:nvSpPr>
-          <p:cNvPr id="90" name="TextBox 24">
-            <a:extLst>
-              <a:ext uri="{FF2B5EF4-FFF2-40B4-BE49-F238E27FC236}">
-                <a16:creationId xmlns:a16="http://schemas.microsoft.com/office/drawing/2014/main" id="{C7ABCCD8-F00B-78D5-B30E-17B929A07E7C}"/>
-              </a:ext>
-            </a:extLst>
-          </p:cNvPr>
-          <p:cNvSpPr txBox="1"/>
-          <p:nvPr/>
-        </p:nvSpPr>
-        <p:spPr>
-          <a:xfrm rot="16200000">
-            <a:off x="5745134" y="5370285"/>
-            <a:ext cx="1446028" cy="338554"/>
-          </a:xfrm>
-          <a:prstGeom prst="rect">
-            <a:avLst/>
-          </a:prstGeom>
-          <a:noFill/>
-        </p:spPr>
-        <p:txBody>
-          <a:bodyPr wrap="square" rtlCol="0">
-            <a:spAutoFit/>
-          </a:bodyPr>
-          <a:lstStyle/>
-          <a:p>
-            <a:pPr marL="0" marR="0" lvl="0" indent="0" defTabSz="914400" eaLnBrk="1" fontAlgn="auto" latinLnBrk="0" hangingPunct="1">
-              <a:lnSpc>
-                <a:spcPct val="100000"/>
-              </a:lnSpc>
-              <a:spcBef>
-                <a:spcPts val="0"/>
-              </a:spcBef>
-              <a:spcAft>
-                <a:spcPts val="0"/>
-              </a:spcAft>
-              <a:buClrTx/>
-              <a:buSzTx/>
-              <a:buFontTx/>
-              <a:buNone/>
-              <a:tabLst/>
-              <a:defRPr/>
-            </a:pPr>
-            <a:r>
-              <a:rPr kumimoji="0" lang="en-US" sz="1600" b="0" i="1" u="none" strike="noStrike" kern="0" cap="none" spc="0" normalizeH="0" baseline="0" noProof="0" dirty="0">
-                <a:ln>
-                  <a:noFill/>
-                </a:ln>
-                <a:solidFill>
-                  <a:prstClr val="black"/>
-                </a:solidFill>
-                <a:effectLst/>
-                <a:uLnTx/>
-                <a:uFillTx/>
-              </a:rPr>
-              <a:t>electricity</a:t>
-            </a:r>
-            <a:endParaRPr kumimoji="0" lang="en-GB" sz="1600" b="0" i="1" u="none" strike="noStrike" kern="0" cap="none" spc="0" normalizeH="0" baseline="0" noProof="0" dirty="0">
-              <a:ln>
-                <a:noFill/>
-              </a:ln>
-              <a:solidFill>
-                <a:prstClr val="black"/>
-              </a:solidFill>
-              <a:effectLst/>
-              <a:uLnTx/>
-              <a:uFillTx/>
-            </a:endParaRPr>
-          </a:p>
-        </p:txBody>
-      </p:sp>
-      <p:sp>
-        <p:nvSpPr>
-          <p:cNvPr id="91" name="Rectangle: Rounded Corners 26">
-            <a:extLst>
-              <a:ext uri="{FF2B5EF4-FFF2-40B4-BE49-F238E27FC236}">
-                <a16:creationId xmlns:a16="http://schemas.microsoft.com/office/drawing/2014/main" id="{115061CC-9197-6B74-8D0B-AC71CF0AA8CA}"/>
-              </a:ext>
-            </a:extLst>
-          </p:cNvPr>
-          <p:cNvSpPr/>
-          <p:nvPr/>
-        </p:nvSpPr>
-        <p:spPr>
-          <a:xfrm>
-            <a:off x="7079476" y="1359363"/>
-            <a:ext cx="1167812" cy="648098"/>
-          </a:xfrm>
-          <a:prstGeom prst="roundRect">
-            <a:avLst/>
-          </a:prstGeom>
-          <a:solidFill>
-            <a:srgbClr val="FFC000">
-              <a:lumMod val="60000"/>
-              <a:lumOff val="40000"/>
-            </a:srgbClr>
-          </a:solidFill>
-          <a:ln w="12700" cap="flat" cmpd="sng" algn="ctr">
-            <a:solidFill>
-              <a:srgbClr val="4472C4">
-                <a:shade val="50000"/>
-              </a:srgbClr>
-            </a:solidFill>
-            <a:prstDash val="solid"/>
-            <a:miter lim="800000"/>
-          </a:ln>
-          <a:effectLst>
-            <a:outerShdw blurRad="50800" dist="38100" dir="2700000" algn="tl" rotWithShape="0">
-              <a:prstClr val="black">
-                <a:alpha val="40000"/>
-              </a:prstClr>
-            </a:outerShdw>
-          </a:effectLst>
-        </p:spPr>
-        <p:txBody>
-          <a:bodyPr rtlCol="0" anchor="ctr"/>
-          <a:lstStyle/>
-          <a:p>
-            <a:pPr marL="0" marR="0" lvl="0" indent="0" algn="ctr" defTabSz="914400" eaLnBrk="1" fontAlgn="auto" latinLnBrk="0" hangingPunct="1">
-              <a:lnSpc>
-                <a:spcPct val="100000"/>
-              </a:lnSpc>
-              <a:spcBef>
-                <a:spcPts val="0"/>
-              </a:spcBef>
-              <a:spcAft>
-                <a:spcPts val="0"/>
-              </a:spcAft>
-              <a:buClrTx/>
-              <a:buSzTx/>
-              <a:buFontTx/>
-              <a:buNone/>
-              <a:tabLst/>
-              <a:defRPr/>
-            </a:pPr>
-            <a:r>
-              <a:rPr kumimoji="0" lang="en-US" sz="1400" b="0" i="0" u="none" strike="noStrike" kern="0" cap="none" spc="0" normalizeH="0" baseline="0" noProof="0" dirty="0">
-                <a:ln>
-                  <a:noFill/>
-                </a:ln>
-                <a:solidFill>
-                  <a:srgbClr val="44546A"/>
-                </a:solidFill>
-                <a:effectLst/>
-                <a:uLnTx/>
-                <a:uFillTx/>
-                <a:latin typeface="Calibri" panose="020F0502020204030204"/>
-                <a:ea typeface="+mn-ea"/>
-                <a:cs typeface="+mn-cs"/>
-              </a:rPr>
-              <a:t>Electric Households</a:t>
-            </a:r>
-            <a:endParaRPr kumimoji="0" lang="en-GB" sz="1400" b="0" i="0" u="none" strike="noStrike" kern="0" cap="none" spc="0" normalizeH="0" baseline="0" noProof="0" dirty="0">
-              <a:ln>
-                <a:noFill/>
-              </a:ln>
-              <a:solidFill>
-                <a:srgbClr val="44546A"/>
-              </a:solidFill>
-              <a:effectLst/>
-              <a:uLnTx/>
-              <a:uFillTx/>
-              <a:latin typeface="Calibri" panose="020F0502020204030204"/>
-              <a:ea typeface="+mn-ea"/>
-              <a:cs typeface="+mn-cs"/>
-            </a:endParaRPr>
-          </a:p>
-        </p:txBody>
-      </p:sp>
-      <p:cxnSp>
-        <p:nvCxnSpPr>
-          <p:cNvPr id="94" name="Straight Arrow Connector 35">
-            <a:extLst>
-              <a:ext uri="{FF2B5EF4-FFF2-40B4-BE49-F238E27FC236}">
-                <a16:creationId xmlns:a16="http://schemas.microsoft.com/office/drawing/2014/main" id="{914ED883-9575-87DF-C546-71C235DBF9CC}"/>
-              </a:ext>
-            </a:extLst>
-          </p:cNvPr>
-          <p:cNvCxnSpPr>
-            <a:cxnSpLocks/>
-          </p:cNvCxnSpPr>
-          <p:nvPr/>
-        </p:nvCxnSpPr>
-        <p:spPr>
-          <a:xfrm>
-            <a:off x="3938483" y="3817166"/>
-            <a:ext cx="490860" cy="0"/>
-          </a:xfrm>
-          <a:prstGeom prst="straightConnector1">
-            <a:avLst/>
-          </a:prstGeom>
-          <a:noFill/>
-          <a:ln w="19050" cap="flat" cmpd="sng" algn="ctr">
-            <a:solidFill>
-              <a:srgbClr val="A5A5A5"/>
-            </a:solidFill>
-            <a:prstDash val="solid"/>
-            <a:miter lim="800000"/>
-            <a:tailEnd type="triangle"/>
-          </a:ln>
-          <a:effectLst/>
-        </p:spPr>
-      </p:cxnSp>
-      <p:cxnSp>
-        <p:nvCxnSpPr>
-          <p:cNvPr id="95" name="Straight Arrow Connector 36">
-            <a:extLst>
-              <a:ext uri="{FF2B5EF4-FFF2-40B4-BE49-F238E27FC236}">
-                <a16:creationId xmlns:a16="http://schemas.microsoft.com/office/drawing/2014/main" id="{18B892A0-B962-F9BD-5AC1-4F1D5712A24A}"/>
-              </a:ext>
-            </a:extLst>
-          </p:cNvPr>
-          <p:cNvCxnSpPr>
-            <a:cxnSpLocks/>
-          </p:cNvCxnSpPr>
-          <p:nvPr/>
-        </p:nvCxnSpPr>
-        <p:spPr>
-          <a:xfrm>
-            <a:off x="4439976" y="3023269"/>
-            <a:ext cx="490860" cy="0"/>
-          </a:xfrm>
-          <a:prstGeom prst="straightConnector1">
-            <a:avLst/>
-          </a:prstGeom>
-          <a:noFill/>
-          <a:ln w="19050" cap="flat" cmpd="sng" algn="ctr">
-            <a:solidFill>
-              <a:srgbClr val="A5A5A5"/>
-            </a:solidFill>
-            <a:prstDash val="solid"/>
-            <a:miter lim="800000"/>
-            <a:tailEnd type="triangle"/>
-          </a:ln>
-          <a:effectLst/>
-        </p:spPr>
-      </p:cxnSp>
-      <p:cxnSp>
-        <p:nvCxnSpPr>
-          <p:cNvPr id="96" name="Straight Arrow Connector 37">
-            <a:extLst>
-              <a:ext uri="{FF2B5EF4-FFF2-40B4-BE49-F238E27FC236}">
-                <a16:creationId xmlns:a16="http://schemas.microsoft.com/office/drawing/2014/main" id="{6606A24C-D19B-D906-ACE5-1E2694DEEA7A}"/>
-              </a:ext>
-            </a:extLst>
-          </p:cNvPr>
-          <p:cNvCxnSpPr>
-            <a:cxnSpLocks/>
-          </p:cNvCxnSpPr>
-          <p:nvPr/>
-        </p:nvCxnSpPr>
-        <p:spPr>
-          <a:xfrm>
-            <a:off x="6096000" y="3023269"/>
-            <a:ext cx="490860" cy="0"/>
-          </a:xfrm>
-          <a:prstGeom prst="straightConnector1">
-            <a:avLst/>
-          </a:prstGeom>
-          <a:noFill/>
-          <a:ln w="19050" cap="flat" cmpd="sng" algn="ctr">
-            <a:solidFill>
-              <a:srgbClr val="A5A5A5"/>
-            </a:solidFill>
-            <a:prstDash val="solid"/>
-            <a:miter lim="800000"/>
-            <a:tailEnd type="triangle"/>
-          </a:ln>
-          <a:effectLst/>
-        </p:spPr>
-      </p:cxnSp>
-      <p:cxnSp>
-        <p:nvCxnSpPr>
-          <p:cNvPr id="97" name="Straight Arrow Connector 38">
-            <a:extLst>
-              <a:ext uri="{FF2B5EF4-FFF2-40B4-BE49-F238E27FC236}">
-                <a16:creationId xmlns:a16="http://schemas.microsoft.com/office/drawing/2014/main" id="{0DB85C5C-0756-7D9D-4B22-CA89CF6F3738}"/>
-              </a:ext>
-            </a:extLst>
-          </p:cNvPr>
-          <p:cNvCxnSpPr>
-            <a:cxnSpLocks/>
-          </p:cNvCxnSpPr>
-          <p:nvPr/>
-        </p:nvCxnSpPr>
-        <p:spPr>
-          <a:xfrm>
-            <a:off x="6586860" y="1683412"/>
-            <a:ext cx="490860" cy="0"/>
-          </a:xfrm>
-          <a:prstGeom prst="straightConnector1">
-            <a:avLst/>
-          </a:prstGeom>
-          <a:noFill/>
-          <a:ln w="19050" cap="flat" cmpd="sng" algn="ctr">
-            <a:solidFill>
-              <a:srgbClr val="A5A5A5"/>
-            </a:solidFill>
-            <a:prstDash val="solid"/>
-            <a:miter lim="800000"/>
-            <a:tailEnd type="triangle"/>
-          </a:ln>
-          <a:effectLst/>
-        </p:spPr>
-      </p:cxnSp>
-      <p:sp>
-        <p:nvSpPr>
-          <p:cNvPr id="99" name="TextBox 27">
-            <a:extLst>
-              <a:ext uri="{FF2B5EF4-FFF2-40B4-BE49-F238E27FC236}">
-                <a16:creationId xmlns:a16="http://schemas.microsoft.com/office/drawing/2014/main" id="{D604A8D2-8B20-6A47-0E9E-65120212EC2D}"/>
-              </a:ext>
-            </a:extLst>
-          </p:cNvPr>
-          <p:cNvSpPr txBox="1"/>
-          <p:nvPr/>
-        </p:nvSpPr>
-        <p:spPr>
-          <a:xfrm>
-            <a:off x="3271267" y="89549"/>
-            <a:ext cx="2052083" cy="646331"/>
-          </a:xfrm>
-          <a:prstGeom prst="rect">
-            <a:avLst/>
-          </a:prstGeom>
-          <a:noFill/>
-        </p:spPr>
-        <p:txBody>
-          <a:bodyPr wrap="square" rtlCol="0">
-            <a:spAutoFit/>
-          </a:bodyPr>
-          <a:lstStyle/>
-          <a:p>
-            <a:pPr marL="0" marR="0" lvl="0" indent="0" algn="ctr" defTabSz="914400" eaLnBrk="1" fontAlgn="auto" latinLnBrk="0" hangingPunct="1">
-              <a:lnSpc>
-                <a:spcPct val="100000"/>
-              </a:lnSpc>
-              <a:spcBef>
-                <a:spcPts val="0"/>
-              </a:spcBef>
-              <a:spcAft>
-                <a:spcPts val="0"/>
-              </a:spcAft>
-              <a:buClrTx/>
-              <a:buSzTx/>
-              <a:buFontTx/>
-              <a:buNone/>
-              <a:tabLst/>
-              <a:defRPr/>
-            </a:pPr>
-            <a:r>
-              <a:rPr kumimoji="0" lang="en-US" sz="1800" b="0" i="0" u="none" strike="noStrike" kern="0" cap="none" spc="0" normalizeH="0" baseline="0" noProof="0" dirty="0">
-                <a:ln>
-                  <a:noFill/>
-                </a:ln>
-                <a:solidFill>
-                  <a:prstClr val="black"/>
-                </a:solidFill>
-                <a:effectLst/>
-                <a:uLnTx/>
-                <a:uFillTx/>
-              </a:rPr>
-              <a:t>Secondary</a:t>
-            </a:r>
-          </a:p>
-          <a:p>
-            <a:pPr marL="0" marR="0" lvl="0" indent="0" algn="ctr" defTabSz="914400" eaLnBrk="1" fontAlgn="auto" latinLnBrk="0" hangingPunct="1">
-              <a:lnSpc>
-                <a:spcPct val="100000"/>
-              </a:lnSpc>
-              <a:spcBef>
-                <a:spcPts val="0"/>
-              </a:spcBef>
-              <a:spcAft>
-                <a:spcPts val="0"/>
-              </a:spcAft>
-              <a:buClrTx/>
-              <a:buSzTx/>
-              <a:buFontTx/>
-              <a:buNone/>
-              <a:tabLst/>
-              <a:defRPr/>
-            </a:pPr>
-            <a:r>
-              <a:rPr kumimoji="0" lang="en-US" sz="1800" b="0" i="0" u="none" strike="noStrike" kern="0" cap="none" spc="0" normalizeH="0" baseline="0" noProof="0" dirty="0">
-                <a:ln>
-                  <a:noFill/>
-                </a:ln>
-                <a:solidFill>
-                  <a:prstClr val="black"/>
-                </a:solidFill>
-                <a:effectLst/>
-                <a:uLnTx/>
-                <a:uFillTx/>
-              </a:rPr>
-              <a:t> Energy</a:t>
-            </a:r>
-            <a:endParaRPr kumimoji="0" lang="en-GB" sz="1800" b="0" i="0" u="none" strike="noStrike" kern="0" cap="none" spc="0" normalizeH="0" baseline="0" noProof="0" dirty="0">
-              <a:ln>
-                <a:noFill/>
-              </a:ln>
-              <a:solidFill>
-                <a:prstClr val="black"/>
-              </a:solidFill>
-              <a:effectLst/>
-              <a:uLnTx/>
-              <a:uFillTx/>
-            </a:endParaRPr>
-          </a:p>
-        </p:txBody>
-      </p:sp>
-      <p:sp>
-        <p:nvSpPr>
-          <p:cNvPr id="100" name="TextBox 28">
-            <a:extLst>
-              <a:ext uri="{FF2B5EF4-FFF2-40B4-BE49-F238E27FC236}">
-                <a16:creationId xmlns:a16="http://schemas.microsoft.com/office/drawing/2014/main" id="{DE38CA19-33F7-2CE6-5F2E-061B1E627F4C}"/>
-              </a:ext>
-            </a:extLst>
-          </p:cNvPr>
-          <p:cNvSpPr txBox="1"/>
-          <p:nvPr/>
-        </p:nvSpPr>
-        <p:spPr>
-          <a:xfrm>
-            <a:off x="5776274" y="89549"/>
-            <a:ext cx="2052083" cy="646331"/>
-          </a:xfrm>
-          <a:prstGeom prst="rect">
-            <a:avLst/>
-          </a:prstGeom>
-          <a:noFill/>
-        </p:spPr>
-        <p:txBody>
-          <a:bodyPr wrap="square" rtlCol="0">
-            <a:spAutoFit/>
-          </a:bodyPr>
-          <a:lstStyle/>
-          <a:p>
-            <a:pPr marL="0" marR="0" lvl="0" indent="0" algn="ctr" defTabSz="914400" eaLnBrk="1" fontAlgn="auto" latinLnBrk="0" hangingPunct="1">
-              <a:lnSpc>
-                <a:spcPct val="100000"/>
-              </a:lnSpc>
-              <a:spcBef>
-                <a:spcPts val="0"/>
-              </a:spcBef>
-              <a:spcAft>
-                <a:spcPts val="0"/>
-              </a:spcAft>
-              <a:buClrTx/>
-              <a:buSzTx/>
-              <a:buFontTx/>
-              <a:buNone/>
-              <a:tabLst/>
-              <a:defRPr/>
-            </a:pPr>
-            <a:r>
-              <a:rPr kumimoji="0" lang="en-US" sz="1800" b="0" i="0" u="none" strike="noStrike" kern="0" cap="none" spc="0" normalizeH="0" baseline="0" noProof="0" dirty="0">
-                <a:ln>
-                  <a:noFill/>
-                </a:ln>
-                <a:solidFill>
-                  <a:prstClr val="black"/>
-                </a:solidFill>
-                <a:effectLst/>
-                <a:uLnTx/>
-                <a:uFillTx/>
-              </a:rPr>
-              <a:t>Final</a:t>
-            </a:r>
-          </a:p>
-          <a:p>
-            <a:pPr marL="0" marR="0" lvl="0" indent="0" algn="ctr" defTabSz="914400" eaLnBrk="1" fontAlgn="auto" latinLnBrk="0" hangingPunct="1">
-              <a:lnSpc>
-                <a:spcPct val="100000"/>
-              </a:lnSpc>
-              <a:spcBef>
-                <a:spcPts val="0"/>
-              </a:spcBef>
-              <a:spcAft>
-                <a:spcPts val="0"/>
-              </a:spcAft>
-              <a:buClrTx/>
-              <a:buSzTx/>
-              <a:buFontTx/>
-              <a:buNone/>
-              <a:tabLst/>
-              <a:defRPr/>
-            </a:pPr>
-            <a:r>
-              <a:rPr kumimoji="0" lang="en-US" sz="1800" b="0" i="0" u="none" strike="noStrike" kern="0" cap="none" spc="0" normalizeH="0" baseline="0" noProof="0" dirty="0">
-                <a:ln>
-                  <a:noFill/>
-                </a:ln>
-                <a:solidFill>
-                  <a:prstClr val="black"/>
-                </a:solidFill>
-                <a:effectLst/>
-                <a:uLnTx/>
-                <a:uFillTx/>
-              </a:rPr>
-              <a:t> Energy</a:t>
-            </a:r>
-            <a:endParaRPr kumimoji="0" lang="en-GB" sz="1800" b="0" i="0" u="none" strike="noStrike" kern="0" cap="none" spc="0" normalizeH="0" baseline="0" noProof="0" dirty="0">
-              <a:ln>
-                <a:noFill/>
-              </a:ln>
-              <a:solidFill>
-                <a:prstClr val="black"/>
-              </a:solidFill>
-              <a:effectLst/>
-              <a:uLnTx/>
-              <a:uFillTx/>
-            </a:endParaRPr>
-          </a:p>
-        </p:txBody>
-      </p:sp>
-      <p:sp>
-        <p:nvSpPr>
-          <p:cNvPr id="103" name="Rectangle: Rounded Corners 26">
-            <a:extLst>
-              <a:ext uri="{FF2B5EF4-FFF2-40B4-BE49-F238E27FC236}">
-                <a16:creationId xmlns:a16="http://schemas.microsoft.com/office/drawing/2014/main" id="{A718ACD6-BD71-38C6-6A14-553A1585EADD}"/>
-              </a:ext>
-            </a:extLst>
-          </p:cNvPr>
-          <p:cNvSpPr/>
-          <p:nvPr/>
-        </p:nvSpPr>
-        <p:spPr>
-          <a:xfrm>
-            <a:off x="7075492" y="2699220"/>
-            <a:ext cx="1167812" cy="648098"/>
-          </a:xfrm>
-          <a:prstGeom prst="roundRect">
-            <a:avLst/>
-          </a:prstGeom>
-          <a:solidFill>
-            <a:srgbClr val="FFC000">
-              <a:lumMod val="60000"/>
-              <a:lumOff val="40000"/>
-            </a:srgbClr>
-          </a:solidFill>
-          <a:ln w="12700" cap="flat" cmpd="sng" algn="ctr">
-            <a:solidFill>
-              <a:srgbClr val="4472C4">
-                <a:shade val="50000"/>
-              </a:srgbClr>
-            </a:solidFill>
-            <a:prstDash val="solid"/>
-            <a:miter lim="800000"/>
-          </a:ln>
-          <a:effectLst>
-            <a:outerShdw blurRad="50800" dist="38100" dir="2700000" algn="tl" rotWithShape="0">
-              <a:prstClr val="black">
-                <a:alpha val="40000"/>
-              </a:prstClr>
-            </a:outerShdw>
-          </a:effectLst>
-        </p:spPr>
-        <p:txBody>
-          <a:bodyPr rtlCol="0" anchor="ctr"/>
-          <a:lstStyle/>
-          <a:p>
-            <a:pPr marL="0" marR="0" lvl="0" indent="0" algn="ctr" defTabSz="914400" eaLnBrk="1" fontAlgn="auto" latinLnBrk="0" hangingPunct="1">
-              <a:lnSpc>
-                <a:spcPct val="100000"/>
-              </a:lnSpc>
-              <a:spcBef>
-                <a:spcPts val="0"/>
-              </a:spcBef>
-              <a:spcAft>
-                <a:spcPts val="0"/>
-              </a:spcAft>
-              <a:buClrTx/>
-              <a:buSzTx/>
-              <a:buFontTx/>
-              <a:buNone/>
-              <a:tabLst/>
-              <a:defRPr/>
-            </a:pPr>
-            <a:r>
-              <a:rPr kumimoji="0" lang="en-US" sz="1400" b="0" i="0" u="none" strike="noStrike" kern="0" cap="none" spc="0" normalizeH="0" baseline="0" noProof="0" dirty="0">
-                <a:ln>
-                  <a:noFill/>
-                </a:ln>
-                <a:solidFill>
-                  <a:srgbClr val="44546A"/>
-                </a:solidFill>
-                <a:effectLst/>
-                <a:uLnTx/>
-                <a:uFillTx/>
-                <a:latin typeface="Calibri" panose="020F0502020204030204"/>
-                <a:ea typeface="+mn-ea"/>
-                <a:cs typeface="+mn-cs"/>
-              </a:rPr>
-              <a:t>Lightning</a:t>
-            </a:r>
-            <a:endParaRPr kumimoji="0" lang="en-GB" sz="1400" b="0" i="0" u="none" strike="noStrike" kern="0" cap="none" spc="0" normalizeH="0" baseline="0" noProof="0" dirty="0">
-              <a:ln>
-                <a:noFill/>
-              </a:ln>
-              <a:solidFill>
-                <a:srgbClr val="44546A"/>
-              </a:solidFill>
-              <a:effectLst/>
-              <a:uLnTx/>
-              <a:uFillTx/>
-              <a:latin typeface="Calibri" panose="020F0502020204030204"/>
-              <a:ea typeface="+mn-ea"/>
-              <a:cs typeface="+mn-cs"/>
-            </a:endParaRPr>
-          </a:p>
-        </p:txBody>
-      </p:sp>
-      <p:cxnSp>
-        <p:nvCxnSpPr>
-          <p:cNvPr id="104" name="Straight Connector 29">
-            <a:extLst>
-              <a:ext uri="{FF2B5EF4-FFF2-40B4-BE49-F238E27FC236}">
-                <a16:creationId xmlns:a16="http://schemas.microsoft.com/office/drawing/2014/main" id="{A6223F92-282E-D3DD-2213-AA0E48B953BE}"/>
-              </a:ext>
-            </a:extLst>
-          </p:cNvPr>
-          <p:cNvCxnSpPr>
-            <a:cxnSpLocks/>
-          </p:cNvCxnSpPr>
-          <p:nvPr/>
-        </p:nvCxnSpPr>
-        <p:spPr>
-          <a:xfrm>
-            <a:off x="8739515" y="1417673"/>
-            <a:ext cx="0" cy="4848446"/>
-          </a:xfrm>
-          <a:prstGeom prst="line">
-            <a:avLst/>
-          </a:prstGeom>
-          <a:noFill/>
-          <a:ln w="19050" cap="flat" cmpd="sng" algn="ctr">
-            <a:solidFill>
-              <a:srgbClr val="A5A5A5"/>
-            </a:solidFill>
-            <a:prstDash val="solid"/>
-            <a:miter lim="800000"/>
-          </a:ln>
-          <a:effectLst/>
-        </p:spPr>
-      </p:cxnSp>
-      <p:sp>
-        <p:nvSpPr>
-          <p:cNvPr id="105" name="TextBox 33">
-            <a:extLst>
-              <a:ext uri="{FF2B5EF4-FFF2-40B4-BE49-F238E27FC236}">
-                <a16:creationId xmlns:a16="http://schemas.microsoft.com/office/drawing/2014/main" id="{8F72C9BB-5B24-409C-AAF3-AF63DBC92C85}"/>
-              </a:ext>
-            </a:extLst>
-          </p:cNvPr>
-          <p:cNvSpPr txBox="1"/>
-          <p:nvPr/>
-        </p:nvSpPr>
-        <p:spPr>
-          <a:xfrm rot="16200000">
-            <a:off x="7904421" y="5380918"/>
-            <a:ext cx="1446028" cy="338554"/>
-          </a:xfrm>
-          <a:prstGeom prst="rect">
-            <a:avLst/>
-          </a:prstGeom>
-          <a:noFill/>
-        </p:spPr>
-        <p:txBody>
-          <a:bodyPr wrap="square" rtlCol="0">
-            <a:spAutoFit/>
-          </a:bodyPr>
-          <a:lstStyle/>
-          <a:p>
-            <a:pPr marL="0" marR="0" lvl="0" indent="0" defTabSz="914400" eaLnBrk="1" fontAlgn="auto" latinLnBrk="0" hangingPunct="1">
-              <a:lnSpc>
-                <a:spcPct val="100000"/>
-              </a:lnSpc>
-              <a:spcBef>
-                <a:spcPts val="0"/>
-              </a:spcBef>
-              <a:spcAft>
-                <a:spcPts val="0"/>
-              </a:spcAft>
-              <a:buClrTx/>
-              <a:buSzTx/>
-              <a:buFontTx/>
-              <a:buNone/>
-              <a:tabLst/>
-              <a:defRPr/>
-            </a:pPr>
-            <a:r>
-              <a:rPr kumimoji="0" lang="en-US" sz="1600" b="0" i="1" u="none" strike="noStrike" kern="0" cap="none" spc="0" normalizeH="0" baseline="0" noProof="0" dirty="0">
-                <a:ln>
-                  <a:noFill/>
-                </a:ln>
-                <a:solidFill>
-                  <a:prstClr val="black"/>
-                </a:solidFill>
-                <a:effectLst/>
-                <a:uLnTx/>
-                <a:uFillTx/>
-              </a:rPr>
-              <a:t>light</a:t>
-            </a:r>
-            <a:endParaRPr kumimoji="0" lang="en-GB" sz="1600" b="0" i="1" u="none" strike="noStrike" kern="0" cap="none" spc="0" normalizeH="0" baseline="0" noProof="0" dirty="0">
-              <a:ln>
-                <a:noFill/>
-              </a:ln>
-              <a:solidFill>
-                <a:prstClr val="black"/>
-              </a:solidFill>
-              <a:effectLst/>
-              <a:uLnTx/>
-              <a:uFillTx/>
-            </a:endParaRPr>
-          </a:p>
-        </p:txBody>
-      </p:sp>
-      <p:cxnSp>
-        <p:nvCxnSpPr>
-          <p:cNvPr id="106" name="Straight Arrow Connector 38">
-            <a:extLst>
-              <a:ext uri="{FF2B5EF4-FFF2-40B4-BE49-F238E27FC236}">
-                <a16:creationId xmlns:a16="http://schemas.microsoft.com/office/drawing/2014/main" id="{B9D0FF2D-099E-BBB6-3A8B-FB0460EFDD53}"/>
-              </a:ext>
-            </a:extLst>
-          </p:cNvPr>
-          <p:cNvCxnSpPr>
-            <a:cxnSpLocks/>
-          </p:cNvCxnSpPr>
-          <p:nvPr/>
-        </p:nvCxnSpPr>
-        <p:spPr>
-          <a:xfrm>
-            <a:off x="6582876" y="3023269"/>
-            <a:ext cx="490860" cy="0"/>
-          </a:xfrm>
-          <a:prstGeom prst="straightConnector1">
-            <a:avLst/>
-          </a:prstGeom>
-          <a:noFill/>
-          <a:ln w="19050" cap="flat" cmpd="sng" algn="ctr">
-            <a:solidFill>
-              <a:srgbClr val="A5A5A5"/>
-            </a:solidFill>
-            <a:prstDash val="solid"/>
-            <a:miter lim="800000"/>
-            <a:tailEnd type="triangle"/>
-          </a:ln>
-          <a:effectLst/>
-        </p:spPr>
-      </p:cxnSp>
-      <p:cxnSp>
-        <p:nvCxnSpPr>
-          <p:cNvPr id="107" name="Straight Arrow Connector 39">
-            <a:extLst>
-              <a:ext uri="{FF2B5EF4-FFF2-40B4-BE49-F238E27FC236}">
-                <a16:creationId xmlns:a16="http://schemas.microsoft.com/office/drawing/2014/main" id="{45F796AF-0CDF-F28D-4768-9389AD0ACA1E}"/>
-              </a:ext>
-            </a:extLst>
-          </p:cNvPr>
-          <p:cNvCxnSpPr>
-            <a:cxnSpLocks/>
-          </p:cNvCxnSpPr>
-          <p:nvPr/>
-        </p:nvCxnSpPr>
-        <p:spPr>
-          <a:xfrm>
-            <a:off x="8243304" y="3023269"/>
-            <a:ext cx="490860" cy="0"/>
-          </a:xfrm>
-          <a:prstGeom prst="straightConnector1">
-            <a:avLst/>
-          </a:prstGeom>
-          <a:noFill/>
-          <a:ln w="19050" cap="flat" cmpd="sng" algn="ctr">
-            <a:solidFill>
-              <a:srgbClr val="A5A5A5"/>
-            </a:solidFill>
-            <a:prstDash val="solid"/>
-            <a:miter lim="800000"/>
-            <a:tailEnd type="triangle"/>
-          </a:ln>
-          <a:effectLst/>
-        </p:spPr>
-      </p:cxnSp>
-      <p:sp>
-        <p:nvSpPr>
-          <p:cNvPr id="108" name="TextBox 30">
-            <a:extLst>
-              <a:ext uri="{FF2B5EF4-FFF2-40B4-BE49-F238E27FC236}">
-                <a16:creationId xmlns:a16="http://schemas.microsoft.com/office/drawing/2014/main" id="{5242947D-348A-81DE-597C-5A0B097E6E55}"/>
-              </a:ext>
-            </a:extLst>
-          </p:cNvPr>
-          <p:cNvSpPr txBox="1"/>
-          <p:nvPr/>
-        </p:nvSpPr>
-        <p:spPr>
-          <a:xfrm>
-            <a:off x="7837544" y="103706"/>
-            <a:ext cx="2052083" cy="646331"/>
-          </a:xfrm>
-          <a:prstGeom prst="rect">
-            <a:avLst/>
-          </a:prstGeom>
-          <a:noFill/>
-        </p:spPr>
-        <p:txBody>
-          <a:bodyPr wrap="square" rtlCol="0">
-            <a:spAutoFit/>
-          </a:bodyPr>
-          <a:lstStyle/>
-          <a:p>
-            <a:pPr marL="0" marR="0" lvl="0" indent="0" algn="ctr" defTabSz="914400" eaLnBrk="1" fontAlgn="auto" latinLnBrk="0" hangingPunct="1">
-              <a:lnSpc>
-                <a:spcPct val="100000"/>
-              </a:lnSpc>
-              <a:spcBef>
-                <a:spcPts val="0"/>
-              </a:spcBef>
-              <a:spcAft>
-                <a:spcPts val="0"/>
-              </a:spcAft>
-              <a:buClrTx/>
-              <a:buSzTx/>
-              <a:buFontTx/>
-              <a:buNone/>
-              <a:tabLst/>
-              <a:defRPr/>
-            </a:pPr>
-            <a:r>
-              <a:rPr kumimoji="0" lang="en-US" sz="1800" b="0" i="0" u="none" strike="noStrike" kern="0" cap="none" spc="0" normalizeH="0" baseline="0" noProof="0" dirty="0">
-                <a:ln>
-                  <a:noFill/>
-                </a:ln>
-                <a:solidFill>
-                  <a:prstClr val="black"/>
-                </a:solidFill>
-                <a:effectLst/>
-                <a:uLnTx/>
-                <a:uFillTx/>
-              </a:rPr>
-              <a:t>Useful</a:t>
-            </a:r>
-          </a:p>
-          <a:p>
-            <a:pPr marL="0" marR="0" lvl="0" indent="0" algn="ctr" defTabSz="914400" eaLnBrk="1" fontAlgn="auto" latinLnBrk="0" hangingPunct="1">
-              <a:lnSpc>
-                <a:spcPct val="100000"/>
-              </a:lnSpc>
-              <a:spcBef>
-                <a:spcPts val="0"/>
-              </a:spcBef>
-              <a:spcAft>
-                <a:spcPts val="0"/>
-              </a:spcAft>
-              <a:buClrTx/>
-              <a:buSzTx/>
-              <a:buFontTx/>
-              <a:buNone/>
-              <a:tabLst/>
-              <a:defRPr/>
-            </a:pPr>
-            <a:r>
-              <a:rPr kumimoji="0" lang="en-US" sz="1800" b="0" i="0" u="none" strike="noStrike" kern="0" cap="none" spc="0" normalizeH="0" baseline="0" noProof="0" dirty="0">
-                <a:ln>
-                  <a:noFill/>
-                </a:ln>
-                <a:solidFill>
-                  <a:prstClr val="black"/>
-                </a:solidFill>
-                <a:effectLst/>
-                <a:uLnTx/>
-                <a:uFillTx/>
-              </a:rPr>
-              <a:t> Energy</a:t>
-            </a:r>
-            <a:endParaRPr kumimoji="0" lang="en-GB" sz="1800" b="0" i="0" u="none" strike="noStrike" kern="0" cap="none" spc="0" normalizeH="0" baseline="0" noProof="0" dirty="0">
-              <a:ln>
-                <a:noFill/>
-              </a:ln>
-              <a:solidFill>
-                <a:prstClr val="black"/>
-              </a:solidFill>
-              <a:effectLst/>
-              <a:uLnTx/>
-              <a:uFillTx/>
-            </a:endParaRPr>
-          </a:p>
-        </p:txBody>
-      </p:sp>
-      <p:cxnSp>
-        <p:nvCxnSpPr>
-          <p:cNvPr id="2" name="Straight Arrow Connector 38">
-            <a:extLst>
-              <a:ext uri="{FF2B5EF4-FFF2-40B4-BE49-F238E27FC236}">
-                <a16:creationId xmlns:a16="http://schemas.microsoft.com/office/drawing/2014/main" id="{921501FE-817E-4497-F4D3-9B042DF0109E}"/>
-              </a:ext>
-            </a:extLst>
-          </p:cNvPr>
-          <p:cNvCxnSpPr>
-            <a:cxnSpLocks/>
-          </p:cNvCxnSpPr>
-          <p:nvPr/>
-        </p:nvCxnSpPr>
-        <p:spPr>
-          <a:xfrm flipH="1">
-            <a:off x="6574470" y="1916832"/>
-            <a:ext cx="499266" cy="0"/>
-          </a:xfrm>
-          <a:prstGeom prst="straightConnector1">
-            <a:avLst/>
-          </a:prstGeom>
-          <a:noFill/>
-          <a:ln w="19050" cap="flat" cmpd="sng" algn="ctr">
-            <a:solidFill>
-              <a:srgbClr val="A5A5A5"/>
-            </a:solidFill>
-            <a:prstDash val="solid"/>
-            <a:miter lim="800000"/>
-            <a:tailEnd type="triangle"/>
-          </a:ln>
-          <a:effectLst/>
-        </p:spPr>
-      </p:cxnSp>
     </p:spTree>
     <p:extLst>
       <p:ext uri="{BB962C8B-B14F-4D97-AF65-F5344CB8AC3E}">
-        <p14:creationId xmlns:p14="http://schemas.microsoft.com/office/powerpoint/2010/main" val="1887803004"/>
-      </p:ext>
-    </p:extLst>
-  </p:cSld>
-  <p:clrMapOvr>
-    <a:masterClrMapping/>
-  </p:clrMapOvr>
-</p:sld>
-</file>
-
-<file path=ppt/slides/slide5.xml><?xml version="1.0" encoding="utf-8"?>
-<p:sld xmlns:a="http://schemas.openxmlformats.org/drawingml/2006/main" xmlns:r="http://schemas.openxmlformats.org/officeDocument/2006/relationships" xmlns:p="http://schemas.openxmlformats.org/presentationml/2006/main">
-  <p:cSld>
-    <p:spTree>
-      <p:nvGrpSpPr>
-        <p:cNvPr id="1" name="">
-          <a:extLst>
-            <a:ext uri="{FF2B5EF4-FFF2-40B4-BE49-F238E27FC236}">
-              <a16:creationId xmlns:a16="http://schemas.microsoft.com/office/drawing/2014/main" id="{EFA9BC55-90A1-E5E1-F80F-1CFE4F901645}"/>
-            </a:ext>
-          </a:extLst>
-        </p:cNvPr>
-        <p:cNvGrpSpPr/>
-        <p:nvPr/>
-      </p:nvGrpSpPr>
-      <p:grpSpPr>
-        <a:xfrm>
-          <a:off x="0" y="0"/>
-          <a:ext cx="0" cy="0"/>
-          <a:chOff x="0" y="0"/>
-          <a:chExt cx="0" cy="0"/>
-        </a:xfrm>
-      </p:grpSpPr>
-      <p:pic>
-        <p:nvPicPr>
-          <p:cNvPr id="82" name="Picture 4" descr="A picture containing tree&#10;&#10;Description automatically generated">
-            <a:extLst>
-              <a:ext uri="{FF2B5EF4-FFF2-40B4-BE49-F238E27FC236}">
-                <a16:creationId xmlns:a16="http://schemas.microsoft.com/office/drawing/2014/main" id="{CD26F56F-8E08-E389-F95B-87306AF4608C}"/>
-              </a:ext>
-            </a:extLst>
-          </p:cNvPr>
-          <p:cNvPicPr>
-            <a:picLocks noChangeAspect="1"/>
-          </p:cNvPicPr>
-          <p:nvPr/>
-        </p:nvPicPr>
-        <p:blipFill>
-          <a:blip r:embed="rId3">
-            <a:extLst>
-              <a:ext uri="{28A0092B-C50C-407E-A947-70E740481C1C}">
-                <a14:useLocalDpi xmlns:a14="http://schemas.microsoft.com/office/drawing/2010/main" val="0"/>
-              </a:ext>
-            </a:extLst>
-          </a:blip>
-          <a:stretch>
-            <a:fillRect/>
-          </a:stretch>
-        </p:blipFill>
-        <p:spPr>
-          <a:xfrm>
-            <a:off x="80282" y="90975"/>
-            <a:ext cx="1748518" cy="6650067"/>
-          </a:xfrm>
-          <a:prstGeom prst="rect">
-            <a:avLst/>
-          </a:prstGeom>
-        </p:spPr>
-      </p:pic>
-      <p:sp>
-        <p:nvSpPr>
-          <p:cNvPr id="83" name="Rectangle: Rounded Corners 5">
-            <a:extLst>
-              <a:ext uri="{FF2B5EF4-FFF2-40B4-BE49-F238E27FC236}">
-                <a16:creationId xmlns:a16="http://schemas.microsoft.com/office/drawing/2014/main" id="{17CBC95F-D4B0-E994-B013-1BB77F48D13A}"/>
-              </a:ext>
-            </a:extLst>
-          </p:cNvPr>
-          <p:cNvSpPr/>
-          <p:nvPr/>
-        </p:nvSpPr>
-        <p:spPr>
-          <a:xfrm>
-            <a:off x="2770671" y="2158409"/>
-            <a:ext cx="1167812" cy="648098"/>
-          </a:xfrm>
-          <a:prstGeom prst="roundRect">
-            <a:avLst/>
-          </a:prstGeom>
-          <a:solidFill>
-            <a:srgbClr val="4472C4"/>
-          </a:solidFill>
-          <a:ln w="12700" cap="flat" cmpd="sng" algn="ctr">
-            <a:solidFill>
-              <a:srgbClr val="4472C4">
-                <a:shade val="50000"/>
-              </a:srgbClr>
-            </a:solidFill>
-            <a:prstDash val="solid"/>
-            <a:miter lim="800000"/>
-          </a:ln>
-          <a:effectLst>
-            <a:outerShdw blurRad="50800" dist="38100" dir="2700000" algn="tl" rotWithShape="0">
-              <a:prstClr val="black">
-                <a:alpha val="40000"/>
-              </a:prstClr>
-            </a:outerShdw>
-          </a:effectLst>
-        </p:spPr>
-        <p:txBody>
-          <a:bodyPr rtlCol="0" anchor="ctr"/>
-          <a:lstStyle/>
-          <a:p>
-            <a:pPr marL="0" marR="0" lvl="0" indent="0" algn="ctr" defTabSz="914400" eaLnBrk="1" fontAlgn="auto" latinLnBrk="0" hangingPunct="1">
-              <a:lnSpc>
-                <a:spcPct val="100000"/>
-              </a:lnSpc>
-              <a:spcBef>
-                <a:spcPts val="0"/>
-              </a:spcBef>
-              <a:spcAft>
-                <a:spcPts val="0"/>
-              </a:spcAft>
-              <a:buClrTx/>
-              <a:buSzTx/>
-              <a:buFontTx/>
-              <a:buNone/>
-              <a:tabLst/>
-              <a:defRPr/>
-            </a:pPr>
-            <a:r>
-              <a:rPr kumimoji="0" lang="en-US" sz="1400" b="0" i="0" u="none" strike="noStrike" kern="0" cap="none" spc="0" normalizeH="0" baseline="0" noProof="0" dirty="0">
-                <a:ln>
-                  <a:noFill/>
-                </a:ln>
-                <a:solidFill>
-                  <a:prstClr val="white"/>
-                </a:solidFill>
-                <a:effectLst/>
-                <a:uLnTx/>
-                <a:uFillTx/>
-                <a:latin typeface="Calibri" panose="020F0502020204030204"/>
-                <a:ea typeface="+mn-ea"/>
-                <a:cs typeface="+mn-cs"/>
-              </a:rPr>
-              <a:t>Coal Power plant</a:t>
-            </a:r>
-            <a:endParaRPr kumimoji="0" lang="en-GB" sz="1400" b="0" i="0" u="none" strike="noStrike" kern="0" cap="none" spc="0" normalizeH="0" baseline="0" noProof="0" dirty="0">
-              <a:ln>
-                <a:noFill/>
-              </a:ln>
-              <a:solidFill>
-                <a:prstClr val="white"/>
-              </a:solidFill>
-              <a:effectLst/>
-              <a:uLnTx/>
-              <a:uFillTx/>
-              <a:latin typeface="Calibri" panose="020F0502020204030204"/>
-              <a:ea typeface="+mn-ea"/>
-              <a:cs typeface="+mn-cs"/>
-            </a:endParaRPr>
-          </a:p>
-        </p:txBody>
-      </p:sp>
-      <p:sp>
-        <p:nvSpPr>
-          <p:cNvPr id="84" name="Rectangle: Rounded Corners 7">
-            <a:extLst>
-              <a:ext uri="{FF2B5EF4-FFF2-40B4-BE49-F238E27FC236}">
-                <a16:creationId xmlns:a16="http://schemas.microsoft.com/office/drawing/2014/main" id="{3E00B13D-E5BE-2BA5-2F1E-DC36C5755F5F}"/>
-              </a:ext>
-            </a:extLst>
-          </p:cNvPr>
-          <p:cNvSpPr/>
-          <p:nvPr/>
-        </p:nvSpPr>
-        <p:spPr>
-          <a:xfrm>
-            <a:off x="2770671" y="3452194"/>
-            <a:ext cx="1167812" cy="648098"/>
-          </a:xfrm>
-          <a:prstGeom prst="roundRect">
-            <a:avLst/>
-          </a:prstGeom>
-          <a:solidFill>
-            <a:srgbClr val="4472C4"/>
-          </a:solidFill>
-          <a:ln w="12700" cap="flat" cmpd="sng" algn="ctr">
-            <a:solidFill>
-              <a:srgbClr val="4472C4">
-                <a:shade val="50000"/>
-              </a:srgbClr>
-            </a:solidFill>
-            <a:prstDash val="solid"/>
-            <a:miter lim="800000"/>
-          </a:ln>
-          <a:effectLst>
-            <a:outerShdw blurRad="50800" dist="38100" dir="2700000" algn="tl" rotWithShape="0">
-              <a:prstClr val="black">
-                <a:alpha val="40000"/>
-              </a:prstClr>
-            </a:outerShdw>
-          </a:effectLst>
-        </p:spPr>
-        <p:txBody>
-          <a:bodyPr rtlCol="0" anchor="ctr"/>
-          <a:lstStyle/>
-          <a:p>
-            <a:pPr marL="0" marR="0" lvl="0" indent="0" algn="ctr" defTabSz="914400" eaLnBrk="1" fontAlgn="auto" latinLnBrk="0" hangingPunct="1">
-              <a:lnSpc>
-                <a:spcPct val="100000"/>
-              </a:lnSpc>
-              <a:spcBef>
-                <a:spcPts val="0"/>
-              </a:spcBef>
-              <a:spcAft>
-                <a:spcPts val="0"/>
-              </a:spcAft>
-              <a:buClrTx/>
-              <a:buSzTx/>
-              <a:buFontTx/>
-              <a:buNone/>
-              <a:tabLst/>
-              <a:defRPr/>
-            </a:pPr>
-            <a:r>
-              <a:rPr kumimoji="0" lang="en-US" sz="1400" b="0" i="0" u="none" strike="noStrike" kern="0" cap="none" spc="0" normalizeH="0" baseline="0" noProof="0" dirty="0">
-                <a:ln>
-                  <a:noFill/>
-                </a:ln>
-                <a:solidFill>
-                  <a:prstClr val="white"/>
-                </a:solidFill>
-                <a:effectLst/>
-                <a:uLnTx/>
-                <a:uFillTx/>
-                <a:latin typeface="Calibri" panose="020F0502020204030204"/>
-                <a:ea typeface="+mn-ea"/>
-                <a:cs typeface="+mn-cs"/>
-              </a:rPr>
-              <a:t>Wind Power plant</a:t>
-            </a:r>
-            <a:endParaRPr kumimoji="0" lang="en-GB" sz="1400" b="0" i="0" u="none" strike="noStrike" kern="0" cap="none" spc="0" normalizeH="0" baseline="0" noProof="0" dirty="0">
-              <a:ln>
-                <a:noFill/>
-              </a:ln>
-              <a:solidFill>
-                <a:prstClr val="white"/>
-              </a:solidFill>
-              <a:effectLst/>
-              <a:uLnTx/>
-              <a:uFillTx/>
-              <a:latin typeface="Calibri" panose="020F0502020204030204"/>
-              <a:ea typeface="+mn-ea"/>
-              <a:cs typeface="+mn-cs"/>
-            </a:endParaRPr>
-          </a:p>
-        </p:txBody>
-      </p:sp>
-      <p:cxnSp>
-        <p:nvCxnSpPr>
-          <p:cNvPr id="85" name="Straight Connector 9">
-            <a:extLst>
-              <a:ext uri="{FF2B5EF4-FFF2-40B4-BE49-F238E27FC236}">
-                <a16:creationId xmlns:a16="http://schemas.microsoft.com/office/drawing/2014/main" id="{875900E8-538A-5E49-6D85-E9ACEB84B57F}"/>
-              </a:ext>
-            </a:extLst>
-          </p:cNvPr>
-          <p:cNvCxnSpPr>
-            <a:cxnSpLocks/>
-          </p:cNvCxnSpPr>
-          <p:nvPr/>
-        </p:nvCxnSpPr>
-        <p:spPr>
-          <a:xfrm>
-            <a:off x="4427572" y="1424763"/>
-            <a:ext cx="0" cy="4848446"/>
-          </a:xfrm>
-          <a:prstGeom prst="line">
-            <a:avLst/>
-          </a:prstGeom>
-          <a:noFill/>
-          <a:ln w="19050" cap="flat" cmpd="sng" algn="ctr">
-            <a:solidFill>
-              <a:srgbClr val="A5A5A5"/>
-            </a:solidFill>
-            <a:prstDash val="solid"/>
-            <a:miter lim="800000"/>
-          </a:ln>
-          <a:effectLst/>
-        </p:spPr>
-      </p:cxnSp>
-      <p:sp>
-        <p:nvSpPr>
-          <p:cNvPr id="86" name="TextBox 11">
-            <a:extLst>
-              <a:ext uri="{FF2B5EF4-FFF2-40B4-BE49-F238E27FC236}">
-                <a16:creationId xmlns:a16="http://schemas.microsoft.com/office/drawing/2014/main" id="{582C02C8-A33D-0D16-295E-C131B7882791}"/>
-              </a:ext>
-            </a:extLst>
-          </p:cNvPr>
-          <p:cNvSpPr txBox="1"/>
-          <p:nvPr/>
-        </p:nvSpPr>
-        <p:spPr>
-          <a:xfrm rot="16200000">
-            <a:off x="3598236" y="5380918"/>
-            <a:ext cx="1446028" cy="338554"/>
-          </a:xfrm>
-          <a:prstGeom prst="rect">
-            <a:avLst/>
-          </a:prstGeom>
-          <a:noFill/>
-        </p:spPr>
-        <p:txBody>
-          <a:bodyPr wrap="square" rtlCol="0">
-            <a:spAutoFit/>
-          </a:bodyPr>
-          <a:lstStyle/>
-          <a:p>
-            <a:pPr marL="0" marR="0" lvl="0" indent="0" defTabSz="914400" eaLnBrk="1" fontAlgn="auto" latinLnBrk="0" hangingPunct="1">
-              <a:lnSpc>
-                <a:spcPct val="100000"/>
-              </a:lnSpc>
-              <a:spcBef>
-                <a:spcPts val="0"/>
-              </a:spcBef>
-              <a:spcAft>
-                <a:spcPts val="0"/>
-              </a:spcAft>
-              <a:buClrTx/>
-              <a:buSzTx/>
-              <a:buFontTx/>
-              <a:buNone/>
-              <a:tabLst/>
-              <a:defRPr/>
-            </a:pPr>
-            <a:r>
-              <a:rPr kumimoji="0" lang="en-US" sz="1600" b="0" i="1" u="none" strike="noStrike" kern="0" cap="none" spc="0" normalizeH="0" baseline="0" noProof="0" dirty="0">
-                <a:ln>
-                  <a:noFill/>
-                </a:ln>
-                <a:solidFill>
-                  <a:prstClr val="black"/>
-                </a:solidFill>
-                <a:effectLst/>
-                <a:uLnTx/>
-                <a:uFillTx/>
-              </a:rPr>
-              <a:t>electricity</a:t>
-            </a:r>
-            <a:endParaRPr kumimoji="0" lang="en-GB" sz="1600" b="0" i="1" u="none" strike="noStrike" kern="0" cap="none" spc="0" normalizeH="0" baseline="0" noProof="0" dirty="0">
-              <a:ln>
-                <a:noFill/>
-              </a:ln>
-              <a:solidFill>
-                <a:prstClr val="black"/>
-              </a:solidFill>
-              <a:effectLst/>
-              <a:uLnTx/>
-              <a:uFillTx/>
-            </a:endParaRPr>
-          </a:p>
-        </p:txBody>
-      </p:sp>
-      <p:cxnSp>
-        <p:nvCxnSpPr>
-          <p:cNvPr id="87" name="Straight Arrow Connector 18">
-            <a:extLst>
-              <a:ext uri="{FF2B5EF4-FFF2-40B4-BE49-F238E27FC236}">
-                <a16:creationId xmlns:a16="http://schemas.microsoft.com/office/drawing/2014/main" id="{DEC405A3-1ED9-A654-AB9B-1E827592B74F}"/>
-              </a:ext>
-            </a:extLst>
-          </p:cNvPr>
-          <p:cNvCxnSpPr>
-            <a:cxnSpLocks/>
-          </p:cNvCxnSpPr>
-          <p:nvPr/>
-        </p:nvCxnSpPr>
-        <p:spPr>
-          <a:xfrm>
-            <a:off x="3949116" y="2463287"/>
-            <a:ext cx="490860" cy="0"/>
-          </a:xfrm>
-          <a:prstGeom prst="straightConnector1">
-            <a:avLst/>
-          </a:prstGeom>
-          <a:noFill/>
-          <a:ln w="19050" cap="flat" cmpd="sng" algn="ctr">
-            <a:solidFill>
-              <a:srgbClr val="A5A5A5"/>
-            </a:solidFill>
-            <a:prstDash val="solid"/>
-            <a:miter lim="800000"/>
-            <a:tailEnd type="triangle"/>
-          </a:ln>
-          <a:effectLst/>
-        </p:spPr>
-      </p:cxnSp>
-      <p:sp>
-        <p:nvSpPr>
-          <p:cNvPr id="88" name="Rectangle: Rounded Corners 20">
-            <a:extLst>
-              <a:ext uri="{FF2B5EF4-FFF2-40B4-BE49-F238E27FC236}">
-                <a16:creationId xmlns:a16="http://schemas.microsoft.com/office/drawing/2014/main" id="{8261FC71-1552-48A0-8F23-893B0EA5FB5A}"/>
-              </a:ext>
-            </a:extLst>
-          </p:cNvPr>
-          <p:cNvSpPr/>
-          <p:nvPr/>
-        </p:nvSpPr>
-        <p:spPr>
-          <a:xfrm>
-            <a:off x="4928188" y="2701159"/>
-            <a:ext cx="1167812" cy="648098"/>
-          </a:xfrm>
-          <a:prstGeom prst="roundRect">
-            <a:avLst/>
-          </a:prstGeom>
-          <a:solidFill>
-            <a:srgbClr val="A5A5A5"/>
-          </a:solidFill>
-          <a:ln w="12700" cap="flat" cmpd="sng" algn="ctr">
-            <a:solidFill>
-              <a:srgbClr val="4472C4">
-                <a:shade val="50000"/>
-              </a:srgbClr>
-            </a:solidFill>
-            <a:prstDash val="solid"/>
-            <a:miter lim="800000"/>
-          </a:ln>
-          <a:effectLst>
-            <a:outerShdw blurRad="50800" dist="38100" dir="2700000" algn="tl" rotWithShape="0">
-              <a:prstClr val="black">
-                <a:alpha val="40000"/>
-              </a:prstClr>
-            </a:outerShdw>
-          </a:effectLst>
-        </p:spPr>
-        <p:txBody>
-          <a:bodyPr rtlCol="0" anchor="ctr"/>
-          <a:lstStyle/>
-          <a:p>
-            <a:pPr marL="0" marR="0" lvl="0" indent="0" algn="ctr" defTabSz="914400" eaLnBrk="1" fontAlgn="auto" latinLnBrk="0" hangingPunct="1">
-              <a:lnSpc>
-                <a:spcPct val="100000"/>
-              </a:lnSpc>
-              <a:spcBef>
-                <a:spcPts val="0"/>
-              </a:spcBef>
-              <a:spcAft>
-                <a:spcPts val="0"/>
-              </a:spcAft>
-              <a:buClrTx/>
-              <a:buSzTx/>
-              <a:buFontTx/>
-              <a:buNone/>
-              <a:tabLst/>
-              <a:defRPr/>
-            </a:pPr>
-            <a:r>
-              <a:rPr kumimoji="0" lang="en-US" sz="1400" b="0" i="0" u="none" strike="noStrike" kern="0" cap="none" spc="0" normalizeH="0" baseline="0" noProof="0" dirty="0">
-                <a:ln>
-                  <a:noFill/>
-                </a:ln>
-                <a:solidFill>
-                  <a:prstClr val="white"/>
-                </a:solidFill>
-                <a:effectLst/>
-                <a:uLnTx/>
-                <a:uFillTx/>
-                <a:latin typeface="Calibri" panose="020F0502020204030204"/>
-                <a:ea typeface="+mn-ea"/>
-                <a:cs typeface="+mn-cs"/>
-              </a:rPr>
-              <a:t>Electricity grid</a:t>
-            </a:r>
-            <a:endParaRPr kumimoji="0" lang="en-GB" sz="1400" b="0" i="0" u="none" strike="noStrike" kern="0" cap="none" spc="0" normalizeH="0" baseline="0" noProof="0" dirty="0">
-              <a:ln>
-                <a:noFill/>
-              </a:ln>
-              <a:solidFill>
-                <a:prstClr val="white"/>
-              </a:solidFill>
-              <a:effectLst/>
-              <a:uLnTx/>
-              <a:uFillTx/>
-              <a:latin typeface="Calibri" panose="020F0502020204030204"/>
-              <a:ea typeface="+mn-ea"/>
-              <a:cs typeface="+mn-cs"/>
-            </a:endParaRPr>
-          </a:p>
-        </p:txBody>
-      </p:sp>
-      <p:cxnSp>
-        <p:nvCxnSpPr>
-          <p:cNvPr id="89" name="Straight Connector 23">
-            <a:extLst>
-              <a:ext uri="{FF2B5EF4-FFF2-40B4-BE49-F238E27FC236}">
-                <a16:creationId xmlns:a16="http://schemas.microsoft.com/office/drawing/2014/main" id="{F1F47A76-FAB3-255E-0882-F84CE1FFBBD7}"/>
-              </a:ext>
-            </a:extLst>
-          </p:cNvPr>
-          <p:cNvCxnSpPr>
-            <a:cxnSpLocks/>
-          </p:cNvCxnSpPr>
-          <p:nvPr/>
-        </p:nvCxnSpPr>
-        <p:spPr>
-          <a:xfrm>
-            <a:off x="6574470" y="1414130"/>
-            <a:ext cx="0" cy="4848446"/>
-          </a:xfrm>
-          <a:prstGeom prst="line">
-            <a:avLst/>
-          </a:prstGeom>
-          <a:noFill/>
-          <a:ln w="19050" cap="flat" cmpd="sng" algn="ctr">
-            <a:solidFill>
-              <a:srgbClr val="A5A5A5"/>
-            </a:solidFill>
-            <a:prstDash val="solid"/>
-            <a:miter lim="800000"/>
-          </a:ln>
-          <a:effectLst/>
-        </p:spPr>
-      </p:cxnSp>
-      <p:sp>
-        <p:nvSpPr>
-          <p:cNvPr id="90" name="TextBox 24">
-            <a:extLst>
-              <a:ext uri="{FF2B5EF4-FFF2-40B4-BE49-F238E27FC236}">
-                <a16:creationId xmlns:a16="http://schemas.microsoft.com/office/drawing/2014/main" id="{DC47A9E5-18EB-3929-441D-8E53D00234B6}"/>
-              </a:ext>
-            </a:extLst>
-          </p:cNvPr>
-          <p:cNvSpPr txBox="1"/>
-          <p:nvPr/>
-        </p:nvSpPr>
-        <p:spPr>
-          <a:xfrm rot="16200000">
-            <a:off x="5745134" y="5370285"/>
-            <a:ext cx="1446028" cy="338554"/>
-          </a:xfrm>
-          <a:prstGeom prst="rect">
-            <a:avLst/>
-          </a:prstGeom>
-          <a:noFill/>
-        </p:spPr>
-        <p:txBody>
-          <a:bodyPr wrap="square" rtlCol="0">
-            <a:spAutoFit/>
-          </a:bodyPr>
-          <a:lstStyle/>
-          <a:p>
-            <a:pPr marL="0" marR="0" lvl="0" indent="0" defTabSz="914400" eaLnBrk="1" fontAlgn="auto" latinLnBrk="0" hangingPunct="1">
-              <a:lnSpc>
-                <a:spcPct val="100000"/>
-              </a:lnSpc>
-              <a:spcBef>
-                <a:spcPts val="0"/>
-              </a:spcBef>
-              <a:spcAft>
-                <a:spcPts val="0"/>
-              </a:spcAft>
-              <a:buClrTx/>
-              <a:buSzTx/>
-              <a:buFontTx/>
-              <a:buNone/>
-              <a:tabLst/>
-              <a:defRPr/>
-            </a:pPr>
-            <a:r>
-              <a:rPr kumimoji="0" lang="en-US" sz="1600" b="0" i="1" u="none" strike="noStrike" kern="0" cap="none" spc="0" normalizeH="0" baseline="0" noProof="0" dirty="0">
-                <a:ln>
-                  <a:noFill/>
-                </a:ln>
-                <a:solidFill>
-                  <a:prstClr val="black"/>
-                </a:solidFill>
-                <a:effectLst/>
-                <a:uLnTx/>
-                <a:uFillTx/>
-              </a:rPr>
-              <a:t>electricity</a:t>
-            </a:r>
-            <a:endParaRPr kumimoji="0" lang="en-GB" sz="1600" b="0" i="1" u="none" strike="noStrike" kern="0" cap="none" spc="0" normalizeH="0" baseline="0" noProof="0" dirty="0">
-              <a:ln>
-                <a:noFill/>
-              </a:ln>
-              <a:solidFill>
-                <a:prstClr val="black"/>
-              </a:solidFill>
-              <a:effectLst/>
-              <a:uLnTx/>
-              <a:uFillTx/>
-            </a:endParaRPr>
-          </a:p>
-        </p:txBody>
-      </p:sp>
-      <p:sp>
-        <p:nvSpPr>
-          <p:cNvPr id="91" name="Rectangle: Rounded Corners 26">
-            <a:extLst>
-              <a:ext uri="{FF2B5EF4-FFF2-40B4-BE49-F238E27FC236}">
-                <a16:creationId xmlns:a16="http://schemas.microsoft.com/office/drawing/2014/main" id="{CE61C593-775B-608D-4E91-D9613B9A03BB}"/>
-              </a:ext>
-            </a:extLst>
-          </p:cNvPr>
-          <p:cNvSpPr/>
-          <p:nvPr/>
-        </p:nvSpPr>
-        <p:spPr>
-          <a:xfrm>
-            <a:off x="7079476" y="2699220"/>
-            <a:ext cx="1167812" cy="648098"/>
-          </a:xfrm>
-          <a:prstGeom prst="roundRect">
-            <a:avLst/>
-          </a:prstGeom>
-          <a:solidFill>
-            <a:srgbClr val="FFC000">
-              <a:lumMod val="60000"/>
-              <a:lumOff val="40000"/>
-            </a:srgbClr>
-          </a:solidFill>
-          <a:ln w="12700" cap="flat" cmpd="sng" algn="ctr">
-            <a:solidFill>
-              <a:srgbClr val="4472C4">
-                <a:shade val="50000"/>
-              </a:srgbClr>
-            </a:solidFill>
-            <a:prstDash val="solid"/>
-            <a:miter lim="800000"/>
-          </a:ln>
-          <a:effectLst>
-            <a:outerShdw blurRad="50800" dist="38100" dir="2700000" algn="tl" rotWithShape="0">
-              <a:prstClr val="black">
-                <a:alpha val="40000"/>
-              </a:prstClr>
-            </a:outerShdw>
-          </a:effectLst>
-        </p:spPr>
-        <p:txBody>
-          <a:bodyPr rtlCol="0" anchor="ctr"/>
-          <a:lstStyle/>
-          <a:p>
-            <a:pPr marL="0" marR="0" lvl="0" indent="0" algn="ctr" defTabSz="914400" eaLnBrk="1" fontAlgn="auto" latinLnBrk="0" hangingPunct="1">
-              <a:lnSpc>
-                <a:spcPct val="100000"/>
-              </a:lnSpc>
-              <a:spcBef>
-                <a:spcPts val="0"/>
-              </a:spcBef>
-              <a:spcAft>
-                <a:spcPts val="0"/>
-              </a:spcAft>
-              <a:buClrTx/>
-              <a:buSzTx/>
-              <a:buFontTx/>
-              <a:buNone/>
-              <a:tabLst/>
-              <a:defRPr/>
-            </a:pPr>
-            <a:r>
-              <a:rPr kumimoji="0" lang="en-US" sz="1400" b="0" i="0" u="none" strike="noStrike" kern="0" cap="none" spc="0" normalizeH="0" baseline="0" noProof="0" dirty="0">
-                <a:ln>
-                  <a:noFill/>
-                </a:ln>
-                <a:solidFill>
-                  <a:srgbClr val="44546A"/>
-                </a:solidFill>
-                <a:effectLst/>
-                <a:uLnTx/>
-                <a:uFillTx/>
-                <a:latin typeface="Calibri" panose="020F0502020204030204"/>
-                <a:ea typeface="+mn-ea"/>
-                <a:cs typeface="+mn-cs"/>
-              </a:rPr>
-              <a:t>Electric Households</a:t>
-            </a:r>
-            <a:endParaRPr kumimoji="0" lang="en-GB" sz="1400" b="0" i="0" u="none" strike="noStrike" kern="0" cap="none" spc="0" normalizeH="0" baseline="0" noProof="0" dirty="0">
-              <a:ln>
-                <a:noFill/>
-              </a:ln>
-              <a:solidFill>
-                <a:srgbClr val="44546A"/>
-              </a:solidFill>
-              <a:effectLst/>
-              <a:uLnTx/>
-              <a:uFillTx/>
-              <a:latin typeface="Calibri" panose="020F0502020204030204"/>
-              <a:ea typeface="+mn-ea"/>
-              <a:cs typeface="+mn-cs"/>
-            </a:endParaRPr>
-          </a:p>
-        </p:txBody>
-      </p:sp>
-      <p:cxnSp>
-        <p:nvCxnSpPr>
-          <p:cNvPr id="92" name="Straight Connector 29">
-            <a:extLst>
-              <a:ext uri="{FF2B5EF4-FFF2-40B4-BE49-F238E27FC236}">
-                <a16:creationId xmlns:a16="http://schemas.microsoft.com/office/drawing/2014/main" id="{07B0731B-AFC4-7555-C8EA-645B02C136F6}"/>
-              </a:ext>
-            </a:extLst>
-          </p:cNvPr>
-          <p:cNvCxnSpPr>
-            <a:cxnSpLocks/>
-          </p:cNvCxnSpPr>
-          <p:nvPr/>
-        </p:nvCxnSpPr>
-        <p:spPr>
-          <a:xfrm>
-            <a:off x="8743499" y="1417673"/>
-            <a:ext cx="0" cy="4848446"/>
-          </a:xfrm>
-          <a:prstGeom prst="line">
-            <a:avLst/>
-          </a:prstGeom>
-          <a:noFill/>
-          <a:ln w="19050" cap="flat" cmpd="sng" algn="ctr">
-            <a:solidFill>
-              <a:srgbClr val="A5A5A5"/>
-            </a:solidFill>
-            <a:prstDash val="solid"/>
-            <a:miter lim="800000"/>
-          </a:ln>
-          <a:effectLst/>
-        </p:spPr>
-      </p:cxnSp>
-      <p:sp>
-        <p:nvSpPr>
-          <p:cNvPr id="93" name="TextBox 33">
-            <a:extLst>
-              <a:ext uri="{FF2B5EF4-FFF2-40B4-BE49-F238E27FC236}">
-                <a16:creationId xmlns:a16="http://schemas.microsoft.com/office/drawing/2014/main" id="{324D07D0-B19E-FA0B-F715-FA712810FE6E}"/>
-              </a:ext>
-            </a:extLst>
-          </p:cNvPr>
-          <p:cNvSpPr txBox="1"/>
-          <p:nvPr/>
-        </p:nvSpPr>
-        <p:spPr>
-          <a:xfrm rot="16200000">
-            <a:off x="7908405" y="5380918"/>
-            <a:ext cx="1446028" cy="338554"/>
-          </a:xfrm>
-          <a:prstGeom prst="rect">
-            <a:avLst/>
-          </a:prstGeom>
-          <a:noFill/>
-        </p:spPr>
-        <p:txBody>
-          <a:bodyPr wrap="square" rtlCol="0">
-            <a:spAutoFit/>
-          </a:bodyPr>
-          <a:lstStyle/>
-          <a:p>
-            <a:pPr marL="0" marR="0" lvl="0" indent="0" defTabSz="914400" eaLnBrk="1" fontAlgn="auto" latinLnBrk="0" hangingPunct="1">
-              <a:lnSpc>
-                <a:spcPct val="100000"/>
-              </a:lnSpc>
-              <a:spcBef>
-                <a:spcPts val="0"/>
-              </a:spcBef>
-              <a:spcAft>
-                <a:spcPts val="0"/>
-              </a:spcAft>
-              <a:buClrTx/>
-              <a:buSzTx/>
-              <a:buFontTx/>
-              <a:buNone/>
-              <a:tabLst/>
-              <a:defRPr/>
-            </a:pPr>
-            <a:r>
-              <a:rPr kumimoji="0" lang="en-US" sz="1600" b="0" i="1" u="none" strike="noStrike" kern="0" cap="none" spc="0" normalizeH="0" baseline="0" noProof="0" dirty="0">
-                <a:ln>
-                  <a:noFill/>
-                </a:ln>
-                <a:solidFill>
-                  <a:prstClr val="black"/>
-                </a:solidFill>
-                <a:effectLst/>
-                <a:uLnTx/>
-                <a:uFillTx/>
-              </a:rPr>
-              <a:t>electricity</a:t>
-            </a:r>
-            <a:endParaRPr kumimoji="0" lang="en-GB" sz="1600" b="0" i="1" u="none" strike="noStrike" kern="0" cap="none" spc="0" normalizeH="0" baseline="0" noProof="0" dirty="0">
-              <a:ln>
-                <a:noFill/>
-              </a:ln>
-              <a:solidFill>
-                <a:prstClr val="black"/>
-              </a:solidFill>
-              <a:effectLst/>
-              <a:uLnTx/>
-              <a:uFillTx/>
-            </a:endParaRPr>
-          </a:p>
-        </p:txBody>
-      </p:sp>
-      <p:cxnSp>
-        <p:nvCxnSpPr>
-          <p:cNvPr id="94" name="Straight Arrow Connector 35">
-            <a:extLst>
-              <a:ext uri="{FF2B5EF4-FFF2-40B4-BE49-F238E27FC236}">
-                <a16:creationId xmlns:a16="http://schemas.microsoft.com/office/drawing/2014/main" id="{66EB626B-0650-3A43-A2EA-C11A14C990D9}"/>
-              </a:ext>
-            </a:extLst>
-          </p:cNvPr>
-          <p:cNvCxnSpPr>
-            <a:cxnSpLocks/>
-          </p:cNvCxnSpPr>
-          <p:nvPr/>
-        </p:nvCxnSpPr>
-        <p:spPr>
-          <a:xfrm>
-            <a:off x="3938483" y="3817166"/>
-            <a:ext cx="490860" cy="0"/>
-          </a:xfrm>
-          <a:prstGeom prst="straightConnector1">
-            <a:avLst/>
-          </a:prstGeom>
-          <a:noFill/>
-          <a:ln w="19050" cap="flat" cmpd="sng" algn="ctr">
-            <a:solidFill>
-              <a:srgbClr val="A5A5A5"/>
-            </a:solidFill>
-            <a:prstDash val="solid"/>
-            <a:miter lim="800000"/>
-            <a:tailEnd type="triangle"/>
-          </a:ln>
-          <a:effectLst/>
-        </p:spPr>
-      </p:cxnSp>
-      <p:cxnSp>
-        <p:nvCxnSpPr>
-          <p:cNvPr id="95" name="Straight Arrow Connector 36">
-            <a:extLst>
-              <a:ext uri="{FF2B5EF4-FFF2-40B4-BE49-F238E27FC236}">
-                <a16:creationId xmlns:a16="http://schemas.microsoft.com/office/drawing/2014/main" id="{0B687128-90E4-A96E-C7A5-364F84CD2E40}"/>
-              </a:ext>
-            </a:extLst>
-          </p:cNvPr>
-          <p:cNvCxnSpPr>
-            <a:cxnSpLocks/>
-          </p:cNvCxnSpPr>
-          <p:nvPr/>
-        </p:nvCxnSpPr>
-        <p:spPr>
-          <a:xfrm>
-            <a:off x="4439976" y="3023269"/>
-            <a:ext cx="490860" cy="0"/>
-          </a:xfrm>
-          <a:prstGeom prst="straightConnector1">
-            <a:avLst/>
-          </a:prstGeom>
-          <a:noFill/>
-          <a:ln w="19050" cap="flat" cmpd="sng" algn="ctr">
-            <a:solidFill>
-              <a:srgbClr val="A5A5A5"/>
-            </a:solidFill>
-            <a:prstDash val="solid"/>
-            <a:miter lim="800000"/>
-            <a:tailEnd type="triangle"/>
-          </a:ln>
-          <a:effectLst/>
-        </p:spPr>
-      </p:cxnSp>
-      <p:cxnSp>
-        <p:nvCxnSpPr>
-          <p:cNvPr id="96" name="Straight Arrow Connector 37">
-            <a:extLst>
-              <a:ext uri="{FF2B5EF4-FFF2-40B4-BE49-F238E27FC236}">
-                <a16:creationId xmlns:a16="http://schemas.microsoft.com/office/drawing/2014/main" id="{8364A4DB-B075-1534-F61A-02CB288BB13D}"/>
-              </a:ext>
-            </a:extLst>
-          </p:cNvPr>
-          <p:cNvCxnSpPr>
-            <a:cxnSpLocks/>
-          </p:cNvCxnSpPr>
-          <p:nvPr/>
-        </p:nvCxnSpPr>
-        <p:spPr>
-          <a:xfrm>
-            <a:off x="6096000" y="3023269"/>
-            <a:ext cx="490860" cy="0"/>
-          </a:xfrm>
-          <a:prstGeom prst="straightConnector1">
-            <a:avLst/>
-          </a:prstGeom>
-          <a:noFill/>
-          <a:ln w="19050" cap="flat" cmpd="sng" algn="ctr">
-            <a:solidFill>
-              <a:srgbClr val="A5A5A5"/>
-            </a:solidFill>
-            <a:prstDash val="solid"/>
-            <a:miter lim="800000"/>
-            <a:tailEnd type="triangle"/>
-          </a:ln>
-          <a:effectLst/>
-        </p:spPr>
-      </p:cxnSp>
-      <p:cxnSp>
-        <p:nvCxnSpPr>
-          <p:cNvPr id="97" name="Straight Arrow Connector 38">
-            <a:extLst>
-              <a:ext uri="{FF2B5EF4-FFF2-40B4-BE49-F238E27FC236}">
-                <a16:creationId xmlns:a16="http://schemas.microsoft.com/office/drawing/2014/main" id="{6F954841-7111-7AD6-E6E2-0C1415557D70}"/>
-              </a:ext>
-            </a:extLst>
-          </p:cNvPr>
-          <p:cNvCxnSpPr>
-            <a:cxnSpLocks/>
-          </p:cNvCxnSpPr>
-          <p:nvPr/>
-        </p:nvCxnSpPr>
-        <p:spPr>
-          <a:xfrm>
-            <a:off x="6586860" y="3023269"/>
-            <a:ext cx="490860" cy="0"/>
-          </a:xfrm>
-          <a:prstGeom prst="straightConnector1">
-            <a:avLst/>
-          </a:prstGeom>
-          <a:noFill/>
-          <a:ln w="19050" cap="flat" cmpd="sng" algn="ctr">
-            <a:solidFill>
-              <a:srgbClr val="A5A5A5"/>
-            </a:solidFill>
-            <a:prstDash val="solid"/>
-            <a:miter lim="800000"/>
-            <a:tailEnd type="triangle"/>
-          </a:ln>
-          <a:effectLst/>
-        </p:spPr>
-      </p:cxnSp>
-      <p:cxnSp>
-        <p:nvCxnSpPr>
-          <p:cNvPr id="98" name="Straight Arrow Connector 39">
-            <a:extLst>
-              <a:ext uri="{FF2B5EF4-FFF2-40B4-BE49-F238E27FC236}">
-                <a16:creationId xmlns:a16="http://schemas.microsoft.com/office/drawing/2014/main" id="{00D6B5E8-054E-8DC7-BA61-708DABAA3C35}"/>
-              </a:ext>
-            </a:extLst>
-          </p:cNvPr>
-          <p:cNvCxnSpPr>
-            <a:cxnSpLocks/>
-          </p:cNvCxnSpPr>
-          <p:nvPr/>
-        </p:nvCxnSpPr>
-        <p:spPr>
-          <a:xfrm>
-            <a:off x="8247288" y="3023269"/>
-            <a:ext cx="490860" cy="0"/>
-          </a:xfrm>
-          <a:prstGeom prst="straightConnector1">
-            <a:avLst/>
-          </a:prstGeom>
-          <a:noFill/>
-          <a:ln w="19050" cap="flat" cmpd="sng" algn="ctr">
-            <a:solidFill>
-              <a:srgbClr val="A5A5A5"/>
-            </a:solidFill>
-            <a:prstDash val="solid"/>
-            <a:miter lim="800000"/>
-            <a:tailEnd type="triangle"/>
-          </a:ln>
-          <a:effectLst/>
-        </p:spPr>
-      </p:cxnSp>
-      <p:sp>
-        <p:nvSpPr>
-          <p:cNvPr id="99" name="TextBox 27">
-            <a:extLst>
-              <a:ext uri="{FF2B5EF4-FFF2-40B4-BE49-F238E27FC236}">
-                <a16:creationId xmlns:a16="http://schemas.microsoft.com/office/drawing/2014/main" id="{09F68A92-34D0-0F7B-83C3-8291D6DA4603}"/>
-              </a:ext>
-            </a:extLst>
-          </p:cNvPr>
-          <p:cNvSpPr txBox="1"/>
-          <p:nvPr/>
-        </p:nvSpPr>
-        <p:spPr>
-          <a:xfrm>
-            <a:off x="3271267" y="89549"/>
-            <a:ext cx="2052083" cy="646331"/>
-          </a:xfrm>
-          <a:prstGeom prst="rect">
-            <a:avLst/>
-          </a:prstGeom>
-          <a:noFill/>
-        </p:spPr>
-        <p:txBody>
-          <a:bodyPr wrap="square" rtlCol="0">
-            <a:spAutoFit/>
-          </a:bodyPr>
-          <a:lstStyle/>
-          <a:p>
-            <a:pPr marL="0" marR="0" lvl="0" indent="0" algn="ctr" defTabSz="914400" eaLnBrk="1" fontAlgn="auto" latinLnBrk="0" hangingPunct="1">
-              <a:lnSpc>
-                <a:spcPct val="100000"/>
-              </a:lnSpc>
-              <a:spcBef>
-                <a:spcPts val="0"/>
-              </a:spcBef>
-              <a:spcAft>
-                <a:spcPts val="0"/>
-              </a:spcAft>
-              <a:buClrTx/>
-              <a:buSzTx/>
-              <a:buFontTx/>
-              <a:buNone/>
-              <a:tabLst/>
-              <a:defRPr/>
-            </a:pPr>
-            <a:r>
-              <a:rPr kumimoji="0" lang="en-US" sz="1800" b="0" i="0" u="none" strike="noStrike" kern="0" cap="none" spc="0" normalizeH="0" baseline="0" noProof="0" dirty="0">
-                <a:ln>
-                  <a:noFill/>
-                </a:ln>
-                <a:solidFill>
-                  <a:prstClr val="black"/>
-                </a:solidFill>
-                <a:effectLst/>
-                <a:uLnTx/>
-                <a:uFillTx/>
-              </a:rPr>
-              <a:t>Secondary</a:t>
-            </a:r>
-          </a:p>
-          <a:p>
-            <a:pPr marL="0" marR="0" lvl="0" indent="0" algn="ctr" defTabSz="914400" eaLnBrk="1" fontAlgn="auto" latinLnBrk="0" hangingPunct="1">
-              <a:lnSpc>
-                <a:spcPct val="100000"/>
-              </a:lnSpc>
-              <a:spcBef>
-                <a:spcPts val="0"/>
-              </a:spcBef>
-              <a:spcAft>
-                <a:spcPts val="0"/>
-              </a:spcAft>
-              <a:buClrTx/>
-              <a:buSzTx/>
-              <a:buFontTx/>
-              <a:buNone/>
-              <a:tabLst/>
-              <a:defRPr/>
-            </a:pPr>
-            <a:r>
-              <a:rPr kumimoji="0" lang="en-US" sz="1800" b="0" i="0" u="none" strike="noStrike" kern="0" cap="none" spc="0" normalizeH="0" baseline="0" noProof="0" dirty="0">
-                <a:ln>
-                  <a:noFill/>
-                </a:ln>
-                <a:solidFill>
-                  <a:prstClr val="black"/>
-                </a:solidFill>
-                <a:effectLst/>
-                <a:uLnTx/>
-                <a:uFillTx/>
-              </a:rPr>
-              <a:t> Energy</a:t>
-            </a:r>
-            <a:endParaRPr kumimoji="0" lang="en-GB" sz="1800" b="0" i="0" u="none" strike="noStrike" kern="0" cap="none" spc="0" normalizeH="0" baseline="0" noProof="0" dirty="0">
-              <a:ln>
-                <a:noFill/>
-              </a:ln>
-              <a:solidFill>
-                <a:prstClr val="black"/>
-              </a:solidFill>
-              <a:effectLst/>
-              <a:uLnTx/>
-              <a:uFillTx/>
-            </a:endParaRPr>
-          </a:p>
-        </p:txBody>
-      </p:sp>
-      <p:sp>
-        <p:nvSpPr>
-          <p:cNvPr id="100" name="TextBox 28">
-            <a:extLst>
-              <a:ext uri="{FF2B5EF4-FFF2-40B4-BE49-F238E27FC236}">
-                <a16:creationId xmlns:a16="http://schemas.microsoft.com/office/drawing/2014/main" id="{B41E61B6-1083-6459-34A1-A528C96BCD82}"/>
-              </a:ext>
-            </a:extLst>
-          </p:cNvPr>
-          <p:cNvSpPr txBox="1"/>
-          <p:nvPr/>
-        </p:nvSpPr>
-        <p:spPr>
-          <a:xfrm>
-            <a:off x="5776274" y="89549"/>
-            <a:ext cx="2052083" cy="646331"/>
-          </a:xfrm>
-          <a:prstGeom prst="rect">
-            <a:avLst/>
-          </a:prstGeom>
-          <a:noFill/>
-        </p:spPr>
-        <p:txBody>
-          <a:bodyPr wrap="square" rtlCol="0">
-            <a:spAutoFit/>
-          </a:bodyPr>
-          <a:lstStyle/>
-          <a:p>
-            <a:pPr marL="0" marR="0" lvl="0" indent="0" algn="ctr" defTabSz="914400" eaLnBrk="1" fontAlgn="auto" latinLnBrk="0" hangingPunct="1">
-              <a:lnSpc>
-                <a:spcPct val="100000"/>
-              </a:lnSpc>
-              <a:spcBef>
-                <a:spcPts val="0"/>
-              </a:spcBef>
-              <a:spcAft>
-                <a:spcPts val="0"/>
-              </a:spcAft>
-              <a:buClrTx/>
-              <a:buSzTx/>
-              <a:buFontTx/>
-              <a:buNone/>
-              <a:tabLst/>
-              <a:defRPr/>
-            </a:pPr>
-            <a:r>
-              <a:rPr kumimoji="0" lang="en-US" sz="1800" b="0" i="0" u="none" strike="noStrike" kern="0" cap="none" spc="0" normalizeH="0" baseline="0" noProof="0" dirty="0">
-                <a:ln>
-                  <a:noFill/>
-                </a:ln>
-                <a:solidFill>
-                  <a:prstClr val="black"/>
-                </a:solidFill>
-                <a:effectLst/>
-                <a:uLnTx/>
-                <a:uFillTx/>
-              </a:rPr>
-              <a:t>Final</a:t>
-            </a:r>
-          </a:p>
-          <a:p>
-            <a:pPr marL="0" marR="0" lvl="0" indent="0" algn="ctr" defTabSz="914400" eaLnBrk="1" fontAlgn="auto" latinLnBrk="0" hangingPunct="1">
-              <a:lnSpc>
-                <a:spcPct val="100000"/>
-              </a:lnSpc>
-              <a:spcBef>
-                <a:spcPts val="0"/>
-              </a:spcBef>
-              <a:spcAft>
-                <a:spcPts val="0"/>
-              </a:spcAft>
-              <a:buClrTx/>
-              <a:buSzTx/>
-              <a:buFontTx/>
-              <a:buNone/>
-              <a:tabLst/>
-              <a:defRPr/>
-            </a:pPr>
-            <a:r>
-              <a:rPr kumimoji="0" lang="en-US" sz="1800" b="0" i="0" u="none" strike="noStrike" kern="0" cap="none" spc="0" normalizeH="0" baseline="0" noProof="0" dirty="0">
-                <a:ln>
-                  <a:noFill/>
-                </a:ln>
-                <a:solidFill>
-                  <a:prstClr val="black"/>
-                </a:solidFill>
-                <a:effectLst/>
-                <a:uLnTx/>
-                <a:uFillTx/>
-              </a:rPr>
-              <a:t> Energy</a:t>
-            </a:r>
-            <a:endParaRPr kumimoji="0" lang="en-GB" sz="1800" b="0" i="0" u="none" strike="noStrike" kern="0" cap="none" spc="0" normalizeH="0" baseline="0" noProof="0" dirty="0">
-              <a:ln>
-                <a:noFill/>
-              </a:ln>
-              <a:solidFill>
-                <a:prstClr val="black"/>
-              </a:solidFill>
-              <a:effectLst/>
-              <a:uLnTx/>
-              <a:uFillTx/>
-            </a:endParaRPr>
-          </a:p>
-        </p:txBody>
-      </p:sp>
-      <p:sp>
-        <p:nvSpPr>
-          <p:cNvPr id="101" name="TextBox 30">
-            <a:extLst>
-              <a:ext uri="{FF2B5EF4-FFF2-40B4-BE49-F238E27FC236}">
-                <a16:creationId xmlns:a16="http://schemas.microsoft.com/office/drawing/2014/main" id="{2D9733DD-504F-C37D-5374-2400D24D4B91}"/>
-              </a:ext>
-            </a:extLst>
-          </p:cNvPr>
-          <p:cNvSpPr txBox="1"/>
-          <p:nvPr/>
-        </p:nvSpPr>
-        <p:spPr>
-          <a:xfrm>
-            <a:off x="7841528" y="103706"/>
-            <a:ext cx="2052083" cy="646331"/>
-          </a:xfrm>
-          <a:prstGeom prst="rect">
-            <a:avLst/>
-          </a:prstGeom>
-          <a:noFill/>
-        </p:spPr>
-        <p:txBody>
-          <a:bodyPr wrap="square" rtlCol="0">
-            <a:spAutoFit/>
-          </a:bodyPr>
-          <a:lstStyle/>
-          <a:p>
-            <a:pPr marL="0" marR="0" lvl="0" indent="0" algn="ctr" defTabSz="914400" eaLnBrk="1" fontAlgn="auto" latinLnBrk="0" hangingPunct="1">
-              <a:lnSpc>
-                <a:spcPct val="100000"/>
-              </a:lnSpc>
-              <a:spcBef>
-                <a:spcPts val="0"/>
-              </a:spcBef>
-              <a:spcAft>
-                <a:spcPts val="0"/>
-              </a:spcAft>
-              <a:buClrTx/>
-              <a:buSzTx/>
-              <a:buFontTx/>
-              <a:buNone/>
-              <a:tabLst/>
-              <a:defRPr/>
-            </a:pPr>
-            <a:r>
-              <a:rPr kumimoji="0" lang="en-US" sz="1800" b="0" i="0" u="none" strike="noStrike" kern="0" cap="none" spc="0" normalizeH="0" baseline="0" noProof="0" dirty="0">
-                <a:ln>
-                  <a:noFill/>
-                </a:ln>
-                <a:solidFill>
-                  <a:prstClr val="black"/>
-                </a:solidFill>
-                <a:effectLst/>
-                <a:uLnTx/>
-                <a:uFillTx/>
-              </a:rPr>
-              <a:t>Useful</a:t>
-            </a:r>
-          </a:p>
-          <a:p>
-            <a:pPr marL="0" marR="0" lvl="0" indent="0" algn="ctr" defTabSz="914400" eaLnBrk="1" fontAlgn="auto" latinLnBrk="0" hangingPunct="1">
-              <a:lnSpc>
-                <a:spcPct val="100000"/>
-              </a:lnSpc>
-              <a:spcBef>
-                <a:spcPts val="0"/>
-              </a:spcBef>
-              <a:spcAft>
-                <a:spcPts val="0"/>
-              </a:spcAft>
-              <a:buClrTx/>
-              <a:buSzTx/>
-              <a:buFontTx/>
-              <a:buNone/>
-              <a:tabLst/>
-              <a:defRPr/>
-            </a:pPr>
-            <a:r>
-              <a:rPr kumimoji="0" lang="en-US" sz="1800" b="0" i="0" u="none" strike="noStrike" kern="0" cap="none" spc="0" normalizeH="0" baseline="0" noProof="0" dirty="0">
-                <a:ln>
-                  <a:noFill/>
-                </a:ln>
-                <a:solidFill>
-                  <a:prstClr val="black"/>
-                </a:solidFill>
-                <a:effectLst/>
-                <a:uLnTx/>
-                <a:uFillTx/>
-              </a:rPr>
-              <a:t> Energy</a:t>
-            </a:r>
-            <a:endParaRPr kumimoji="0" lang="en-GB" sz="1800" b="0" i="0" u="none" strike="noStrike" kern="0" cap="none" spc="0" normalizeH="0" baseline="0" noProof="0" dirty="0">
-              <a:ln>
-                <a:noFill/>
-              </a:ln>
-              <a:solidFill>
-                <a:prstClr val="black"/>
-              </a:solidFill>
-              <a:effectLst/>
-              <a:uLnTx/>
-              <a:uFillTx/>
-            </a:endParaRPr>
-          </a:p>
-        </p:txBody>
-      </p:sp>
-      <p:sp>
-        <p:nvSpPr>
-          <p:cNvPr id="103" name="Rectangle: Rounded Corners 26">
-            <a:extLst>
-              <a:ext uri="{FF2B5EF4-FFF2-40B4-BE49-F238E27FC236}">
-                <a16:creationId xmlns:a16="http://schemas.microsoft.com/office/drawing/2014/main" id="{B214F4C7-8353-92F4-B217-FCBEA608425E}"/>
-              </a:ext>
-            </a:extLst>
-          </p:cNvPr>
-          <p:cNvSpPr/>
-          <p:nvPr/>
-        </p:nvSpPr>
-        <p:spPr>
-          <a:xfrm>
-            <a:off x="9248504" y="2699220"/>
-            <a:ext cx="1167812" cy="648098"/>
-          </a:xfrm>
-          <a:prstGeom prst="roundRect">
-            <a:avLst/>
-          </a:prstGeom>
-          <a:solidFill>
-            <a:srgbClr val="FFC000">
-              <a:lumMod val="60000"/>
-              <a:lumOff val="40000"/>
-            </a:srgbClr>
-          </a:solidFill>
-          <a:ln w="12700" cap="flat" cmpd="sng" algn="ctr">
-            <a:solidFill>
-              <a:srgbClr val="4472C4">
-                <a:shade val="50000"/>
-              </a:srgbClr>
-            </a:solidFill>
-            <a:prstDash val="solid"/>
-            <a:miter lim="800000"/>
-          </a:ln>
-          <a:effectLst>
-            <a:outerShdw blurRad="50800" dist="38100" dir="2700000" algn="tl" rotWithShape="0">
-              <a:prstClr val="black">
-                <a:alpha val="40000"/>
-              </a:prstClr>
-            </a:outerShdw>
-          </a:effectLst>
-        </p:spPr>
-        <p:txBody>
-          <a:bodyPr rtlCol="0" anchor="ctr"/>
-          <a:lstStyle/>
-          <a:p>
-            <a:pPr marL="0" marR="0" lvl="0" indent="0" algn="ctr" defTabSz="914400" eaLnBrk="1" fontAlgn="auto" latinLnBrk="0" hangingPunct="1">
-              <a:lnSpc>
-                <a:spcPct val="100000"/>
-              </a:lnSpc>
-              <a:spcBef>
-                <a:spcPts val="0"/>
-              </a:spcBef>
-              <a:spcAft>
-                <a:spcPts val="0"/>
-              </a:spcAft>
-              <a:buClrTx/>
-              <a:buSzTx/>
-              <a:buFontTx/>
-              <a:buNone/>
-              <a:tabLst/>
-              <a:defRPr/>
-            </a:pPr>
-            <a:r>
-              <a:rPr kumimoji="0" lang="en-US" sz="1400" b="0" i="0" u="none" strike="noStrike" kern="0" cap="none" spc="0" normalizeH="0" baseline="0" noProof="0" dirty="0">
-                <a:ln>
-                  <a:noFill/>
-                </a:ln>
-                <a:solidFill>
-                  <a:srgbClr val="44546A"/>
-                </a:solidFill>
-                <a:effectLst/>
-                <a:uLnTx/>
-                <a:uFillTx/>
-                <a:latin typeface="Calibri" panose="020F0502020204030204"/>
-                <a:ea typeface="+mn-ea"/>
-                <a:cs typeface="+mn-cs"/>
-              </a:rPr>
-              <a:t>Lightning</a:t>
-            </a:r>
-            <a:endParaRPr kumimoji="0" lang="en-GB" sz="1400" b="0" i="0" u="none" strike="noStrike" kern="0" cap="none" spc="0" normalizeH="0" baseline="0" noProof="0" dirty="0">
-              <a:ln>
-                <a:noFill/>
-              </a:ln>
-              <a:solidFill>
-                <a:srgbClr val="44546A"/>
-              </a:solidFill>
-              <a:effectLst/>
-              <a:uLnTx/>
-              <a:uFillTx/>
-              <a:latin typeface="Calibri" panose="020F0502020204030204"/>
-              <a:ea typeface="+mn-ea"/>
-              <a:cs typeface="+mn-cs"/>
-            </a:endParaRPr>
-          </a:p>
-        </p:txBody>
-      </p:sp>
-      <p:cxnSp>
-        <p:nvCxnSpPr>
-          <p:cNvPr id="104" name="Straight Connector 29">
-            <a:extLst>
-              <a:ext uri="{FF2B5EF4-FFF2-40B4-BE49-F238E27FC236}">
-                <a16:creationId xmlns:a16="http://schemas.microsoft.com/office/drawing/2014/main" id="{7281E7D0-FAA8-77FA-5F2B-FF855991BF77}"/>
-              </a:ext>
-            </a:extLst>
-          </p:cNvPr>
-          <p:cNvCxnSpPr>
-            <a:cxnSpLocks/>
-          </p:cNvCxnSpPr>
-          <p:nvPr/>
-        </p:nvCxnSpPr>
-        <p:spPr>
-          <a:xfrm>
-            <a:off x="10912527" y="1417673"/>
-            <a:ext cx="0" cy="4848446"/>
-          </a:xfrm>
-          <a:prstGeom prst="line">
-            <a:avLst/>
-          </a:prstGeom>
-          <a:noFill/>
-          <a:ln w="19050" cap="flat" cmpd="sng" algn="ctr">
-            <a:solidFill>
-              <a:srgbClr val="A5A5A5"/>
-            </a:solidFill>
-            <a:prstDash val="solid"/>
-            <a:miter lim="800000"/>
-          </a:ln>
-          <a:effectLst/>
-        </p:spPr>
-      </p:cxnSp>
-      <p:sp>
-        <p:nvSpPr>
-          <p:cNvPr id="105" name="TextBox 33">
-            <a:extLst>
-              <a:ext uri="{FF2B5EF4-FFF2-40B4-BE49-F238E27FC236}">
-                <a16:creationId xmlns:a16="http://schemas.microsoft.com/office/drawing/2014/main" id="{3A654A2F-4B55-B861-F357-0B46312EBF19}"/>
-              </a:ext>
-            </a:extLst>
-          </p:cNvPr>
-          <p:cNvSpPr txBox="1"/>
-          <p:nvPr/>
-        </p:nvSpPr>
-        <p:spPr>
-          <a:xfrm rot="16200000">
-            <a:off x="10077433" y="5380918"/>
-            <a:ext cx="1446028" cy="338554"/>
-          </a:xfrm>
-          <a:prstGeom prst="rect">
-            <a:avLst/>
-          </a:prstGeom>
-          <a:noFill/>
-        </p:spPr>
-        <p:txBody>
-          <a:bodyPr wrap="square" rtlCol="0">
-            <a:spAutoFit/>
-          </a:bodyPr>
-          <a:lstStyle/>
-          <a:p>
-            <a:pPr marL="0" marR="0" lvl="0" indent="0" defTabSz="914400" eaLnBrk="1" fontAlgn="auto" latinLnBrk="0" hangingPunct="1">
-              <a:lnSpc>
-                <a:spcPct val="100000"/>
-              </a:lnSpc>
-              <a:spcBef>
-                <a:spcPts val="0"/>
-              </a:spcBef>
-              <a:spcAft>
-                <a:spcPts val="0"/>
-              </a:spcAft>
-              <a:buClrTx/>
-              <a:buSzTx/>
-              <a:buFontTx/>
-              <a:buNone/>
-              <a:tabLst/>
-              <a:defRPr/>
-            </a:pPr>
-            <a:r>
-              <a:rPr kumimoji="0" lang="en-US" sz="1600" b="0" i="1" u="none" strike="noStrike" kern="0" cap="none" spc="0" normalizeH="0" baseline="0" noProof="0" dirty="0">
-                <a:ln>
-                  <a:noFill/>
-                </a:ln>
-                <a:solidFill>
-                  <a:prstClr val="black"/>
-                </a:solidFill>
-                <a:effectLst/>
-                <a:uLnTx/>
-                <a:uFillTx/>
-              </a:rPr>
-              <a:t>light</a:t>
-            </a:r>
-            <a:endParaRPr kumimoji="0" lang="en-GB" sz="1600" b="0" i="1" u="none" strike="noStrike" kern="0" cap="none" spc="0" normalizeH="0" baseline="0" noProof="0" dirty="0">
-              <a:ln>
-                <a:noFill/>
-              </a:ln>
-              <a:solidFill>
-                <a:prstClr val="black"/>
-              </a:solidFill>
-              <a:effectLst/>
-              <a:uLnTx/>
-              <a:uFillTx/>
-            </a:endParaRPr>
-          </a:p>
-        </p:txBody>
-      </p:sp>
-      <p:cxnSp>
-        <p:nvCxnSpPr>
-          <p:cNvPr id="106" name="Straight Arrow Connector 38">
-            <a:extLst>
-              <a:ext uri="{FF2B5EF4-FFF2-40B4-BE49-F238E27FC236}">
-                <a16:creationId xmlns:a16="http://schemas.microsoft.com/office/drawing/2014/main" id="{C44D8DF7-CAD3-C20B-144E-DCE6E069FB1B}"/>
-              </a:ext>
-            </a:extLst>
-          </p:cNvPr>
-          <p:cNvCxnSpPr>
-            <a:cxnSpLocks/>
-          </p:cNvCxnSpPr>
-          <p:nvPr/>
-        </p:nvCxnSpPr>
-        <p:spPr>
-          <a:xfrm>
-            <a:off x="8755888" y="3023269"/>
-            <a:ext cx="490860" cy="0"/>
-          </a:xfrm>
-          <a:prstGeom prst="straightConnector1">
-            <a:avLst/>
-          </a:prstGeom>
-          <a:noFill/>
-          <a:ln w="19050" cap="flat" cmpd="sng" algn="ctr">
-            <a:solidFill>
-              <a:srgbClr val="A5A5A5"/>
-            </a:solidFill>
-            <a:prstDash val="solid"/>
-            <a:miter lim="800000"/>
-            <a:tailEnd type="triangle"/>
-          </a:ln>
-          <a:effectLst/>
-        </p:spPr>
-      </p:cxnSp>
-      <p:cxnSp>
-        <p:nvCxnSpPr>
-          <p:cNvPr id="107" name="Straight Arrow Connector 39">
-            <a:extLst>
-              <a:ext uri="{FF2B5EF4-FFF2-40B4-BE49-F238E27FC236}">
-                <a16:creationId xmlns:a16="http://schemas.microsoft.com/office/drawing/2014/main" id="{61629CA6-B591-E395-A439-74DB0A88B242}"/>
-              </a:ext>
-            </a:extLst>
-          </p:cNvPr>
-          <p:cNvCxnSpPr>
-            <a:cxnSpLocks/>
-          </p:cNvCxnSpPr>
-          <p:nvPr/>
-        </p:nvCxnSpPr>
-        <p:spPr>
-          <a:xfrm>
-            <a:off x="10416316" y="3023269"/>
-            <a:ext cx="490860" cy="0"/>
-          </a:xfrm>
-          <a:prstGeom prst="straightConnector1">
-            <a:avLst/>
-          </a:prstGeom>
-          <a:noFill/>
-          <a:ln w="19050" cap="flat" cmpd="sng" algn="ctr">
-            <a:solidFill>
-              <a:srgbClr val="A5A5A5"/>
-            </a:solidFill>
-            <a:prstDash val="solid"/>
-            <a:miter lim="800000"/>
-            <a:tailEnd type="triangle"/>
-          </a:ln>
-          <a:effectLst/>
-        </p:spPr>
-      </p:cxnSp>
-      <p:sp>
-        <p:nvSpPr>
-          <p:cNvPr id="108" name="TextBox 30">
-            <a:extLst>
-              <a:ext uri="{FF2B5EF4-FFF2-40B4-BE49-F238E27FC236}">
-                <a16:creationId xmlns:a16="http://schemas.microsoft.com/office/drawing/2014/main" id="{7A56EC41-8554-FB29-1428-1A076A0B12E4}"/>
-              </a:ext>
-            </a:extLst>
-          </p:cNvPr>
-          <p:cNvSpPr txBox="1"/>
-          <p:nvPr/>
-        </p:nvSpPr>
-        <p:spPr>
-          <a:xfrm>
-            <a:off x="10010556" y="103706"/>
-            <a:ext cx="2052083" cy="646331"/>
-          </a:xfrm>
-          <a:prstGeom prst="rect">
-            <a:avLst/>
-          </a:prstGeom>
-          <a:noFill/>
-        </p:spPr>
-        <p:txBody>
-          <a:bodyPr wrap="square" rtlCol="0">
-            <a:spAutoFit/>
-          </a:bodyPr>
-          <a:lstStyle/>
-          <a:p>
-            <a:pPr marL="0" marR="0" lvl="0" indent="0" algn="ctr" defTabSz="914400" eaLnBrk="1" fontAlgn="auto" latinLnBrk="0" hangingPunct="1">
-              <a:lnSpc>
-                <a:spcPct val="100000"/>
-              </a:lnSpc>
-              <a:spcBef>
-                <a:spcPts val="0"/>
-              </a:spcBef>
-              <a:spcAft>
-                <a:spcPts val="0"/>
-              </a:spcAft>
-              <a:buClrTx/>
-              <a:buSzTx/>
-              <a:buFontTx/>
-              <a:buNone/>
-              <a:tabLst/>
-              <a:defRPr/>
-            </a:pPr>
-            <a:r>
-              <a:rPr kumimoji="0" lang="en-US" sz="1800" b="0" i="0" u="none" strike="noStrike" kern="0" cap="none" spc="0" normalizeH="0" baseline="0" noProof="0" dirty="0">
-                <a:ln>
-                  <a:noFill/>
-                </a:ln>
-                <a:solidFill>
-                  <a:prstClr val="black"/>
-                </a:solidFill>
-                <a:effectLst/>
-                <a:uLnTx/>
-                <a:uFillTx/>
-              </a:rPr>
-              <a:t>Useful</a:t>
-            </a:r>
-          </a:p>
-          <a:p>
-            <a:pPr marL="0" marR="0" lvl="0" indent="0" algn="ctr" defTabSz="914400" eaLnBrk="1" fontAlgn="auto" latinLnBrk="0" hangingPunct="1">
-              <a:lnSpc>
-                <a:spcPct val="100000"/>
-              </a:lnSpc>
-              <a:spcBef>
-                <a:spcPts val="0"/>
-              </a:spcBef>
-              <a:spcAft>
-                <a:spcPts val="0"/>
-              </a:spcAft>
-              <a:buClrTx/>
-              <a:buSzTx/>
-              <a:buFontTx/>
-              <a:buNone/>
-              <a:tabLst/>
-              <a:defRPr/>
-            </a:pPr>
-            <a:r>
-              <a:rPr kumimoji="0" lang="en-US" sz="1800" b="0" i="0" u="none" strike="noStrike" kern="0" cap="none" spc="0" normalizeH="0" baseline="0" noProof="0" dirty="0">
-                <a:ln>
-                  <a:noFill/>
-                </a:ln>
-                <a:solidFill>
-                  <a:prstClr val="black"/>
-                </a:solidFill>
-                <a:effectLst/>
-                <a:uLnTx/>
-                <a:uFillTx/>
-              </a:rPr>
-              <a:t> Energy</a:t>
-            </a:r>
-            <a:endParaRPr kumimoji="0" lang="en-GB" sz="1800" b="0" i="0" u="none" strike="noStrike" kern="0" cap="none" spc="0" normalizeH="0" baseline="0" noProof="0" dirty="0">
-              <a:ln>
-                <a:noFill/>
-              </a:ln>
-              <a:solidFill>
-                <a:prstClr val="black"/>
-              </a:solidFill>
-              <a:effectLst/>
-              <a:uLnTx/>
-              <a:uFillTx/>
-            </a:endParaRPr>
-          </a:p>
-        </p:txBody>
-      </p:sp>
-    </p:spTree>
-    <p:extLst>
-      <p:ext uri="{BB962C8B-B14F-4D97-AF65-F5344CB8AC3E}">
-        <p14:creationId xmlns:p14="http://schemas.microsoft.com/office/powerpoint/2010/main" val="3597963014"/>
+        <p14:creationId xmlns:p14="http://schemas.microsoft.com/office/powerpoint/2010/main" val="3156359377"/>
       </p:ext>
     </p:extLst>
   </p:cSld>

--- a/Documentação/1-Diagrama PPT/Cadeias Energéticas.pptx
+++ b/Documentação/1-Diagrama PPT/Cadeias Energéticas.pptx
@@ -5,12 +5,13 @@
     <p:sldMasterId id="2147483648" r:id="rId1"/>
   </p:sldMasterIdLst>
   <p:notesMasterIdLst>
-    <p:notesMasterId r:id="rId5"/>
+    <p:notesMasterId r:id="rId6"/>
   </p:notesMasterIdLst>
   <p:sldIdLst>
     <p:sldId id="260" r:id="rId2"/>
     <p:sldId id="259" r:id="rId3"/>
     <p:sldId id="261" r:id="rId4"/>
+    <p:sldId id="262" r:id="rId5"/>
   </p:sldIdLst>
   <p:sldSz cx="12192000" cy="6858000"/>
   <p:notesSz cx="6858000" cy="9144000"/>
@@ -210,7 +211,7 @@
           <a:p>
             <a:fld id="{F22EC251-D700-40B5-87D9-A45C9416D694}" type="datetimeFigureOut">
               <a:rPr lang="pt-BR" smtClean="0"/>
-              <a:t>30/10/2024</a:t>
+              <a:t>02/11/2024</a:t>
             </a:fld>
             <a:endParaRPr lang="pt-BR"/>
           </a:p>
@@ -748,6 +749,117 @@
 </p:notes>
 </file>
 
+<file path=ppt/notesSlides/notesSlide4.xml><?xml version="1.0" encoding="utf-8"?>
+<p:notes xmlns:a="http://schemas.openxmlformats.org/drawingml/2006/main" xmlns:r="http://schemas.openxmlformats.org/officeDocument/2006/relationships" xmlns:p="http://schemas.openxmlformats.org/presentationml/2006/main">
+  <p:cSld>
+    <p:spTree>
+      <p:nvGrpSpPr>
+        <p:cNvPr id="1" name="">
+          <a:extLst>
+            <a:ext uri="{FF2B5EF4-FFF2-40B4-BE49-F238E27FC236}">
+              <a16:creationId xmlns:a16="http://schemas.microsoft.com/office/drawing/2014/main" id="{C6D66CC4-B978-A1FE-0B29-044A341ADECA}"/>
+            </a:ext>
+          </a:extLst>
+        </p:cNvPr>
+        <p:cNvGrpSpPr/>
+        <p:nvPr/>
+      </p:nvGrpSpPr>
+      <p:grpSpPr>
+        <a:xfrm>
+          <a:off x="0" y="0"/>
+          <a:ext cx="0" cy="0"/>
+          <a:chOff x="0" y="0"/>
+          <a:chExt cx="0" cy="0"/>
+        </a:xfrm>
+      </p:grpSpPr>
+      <p:sp>
+        <p:nvSpPr>
+          <p:cNvPr id="2" name="Espaço Reservado para Imagem de Slide 1">
+            <a:extLst>
+              <a:ext uri="{FF2B5EF4-FFF2-40B4-BE49-F238E27FC236}">
+                <a16:creationId xmlns:a16="http://schemas.microsoft.com/office/drawing/2014/main" id="{0DA64698-487D-7511-214F-531435E377CC}"/>
+              </a:ext>
+            </a:extLst>
+          </p:cNvPr>
+          <p:cNvSpPr>
+            <a:spLocks noGrp="1" noRot="1" noChangeAspect="1"/>
+          </p:cNvSpPr>
+          <p:nvPr>
+            <p:ph type="sldImg"/>
+          </p:nvPr>
+        </p:nvSpPr>
+        <p:spPr/>
+      </p:sp>
+      <p:sp>
+        <p:nvSpPr>
+          <p:cNvPr id="3" name="Espaço Reservado para Anotações 2">
+            <a:extLst>
+              <a:ext uri="{FF2B5EF4-FFF2-40B4-BE49-F238E27FC236}">
+                <a16:creationId xmlns:a16="http://schemas.microsoft.com/office/drawing/2014/main" id="{3E5B77CE-6B03-593C-D065-E2BAD3B86032}"/>
+              </a:ext>
+            </a:extLst>
+          </p:cNvPr>
+          <p:cNvSpPr>
+            <a:spLocks noGrp="1"/>
+          </p:cNvSpPr>
+          <p:nvPr>
+            <p:ph type="body" idx="1"/>
+          </p:nvPr>
+        </p:nvSpPr>
+        <p:spPr/>
+        <p:txBody>
+          <a:bodyPr/>
+          <a:lstStyle/>
+          <a:p>
+            <a:r>
+              <a:rPr lang="pt-BR" dirty="0"/>
+              <a:t>Tentativa como Energia Final</a:t>
+            </a:r>
+          </a:p>
+        </p:txBody>
+      </p:sp>
+      <p:sp>
+        <p:nvSpPr>
+          <p:cNvPr id="4" name="Espaço Reservado para Número de Slide 3">
+            <a:extLst>
+              <a:ext uri="{FF2B5EF4-FFF2-40B4-BE49-F238E27FC236}">
+                <a16:creationId xmlns:a16="http://schemas.microsoft.com/office/drawing/2014/main" id="{4158D553-3492-6CAF-73FE-B11340BCD192}"/>
+              </a:ext>
+            </a:extLst>
+          </p:cNvPr>
+          <p:cNvSpPr>
+            <a:spLocks noGrp="1"/>
+          </p:cNvSpPr>
+          <p:nvPr>
+            <p:ph type="sldNum" sz="quarter" idx="5"/>
+          </p:nvPr>
+        </p:nvSpPr>
+        <p:spPr/>
+        <p:txBody>
+          <a:bodyPr/>
+          <a:lstStyle/>
+          <a:p>
+            <a:fld id="{04C3BA9C-038C-4BB8-B038-C189F78C736F}" type="slidenum">
+              <a:rPr lang="pt-BR" smtClean="0"/>
+              <a:t>4</a:t>
+            </a:fld>
+            <a:endParaRPr lang="pt-BR"/>
+          </a:p>
+        </p:txBody>
+      </p:sp>
+    </p:spTree>
+    <p:extLst>
+      <p:ext uri="{BB962C8B-B14F-4D97-AF65-F5344CB8AC3E}">
+        <p14:creationId xmlns:p14="http://schemas.microsoft.com/office/powerpoint/2010/main" val="1769664969"/>
+      </p:ext>
+    </p:extLst>
+  </p:cSld>
+  <p:clrMapOvr>
+    <a:masterClrMapping/>
+  </p:clrMapOvr>
+</p:notes>
+</file>
+
 <file path=ppt/slideLayouts/slideLayout1.xml><?xml version="1.0" encoding="utf-8"?>
 <p:sldLayout xmlns:a="http://schemas.openxmlformats.org/drawingml/2006/main" xmlns:r="http://schemas.openxmlformats.org/officeDocument/2006/relationships" xmlns:p="http://schemas.openxmlformats.org/presentationml/2006/main" type="title" preserve="1">
   <p:cSld name="Slide de título">
@@ -928,7 +1040,7 @@
             <a:fld id="{C11B6B41-91B8-4293-9633-874C21C369B6}" type="datetimeFigureOut">
               <a:rPr lang="pt-BR" smtClean="0"/>
               <a:pPr/>
-              <a:t>30/10/2024</a:t>
+              <a:t>02/11/2024</a:t>
             </a:fld>
             <a:endParaRPr lang="pt-BR"/>
           </a:p>
@@ -1093,7 +1205,7 @@
             <a:fld id="{C11B6B41-91B8-4293-9633-874C21C369B6}" type="datetimeFigureOut">
               <a:rPr lang="pt-BR" smtClean="0"/>
               <a:pPr/>
-              <a:t>30/10/2024</a:t>
+              <a:t>02/11/2024</a:t>
             </a:fld>
             <a:endParaRPr lang="pt-BR"/>
           </a:p>
@@ -1268,7 +1380,7 @@
             <a:fld id="{C11B6B41-91B8-4293-9633-874C21C369B6}" type="datetimeFigureOut">
               <a:rPr lang="pt-BR" smtClean="0"/>
               <a:pPr/>
-              <a:t>30/10/2024</a:t>
+              <a:t>02/11/2024</a:t>
             </a:fld>
             <a:endParaRPr lang="pt-BR"/>
           </a:p>
@@ -1433,7 +1545,7 @@
             <a:fld id="{C11B6B41-91B8-4293-9633-874C21C369B6}" type="datetimeFigureOut">
               <a:rPr lang="pt-BR" smtClean="0"/>
               <a:pPr/>
-              <a:t>30/10/2024</a:t>
+              <a:t>02/11/2024</a:t>
             </a:fld>
             <a:endParaRPr lang="pt-BR"/>
           </a:p>
@@ -1675,7 +1787,7 @@
             <a:fld id="{C11B6B41-91B8-4293-9633-874C21C369B6}" type="datetimeFigureOut">
               <a:rPr lang="pt-BR" smtClean="0"/>
               <a:pPr/>
-              <a:t>30/10/2024</a:t>
+              <a:t>02/11/2024</a:t>
             </a:fld>
             <a:endParaRPr lang="pt-BR"/>
           </a:p>
@@ -1957,7 +2069,7 @@
             <a:fld id="{C11B6B41-91B8-4293-9633-874C21C369B6}" type="datetimeFigureOut">
               <a:rPr lang="pt-BR" smtClean="0"/>
               <a:pPr/>
-              <a:t>30/10/2024</a:t>
+              <a:t>02/11/2024</a:t>
             </a:fld>
             <a:endParaRPr lang="pt-BR"/>
           </a:p>
@@ -2373,7 +2485,7 @@
             <a:fld id="{C11B6B41-91B8-4293-9633-874C21C369B6}" type="datetimeFigureOut">
               <a:rPr lang="pt-BR" smtClean="0"/>
               <a:pPr/>
-              <a:t>30/10/2024</a:t>
+              <a:t>02/11/2024</a:t>
             </a:fld>
             <a:endParaRPr lang="pt-BR"/>
           </a:p>
@@ -2487,7 +2599,7 @@
             <a:fld id="{C11B6B41-91B8-4293-9633-874C21C369B6}" type="datetimeFigureOut">
               <a:rPr lang="pt-BR" smtClean="0"/>
               <a:pPr/>
-              <a:t>30/10/2024</a:t>
+              <a:t>02/11/2024</a:t>
             </a:fld>
             <a:endParaRPr lang="pt-BR"/>
           </a:p>
@@ -2579,7 +2691,7 @@
             <a:fld id="{C11B6B41-91B8-4293-9633-874C21C369B6}" type="datetimeFigureOut">
               <a:rPr lang="pt-BR" smtClean="0"/>
               <a:pPr/>
-              <a:t>30/10/2024</a:t>
+              <a:t>02/11/2024</a:t>
             </a:fld>
             <a:endParaRPr lang="pt-BR"/>
           </a:p>
@@ -2851,7 +2963,7 @@
             <a:fld id="{C11B6B41-91B8-4293-9633-874C21C369B6}" type="datetimeFigureOut">
               <a:rPr lang="pt-BR" smtClean="0"/>
               <a:pPr/>
-              <a:t>30/10/2024</a:t>
+              <a:t>02/11/2024</a:t>
             </a:fld>
             <a:endParaRPr lang="pt-BR"/>
           </a:p>
@@ -3100,7 +3212,7 @@
             <a:fld id="{C11B6B41-91B8-4293-9633-874C21C369B6}" type="datetimeFigureOut">
               <a:rPr lang="pt-BR" smtClean="0"/>
               <a:pPr/>
-              <a:t>30/10/2024</a:t>
+              <a:t>02/11/2024</a:t>
             </a:fld>
             <a:endParaRPr lang="pt-BR"/>
           </a:p>
@@ -3308,7 +3420,7 @@
             <a:fld id="{C11B6B41-91B8-4293-9633-874C21C369B6}" type="datetimeFigureOut">
               <a:rPr lang="pt-BR" smtClean="0"/>
               <a:pPr/>
-              <a:t>30/10/2024</a:t>
+              <a:t>02/11/2024</a:t>
             </a:fld>
             <a:endParaRPr lang="pt-BR"/>
           </a:p>
@@ -7310,7 +7422,7 @@
         </p:nvSpPr>
         <p:spPr>
           <a:xfrm>
-            <a:off x="2770671" y="2158409"/>
+            <a:off x="2277971" y="2147776"/>
             <a:ext cx="1167812" cy="648098"/>
           </a:xfrm>
           <a:prstGeom prst="roundRect">
@@ -7405,7 +7517,7 @@
         </p:nvSpPr>
         <p:spPr>
           <a:xfrm>
-            <a:off x="2770671" y="3023269"/>
+            <a:off x="2277971" y="3012636"/>
             <a:ext cx="1167812" cy="648098"/>
           </a:xfrm>
           <a:prstGeom prst="roundRect">
@@ -7502,7 +7614,7 @@
         </p:nvCxnSpPr>
         <p:spPr>
           <a:xfrm>
-            <a:off x="4427572" y="1424763"/>
+            <a:off x="3934872" y="1414130"/>
             <a:ext cx="0" cy="4848446"/>
           </a:xfrm>
           <a:prstGeom prst="line">
@@ -7533,7 +7645,7 @@
         </p:nvSpPr>
         <p:spPr>
           <a:xfrm rot="16200000">
-            <a:off x="3598236" y="5380918"/>
+            <a:off x="3105536" y="5370285"/>
             <a:ext cx="1446028" cy="338554"/>
           </a:xfrm>
           <a:prstGeom prst="rect">
@@ -7608,7 +7720,7 @@
         </p:nvCxnSpPr>
         <p:spPr>
           <a:xfrm>
-            <a:off x="3949116" y="2463287"/>
+            <a:off x="3456416" y="2452654"/>
             <a:ext cx="490860" cy="0"/>
           </a:xfrm>
           <a:prstGeom prst="straightConnector1">
@@ -8047,7 +8159,7 @@
         </p:nvCxnSpPr>
         <p:spPr>
           <a:xfrm>
-            <a:off x="3938483" y="3388241"/>
+            <a:off x="3445783" y="3377608"/>
             <a:ext cx="490860" cy="0"/>
           </a:xfrm>
           <a:prstGeom prst="straightConnector1">
@@ -8081,8 +8193,8 @@
         </p:nvCxnSpPr>
         <p:spPr>
           <a:xfrm>
-            <a:off x="4439976" y="3023269"/>
-            <a:ext cx="490860" cy="0"/>
+            <a:off x="3947276" y="3023269"/>
+            <a:ext cx="983560" cy="0"/>
           </a:xfrm>
           <a:prstGeom prst="straightConnector1">
             <a:avLst/>
@@ -8911,7 +9023,7 @@
         </p:nvSpPr>
         <p:spPr>
           <a:xfrm rot="5400000">
-            <a:off x="3226163" y="3737577"/>
+            <a:off x="2733463" y="3726944"/>
             <a:ext cx="458780" cy="523220"/>
           </a:xfrm>
           <a:prstGeom prst="rect">
@@ -8946,7 +9058,7 @@
         </p:nvSpPr>
         <p:spPr>
           <a:xfrm>
-            <a:off x="2756722" y="4318028"/>
+            <a:off x="2264022" y="4307395"/>
             <a:ext cx="1167812" cy="648098"/>
           </a:xfrm>
           <a:prstGeom prst="roundRect">
@@ -9043,7 +9155,7 @@
         </p:nvCxnSpPr>
         <p:spPr>
           <a:xfrm>
-            <a:off x="3935167" y="4622906"/>
+            <a:off x="3442467" y="4612273"/>
             <a:ext cx="490860" cy="0"/>
           </a:xfrm>
           <a:prstGeom prst="straightConnector1">
@@ -9065,6 +9177,2850 @@
     <p:extLst>
       <p:ext uri="{BB962C8B-B14F-4D97-AF65-F5344CB8AC3E}">
         <p14:creationId xmlns:p14="http://schemas.microsoft.com/office/powerpoint/2010/main" val="3156359377"/>
+      </p:ext>
+    </p:extLst>
+  </p:cSld>
+  <p:clrMapOvr>
+    <a:masterClrMapping/>
+  </p:clrMapOvr>
+</p:sld>
+</file>
+
+<file path=ppt/slides/slide4.xml><?xml version="1.0" encoding="utf-8"?>
+<p:sld xmlns:a="http://schemas.openxmlformats.org/drawingml/2006/main" xmlns:r="http://schemas.openxmlformats.org/officeDocument/2006/relationships" xmlns:p="http://schemas.openxmlformats.org/presentationml/2006/main">
+  <p:cSld>
+    <p:spTree>
+      <p:nvGrpSpPr>
+        <p:cNvPr id="1" name="">
+          <a:extLst>
+            <a:ext uri="{FF2B5EF4-FFF2-40B4-BE49-F238E27FC236}">
+              <a16:creationId xmlns:a16="http://schemas.microsoft.com/office/drawing/2014/main" id="{BD819B1A-4A56-833E-22C6-713DB935895C}"/>
+            </a:ext>
+          </a:extLst>
+        </p:cNvPr>
+        <p:cNvGrpSpPr/>
+        <p:nvPr/>
+      </p:nvGrpSpPr>
+      <p:grpSpPr>
+        <a:xfrm>
+          <a:off x="0" y="0"/>
+          <a:ext cx="0" cy="0"/>
+          <a:chOff x="0" y="0"/>
+          <a:chExt cx="0" cy="0"/>
+        </a:xfrm>
+      </p:grpSpPr>
+      <p:pic>
+        <p:nvPicPr>
+          <p:cNvPr id="82" name="Picture 4">
+            <a:extLst>
+              <a:ext uri="{FF2B5EF4-FFF2-40B4-BE49-F238E27FC236}">
+                <a16:creationId xmlns:a16="http://schemas.microsoft.com/office/drawing/2014/main" id="{6491C1BA-2133-11E9-3E3E-CFC073F3ADEF}"/>
+              </a:ext>
+            </a:extLst>
+          </p:cNvPr>
+          <p:cNvPicPr>
+            <a:picLocks noChangeAspect="1"/>
+          </p:cNvPicPr>
+          <p:nvPr/>
+        </p:nvPicPr>
+        <p:blipFill>
+          <a:blip r:embed="rId3">
+            <a:extLst>
+              <a:ext uri="{28A0092B-C50C-407E-A947-70E740481C1C}">
+                <a14:useLocalDpi xmlns:a14="http://schemas.microsoft.com/office/drawing/2010/main" val="0"/>
+              </a:ext>
+            </a:extLst>
+          </a:blip>
+          <a:srcRect l="43433" r="2365" b="6209"/>
+          <a:stretch/>
+        </p:blipFill>
+        <p:spPr>
+          <a:xfrm>
+            <a:off x="80282" y="103706"/>
+            <a:ext cx="1748518" cy="6637661"/>
+          </a:xfrm>
+          <a:prstGeom prst="rect">
+            <a:avLst/>
+          </a:prstGeom>
+        </p:spPr>
+      </p:pic>
+      <p:sp>
+        <p:nvSpPr>
+          <p:cNvPr id="83" name="Rectangle: Rounded Corners 5">
+            <a:extLst>
+              <a:ext uri="{FF2B5EF4-FFF2-40B4-BE49-F238E27FC236}">
+                <a16:creationId xmlns:a16="http://schemas.microsoft.com/office/drawing/2014/main" id="{D798218F-06E9-0CC0-93C3-E21D05F3A20B}"/>
+              </a:ext>
+            </a:extLst>
+          </p:cNvPr>
+          <p:cNvSpPr/>
+          <p:nvPr/>
+        </p:nvSpPr>
+        <p:spPr>
+          <a:xfrm>
+            <a:off x="2277971" y="2147776"/>
+            <a:ext cx="1167812" cy="648098"/>
+          </a:xfrm>
+          <a:prstGeom prst="roundRect">
+            <a:avLst/>
+          </a:prstGeom>
+          <a:solidFill>
+            <a:srgbClr val="4472C4"/>
+          </a:solidFill>
+          <a:ln w="12700" cap="flat" cmpd="sng" algn="ctr">
+            <a:solidFill>
+              <a:srgbClr val="4472C4">
+                <a:shade val="50000"/>
+              </a:srgbClr>
+            </a:solidFill>
+            <a:prstDash val="solid"/>
+            <a:miter lim="800000"/>
+          </a:ln>
+          <a:effectLst>
+            <a:outerShdw blurRad="50800" dist="38100" dir="2700000" algn="tl" rotWithShape="0">
+              <a:prstClr val="black">
+                <a:alpha val="40000"/>
+              </a:prstClr>
+            </a:outerShdw>
+          </a:effectLst>
+        </p:spPr>
+        <p:txBody>
+          <a:bodyPr rtlCol="0" anchor="ctr"/>
+          <a:lstStyle/>
+          <a:p>
+            <a:pPr marL="0" marR="0" lvl="0" indent="0" algn="ctr" defTabSz="914400" eaLnBrk="1" fontAlgn="auto" latinLnBrk="0" hangingPunct="1">
+              <a:lnSpc>
+                <a:spcPct val="100000"/>
+              </a:lnSpc>
+              <a:spcBef>
+                <a:spcPts val="0"/>
+              </a:spcBef>
+              <a:spcAft>
+                <a:spcPts val="0"/>
+              </a:spcAft>
+              <a:buClrTx/>
+              <a:buSzTx/>
+              <a:buFontTx/>
+              <a:buNone/>
+              <a:tabLst/>
+              <a:defRPr/>
+            </a:pPr>
+            <a:r>
+              <a:rPr kumimoji="0" lang="en-US" sz="1400" b="0" i="0" u="none" strike="noStrike" kern="0" cap="none" spc="0" normalizeH="0" baseline="0" noProof="0" dirty="0">
+                <a:ln>
+                  <a:noFill/>
+                </a:ln>
+                <a:solidFill>
+                  <a:prstClr val="white"/>
+                </a:solidFill>
+                <a:effectLst/>
+                <a:uLnTx/>
+                <a:uFillTx/>
+                <a:latin typeface="Calibri" panose="020F0502020204030204"/>
+                <a:ea typeface="+mn-ea"/>
+                <a:cs typeface="+mn-cs"/>
+              </a:rPr>
+              <a:t>Hydro Power plant</a:t>
+            </a:r>
+            <a:endParaRPr kumimoji="0" lang="en-GB" sz="1400" b="0" i="0" u="none" strike="noStrike" kern="0" cap="none" spc="0" normalizeH="0" baseline="0" noProof="0" dirty="0">
+              <a:ln>
+                <a:noFill/>
+              </a:ln>
+              <a:solidFill>
+                <a:prstClr val="white"/>
+              </a:solidFill>
+              <a:effectLst/>
+              <a:uLnTx/>
+              <a:uFillTx/>
+              <a:latin typeface="Calibri" panose="020F0502020204030204"/>
+              <a:ea typeface="+mn-ea"/>
+              <a:cs typeface="+mn-cs"/>
+            </a:endParaRPr>
+          </a:p>
+        </p:txBody>
+      </p:sp>
+      <p:sp>
+        <p:nvSpPr>
+          <p:cNvPr id="84" name="Rectangle: Rounded Corners 7">
+            <a:extLst>
+              <a:ext uri="{FF2B5EF4-FFF2-40B4-BE49-F238E27FC236}">
+                <a16:creationId xmlns:a16="http://schemas.microsoft.com/office/drawing/2014/main" id="{5EF5CD24-B112-6832-AAA6-41F20460BF0D}"/>
+              </a:ext>
+            </a:extLst>
+          </p:cNvPr>
+          <p:cNvSpPr/>
+          <p:nvPr/>
+        </p:nvSpPr>
+        <p:spPr>
+          <a:xfrm>
+            <a:off x="2277971" y="3012636"/>
+            <a:ext cx="1167812" cy="648098"/>
+          </a:xfrm>
+          <a:prstGeom prst="roundRect">
+            <a:avLst/>
+          </a:prstGeom>
+          <a:solidFill>
+            <a:srgbClr val="4472C4"/>
+          </a:solidFill>
+          <a:ln w="12700" cap="flat" cmpd="sng" algn="ctr">
+            <a:solidFill>
+              <a:srgbClr val="4472C4">
+                <a:shade val="50000"/>
+              </a:srgbClr>
+            </a:solidFill>
+            <a:prstDash val="solid"/>
+            <a:miter lim="800000"/>
+          </a:ln>
+          <a:effectLst>
+            <a:outerShdw blurRad="50800" dist="38100" dir="2700000" algn="tl" rotWithShape="0">
+              <a:prstClr val="black">
+                <a:alpha val="40000"/>
+              </a:prstClr>
+            </a:outerShdw>
+          </a:effectLst>
+        </p:spPr>
+        <p:txBody>
+          <a:bodyPr rtlCol="0" anchor="ctr"/>
+          <a:lstStyle/>
+          <a:p>
+            <a:pPr marL="0" marR="0" lvl="0" indent="0" algn="ctr" defTabSz="914400" eaLnBrk="1" fontAlgn="auto" latinLnBrk="0" hangingPunct="1">
+              <a:lnSpc>
+                <a:spcPct val="100000"/>
+              </a:lnSpc>
+              <a:spcBef>
+                <a:spcPts val="0"/>
+              </a:spcBef>
+              <a:spcAft>
+                <a:spcPts val="0"/>
+              </a:spcAft>
+              <a:buClrTx/>
+              <a:buSzTx/>
+              <a:buFontTx/>
+              <a:buNone/>
+              <a:tabLst/>
+              <a:defRPr/>
+            </a:pPr>
+            <a:r>
+              <a:rPr kumimoji="0" lang="en-US" sz="1400" b="0" i="0" u="none" strike="noStrike" kern="0" cap="none" spc="0" normalizeH="0" baseline="0" noProof="0" dirty="0">
+                <a:ln>
+                  <a:noFill/>
+                </a:ln>
+                <a:solidFill>
+                  <a:prstClr val="white"/>
+                </a:solidFill>
+                <a:effectLst/>
+                <a:uLnTx/>
+                <a:uFillTx/>
+                <a:latin typeface="Calibri" panose="020F0502020204030204"/>
+                <a:ea typeface="+mn-ea"/>
+                <a:cs typeface="+mn-cs"/>
+              </a:rPr>
+              <a:t>Wind Power plant</a:t>
+            </a:r>
+            <a:endParaRPr kumimoji="0" lang="en-GB" sz="1400" b="0" i="0" u="none" strike="noStrike" kern="0" cap="none" spc="0" normalizeH="0" baseline="0" noProof="0" dirty="0">
+              <a:ln>
+                <a:noFill/>
+              </a:ln>
+              <a:solidFill>
+                <a:prstClr val="white"/>
+              </a:solidFill>
+              <a:effectLst/>
+              <a:uLnTx/>
+              <a:uFillTx/>
+              <a:latin typeface="Calibri" panose="020F0502020204030204"/>
+              <a:ea typeface="+mn-ea"/>
+              <a:cs typeface="+mn-cs"/>
+            </a:endParaRPr>
+          </a:p>
+        </p:txBody>
+      </p:sp>
+      <p:cxnSp>
+        <p:nvCxnSpPr>
+          <p:cNvPr id="85" name="Straight Connector 9">
+            <a:extLst>
+              <a:ext uri="{FF2B5EF4-FFF2-40B4-BE49-F238E27FC236}">
+                <a16:creationId xmlns:a16="http://schemas.microsoft.com/office/drawing/2014/main" id="{B9958F4D-40D5-F300-1161-598EFC046A11}"/>
+              </a:ext>
+            </a:extLst>
+          </p:cNvPr>
+          <p:cNvCxnSpPr>
+            <a:cxnSpLocks/>
+          </p:cNvCxnSpPr>
+          <p:nvPr/>
+        </p:nvCxnSpPr>
+        <p:spPr>
+          <a:xfrm>
+            <a:off x="3934872" y="1414130"/>
+            <a:ext cx="0" cy="4848446"/>
+          </a:xfrm>
+          <a:prstGeom prst="line">
+            <a:avLst/>
+          </a:prstGeom>
+          <a:noFill/>
+          <a:ln w="19050" cap="flat" cmpd="sng" algn="ctr">
+            <a:solidFill>
+              <a:srgbClr val="A5A5A5"/>
+            </a:solidFill>
+            <a:prstDash val="solid"/>
+            <a:miter lim="800000"/>
+          </a:ln>
+          <a:effectLst/>
+        </p:spPr>
+      </p:cxnSp>
+      <p:sp>
+        <p:nvSpPr>
+          <p:cNvPr id="86" name="TextBox 11">
+            <a:extLst>
+              <a:ext uri="{FF2B5EF4-FFF2-40B4-BE49-F238E27FC236}">
+                <a16:creationId xmlns:a16="http://schemas.microsoft.com/office/drawing/2014/main" id="{CA290027-3AA1-02A7-A01A-A916AD6B1F07}"/>
+              </a:ext>
+            </a:extLst>
+          </p:cNvPr>
+          <p:cNvSpPr txBox="1"/>
+          <p:nvPr/>
+        </p:nvSpPr>
+        <p:spPr>
+          <a:xfrm rot="16200000">
+            <a:off x="3105536" y="5370285"/>
+            <a:ext cx="1446028" cy="338554"/>
+          </a:xfrm>
+          <a:prstGeom prst="rect">
+            <a:avLst/>
+          </a:prstGeom>
+          <a:noFill/>
+        </p:spPr>
+        <p:txBody>
+          <a:bodyPr wrap="square" rtlCol="0">
+            <a:spAutoFit/>
+          </a:bodyPr>
+          <a:lstStyle/>
+          <a:p>
+            <a:pPr marL="0" marR="0" lvl="0" indent="0" defTabSz="914400" eaLnBrk="1" fontAlgn="auto" latinLnBrk="0" hangingPunct="1">
+              <a:lnSpc>
+                <a:spcPct val="100000"/>
+              </a:lnSpc>
+              <a:spcBef>
+                <a:spcPts val="0"/>
+              </a:spcBef>
+              <a:spcAft>
+                <a:spcPts val="0"/>
+              </a:spcAft>
+              <a:buClrTx/>
+              <a:buSzTx/>
+              <a:buFontTx/>
+              <a:buNone/>
+              <a:tabLst/>
+              <a:defRPr/>
+            </a:pPr>
+            <a:r>
+              <a:rPr kumimoji="0" lang="en-US" sz="1600" b="0" i="1" u="none" strike="noStrike" kern="0" cap="none" spc="0" normalizeH="0" baseline="0" noProof="0" dirty="0">
+                <a:ln>
+                  <a:noFill/>
+                </a:ln>
+                <a:solidFill>
+                  <a:prstClr val="black"/>
+                </a:solidFill>
+                <a:effectLst/>
+                <a:uLnTx/>
+                <a:uFillTx/>
+              </a:rPr>
+              <a:t>electricity</a:t>
+            </a:r>
+            <a:endParaRPr kumimoji="0" lang="en-GB" sz="1600" b="0" i="1" u="none" strike="noStrike" kern="0" cap="none" spc="0" normalizeH="0" baseline="0" noProof="0" dirty="0">
+              <a:ln>
+                <a:noFill/>
+              </a:ln>
+              <a:solidFill>
+                <a:prstClr val="black"/>
+              </a:solidFill>
+              <a:effectLst/>
+              <a:uLnTx/>
+              <a:uFillTx/>
+            </a:endParaRPr>
+          </a:p>
+        </p:txBody>
+      </p:sp>
+      <p:cxnSp>
+        <p:nvCxnSpPr>
+          <p:cNvPr id="87" name="Straight Arrow Connector 18">
+            <a:extLst>
+              <a:ext uri="{FF2B5EF4-FFF2-40B4-BE49-F238E27FC236}">
+                <a16:creationId xmlns:a16="http://schemas.microsoft.com/office/drawing/2014/main" id="{8F18217B-C9B4-2A51-DD64-EA54DE743CAE}"/>
+              </a:ext>
+            </a:extLst>
+          </p:cNvPr>
+          <p:cNvCxnSpPr>
+            <a:cxnSpLocks/>
+          </p:cNvCxnSpPr>
+          <p:nvPr/>
+        </p:nvCxnSpPr>
+        <p:spPr>
+          <a:xfrm>
+            <a:off x="3456416" y="2452654"/>
+            <a:ext cx="490860" cy="0"/>
+          </a:xfrm>
+          <a:prstGeom prst="straightConnector1">
+            <a:avLst/>
+          </a:prstGeom>
+          <a:noFill/>
+          <a:ln w="19050" cap="flat" cmpd="sng" algn="ctr">
+            <a:solidFill>
+              <a:srgbClr val="A5A5A5"/>
+            </a:solidFill>
+            <a:prstDash val="solid"/>
+            <a:miter lim="800000"/>
+            <a:tailEnd type="triangle"/>
+          </a:ln>
+          <a:effectLst/>
+        </p:spPr>
+      </p:cxnSp>
+      <p:sp>
+        <p:nvSpPr>
+          <p:cNvPr id="88" name="Rectangle: Rounded Corners 20">
+            <a:extLst>
+              <a:ext uri="{FF2B5EF4-FFF2-40B4-BE49-F238E27FC236}">
+                <a16:creationId xmlns:a16="http://schemas.microsoft.com/office/drawing/2014/main" id="{820E5F28-CA4B-7A9A-B7CB-A2435BCE0DF5}"/>
+              </a:ext>
+            </a:extLst>
+          </p:cNvPr>
+          <p:cNvSpPr/>
+          <p:nvPr/>
+        </p:nvSpPr>
+        <p:spPr>
+          <a:xfrm>
+            <a:off x="4928188" y="2701159"/>
+            <a:ext cx="1167812" cy="648098"/>
+          </a:xfrm>
+          <a:prstGeom prst="roundRect">
+            <a:avLst/>
+          </a:prstGeom>
+          <a:solidFill>
+            <a:srgbClr val="A5A5A5"/>
+          </a:solidFill>
+          <a:ln w="12700" cap="flat" cmpd="sng" algn="ctr">
+            <a:solidFill>
+              <a:srgbClr val="4472C4">
+                <a:shade val="50000"/>
+              </a:srgbClr>
+            </a:solidFill>
+            <a:prstDash val="solid"/>
+            <a:miter lim="800000"/>
+          </a:ln>
+          <a:effectLst>
+            <a:outerShdw blurRad="50800" dist="38100" dir="2700000" algn="tl" rotWithShape="0">
+              <a:prstClr val="black">
+                <a:alpha val="40000"/>
+              </a:prstClr>
+            </a:outerShdw>
+          </a:effectLst>
+        </p:spPr>
+        <p:txBody>
+          <a:bodyPr rtlCol="0" anchor="ctr"/>
+          <a:lstStyle/>
+          <a:p>
+            <a:pPr marL="0" marR="0" lvl="0" indent="0" algn="ctr" defTabSz="914400" eaLnBrk="1" fontAlgn="auto" latinLnBrk="0" hangingPunct="1">
+              <a:lnSpc>
+                <a:spcPct val="100000"/>
+              </a:lnSpc>
+              <a:spcBef>
+                <a:spcPts val="0"/>
+              </a:spcBef>
+              <a:spcAft>
+                <a:spcPts val="0"/>
+              </a:spcAft>
+              <a:buClrTx/>
+              <a:buSzTx/>
+              <a:buFontTx/>
+              <a:buNone/>
+              <a:tabLst/>
+              <a:defRPr/>
+            </a:pPr>
+            <a:r>
+              <a:rPr kumimoji="0" lang="en-US" sz="1400" b="0" i="0" u="none" strike="noStrike" kern="0" cap="none" spc="0" normalizeH="0" baseline="0" noProof="0" dirty="0">
+                <a:ln>
+                  <a:noFill/>
+                </a:ln>
+                <a:solidFill>
+                  <a:prstClr val="white"/>
+                </a:solidFill>
+                <a:effectLst/>
+                <a:uLnTx/>
+                <a:uFillTx/>
+                <a:latin typeface="Calibri" panose="020F0502020204030204"/>
+                <a:ea typeface="+mn-ea"/>
+                <a:cs typeface="+mn-cs"/>
+              </a:rPr>
+              <a:t>Electricity grid</a:t>
+            </a:r>
+            <a:endParaRPr kumimoji="0" lang="en-GB" sz="1400" b="0" i="0" u="none" strike="noStrike" kern="0" cap="none" spc="0" normalizeH="0" baseline="0" noProof="0" dirty="0">
+              <a:ln>
+                <a:noFill/>
+              </a:ln>
+              <a:solidFill>
+                <a:prstClr val="white"/>
+              </a:solidFill>
+              <a:effectLst/>
+              <a:uLnTx/>
+              <a:uFillTx/>
+              <a:latin typeface="Calibri" panose="020F0502020204030204"/>
+              <a:ea typeface="+mn-ea"/>
+              <a:cs typeface="+mn-cs"/>
+            </a:endParaRPr>
+          </a:p>
+        </p:txBody>
+      </p:sp>
+      <p:cxnSp>
+        <p:nvCxnSpPr>
+          <p:cNvPr id="89" name="Straight Connector 23">
+            <a:extLst>
+              <a:ext uri="{FF2B5EF4-FFF2-40B4-BE49-F238E27FC236}">
+                <a16:creationId xmlns:a16="http://schemas.microsoft.com/office/drawing/2014/main" id="{43742D25-D821-7B04-5415-5341C8EB3CB1}"/>
+              </a:ext>
+            </a:extLst>
+          </p:cNvPr>
+          <p:cNvCxnSpPr>
+            <a:cxnSpLocks/>
+          </p:cNvCxnSpPr>
+          <p:nvPr/>
+        </p:nvCxnSpPr>
+        <p:spPr>
+          <a:xfrm>
+            <a:off x="6574470" y="1414130"/>
+            <a:ext cx="0" cy="4848446"/>
+          </a:xfrm>
+          <a:prstGeom prst="line">
+            <a:avLst/>
+          </a:prstGeom>
+          <a:noFill/>
+          <a:ln w="19050" cap="flat" cmpd="sng" algn="ctr">
+            <a:solidFill>
+              <a:srgbClr val="A5A5A5"/>
+            </a:solidFill>
+            <a:prstDash val="solid"/>
+            <a:miter lim="800000"/>
+          </a:ln>
+          <a:effectLst/>
+        </p:spPr>
+      </p:cxnSp>
+      <p:sp>
+        <p:nvSpPr>
+          <p:cNvPr id="90" name="TextBox 24">
+            <a:extLst>
+              <a:ext uri="{FF2B5EF4-FFF2-40B4-BE49-F238E27FC236}">
+                <a16:creationId xmlns:a16="http://schemas.microsoft.com/office/drawing/2014/main" id="{F0071EEC-DCDB-1930-C33F-C17BED132447}"/>
+              </a:ext>
+            </a:extLst>
+          </p:cNvPr>
+          <p:cNvSpPr txBox="1"/>
+          <p:nvPr/>
+        </p:nvSpPr>
+        <p:spPr>
+          <a:xfrm rot="16200000">
+            <a:off x="5745134" y="5370285"/>
+            <a:ext cx="1446028" cy="338554"/>
+          </a:xfrm>
+          <a:prstGeom prst="rect">
+            <a:avLst/>
+          </a:prstGeom>
+          <a:noFill/>
+        </p:spPr>
+        <p:txBody>
+          <a:bodyPr wrap="square" rtlCol="0">
+            <a:spAutoFit/>
+          </a:bodyPr>
+          <a:lstStyle/>
+          <a:p>
+            <a:pPr marL="0" marR="0" lvl="0" indent="0" defTabSz="914400" eaLnBrk="1" fontAlgn="auto" latinLnBrk="0" hangingPunct="1">
+              <a:lnSpc>
+                <a:spcPct val="100000"/>
+              </a:lnSpc>
+              <a:spcBef>
+                <a:spcPts val="0"/>
+              </a:spcBef>
+              <a:spcAft>
+                <a:spcPts val="0"/>
+              </a:spcAft>
+              <a:buClrTx/>
+              <a:buSzTx/>
+              <a:buFontTx/>
+              <a:buNone/>
+              <a:tabLst/>
+              <a:defRPr/>
+            </a:pPr>
+            <a:r>
+              <a:rPr kumimoji="0" lang="en-US" sz="1600" b="0" i="1" u="none" strike="noStrike" kern="0" cap="none" spc="0" normalizeH="0" baseline="0" noProof="0" dirty="0">
+                <a:ln>
+                  <a:noFill/>
+                </a:ln>
+                <a:solidFill>
+                  <a:prstClr val="black"/>
+                </a:solidFill>
+                <a:effectLst/>
+                <a:uLnTx/>
+                <a:uFillTx/>
+              </a:rPr>
+              <a:t>electricity</a:t>
+            </a:r>
+            <a:endParaRPr kumimoji="0" lang="en-GB" sz="1600" b="0" i="1" u="none" strike="noStrike" kern="0" cap="none" spc="0" normalizeH="0" baseline="0" noProof="0" dirty="0">
+              <a:ln>
+                <a:noFill/>
+              </a:ln>
+              <a:solidFill>
+                <a:prstClr val="black"/>
+              </a:solidFill>
+              <a:effectLst/>
+              <a:uLnTx/>
+              <a:uFillTx/>
+            </a:endParaRPr>
+          </a:p>
+        </p:txBody>
+      </p:sp>
+      <p:sp>
+        <p:nvSpPr>
+          <p:cNvPr id="91" name="Rectangle: Rounded Corners 26">
+            <a:extLst>
+              <a:ext uri="{FF2B5EF4-FFF2-40B4-BE49-F238E27FC236}">
+                <a16:creationId xmlns:a16="http://schemas.microsoft.com/office/drawing/2014/main" id="{CA491A71-0D6A-CC44-FB0A-32859D85FE14}"/>
+              </a:ext>
+            </a:extLst>
+          </p:cNvPr>
+          <p:cNvSpPr/>
+          <p:nvPr/>
+        </p:nvSpPr>
+        <p:spPr>
+          <a:xfrm>
+            <a:off x="7079476" y="2699220"/>
+            <a:ext cx="1167812" cy="648098"/>
+          </a:xfrm>
+          <a:prstGeom prst="roundRect">
+            <a:avLst/>
+          </a:prstGeom>
+          <a:solidFill>
+            <a:srgbClr val="FFC000">
+              <a:lumMod val="60000"/>
+              <a:lumOff val="40000"/>
+            </a:srgbClr>
+          </a:solidFill>
+          <a:ln w="12700" cap="flat" cmpd="sng" algn="ctr">
+            <a:solidFill>
+              <a:srgbClr val="4472C4">
+                <a:shade val="50000"/>
+              </a:srgbClr>
+            </a:solidFill>
+            <a:prstDash val="solid"/>
+            <a:miter lim="800000"/>
+          </a:ln>
+          <a:effectLst>
+            <a:outerShdw blurRad="50800" dist="38100" dir="2700000" algn="tl" rotWithShape="0">
+              <a:prstClr val="black">
+                <a:alpha val="40000"/>
+              </a:prstClr>
+            </a:outerShdw>
+          </a:effectLst>
+        </p:spPr>
+        <p:txBody>
+          <a:bodyPr rtlCol="0" anchor="ctr"/>
+          <a:lstStyle/>
+          <a:p>
+            <a:pPr marL="0" marR="0" lvl="0" indent="0" algn="ctr" defTabSz="914400" eaLnBrk="1" fontAlgn="auto" latinLnBrk="0" hangingPunct="1">
+              <a:lnSpc>
+                <a:spcPct val="100000"/>
+              </a:lnSpc>
+              <a:spcBef>
+                <a:spcPts val="0"/>
+              </a:spcBef>
+              <a:spcAft>
+                <a:spcPts val="0"/>
+              </a:spcAft>
+              <a:buClrTx/>
+              <a:buSzTx/>
+              <a:buFontTx/>
+              <a:buNone/>
+              <a:tabLst/>
+              <a:defRPr/>
+            </a:pPr>
+            <a:r>
+              <a:rPr kumimoji="0" lang="en-US" sz="1400" b="0" i="0" u="none" strike="noStrike" kern="0" cap="none" spc="0" normalizeH="0" baseline="0" noProof="0" dirty="0">
+                <a:ln>
+                  <a:noFill/>
+                </a:ln>
+                <a:solidFill>
+                  <a:srgbClr val="44546A"/>
+                </a:solidFill>
+                <a:effectLst/>
+                <a:uLnTx/>
+                <a:uFillTx/>
+                <a:latin typeface="Calibri" panose="020F0502020204030204"/>
+                <a:ea typeface="+mn-ea"/>
+                <a:cs typeface="+mn-cs"/>
+              </a:rPr>
+              <a:t>Electric Housing</a:t>
+            </a:r>
+            <a:endParaRPr kumimoji="0" lang="en-GB" sz="1400" b="0" i="0" u="none" strike="noStrike" kern="0" cap="none" spc="0" normalizeH="0" baseline="0" noProof="0" dirty="0">
+              <a:ln>
+                <a:noFill/>
+              </a:ln>
+              <a:solidFill>
+                <a:srgbClr val="44546A"/>
+              </a:solidFill>
+              <a:effectLst/>
+              <a:uLnTx/>
+              <a:uFillTx/>
+              <a:latin typeface="Calibri" panose="020F0502020204030204"/>
+              <a:ea typeface="+mn-ea"/>
+              <a:cs typeface="+mn-cs"/>
+            </a:endParaRPr>
+          </a:p>
+        </p:txBody>
+      </p:sp>
+      <p:cxnSp>
+        <p:nvCxnSpPr>
+          <p:cNvPr id="92" name="Straight Connector 29">
+            <a:extLst>
+              <a:ext uri="{FF2B5EF4-FFF2-40B4-BE49-F238E27FC236}">
+                <a16:creationId xmlns:a16="http://schemas.microsoft.com/office/drawing/2014/main" id="{471EFC45-5CF7-B921-4329-D44C0CF631AD}"/>
+              </a:ext>
+            </a:extLst>
+          </p:cNvPr>
+          <p:cNvCxnSpPr>
+            <a:cxnSpLocks/>
+          </p:cNvCxnSpPr>
+          <p:nvPr/>
+        </p:nvCxnSpPr>
+        <p:spPr>
+          <a:xfrm>
+            <a:off x="8743499" y="1417673"/>
+            <a:ext cx="0" cy="4848446"/>
+          </a:xfrm>
+          <a:prstGeom prst="line">
+            <a:avLst/>
+          </a:prstGeom>
+          <a:noFill/>
+          <a:ln w="19050" cap="flat" cmpd="sng" algn="ctr">
+            <a:solidFill>
+              <a:srgbClr val="A5A5A5"/>
+            </a:solidFill>
+            <a:prstDash val="solid"/>
+            <a:miter lim="800000"/>
+          </a:ln>
+          <a:effectLst/>
+        </p:spPr>
+      </p:cxnSp>
+      <p:sp>
+        <p:nvSpPr>
+          <p:cNvPr id="93" name="TextBox 33">
+            <a:extLst>
+              <a:ext uri="{FF2B5EF4-FFF2-40B4-BE49-F238E27FC236}">
+                <a16:creationId xmlns:a16="http://schemas.microsoft.com/office/drawing/2014/main" id="{6AC85C73-E5DB-0F4A-8F0A-1FFECE156B32}"/>
+              </a:ext>
+            </a:extLst>
+          </p:cNvPr>
+          <p:cNvSpPr txBox="1"/>
+          <p:nvPr/>
+        </p:nvSpPr>
+        <p:spPr>
+          <a:xfrm rot="16200000">
+            <a:off x="7569355" y="5041867"/>
+            <a:ext cx="2124130" cy="338554"/>
+          </a:xfrm>
+          <a:prstGeom prst="rect">
+            <a:avLst/>
+          </a:prstGeom>
+          <a:noFill/>
+        </p:spPr>
+        <p:txBody>
+          <a:bodyPr wrap="square" rtlCol="0">
+            <a:spAutoFit/>
+          </a:bodyPr>
+          <a:lstStyle/>
+          <a:p>
+            <a:pPr marL="0" marR="0" lvl="0" indent="0" defTabSz="914400" eaLnBrk="1" fontAlgn="auto" latinLnBrk="0" hangingPunct="1">
+              <a:lnSpc>
+                <a:spcPct val="100000"/>
+              </a:lnSpc>
+              <a:spcBef>
+                <a:spcPts val="0"/>
+              </a:spcBef>
+              <a:spcAft>
+                <a:spcPts val="0"/>
+              </a:spcAft>
+              <a:buClrTx/>
+              <a:buSzTx/>
+              <a:buFontTx/>
+              <a:buNone/>
+              <a:tabLst/>
+              <a:defRPr/>
+            </a:pPr>
+            <a:r>
+              <a:rPr kumimoji="0" lang="en-US" sz="1600" b="0" i="1" u="none" strike="noStrike" kern="0" cap="none" spc="0" normalizeH="0" baseline="0" noProof="0" dirty="0">
+                <a:ln>
+                  <a:noFill/>
+                </a:ln>
+                <a:solidFill>
+                  <a:prstClr val="black"/>
+                </a:solidFill>
+                <a:effectLst/>
+                <a:uLnTx/>
+                <a:uFillTx/>
+              </a:rPr>
+              <a:t>electric households</a:t>
+            </a:r>
+            <a:endParaRPr kumimoji="0" lang="en-GB" sz="1600" b="0" i="1" u="none" strike="noStrike" kern="0" cap="none" spc="0" normalizeH="0" baseline="0" noProof="0" dirty="0">
+              <a:ln>
+                <a:noFill/>
+              </a:ln>
+              <a:solidFill>
+                <a:prstClr val="black"/>
+              </a:solidFill>
+              <a:effectLst/>
+              <a:uLnTx/>
+              <a:uFillTx/>
+            </a:endParaRPr>
+          </a:p>
+        </p:txBody>
+      </p:sp>
+      <p:cxnSp>
+        <p:nvCxnSpPr>
+          <p:cNvPr id="94" name="Straight Arrow Connector 35">
+            <a:extLst>
+              <a:ext uri="{FF2B5EF4-FFF2-40B4-BE49-F238E27FC236}">
+                <a16:creationId xmlns:a16="http://schemas.microsoft.com/office/drawing/2014/main" id="{8EE4F215-7236-0C67-42D6-A5BF9620E55F}"/>
+              </a:ext>
+            </a:extLst>
+          </p:cNvPr>
+          <p:cNvCxnSpPr>
+            <a:cxnSpLocks/>
+          </p:cNvCxnSpPr>
+          <p:nvPr/>
+        </p:nvCxnSpPr>
+        <p:spPr>
+          <a:xfrm>
+            <a:off x="3445783" y="3377608"/>
+            <a:ext cx="490860" cy="0"/>
+          </a:xfrm>
+          <a:prstGeom prst="straightConnector1">
+            <a:avLst/>
+          </a:prstGeom>
+          <a:noFill/>
+          <a:ln w="19050" cap="flat" cmpd="sng" algn="ctr">
+            <a:solidFill>
+              <a:srgbClr val="A5A5A5"/>
+            </a:solidFill>
+            <a:prstDash val="solid"/>
+            <a:miter lim="800000"/>
+            <a:tailEnd type="triangle"/>
+          </a:ln>
+          <a:effectLst/>
+        </p:spPr>
+      </p:cxnSp>
+      <p:cxnSp>
+        <p:nvCxnSpPr>
+          <p:cNvPr id="95" name="Straight Arrow Connector 36">
+            <a:extLst>
+              <a:ext uri="{FF2B5EF4-FFF2-40B4-BE49-F238E27FC236}">
+                <a16:creationId xmlns:a16="http://schemas.microsoft.com/office/drawing/2014/main" id="{02B21815-6191-763F-6069-80469BC3DE46}"/>
+              </a:ext>
+            </a:extLst>
+          </p:cNvPr>
+          <p:cNvCxnSpPr>
+            <a:cxnSpLocks/>
+          </p:cNvCxnSpPr>
+          <p:nvPr/>
+        </p:nvCxnSpPr>
+        <p:spPr>
+          <a:xfrm>
+            <a:off x="3947276" y="3023269"/>
+            <a:ext cx="983560" cy="0"/>
+          </a:xfrm>
+          <a:prstGeom prst="straightConnector1">
+            <a:avLst/>
+          </a:prstGeom>
+          <a:noFill/>
+          <a:ln w="19050" cap="flat" cmpd="sng" algn="ctr">
+            <a:solidFill>
+              <a:srgbClr val="A5A5A5"/>
+            </a:solidFill>
+            <a:prstDash val="solid"/>
+            <a:miter lim="800000"/>
+            <a:tailEnd type="triangle"/>
+          </a:ln>
+          <a:effectLst/>
+        </p:spPr>
+      </p:cxnSp>
+      <p:cxnSp>
+        <p:nvCxnSpPr>
+          <p:cNvPr id="96" name="Straight Arrow Connector 37">
+            <a:extLst>
+              <a:ext uri="{FF2B5EF4-FFF2-40B4-BE49-F238E27FC236}">
+                <a16:creationId xmlns:a16="http://schemas.microsoft.com/office/drawing/2014/main" id="{17AC521C-5EF6-EF92-4655-1C8942B15CF6}"/>
+              </a:ext>
+            </a:extLst>
+          </p:cNvPr>
+          <p:cNvCxnSpPr>
+            <a:cxnSpLocks/>
+          </p:cNvCxnSpPr>
+          <p:nvPr/>
+        </p:nvCxnSpPr>
+        <p:spPr>
+          <a:xfrm>
+            <a:off x="6096000" y="3023269"/>
+            <a:ext cx="490860" cy="0"/>
+          </a:xfrm>
+          <a:prstGeom prst="straightConnector1">
+            <a:avLst/>
+          </a:prstGeom>
+          <a:noFill/>
+          <a:ln w="19050" cap="flat" cmpd="sng" algn="ctr">
+            <a:solidFill>
+              <a:srgbClr val="A5A5A5"/>
+            </a:solidFill>
+            <a:prstDash val="solid"/>
+            <a:miter lim="800000"/>
+            <a:tailEnd type="triangle"/>
+          </a:ln>
+          <a:effectLst/>
+        </p:spPr>
+      </p:cxnSp>
+      <p:cxnSp>
+        <p:nvCxnSpPr>
+          <p:cNvPr id="97" name="Straight Arrow Connector 38">
+            <a:extLst>
+              <a:ext uri="{FF2B5EF4-FFF2-40B4-BE49-F238E27FC236}">
+                <a16:creationId xmlns:a16="http://schemas.microsoft.com/office/drawing/2014/main" id="{AD8262EC-0E0D-21B1-25D9-8261FF3F9E86}"/>
+              </a:ext>
+            </a:extLst>
+          </p:cNvPr>
+          <p:cNvCxnSpPr>
+            <a:cxnSpLocks/>
+          </p:cNvCxnSpPr>
+          <p:nvPr/>
+        </p:nvCxnSpPr>
+        <p:spPr>
+          <a:xfrm>
+            <a:off x="6586860" y="3023269"/>
+            <a:ext cx="490860" cy="0"/>
+          </a:xfrm>
+          <a:prstGeom prst="straightConnector1">
+            <a:avLst/>
+          </a:prstGeom>
+          <a:noFill/>
+          <a:ln w="19050" cap="flat" cmpd="sng" algn="ctr">
+            <a:solidFill>
+              <a:srgbClr val="A5A5A5"/>
+            </a:solidFill>
+            <a:prstDash val="solid"/>
+            <a:miter lim="800000"/>
+            <a:tailEnd type="triangle"/>
+          </a:ln>
+          <a:effectLst/>
+        </p:spPr>
+      </p:cxnSp>
+      <p:cxnSp>
+        <p:nvCxnSpPr>
+          <p:cNvPr id="98" name="Straight Arrow Connector 39">
+            <a:extLst>
+              <a:ext uri="{FF2B5EF4-FFF2-40B4-BE49-F238E27FC236}">
+                <a16:creationId xmlns:a16="http://schemas.microsoft.com/office/drawing/2014/main" id="{30A5E5BC-6E66-952B-2805-B4A8768150B7}"/>
+              </a:ext>
+            </a:extLst>
+          </p:cNvPr>
+          <p:cNvCxnSpPr>
+            <a:cxnSpLocks/>
+          </p:cNvCxnSpPr>
+          <p:nvPr/>
+        </p:nvCxnSpPr>
+        <p:spPr>
+          <a:xfrm>
+            <a:off x="8247288" y="3023269"/>
+            <a:ext cx="490860" cy="0"/>
+          </a:xfrm>
+          <a:prstGeom prst="straightConnector1">
+            <a:avLst/>
+          </a:prstGeom>
+          <a:noFill/>
+          <a:ln w="19050" cap="flat" cmpd="sng" algn="ctr">
+            <a:solidFill>
+              <a:srgbClr val="A5A5A5"/>
+            </a:solidFill>
+            <a:prstDash val="solid"/>
+            <a:miter lim="800000"/>
+            <a:tailEnd type="triangle"/>
+          </a:ln>
+          <a:effectLst/>
+        </p:spPr>
+      </p:cxnSp>
+      <p:sp>
+        <p:nvSpPr>
+          <p:cNvPr id="99" name="TextBox 27">
+            <a:extLst>
+              <a:ext uri="{FF2B5EF4-FFF2-40B4-BE49-F238E27FC236}">
+                <a16:creationId xmlns:a16="http://schemas.microsoft.com/office/drawing/2014/main" id="{04BB1307-60B8-75E7-1F85-D81306EFDE57}"/>
+              </a:ext>
+            </a:extLst>
+          </p:cNvPr>
+          <p:cNvSpPr txBox="1"/>
+          <p:nvPr/>
+        </p:nvSpPr>
+        <p:spPr>
+          <a:xfrm>
+            <a:off x="3271267" y="89549"/>
+            <a:ext cx="2052083" cy="646331"/>
+          </a:xfrm>
+          <a:prstGeom prst="rect">
+            <a:avLst/>
+          </a:prstGeom>
+          <a:noFill/>
+        </p:spPr>
+        <p:txBody>
+          <a:bodyPr wrap="square" rtlCol="0">
+            <a:spAutoFit/>
+          </a:bodyPr>
+          <a:lstStyle/>
+          <a:p>
+            <a:pPr marL="0" marR="0" lvl="0" indent="0" algn="ctr" defTabSz="914400" eaLnBrk="1" fontAlgn="auto" latinLnBrk="0" hangingPunct="1">
+              <a:lnSpc>
+                <a:spcPct val="100000"/>
+              </a:lnSpc>
+              <a:spcBef>
+                <a:spcPts val="0"/>
+              </a:spcBef>
+              <a:spcAft>
+                <a:spcPts val="0"/>
+              </a:spcAft>
+              <a:buClrTx/>
+              <a:buSzTx/>
+              <a:buFontTx/>
+              <a:buNone/>
+              <a:tabLst/>
+              <a:defRPr/>
+            </a:pPr>
+            <a:r>
+              <a:rPr kumimoji="0" lang="en-US" sz="1800" b="0" i="0" u="none" strike="noStrike" kern="0" cap="none" spc="0" normalizeH="0" baseline="0" noProof="0" dirty="0">
+                <a:ln>
+                  <a:noFill/>
+                </a:ln>
+                <a:solidFill>
+                  <a:prstClr val="black"/>
+                </a:solidFill>
+                <a:effectLst/>
+                <a:uLnTx/>
+                <a:uFillTx/>
+              </a:rPr>
+              <a:t>Secondary</a:t>
+            </a:r>
+          </a:p>
+          <a:p>
+            <a:pPr marL="0" marR="0" lvl="0" indent="0" algn="ctr" defTabSz="914400" eaLnBrk="1" fontAlgn="auto" latinLnBrk="0" hangingPunct="1">
+              <a:lnSpc>
+                <a:spcPct val="100000"/>
+              </a:lnSpc>
+              <a:spcBef>
+                <a:spcPts val="0"/>
+              </a:spcBef>
+              <a:spcAft>
+                <a:spcPts val="0"/>
+              </a:spcAft>
+              <a:buClrTx/>
+              <a:buSzTx/>
+              <a:buFontTx/>
+              <a:buNone/>
+              <a:tabLst/>
+              <a:defRPr/>
+            </a:pPr>
+            <a:r>
+              <a:rPr kumimoji="0" lang="en-US" sz="1800" b="0" i="0" u="none" strike="noStrike" kern="0" cap="none" spc="0" normalizeH="0" baseline="0" noProof="0" dirty="0">
+                <a:ln>
+                  <a:noFill/>
+                </a:ln>
+                <a:solidFill>
+                  <a:prstClr val="black"/>
+                </a:solidFill>
+                <a:effectLst/>
+                <a:uLnTx/>
+                <a:uFillTx/>
+              </a:rPr>
+              <a:t> Energy</a:t>
+            </a:r>
+            <a:endParaRPr kumimoji="0" lang="en-GB" sz="1800" b="0" i="0" u="none" strike="noStrike" kern="0" cap="none" spc="0" normalizeH="0" baseline="0" noProof="0" dirty="0">
+              <a:ln>
+                <a:noFill/>
+              </a:ln>
+              <a:solidFill>
+                <a:prstClr val="black"/>
+              </a:solidFill>
+              <a:effectLst/>
+              <a:uLnTx/>
+              <a:uFillTx/>
+            </a:endParaRPr>
+          </a:p>
+        </p:txBody>
+      </p:sp>
+      <p:sp>
+        <p:nvSpPr>
+          <p:cNvPr id="100" name="TextBox 28">
+            <a:extLst>
+              <a:ext uri="{FF2B5EF4-FFF2-40B4-BE49-F238E27FC236}">
+                <a16:creationId xmlns:a16="http://schemas.microsoft.com/office/drawing/2014/main" id="{08FAA502-A4BB-9EDF-6308-A67521C9A04B}"/>
+              </a:ext>
+            </a:extLst>
+          </p:cNvPr>
+          <p:cNvSpPr txBox="1"/>
+          <p:nvPr/>
+        </p:nvSpPr>
+        <p:spPr>
+          <a:xfrm>
+            <a:off x="5776274" y="89549"/>
+            <a:ext cx="2052083" cy="646331"/>
+          </a:xfrm>
+          <a:prstGeom prst="rect">
+            <a:avLst/>
+          </a:prstGeom>
+          <a:noFill/>
+        </p:spPr>
+        <p:txBody>
+          <a:bodyPr wrap="square" rtlCol="0">
+            <a:spAutoFit/>
+          </a:bodyPr>
+          <a:lstStyle/>
+          <a:p>
+            <a:pPr marL="0" marR="0" lvl="0" indent="0" algn="ctr" defTabSz="914400" eaLnBrk="1" fontAlgn="auto" latinLnBrk="0" hangingPunct="1">
+              <a:lnSpc>
+                <a:spcPct val="100000"/>
+              </a:lnSpc>
+              <a:spcBef>
+                <a:spcPts val="0"/>
+              </a:spcBef>
+              <a:spcAft>
+                <a:spcPts val="0"/>
+              </a:spcAft>
+              <a:buClrTx/>
+              <a:buSzTx/>
+              <a:buFontTx/>
+              <a:buNone/>
+              <a:tabLst/>
+              <a:defRPr/>
+            </a:pPr>
+            <a:r>
+              <a:rPr kumimoji="0" lang="en-US" sz="1800" b="0" i="0" u="none" strike="noStrike" kern="0" cap="none" spc="0" normalizeH="0" baseline="0" noProof="0" dirty="0">
+                <a:ln>
+                  <a:noFill/>
+                </a:ln>
+                <a:solidFill>
+                  <a:prstClr val="black"/>
+                </a:solidFill>
+                <a:effectLst/>
+                <a:uLnTx/>
+                <a:uFillTx/>
+              </a:rPr>
+              <a:t>Final</a:t>
+            </a:r>
+          </a:p>
+          <a:p>
+            <a:pPr marL="0" marR="0" lvl="0" indent="0" algn="ctr" defTabSz="914400" eaLnBrk="1" fontAlgn="auto" latinLnBrk="0" hangingPunct="1">
+              <a:lnSpc>
+                <a:spcPct val="100000"/>
+              </a:lnSpc>
+              <a:spcBef>
+                <a:spcPts val="0"/>
+              </a:spcBef>
+              <a:spcAft>
+                <a:spcPts val="0"/>
+              </a:spcAft>
+              <a:buClrTx/>
+              <a:buSzTx/>
+              <a:buFontTx/>
+              <a:buNone/>
+              <a:tabLst/>
+              <a:defRPr/>
+            </a:pPr>
+            <a:r>
+              <a:rPr kumimoji="0" lang="en-US" sz="1800" b="0" i="0" u="none" strike="noStrike" kern="0" cap="none" spc="0" normalizeH="0" baseline="0" noProof="0" dirty="0">
+                <a:ln>
+                  <a:noFill/>
+                </a:ln>
+                <a:solidFill>
+                  <a:prstClr val="black"/>
+                </a:solidFill>
+                <a:effectLst/>
+                <a:uLnTx/>
+                <a:uFillTx/>
+              </a:rPr>
+              <a:t> Energy</a:t>
+            </a:r>
+            <a:endParaRPr kumimoji="0" lang="en-GB" sz="1800" b="0" i="0" u="none" strike="noStrike" kern="0" cap="none" spc="0" normalizeH="0" baseline="0" noProof="0" dirty="0">
+              <a:ln>
+                <a:noFill/>
+              </a:ln>
+              <a:solidFill>
+                <a:prstClr val="black"/>
+              </a:solidFill>
+              <a:effectLst/>
+              <a:uLnTx/>
+              <a:uFillTx/>
+            </a:endParaRPr>
+          </a:p>
+        </p:txBody>
+      </p:sp>
+      <p:sp>
+        <p:nvSpPr>
+          <p:cNvPr id="101" name="TextBox 30">
+            <a:extLst>
+              <a:ext uri="{FF2B5EF4-FFF2-40B4-BE49-F238E27FC236}">
+                <a16:creationId xmlns:a16="http://schemas.microsoft.com/office/drawing/2014/main" id="{2E41079E-BBEF-C16C-BE3B-82E7DD6A84EB}"/>
+              </a:ext>
+            </a:extLst>
+          </p:cNvPr>
+          <p:cNvSpPr txBox="1"/>
+          <p:nvPr/>
+        </p:nvSpPr>
+        <p:spPr>
+          <a:xfrm>
+            <a:off x="7841528" y="103706"/>
+            <a:ext cx="2052083" cy="646331"/>
+          </a:xfrm>
+          <a:prstGeom prst="rect">
+            <a:avLst/>
+          </a:prstGeom>
+          <a:noFill/>
+        </p:spPr>
+        <p:txBody>
+          <a:bodyPr wrap="square" rtlCol="0">
+            <a:spAutoFit/>
+          </a:bodyPr>
+          <a:lstStyle/>
+          <a:p>
+            <a:pPr marL="0" marR="0" lvl="0" indent="0" algn="ctr" defTabSz="914400" eaLnBrk="1" fontAlgn="auto" latinLnBrk="0" hangingPunct="1">
+              <a:lnSpc>
+                <a:spcPct val="100000"/>
+              </a:lnSpc>
+              <a:spcBef>
+                <a:spcPts val="0"/>
+              </a:spcBef>
+              <a:spcAft>
+                <a:spcPts val="0"/>
+              </a:spcAft>
+              <a:buClrTx/>
+              <a:buSzTx/>
+              <a:buFontTx/>
+              <a:buNone/>
+              <a:tabLst/>
+              <a:defRPr/>
+            </a:pPr>
+            <a:r>
+              <a:rPr kumimoji="0" lang="en-US" sz="1800" b="0" i="0" u="none" strike="noStrike" kern="0" cap="none" spc="0" normalizeH="0" baseline="0" noProof="0" dirty="0">
+                <a:ln>
+                  <a:noFill/>
+                </a:ln>
+                <a:solidFill>
+                  <a:prstClr val="black"/>
+                </a:solidFill>
+                <a:effectLst/>
+                <a:uLnTx/>
+                <a:uFillTx/>
+              </a:rPr>
+              <a:t>Final</a:t>
+            </a:r>
+          </a:p>
+          <a:p>
+            <a:pPr marL="0" marR="0" lvl="0" indent="0" algn="ctr" defTabSz="914400" eaLnBrk="1" fontAlgn="auto" latinLnBrk="0" hangingPunct="1">
+              <a:lnSpc>
+                <a:spcPct val="100000"/>
+              </a:lnSpc>
+              <a:spcBef>
+                <a:spcPts val="0"/>
+              </a:spcBef>
+              <a:spcAft>
+                <a:spcPts val="0"/>
+              </a:spcAft>
+              <a:buClrTx/>
+              <a:buSzTx/>
+              <a:buFontTx/>
+              <a:buNone/>
+              <a:tabLst/>
+              <a:defRPr/>
+            </a:pPr>
+            <a:r>
+              <a:rPr kumimoji="0" lang="en-US" sz="1800" b="0" i="0" u="none" strike="noStrike" kern="0" cap="none" spc="0" normalizeH="0" baseline="0" noProof="0" dirty="0">
+                <a:ln>
+                  <a:noFill/>
+                </a:ln>
+                <a:solidFill>
+                  <a:prstClr val="black"/>
+                </a:solidFill>
+                <a:effectLst/>
+                <a:uLnTx/>
+                <a:uFillTx/>
+              </a:rPr>
+              <a:t> Energy</a:t>
+            </a:r>
+            <a:endParaRPr kumimoji="0" lang="en-GB" sz="1800" b="0" i="0" u="none" strike="noStrike" kern="0" cap="none" spc="0" normalizeH="0" baseline="0" noProof="0" dirty="0">
+              <a:ln>
+                <a:noFill/>
+              </a:ln>
+              <a:solidFill>
+                <a:prstClr val="black"/>
+              </a:solidFill>
+              <a:effectLst/>
+              <a:uLnTx/>
+              <a:uFillTx/>
+            </a:endParaRPr>
+          </a:p>
+        </p:txBody>
+      </p:sp>
+      <p:sp>
+        <p:nvSpPr>
+          <p:cNvPr id="103" name="Rectangle: Rounded Corners 26">
+            <a:extLst>
+              <a:ext uri="{FF2B5EF4-FFF2-40B4-BE49-F238E27FC236}">
+                <a16:creationId xmlns:a16="http://schemas.microsoft.com/office/drawing/2014/main" id="{E193C1A7-BA46-B5E6-79A9-D3698A7686B0}"/>
+              </a:ext>
+            </a:extLst>
+          </p:cNvPr>
+          <p:cNvSpPr/>
+          <p:nvPr/>
+        </p:nvSpPr>
+        <p:spPr>
+          <a:xfrm>
+            <a:off x="9248504" y="2699220"/>
+            <a:ext cx="1167812" cy="648098"/>
+          </a:xfrm>
+          <a:prstGeom prst="roundRect">
+            <a:avLst/>
+          </a:prstGeom>
+          <a:solidFill>
+            <a:srgbClr val="FFC000">
+              <a:lumMod val="60000"/>
+              <a:lumOff val="40000"/>
+            </a:srgbClr>
+          </a:solidFill>
+          <a:ln w="12700" cap="flat" cmpd="sng" algn="ctr">
+            <a:solidFill>
+              <a:srgbClr val="4472C4">
+                <a:shade val="50000"/>
+              </a:srgbClr>
+            </a:solidFill>
+            <a:prstDash val="solid"/>
+            <a:miter lim="800000"/>
+          </a:ln>
+          <a:effectLst>
+            <a:outerShdw blurRad="50800" dist="38100" dir="2700000" algn="tl" rotWithShape="0">
+              <a:prstClr val="black">
+                <a:alpha val="40000"/>
+              </a:prstClr>
+            </a:outerShdw>
+          </a:effectLst>
+        </p:spPr>
+        <p:txBody>
+          <a:bodyPr rtlCol="0" anchor="ctr"/>
+          <a:lstStyle/>
+          <a:p>
+            <a:pPr marL="0" marR="0" lvl="0" indent="0" algn="ctr" defTabSz="914400" eaLnBrk="1" fontAlgn="auto" latinLnBrk="0" hangingPunct="1">
+              <a:lnSpc>
+                <a:spcPct val="100000"/>
+              </a:lnSpc>
+              <a:spcBef>
+                <a:spcPts val="0"/>
+              </a:spcBef>
+              <a:spcAft>
+                <a:spcPts val="0"/>
+              </a:spcAft>
+              <a:buClrTx/>
+              <a:buSzTx/>
+              <a:buFontTx/>
+              <a:buNone/>
+              <a:tabLst/>
+              <a:defRPr/>
+            </a:pPr>
+            <a:r>
+              <a:rPr kumimoji="0" lang="en-US" sz="1400" b="0" i="0" u="none" strike="noStrike" kern="0" cap="none" spc="0" normalizeH="0" baseline="0" noProof="0" dirty="0">
+                <a:ln>
+                  <a:noFill/>
+                </a:ln>
+                <a:solidFill>
+                  <a:srgbClr val="44546A"/>
+                </a:solidFill>
+                <a:effectLst/>
+                <a:uLnTx/>
+                <a:uFillTx/>
+                <a:latin typeface="Calibri" panose="020F0502020204030204"/>
+                <a:ea typeface="+mn-ea"/>
+                <a:cs typeface="+mn-cs"/>
+              </a:rPr>
+              <a:t>Bulb</a:t>
+            </a:r>
+            <a:endParaRPr kumimoji="0" lang="en-GB" sz="1400" b="0" i="0" u="none" strike="noStrike" kern="0" cap="none" spc="0" normalizeH="0" baseline="0" noProof="0" dirty="0">
+              <a:ln>
+                <a:noFill/>
+              </a:ln>
+              <a:solidFill>
+                <a:srgbClr val="44546A"/>
+              </a:solidFill>
+              <a:effectLst/>
+              <a:uLnTx/>
+              <a:uFillTx/>
+              <a:latin typeface="Calibri" panose="020F0502020204030204"/>
+              <a:ea typeface="+mn-ea"/>
+              <a:cs typeface="+mn-cs"/>
+            </a:endParaRPr>
+          </a:p>
+        </p:txBody>
+      </p:sp>
+      <p:cxnSp>
+        <p:nvCxnSpPr>
+          <p:cNvPr id="104" name="Straight Connector 29">
+            <a:extLst>
+              <a:ext uri="{FF2B5EF4-FFF2-40B4-BE49-F238E27FC236}">
+                <a16:creationId xmlns:a16="http://schemas.microsoft.com/office/drawing/2014/main" id="{F78D585F-73C3-456E-5AF8-FEF0E82A3698}"/>
+              </a:ext>
+            </a:extLst>
+          </p:cNvPr>
+          <p:cNvCxnSpPr>
+            <a:cxnSpLocks/>
+          </p:cNvCxnSpPr>
+          <p:nvPr/>
+        </p:nvCxnSpPr>
+        <p:spPr>
+          <a:xfrm>
+            <a:off x="10912527" y="1417673"/>
+            <a:ext cx="0" cy="4848446"/>
+          </a:xfrm>
+          <a:prstGeom prst="line">
+            <a:avLst/>
+          </a:prstGeom>
+          <a:noFill/>
+          <a:ln w="19050" cap="flat" cmpd="sng" algn="ctr">
+            <a:solidFill>
+              <a:srgbClr val="A5A5A5"/>
+            </a:solidFill>
+            <a:prstDash val="solid"/>
+            <a:miter lim="800000"/>
+          </a:ln>
+          <a:effectLst/>
+        </p:spPr>
+      </p:cxnSp>
+      <p:sp>
+        <p:nvSpPr>
+          <p:cNvPr id="105" name="TextBox 33">
+            <a:extLst>
+              <a:ext uri="{FF2B5EF4-FFF2-40B4-BE49-F238E27FC236}">
+                <a16:creationId xmlns:a16="http://schemas.microsoft.com/office/drawing/2014/main" id="{4A53749E-7FA3-D8A9-BD56-7CFFAAC96B54}"/>
+              </a:ext>
+            </a:extLst>
+          </p:cNvPr>
+          <p:cNvSpPr txBox="1"/>
+          <p:nvPr/>
+        </p:nvSpPr>
+        <p:spPr>
+          <a:xfrm rot="16200000">
+            <a:off x="9738382" y="5041866"/>
+            <a:ext cx="2124132" cy="338554"/>
+          </a:xfrm>
+          <a:prstGeom prst="rect">
+            <a:avLst/>
+          </a:prstGeom>
+          <a:noFill/>
+        </p:spPr>
+        <p:txBody>
+          <a:bodyPr wrap="square" rtlCol="0">
+            <a:spAutoFit/>
+          </a:bodyPr>
+          <a:lstStyle/>
+          <a:p>
+            <a:pPr marL="0" marR="0" lvl="0" indent="0" defTabSz="914400" eaLnBrk="1" fontAlgn="auto" latinLnBrk="0" hangingPunct="1">
+              <a:lnSpc>
+                <a:spcPct val="100000"/>
+              </a:lnSpc>
+              <a:spcBef>
+                <a:spcPts val="0"/>
+              </a:spcBef>
+              <a:spcAft>
+                <a:spcPts val="0"/>
+              </a:spcAft>
+              <a:buClrTx/>
+              <a:buSzTx/>
+              <a:buFontTx/>
+              <a:buNone/>
+              <a:tabLst/>
+              <a:defRPr/>
+            </a:pPr>
+            <a:r>
+              <a:rPr kumimoji="0" lang="en-US" sz="1600" b="0" i="1" u="none" strike="noStrike" kern="0" cap="none" spc="0" normalizeH="0" baseline="0" noProof="0" dirty="0">
+                <a:ln>
+                  <a:noFill/>
+                </a:ln>
+                <a:solidFill>
+                  <a:prstClr val="black"/>
+                </a:solidFill>
+                <a:effectLst/>
+                <a:uLnTx/>
+                <a:uFillTx/>
+              </a:rPr>
+              <a:t>electric households</a:t>
+            </a:r>
+            <a:endParaRPr kumimoji="0" lang="en-GB" sz="1600" b="0" i="1" u="none" strike="noStrike" kern="0" cap="none" spc="0" normalizeH="0" baseline="0" noProof="0" dirty="0">
+              <a:ln>
+                <a:noFill/>
+              </a:ln>
+              <a:solidFill>
+                <a:prstClr val="black"/>
+              </a:solidFill>
+              <a:effectLst/>
+              <a:uLnTx/>
+              <a:uFillTx/>
+            </a:endParaRPr>
+          </a:p>
+        </p:txBody>
+      </p:sp>
+      <p:cxnSp>
+        <p:nvCxnSpPr>
+          <p:cNvPr id="106" name="Straight Arrow Connector 38">
+            <a:extLst>
+              <a:ext uri="{FF2B5EF4-FFF2-40B4-BE49-F238E27FC236}">
+                <a16:creationId xmlns:a16="http://schemas.microsoft.com/office/drawing/2014/main" id="{816B9D10-1FC6-6B6A-475B-032E9AB127A0}"/>
+              </a:ext>
+            </a:extLst>
+          </p:cNvPr>
+          <p:cNvCxnSpPr>
+            <a:cxnSpLocks/>
+          </p:cNvCxnSpPr>
+          <p:nvPr/>
+        </p:nvCxnSpPr>
+        <p:spPr>
+          <a:xfrm>
+            <a:off x="8755888" y="3023269"/>
+            <a:ext cx="490860" cy="0"/>
+          </a:xfrm>
+          <a:prstGeom prst="straightConnector1">
+            <a:avLst/>
+          </a:prstGeom>
+          <a:noFill/>
+          <a:ln w="19050" cap="flat" cmpd="sng" algn="ctr">
+            <a:solidFill>
+              <a:srgbClr val="A5A5A5"/>
+            </a:solidFill>
+            <a:prstDash val="solid"/>
+            <a:miter lim="800000"/>
+            <a:tailEnd type="triangle"/>
+          </a:ln>
+          <a:effectLst/>
+        </p:spPr>
+      </p:cxnSp>
+      <p:cxnSp>
+        <p:nvCxnSpPr>
+          <p:cNvPr id="107" name="Straight Arrow Connector 39">
+            <a:extLst>
+              <a:ext uri="{FF2B5EF4-FFF2-40B4-BE49-F238E27FC236}">
+                <a16:creationId xmlns:a16="http://schemas.microsoft.com/office/drawing/2014/main" id="{82B4DD46-728A-8E42-9A39-5D7B2F9BB473}"/>
+              </a:ext>
+            </a:extLst>
+          </p:cNvPr>
+          <p:cNvCxnSpPr>
+            <a:cxnSpLocks/>
+          </p:cNvCxnSpPr>
+          <p:nvPr/>
+        </p:nvCxnSpPr>
+        <p:spPr>
+          <a:xfrm>
+            <a:off x="10416316" y="3023269"/>
+            <a:ext cx="490860" cy="0"/>
+          </a:xfrm>
+          <a:prstGeom prst="straightConnector1">
+            <a:avLst/>
+          </a:prstGeom>
+          <a:noFill/>
+          <a:ln w="19050" cap="flat" cmpd="sng" algn="ctr">
+            <a:solidFill>
+              <a:srgbClr val="A5A5A5"/>
+            </a:solidFill>
+            <a:prstDash val="solid"/>
+            <a:miter lim="800000"/>
+            <a:tailEnd type="triangle"/>
+          </a:ln>
+          <a:effectLst/>
+        </p:spPr>
+      </p:cxnSp>
+      <p:sp>
+        <p:nvSpPr>
+          <p:cNvPr id="108" name="TextBox 30">
+            <a:extLst>
+              <a:ext uri="{FF2B5EF4-FFF2-40B4-BE49-F238E27FC236}">
+                <a16:creationId xmlns:a16="http://schemas.microsoft.com/office/drawing/2014/main" id="{28470607-56E8-A813-AA13-D9078BA88FAC}"/>
+              </a:ext>
+            </a:extLst>
+          </p:cNvPr>
+          <p:cNvSpPr txBox="1"/>
+          <p:nvPr/>
+        </p:nvSpPr>
+        <p:spPr>
+          <a:xfrm>
+            <a:off x="10010556" y="103706"/>
+            <a:ext cx="2052083" cy="646331"/>
+          </a:xfrm>
+          <a:prstGeom prst="rect">
+            <a:avLst/>
+          </a:prstGeom>
+          <a:noFill/>
+        </p:spPr>
+        <p:txBody>
+          <a:bodyPr wrap="square" rtlCol="0">
+            <a:spAutoFit/>
+          </a:bodyPr>
+          <a:lstStyle/>
+          <a:p>
+            <a:pPr marL="0" marR="0" lvl="0" indent="0" algn="ctr" defTabSz="914400" eaLnBrk="1" fontAlgn="auto" latinLnBrk="0" hangingPunct="1">
+              <a:lnSpc>
+                <a:spcPct val="100000"/>
+              </a:lnSpc>
+              <a:spcBef>
+                <a:spcPts val="0"/>
+              </a:spcBef>
+              <a:spcAft>
+                <a:spcPts val="0"/>
+              </a:spcAft>
+              <a:buClrTx/>
+              <a:buSzTx/>
+              <a:buFontTx/>
+              <a:buNone/>
+              <a:tabLst/>
+              <a:defRPr/>
+            </a:pPr>
+            <a:r>
+              <a:rPr kumimoji="0" lang="en-US" sz="1800" b="0" i="0" u="none" strike="noStrike" kern="0" cap="none" spc="0" normalizeH="0" baseline="0" noProof="0" dirty="0">
+                <a:ln>
+                  <a:noFill/>
+                </a:ln>
+                <a:solidFill>
+                  <a:prstClr val="black"/>
+                </a:solidFill>
+                <a:effectLst/>
+                <a:uLnTx/>
+                <a:uFillTx/>
+              </a:rPr>
+              <a:t>Useful</a:t>
+            </a:r>
+          </a:p>
+          <a:p>
+            <a:pPr marL="0" marR="0" lvl="0" indent="0" algn="ctr" defTabSz="914400" eaLnBrk="1" fontAlgn="auto" latinLnBrk="0" hangingPunct="1">
+              <a:lnSpc>
+                <a:spcPct val="100000"/>
+              </a:lnSpc>
+              <a:spcBef>
+                <a:spcPts val="0"/>
+              </a:spcBef>
+              <a:spcAft>
+                <a:spcPts val="0"/>
+              </a:spcAft>
+              <a:buClrTx/>
+              <a:buSzTx/>
+              <a:buFontTx/>
+              <a:buNone/>
+              <a:tabLst/>
+              <a:defRPr/>
+            </a:pPr>
+            <a:r>
+              <a:rPr kumimoji="0" lang="en-US" sz="1800" b="0" i="0" u="none" strike="noStrike" kern="0" cap="none" spc="0" normalizeH="0" baseline="0" noProof="0" dirty="0">
+                <a:ln>
+                  <a:noFill/>
+                </a:ln>
+                <a:solidFill>
+                  <a:prstClr val="black"/>
+                </a:solidFill>
+                <a:effectLst/>
+                <a:uLnTx/>
+                <a:uFillTx/>
+              </a:rPr>
+              <a:t> Energy</a:t>
+            </a:r>
+            <a:endParaRPr kumimoji="0" lang="en-GB" sz="1800" b="0" i="0" u="none" strike="noStrike" kern="0" cap="none" spc="0" normalizeH="0" baseline="0" noProof="0" dirty="0">
+              <a:ln>
+                <a:noFill/>
+              </a:ln>
+              <a:solidFill>
+                <a:prstClr val="black"/>
+              </a:solidFill>
+              <a:effectLst/>
+              <a:uLnTx/>
+              <a:uFillTx/>
+            </a:endParaRPr>
+          </a:p>
+        </p:txBody>
+      </p:sp>
+      <p:sp>
+        <p:nvSpPr>
+          <p:cNvPr id="2" name="CaixaDeTexto 1">
+            <a:extLst>
+              <a:ext uri="{FF2B5EF4-FFF2-40B4-BE49-F238E27FC236}">
+                <a16:creationId xmlns:a16="http://schemas.microsoft.com/office/drawing/2014/main" id="{62119D21-DABB-0B06-D5F1-118B0B876BAF}"/>
+              </a:ext>
+            </a:extLst>
+          </p:cNvPr>
+          <p:cNvSpPr txBox="1"/>
+          <p:nvPr/>
+        </p:nvSpPr>
+        <p:spPr>
+          <a:xfrm rot="5400000">
+            <a:off x="2733463" y="3726944"/>
+            <a:ext cx="458780" cy="523220"/>
+          </a:xfrm>
+          <a:prstGeom prst="rect">
+            <a:avLst/>
+          </a:prstGeom>
+          <a:noFill/>
+        </p:spPr>
+        <p:txBody>
+          <a:bodyPr wrap="none" rtlCol="0">
+            <a:spAutoFit/>
+          </a:bodyPr>
+          <a:lstStyle/>
+          <a:p>
+            <a:r>
+              <a:rPr lang="pt-BR" sz="2800" dirty="0"/>
+              <a:t>...</a:t>
+            </a:r>
+          </a:p>
+        </p:txBody>
+      </p:sp>
+      <p:sp>
+        <p:nvSpPr>
+          <p:cNvPr id="3" name="Rectangle: Rounded Corners 5">
+            <a:extLst>
+              <a:ext uri="{FF2B5EF4-FFF2-40B4-BE49-F238E27FC236}">
+                <a16:creationId xmlns:a16="http://schemas.microsoft.com/office/drawing/2014/main" id="{9326FB87-747C-A474-1B83-1E5B5A2EEA9E}"/>
+              </a:ext>
+            </a:extLst>
+          </p:cNvPr>
+          <p:cNvSpPr/>
+          <p:nvPr/>
+        </p:nvSpPr>
+        <p:spPr>
+          <a:xfrm>
+            <a:off x="2264022" y="4307395"/>
+            <a:ext cx="1167812" cy="648098"/>
+          </a:xfrm>
+          <a:prstGeom prst="roundRect">
+            <a:avLst/>
+          </a:prstGeom>
+          <a:solidFill>
+            <a:srgbClr val="4472C4"/>
+          </a:solidFill>
+          <a:ln w="12700" cap="flat" cmpd="sng" algn="ctr">
+            <a:solidFill>
+              <a:srgbClr val="4472C4">
+                <a:shade val="50000"/>
+              </a:srgbClr>
+            </a:solidFill>
+            <a:prstDash val="solid"/>
+            <a:miter lim="800000"/>
+          </a:ln>
+          <a:effectLst>
+            <a:outerShdw blurRad="50800" dist="38100" dir="2700000" algn="tl" rotWithShape="0">
+              <a:prstClr val="black">
+                <a:alpha val="40000"/>
+              </a:prstClr>
+            </a:outerShdw>
+          </a:effectLst>
+        </p:spPr>
+        <p:txBody>
+          <a:bodyPr rtlCol="0" anchor="ctr"/>
+          <a:lstStyle/>
+          <a:p>
+            <a:pPr marL="0" marR="0" lvl="0" indent="0" algn="ctr" defTabSz="914400" eaLnBrk="1" fontAlgn="auto" latinLnBrk="0" hangingPunct="1">
+              <a:lnSpc>
+                <a:spcPct val="100000"/>
+              </a:lnSpc>
+              <a:spcBef>
+                <a:spcPts val="0"/>
+              </a:spcBef>
+              <a:spcAft>
+                <a:spcPts val="0"/>
+              </a:spcAft>
+              <a:buClrTx/>
+              <a:buSzTx/>
+              <a:buFontTx/>
+              <a:buNone/>
+              <a:tabLst/>
+              <a:defRPr/>
+            </a:pPr>
+            <a:r>
+              <a:rPr kumimoji="0" lang="en-US" sz="1400" b="0" i="0" u="none" strike="noStrike" kern="0" cap="none" spc="0" normalizeH="0" baseline="0" noProof="0" dirty="0">
+                <a:ln>
+                  <a:noFill/>
+                </a:ln>
+                <a:solidFill>
+                  <a:prstClr val="white"/>
+                </a:solidFill>
+                <a:effectLst/>
+                <a:uLnTx/>
+                <a:uFillTx/>
+                <a:latin typeface="Calibri" panose="020F0502020204030204"/>
+                <a:ea typeface="+mn-ea"/>
+                <a:cs typeface="+mn-cs"/>
+              </a:rPr>
+              <a:t>Oil Power plant</a:t>
+            </a:r>
+            <a:endParaRPr kumimoji="0" lang="en-GB" sz="1400" b="0" i="0" u="none" strike="noStrike" kern="0" cap="none" spc="0" normalizeH="0" baseline="0" noProof="0" dirty="0">
+              <a:ln>
+                <a:noFill/>
+              </a:ln>
+              <a:solidFill>
+                <a:prstClr val="white"/>
+              </a:solidFill>
+              <a:effectLst/>
+              <a:uLnTx/>
+              <a:uFillTx/>
+              <a:latin typeface="Calibri" panose="020F0502020204030204"/>
+              <a:ea typeface="+mn-ea"/>
+              <a:cs typeface="+mn-cs"/>
+            </a:endParaRPr>
+          </a:p>
+        </p:txBody>
+      </p:sp>
+      <p:cxnSp>
+        <p:nvCxnSpPr>
+          <p:cNvPr id="4" name="Straight Arrow Connector 18">
+            <a:extLst>
+              <a:ext uri="{FF2B5EF4-FFF2-40B4-BE49-F238E27FC236}">
+                <a16:creationId xmlns:a16="http://schemas.microsoft.com/office/drawing/2014/main" id="{8C27BC5D-AE18-F665-B33C-F1DC4AD34125}"/>
+              </a:ext>
+            </a:extLst>
+          </p:cNvPr>
+          <p:cNvCxnSpPr>
+            <a:cxnSpLocks/>
+          </p:cNvCxnSpPr>
+          <p:nvPr/>
+        </p:nvCxnSpPr>
+        <p:spPr>
+          <a:xfrm>
+            <a:off x="3442467" y="4612273"/>
+            <a:ext cx="490860" cy="0"/>
+          </a:xfrm>
+          <a:prstGeom prst="straightConnector1">
+            <a:avLst/>
+          </a:prstGeom>
+          <a:noFill/>
+          <a:ln w="19050" cap="flat" cmpd="sng" algn="ctr">
+            <a:solidFill>
+              <a:srgbClr val="A5A5A5"/>
+            </a:solidFill>
+            <a:prstDash val="solid"/>
+            <a:miter lim="800000"/>
+            <a:tailEnd type="triangle"/>
+          </a:ln>
+          <a:effectLst/>
+        </p:spPr>
+      </p:cxnSp>
+      <p:cxnSp>
+        <p:nvCxnSpPr>
+          <p:cNvPr id="6" name="Straight Connector 9">
+            <a:extLst>
+              <a:ext uri="{FF2B5EF4-FFF2-40B4-BE49-F238E27FC236}">
+                <a16:creationId xmlns:a16="http://schemas.microsoft.com/office/drawing/2014/main" id="{B2E4AB54-4E3E-01B9-D95D-AD7CEB7D5E25}"/>
+              </a:ext>
+            </a:extLst>
+          </p:cNvPr>
+          <p:cNvCxnSpPr>
+            <a:cxnSpLocks/>
+          </p:cNvCxnSpPr>
+          <p:nvPr/>
+        </p:nvCxnSpPr>
+        <p:spPr>
+          <a:xfrm>
+            <a:off x="4087272" y="1748906"/>
+            <a:ext cx="0" cy="4848446"/>
+          </a:xfrm>
+          <a:prstGeom prst="line">
+            <a:avLst/>
+          </a:prstGeom>
+          <a:noFill/>
+          <a:ln w="19050" cap="flat" cmpd="sng" algn="ctr">
+            <a:solidFill>
+              <a:srgbClr val="A5A5A5"/>
+            </a:solidFill>
+            <a:prstDash val="solid"/>
+            <a:miter lim="800000"/>
+          </a:ln>
+          <a:effectLst/>
+        </p:spPr>
+      </p:cxnSp>
+      <p:sp>
+        <p:nvSpPr>
+          <p:cNvPr id="7" name="Rectangle: Rounded Corners 20">
+            <a:extLst>
+              <a:ext uri="{FF2B5EF4-FFF2-40B4-BE49-F238E27FC236}">
+                <a16:creationId xmlns:a16="http://schemas.microsoft.com/office/drawing/2014/main" id="{BEC10CBA-B985-9F18-4FC8-6A481E0BC43E}"/>
+              </a:ext>
+            </a:extLst>
+          </p:cNvPr>
+          <p:cNvSpPr/>
+          <p:nvPr/>
+        </p:nvSpPr>
+        <p:spPr>
+          <a:xfrm>
+            <a:off x="5081659" y="3790179"/>
+            <a:ext cx="1167812" cy="648098"/>
+          </a:xfrm>
+          <a:prstGeom prst="roundRect">
+            <a:avLst/>
+          </a:prstGeom>
+          <a:solidFill>
+            <a:srgbClr val="A5A5A5"/>
+          </a:solidFill>
+          <a:ln w="12700" cap="flat" cmpd="sng" algn="ctr">
+            <a:solidFill>
+              <a:srgbClr val="4472C4">
+                <a:shade val="50000"/>
+              </a:srgbClr>
+            </a:solidFill>
+            <a:prstDash val="solid"/>
+            <a:miter lim="800000"/>
+          </a:ln>
+          <a:effectLst>
+            <a:outerShdw blurRad="50800" dist="38100" dir="2700000" algn="tl" rotWithShape="0">
+              <a:prstClr val="black">
+                <a:alpha val="40000"/>
+              </a:prstClr>
+            </a:outerShdw>
+          </a:effectLst>
+        </p:spPr>
+        <p:txBody>
+          <a:bodyPr rtlCol="0" anchor="ctr"/>
+          <a:lstStyle/>
+          <a:p>
+            <a:pPr marL="0" marR="0" lvl="0" indent="0" algn="ctr" defTabSz="914400" eaLnBrk="1" fontAlgn="auto" latinLnBrk="0" hangingPunct="1">
+              <a:lnSpc>
+                <a:spcPct val="100000"/>
+              </a:lnSpc>
+              <a:spcBef>
+                <a:spcPts val="0"/>
+              </a:spcBef>
+              <a:spcAft>
+                <a:spcPts val="0"/>
+              </a:spcAft>
+              <a:buClrTx/>
+              <a:buSzTx/>
+              <a:buFontTx/>
+              <a:buNone/>
+              <a:tabLst/>
+              <a:defRPr/>
+            </a:pPr>
+            <a:r>
+              <a:rPr kumimoji="0" lang="en-US" sz="1400" b="0" i="0" u="none" strike="noStrike" kern="0" cap="none" spc="0" normalizeH="0" baseline="0" noProof="0" dirty="0">
+                <a:ln>
+                  <a:noFill/>
+                </a:ln>
+                <a:solidFill>
+                  <a:prstClr val="white"/>
+                </a:solidFill>
+                <a:effectLst/>
+                <a:uLnTx/>
+                <a:uFillTx/>
+                <a:latin typeface="Calibri" panose="020F0502020204030204"/>
+                <a:ea typeface="+mn-ea"/>
+                <a:cs typeface="+mn-cs"/>
+              </a:rPr>
+              <a:t>Electricity grid</a:t>
+            </a:r>
+            <a:endParaRPr kumimoji="0" lang="en-GB" sz="1400" b="0" i="0" u="none" strike="noStrike" kern="0" cap="none" spc="0" normalizeH="0" baseline="0" noProof="0" dirty="0">
+              <a:ln>
+                <a:noFill/>
+              </a:ln>
+              <a:solidFill>
+                <a:prstClr val="white"/>
+              </a:solidFill>
+              <a:effectLst/>
+              <a:uLnTx/>
+              <a:uFillTx/>
+              <a:latin typeface="Calibri" panose="020F0502020204030204"/>
+              <a:ea typeface="+mn-ea"/>
+              <a:cs typeface="+mn-cs"/>
+            </a:endParaRPr>
+          </a:p>
+        </p:txBody>
+      </p:sp>
+      <p:cxnSp>
+        <p:nvCxnSpPr>
+          <p:cNvPr id="8" name="Straight Arrow Connector 36">
+            <a:extLst>
+              <a:ext uri="{FF2B5EF4-FFF2-40B4-BE49-F238E27FC236}">
+                <a16:creationId xmlns:a16="http://schemas.microsoft.com/office/drawing/2014/main" id="{D6DBC42B-DE5B-498C-1E53-C13270158927}"/>
+              </a:ext>
+            </a:extLst>
+          </p:cNvPr>
+          <p:cNvCxnSpPr>
+            <a:cxnSpLocks/>
+          </p:cNvCxnSpPr>
+          <p:nvPr/>
+        </p:nvCxnSpPr>
+        <p:spPr>
+          <a:xfrm>
+            <a:off x="4100747" y="4112289"/>
+            <a:ext cx="983560" cy="0"/>
+          </a:xfrm>
+          <a:prstGeom prst="straightConnector1">
+            <a:avLst/>
+          </a:prstGeom>
+          <a:noFill/>
+          <a:ln w="19050" cap="flat" cmpd="sng" algn="ctr">
+            <a:solidFill>
+              <a:srgbClr val="A5A5A5"/>
+            </a:solidFill>
+            <a:prstDash val="solid"/>
+            <a:miter lim="800000"/>
+            <a:tailEnd type="triangle"/>
+          </a:ln>
+          <a:effectLst/>
+        </p:spPr>
+      </p:cxnSp>
+      <p:sp>
+        <p:nvSpPr>
+          <p:cNvPr id="5" name="TextBox 27">
+            <a:extLst>
+              <a:ext uri="{FF2B5EF4-FFF2-40B4-BE49-F238E27FC236}">
+                <a16:creationId xmlns:a16="http://schemas.microsoft.com/office/drawing/2014/main" id="{53D08505-55E5-D8C7-D798-561F679E540B}"/>
+              </a:ext>
+            </a:extLst>
+          </p:cNvPr>
+          <p:cNvSpPr txBox="1"/>
+          <p:nvPr/>
+        </p:nvSpPr>
+        <p:spPr>
+          <a:xfrm>
+            <a:off x="3416976" y="939802"/>
+            <a:ext cx="856765" cy="369332"/>
+          </a:xfrm>
+          <a:prstGeom prst="rect">
+            <a:avLst/>
+          </a:prstGeom>
+          <a:noFill/>
+        </p:spPr>
+        <p:txBody>
+          <a:bodyPr wrap="square" rtlCol="0">
+            <a:spAutoFit/>
+          </a:bodyPr>
+          <a:lstStyle/>
+          <a:p>
+            <a:pPr marL="0" marR="0" lvl="0" indent="0" algn="ctr" defTabSz="914400" eaLnBrk="1" fontAlgn="auto" latinLnBrk="0" hangingPunct="1">
+              <a:lnSpc>
+                <a:spcPct val="100000"/>
+              </a:lnSpc>
+              <a:spcBef>
+                <a:spcPts val="0"/>
+              </a:spcBef>
+              <a:spcAft>
+                <a:spcPts val="0"/>
+              </a:spcAft>
+              <a:buClrTx/>
+              <a:buSzTx/>
+              <a:buFontTx/>
+              <a:buNone/>
+              <a:tabLst/>
+              <a:defRPr/>
+            </a:pPr>
+            <a:r>
+              <a:rPr kumimoji="0" lang="en-US" sz="1800" b="0" i="0" u="none" strike="noStrike" kern="0" cap="none" spc="0" normalizeH="0" baseline="0" noProof="0" dirty="0">
+                <a:ln>
+                  <a:noFill/>
+                </a:ln>
+                <a:solidFill>
+                  <a:prstClr val="black"/>
+                </a:solidFill>
+                <a:effectLst/>
+                <a:uLnTx/>
+                <a:uFillTx/>
+              </a:rPr>
+              <a:t>SE/CO</a:t>
+            </a:r>
+            <a:endParaRPr kumimoji="0" lang="en-GB" sz="1800" b="0" i="0" u="none" strike="noStrike" kern="0" cap="none" spc="0" normalizeH="0" baseline="0" noProof="0" dirty="0">
+              <a:ln>
+                <a:noFill/>
+              </a:ln>
+              <a:solidFill>
+                <a:prstClr val="black"/>
+              </a:solidFill>
+              <a:effectLst/>
+              <a:uLnTx/>
+              <a:uFillTx/>
+            </a:endParaRPr>
+          </a:p>
+        </p:txBody>
+      </p:sp>
+      <p:sp>
+        <p:nvSpPr>
+          <p:cNvPr id="9" name="TextBox 27">
+            <a:extLst>
+              <a:ext uri="{FF2B5EF4-FFF2-40B4-BE49-F238E27FC236}">
+                <a16:creationId xmlns:a16="http://schemas.microsoft.com/office/drawing/2014/main" id="{0BDA1ACE-D659-65AA-0011-527A321F116E}"/>
+              </a:ext>
+            </a:extLst>
+          </p:cNvPr>
+          <p:cNvSpPr txBox="1"/>
+          <p:nvPr/>
+        </p:nvSpPr>
+        <p:spPr>
+          <a:xfrm>
+            <a:off x="3702457" y="1307831"/>
+            <a:ext cx="856765" cy="369332"/>
+          </a:xfrm>
+          <a:prstGeom prst="rect">
+            <a:avLst/>
+          </a:prstGeom>
+          <a:noFill/>
+        </p:spPr>
+        <p:txBody>
+          <a:bodyPr wrap="square" rtlCol="0">
+            <a:spAutoFit/>
+          </a:bodyPr>
+          <a:lstStyle/>
+          <a:p>
+            <a:pPr marL="0" marR="0" lvl="0" indent="0" algn="ctr" defTabSz="914400" eaLnBrk="1" fontAlgn="auto" latinLnBrk="0" hangingPunct="1">
+              <a:lnSpc>
+                <a:spcPct val="100000"/>
+              </a:lnSpc>
+              <a:spcBef>
+                <a:spcPts val="0"/>
+              </a:spcBef>
+              <a:spcAft>
+                <a:spcPts val="0"/>
+              </a:spcAft>
+              <a:buClrTx/>
+              <a:buSzTx/>
+              <a:buFontTx/>
+              <a:buNone/>
+              <a:tabLst/>
+              <a:defRPr/>
+            </a:pPr>
+            <a:r>
+              <a:rPr kumimoji="0" lang="en-US" sz="1800" b="0" i="0" u="none" strike="noStrike" kern="0" cap="none" spc="0" normalizeH="0" baseline="0" noProof="0" dirty="0">
+                <a:ln>
+                  <a:noFill/>
+                </a:ln>
+                <a:solidFill>
+                  <a:prstClr val="black"/>
+                </a:solidFill>
+                <a:effectLst/>
+                <a:uLnTx/>
+                <a:uFillTx/>
+              </a:rPr>
+              <a:t>S</a:t>
+            </a:r>
+            <a:endParaRPr kumimoji="0" lang="en-GB" sz="1800" b="0" i="0" u="none" strike="noStrike" kern="0" cap="none" spc="0" normalizeH="0" baseline="0" noProof="0" dirty="0">
+              <a:ln>
+                <a:noFill/>
+              </a:ln>
+              <a:solidFill>
+                <a:prstClr val="black"/>
+              </a:solidFill>
+              <a:effectLst/>
+              <a:uLnTx/>
+              <a:uFillTx/>
+            </a:endParaRPr>
+          </a:p>
+        </p:txBody>
+      </p:sp>
+      <p:sp>
+        <p:nvSpPr>
+          <p:cNvPr id="10" name="Rectangle: Rounded Corners 20">
+            <a:extLst>
+              <a:ext uri="{FF2B5EF4-FFF2-40B4-BE49-F238E27FC236}">
+                <a16:creationId xmlns:a16="http://schemas.microsoft.com/office/drawing/2014/main" id="{EBA5C0F5-AE6D-5E98-C187-C9D1D2A05DC7}"/>
+              </a:ext>
+            </a:extLst>
+          </p:cNvPr>
+          <p:cNvSpPr/>
+          <p:nvPr/>
+        </p:nvSpPr>
+        <p:spPr>
+          <a:xfrm>
+            <a:off x="4806727" y="1628800"/>
+            <a:ext cx="1244967" cy="648098"/>
+          </a:xfrm>
+          <a:prstGeom prst="roundRect">
+            <a:avLst/>
+          </a:prstGeom>
+          <a:solidFill>
+            <a:srgbClr val="A5A5A5"/>
+          </a:solidFill>
+          <a:ln w="12700" cap="flat" cmpd="sng" algn="ctr">
+            <a:solidFill>
+              <a:srgbClr val="4472C4">
+                <a:shade val="50000"/>
+              </a:srgbClr>
+            </a:solidFill>
+            <a:prstDash val="solid"/>
+            <a:miter lim="800000"/>
+          </a:ln>
+          <a:effectLst>
+            <a:outerShdw blurRad="50800" dist="38100" dir="2700000" algn="tl" rotWithShape="0">
+              <a:prstClr val="black">
+                <a:alpha val="40000"/>
+              </a:prstClr>
+            </a:outerShdw>
+          </a:effectLst>
+        </p:spPr>
+        <p:txBody>
+          <a:bodyPr rtlCol="0" anchor="ctr"/>
+          <a:lstStyle/>
+          <a:p>
+            <a:pPr marL="0" marR="0" lvl="0" indent="0" algn="ctr" defTabSz="914400" eaLnBrk="1" fontAlgn="auto" latinLnBrk="0" hangingPunct="1">
+              <a:lnSpc>
+                <a:spcPct val="100000"/>
+              </a:lnSpc>
+              <a:spcBef>
+                <a:spcPts val="0"/>
+              </a:spcBef>
+              <a:spcAft>
+                <a:spcPts val="0"/>
+              </a:spcAft>
+              <a:buClrTx/>
+              <a:buSzTx/>
+              <a:buFontTx/>
+              <a:buNone/>
+              <a:tabLst/>
+              <a:defRPr/>
+            </a:pPr>
+            <a:r>
+              <a:rPr kumimoji="0" lang="en-US" sz="1400" b="0" i="0" u="none" strike="noStrike" kern="0" cap="none" spc="0" normalizeH="0" baseline="0" noProof="0" dirty="0">
+                <a:ln>
+                  <a:noFill/>
+                </a:ln>
+                <a:solidFill>
+                  <a:prstClr val="white"/>
+                </a:solidFill>
+                <a:effectLst/>
+                <a:uLnTx/>
+                <a:uFillTx/>
+                <a:latin typeface="Calibri" panose="020F0502020204030204"/>
+                <a:ea typeface="+mn-ea"/>
+                <a:cs typeface="+mn-cs"/>
+              </a:rPr>
+              <a:t>Transmission grid</a:t>
+            </a:r>
+            <a:endParaRPr kumimoji="0" lang="en-GB" sz="1400" b="0" i="0" u="none" strike="noStrike" kern="0" cap="none" spc="0" normalizeH="0" baseline="0" noProof="0" dirty="0">
+              <a:ln>
+                <a:noFill/>
+              </a:ln>
+              <a:solidFill>
+                <a:prstClr val="white"/>
+              </a:solidFill>
+              <a:effectLst/>
+              <a:uLnTx/>
+              <a:uFillTx/>
+              <a:latin typeface="Calibri" panose="020F0502020204030204"/>
+              <a:ea typeface="+mn-ea"/>
+              <a:cs typeface="+mn-cs"/>
+            </a:endParaRPr>
+          </a:p>
+        </p:txBody>
+      </p:sp>
+      <p:cxnSp>
+        <p:nvCxnSpPr>
+          <p:cNvPr id="11" name="Straight Arrow Connector 36">
+            <a:extLst>
+              <a:ext uri="{FF2B5EF4-FFF2-40B4-BE49-F238E27FC236}">
+                <a16:creationId xmlns:a16="http://schemas.microsoft.com/office/drawing/2014/main" id="{A09A865D-E3FA-F18A-2E0F-3565F3CBCBE4}"/>
+              </a:ext>
+            </a:extLst>
+          </p:cNvPr>
+          <p:cNvCxnSpPr>
+            <a:cxnSpLocks/>
+          </p:cNvCxnSpPr>
+          <p:nvPr/>
+        </p:nvCxnSpPr>
+        <p:spPr>
+          <a:xfrm>
+            <a:off x="3946467" y="1988840"/>
+            <a:ext cx="860260" cy="0"/>
+          </a:xfrm>
+          <a:prstGeom prst="straightConnector1">
+            <a:avLst/>
+          </a:prstGeom>
+          <a:noFill/>
+          <a:ln w="19050" cap="flat" cmpd="sng" algn="ctr">
+            <a:solidFill>
+              <a:srgbClr val="A5A5A5"/>
+            </a:solidFill>
+            <a:prstDash val="solid"/>
+            <a:miter lim="800000"/>
+            <a:tailEnd type="triangle"/>
+          </a:ln>
+          <a:effectLst/>
+        </p:spPr>
+      </p:cxnSp>
+      <p:cxnSp>
+        <p:nvCxnSpPr>
+          <p:cNvPr id="14" name="Straight Arrow Connector 36">
+            <a:extLst>
+              <a:ext uri="{FF2B5EF4-FFF2-40B4-BE49-F238E27FC236}">
+                <a16:creationId xmlns:a16="http://schemas.microsoft.com/office/drawing/2014/main" id="{F0EF3FF8-6001-BDB3-8345-34AC6A32388D}"/>
+              </a:ext>
+            </a:extLst>
+          </p:cNvPr>
+          <p:cNvCxnSpPr>
+            <a:cxnSpLocks/>
+          </p:cNvCxnSpPr>
+          <p:nvPr/>
+        </p:nvCxnSpPr>
+        <p:spPr>
+          <a:xfrm flipH="1">
+            <a:off x="4100747" y="2060848"/>
+            <a:ext cx="705980" cy="0"/>
+          </a:xfrm>
+          <a:prstGeom prst="straightConnector1">
+            <a:avLst/>
+          </a:prstGeom>
+          <a:noFill/>
+          <a:ln w="19050" cap="flat" cmpd="sng" algn="ctr">
+            <a:solidFill>
+              <a:srgbClr val="A5A5A5"/>
+            </a:solidFill>
+            <a:prstDash val="solid"/>
+            <a:miter lim="800000"/>
+            <a:tailEnd type="triangle"/>
+          </a:ln>
+          <a:effectLst/>
+        </p:spPr>
+      </p:cxnSp>
+      <p:cxnSp>
+        <p:nvCxnSpPr>
+          <p:cNvPr id="17" name="Straight Connector 9">
+            <a:extLst>
+              <a:ext uri="{FF2B5EF4-FFF2-40B4-BE49-F238E27FC236}">
+                <a16:creationId xmlns:a16="http://schemas.microsoft.com/office/drawing/2014/main" id="{B371D0DE-8519-F32C-B36A-9C1E34C93C03}"/>
+              </a:ext>
+            </a:extLst>
+          </p:cNvPr>
+          <p:cNvCxnSpPr>
+            <a:cxnSpLocks/>
+          </p:cNvCxnSpPr>
+          <p:nvPr/>
+        </p:nvCxnSpPr>
+        <p:spPr>
+          <a:xfrm>
+            <a:off x="6729556" y="1724854"/>
+            <a:ext cx="0" cy="4848446"/>
+          </a:xfrm>
+          <a:prstGeom prst="line">
+            <a:avLst/>
+          </a:prstGeom>
+          <a:noFill/>
+          <a:ln w="19050" cap="flat" cmpd="sng" algn="ctr">
+            <a:solidFill>
+              <a:srgbClr val="A5A5A5"/>
+            </a:solidFill>
+            <a:prstDash val="solid"/>
+            <a:miter lim="800000"/>
+          </a:ln>
+          <a:effectLst/>
+        </p:spPr>
+      </p:cxnSp>
+      <p:sp>
+        <p:nvSpPr>
+          <p:cNvPr id="18" name="TextBox 27">
+            <a:extLst>
+              <a:ext uri="{FF2B5EF4-FFF2-40B4-BE49-F238E27FC236}">
+                <a16:creationId xmlns:a16="http://schemas.microsoft.com/office/drawing/2014/main" id="{B7117787-BF4B-9143-DCE5-E6DC754FBFAA}"/>
+              </a:ext>
+            </a:extLst>
+          </p:cNvPr>
+          <p:cNvSpPr txBox="1"/>
+          <p:nvPr/>
+        </p:nvSpPr>
+        <p:spPr>
+          <a:xfrm>
+            <a:off x="6344741" y="1283779"/>
+            <a:ext cx="856765" cy="369332"/>
+          </a:xfrm>
+          <a:prstGeom prst="rect">
+            <a:avLst/>
+          </a:prstGeom>
+          <a:noFill/>
+        </p:spPr>
+        <p:txBody>
+          <a:bodyPr wrap="square" rtlCol="0">
+            <a:spAutoFit/>
+          </a:bodyPr>
+          <a:lstStyle/>
+          <a:p>
+            <a:pPr marL="0" marR="0" lvl="0" indent="0" algn="ctr" defTabSz="914400" eaLnBrk="1" fontAlgn="auto" latinLnBrk="0" hangingPunct="1">
+              <a:lnSpc>
+                <a:spcPct val="100000"/>
+              </a:lnSpc>
+              <a:spcBef>
+                <a:spcPts val="0"/>
+              </a:spcBef>
+              <a:spcAft>
+                <a:spcPts val="0"/>
+              </a:spcAft>
+              <a:buClrTx/>
+              <a:buSzTx/>
+              <a:buFontTx/>
+              <a:buNone/>
+              <a:tabLst/>
+              <a:defRPr/>
+            </a:pPr>
+            <a:r>
+              <a:rPr kumimoji="0" lang="en-US" sz="1800" b="0" i="0" u="none" strike="noStrike" kern="0" cap="none" spc="0" normalizeH="0" baseline="0" noProof="0" dirty="0">
+                <a:ln>
+                  <a:noFill/>
+                </a:ln>
+                <a:solidFill>
+                  <a:prstClr val="black"/>
+                </a:solidFill>
+                <a:effectLst/>
+                <a:uLnTx/>
+                <a:uFillTx/>
+              </a:rPr>
+              <a:t>S</a:t>
+            </a:r>
+            <a:endParaRPr kumimoji="0" lang="en-GB" sz="1800" b="0" i="0" u="none" strike="noStrike" kern="0" cap="none" spc="0" normalizeH="0" baseline="0" noProof="0" dirty="0">
+              <a:ln>
+                <a:noFill/>
+              </a:ln>
+              <a:solidFill>
+                <a:prstClr val="black"/>
+              </a:solidFill>
+              <a:effectLst/>
+              <a:uLnTx/>
+              <a:uFillTx/>
+            </a:endParaRPr>
+          </a:p>
+        </p:txBody>
+      </p:sp>
+      <p:cxnSp>
+        <p:nvCxnSpPr>
+          <p:cNvPr id="19" name="Straight Connector 9">
+            <a:extLst>
+              <a:ext uri="{FF2B5EF4-FFF2-40B4-BE49-F238E27FC236}">
+                <a16:creationId xmlns:a16="http://schemas.microsoft.com/office/drawing/2014/main" id="{C7DF1E0C-0D99-CDF0-F025-4217105E4DF3}"/>
+              </a:ext>
+            </a:extLst>
+          </p:cNvPr>
+          <p:cNvCxnSpPr>
+            <a:cxnSpLocks/>
+          </p:cNvCxnSpPr>
+          <p:nvPr/>
+        </p:nvCxnSpPr>
+        <p:spPr>
+          <a:xfrm>
+            <a:off x="8914135" y="1717765"/>
+            <a:ext cx="0" cy="4848446"/>
+          </a:xfrm>
+          <a:prstGeom prst="line">
+            <a:avLst/>
+          </a:prstGeom>
+          <a:noFill/>
+          <a:ln w="19050" cap="flat" cmpd="sng" algn="ctr">
+            <a:solidFill>
+              <a:srgbClr val="A5A5A5"/>
+            </a:solidFill>
+            <a:prstDash val="solid"/>
+            <a:miter lim="800000"/>
+          </a:ln>
+          <a:effectLst/>
+        </p:spPr>
+      </p:cxnSp>
+      <p:sp>
+        <p:nvSpPr>
+          <p:cNvPr id="20" name="TextBox 27">
+            <a:extLst>
+              <a:ext uri="{FF2B5EF4-FFF2-40B4-BE49-F238E27FC236}">
+                <a16:creationId xmlns:a16="http://schemas.microsoft.com/office/drawing/2014/main" id="{C21B7B3C-6912-87DB-DD85-E4E4C6F084D7}"/>
+              </a:ext>
+            </a:extLst>
+          </p:cNvPr>
+          <p:cNvSpPr txBox="1"/>
+          <p:nvPr/>
+        </p:nvSpPr>
+        <p:spPr>
+          <a:xfrm>
+            <a:off x="8529320" y="1276690"/>
+            <a:ext cx="856765" cy="369332"/>
+          </a:xfrm>
+          <a:prstGeom prst="rect">
+            <a:avLst/>
+          </a:prstGeom>
+          <a:noFill/>
+        </p:spPr>
+        <p:txBody>
+          <a:bodyPr wrap="square" rtlCol="0">
+            <a:spAutoFit/>
+          </a:bodyPr>
+          <a:lstStyle/>
+          <a:p>
+            <a:pPr marL="0" marR="0" lvl="0" indent="0" algn="ctr" defTabSz="914400" eaLnBrk="1" fontAlgn="auto" latinLnBrk="0" hangingPunct="1">
+              <a:lnSpc>
+                <a:spcPct val="100000"/>
+              </a:lnSpc>
+              <a:spcBef>
+                <a:spcPts val="0"/>
+              </a:spcBef>
+              <a:spcAft>
+                <a:spcPts val="0"/>
+              </a:spcAft>
+              <a:buClrTx/>
+              <a:buSzTx/>
+              <a:buFontTx/>
+              <a:buNone/>
+              <a:tabLst/>
+              <a:defRPr/>
+            </a:pPr>
+            <a:r>
+              <a:rPr kumimoji="0" lang="en-US" sz="1800" b="0" i="0" u="none" strike="noStrike" kern="0" cap="none" spc="0" normalizeH="0" baseline="0" noProof="0" dirty="0">
+                <a:ln>
+                  <a:noFill/>
+                </a:ln>
+                <a:solidFill>
+                  <a:prstClr val="black"/>
+                </a:solidFill>
+                <a:effectLst/>
+                <a:uLnTx/>
+                <a:uFillTx/>
+              </a:rPr>
+              <a:t>S</a:t>
+            </a:r>
+            <a:endParaRPr kumimoji="0" lang="en-GB" sz="1800" b="0" i="0" u="none" strike="noStrike" kern="0" cap="none" spc="0" normalizeH="0" baseline="0" noProof="0" dirty="0">
+              <a:ln>
+                <a:noFill/>
+              </a:ln>
+              <a:solidFill>
+                <a:prstClr val="black"/>
+              </a:solidFill>
+              <a:effectLst/>
+              <a:uLnTx/>
+              <a:uFillTx/>
+            </a:endParaRPr>
+          </a:p>
+        </p:txBody>
+      </p:sp>
+      <p:cxnSp>
+        <p:nvCxnSpPr>
+          <p:cNvPr id="21" name="Straight Connector 9">
+            <a:extLst>
+              <a:ext uri="{FF2B5EF4-FFF2-40B4-BE49-F238E27FC236}">
+                <a16:creationId xmlns:a16="http://schemas.microsoft.com/office/drawing/2014/main" id="{3DFC1DD3-A8AF-AB77-6A85-5ED0BED8D793}"/>
+              </a:ext>
+            </a:extLst>
+          </p:cNvPr>
+          <p:cNvCxnSpPr>
+            <a:cxnSpLocks/>
+          </p:cNvCxnSpPr>
+          <p:nvPr/>
+        </p:nvCxnSpPr>
+        <p:spPr>
+          <a:xfrm>
+            <a:off x="11108986" y="1688066"/>
+            <a:ext cx="0" cy="4848446"/>
+          </a:xfrm>
+          <a:prstGeom prst="line">
+            <a:avLst/>
+          </a:prstGeom>
+          <a:noFill/>
+          <a:ln w="19050" cap="flat" cmpd="sng" algn="ctr">
+            <a:solidFill>
+              <a:srgbClr val="A5A5A5"/>
+            </a:solidFill>
+            <a:prstDash val="solid"/>
+            <a:miter lim="800000"/>
+          </a:ln>
+          <a:effectLst/>
+        </p:spPr>
+      </p:cxnSp>
+      <p:sp>
+        <p:nvSpPr>
+          <p:cNvPr id="22" name="TextBox 27">
+            <a:extLst>
+              <a:ext uri="{FF2B5EF4-FFF2-40B4-BE49-F238E27FC236}">
+                <a16:creationId xmlns:a16="http://schemas.microsoft.com/office/drawing/2014/main" id="{8E6876B3-C989-B9BD-4501-F0F216050DF0}"/>
+              </a:ext>
+            </a:extLst>
+          </p:cNvPr>
+          <p:cNvSpPr txBox="1"/>
+          <p:nvPr/>
+        </p:nvSpPr>
+        <p:spPr>
+          <a:xfrm>
+            <a:off x="10724171" y="1246991"/>
+            <a:ext cx="856765" cy="369332"/>
+          </a:xfrm>
+          <a:prstGeom prst="rect">
+            <a:avLst/>
+          </a:prstGeom>
+          <a:noFill/>
+        </p:spPr>
+        <p:txBody>
+          <a:bodyPr wrap="square" rtlCol="0">
+            <a:spAutoFit/>
+          </a:bodyPr>
+          <a:lstStyle/>
+          <a:p>
+            <a:pPr marL="0" marR="0" lvl="0" indent="0" algn="ctr" defTabSz="914400" eaLnBrk="1" fontAlgn="auto" latinLnBrk="0" hangingPunct="1">
+              <a:lnSpc>
+                <a:spcPct val="100000"/>
+              </a:lnSpc>
+              <a:spcBef>
+                <a:spcPts val="0"/>
+              </a:spcBef>
+              <a:spcAft>
+                <a:spcPts val="0"/>
+              </a:spcAft>
+              <a:buClrTx/>
+              <a:buSzTx/>
+              <a:buFontTx/>
+              <a:buNone/>
+              <a:tabLst/>
+              <a:defRPr/>
+            </a:pPr>
+            <a:r>
+              <a:rPr kumimoji="0" lang="en-US" sz="1800" b="0" i="0" u="none" strike="noStrike" kern="0" cap="none" spc="0" normalizeH="0" baseline="0" noProof="0" dirty="0">
+                <a:ln>
+                  <a:noFill/>
+                </a:ln>
+                <a:solidFill>
+                  <a:prstClr val="black"/>
+                </a:solidFill>
+                <a:effectLst/>
+                <a:uLnTx/>
+                <a:uFillTx/>
+              </a:rPr>
+              <a:t>S</a:t>
+            </a:r>
+            <a:endParaRPr kumimoji="0" lang="en-GB" sz="1800" b="0" i="0" u="none" strike="noStrike" kern="0" cap="none" spc="0" normalizeH="0" baseline="0" noProof="0" dirty="0">
+              <a:ln>
+                <a:noFill/>
+              </a:ln>
+              <a:solidFill>
+                <a:prstClr val="black"/>
+              </a:solidFill>
+              <a:effectLst/>
+              <a:uLnTx/>
+              <a:uFillTx/>
+            </a:endParaRPr>
+          </a:p>
+        </p:txBody>
+      </p:sp>
+      <p:sp>
+        <p:nvSpPr>
+          <p:cNvPr id="23" name="TextBox 27">
+            <a:extLst>
+              <a:ext uri="{FF2B5EF4-FFF2-40B4-BE49-F238E27FC236}">
+                <a16:creationId xmlns:a16="http://schemas.microsoft.com/office/drawing/2014/main" id="{1848D667-069F-59AB-3BEF-2FE8956988D2}"/>
+              </a:ext>
+            </a:extLst>
+          </p:cNvPr>
+          <p:cNvSpPr txBox="1"/>
+          <p:nvPr/>
+        </p:nvSpPr>
+        <p:spPr>
+          <a:xfrm>
+            <a:off x="6146087" y="955515"/>
+            <a:ext cx="856765" cy="369332"/>
+          </a:xfrm>
+          <a:prstGeom prst="rect">
+            <a:avLst/>
+          </a:prstGeom>
+          <a:noFill/>
+        </p:spPr>
+        <p:txBody>
+          <a:bodyPr wrap="square" rtlCol="0">
+            <a:spAutoFit/>
+          </a:bodyPr>
+          <a:lstStyle/>
+          <a:p>
+            <a:pPr marL="0" marR="0" lvl="0" indent="0" algn="ctr" defTabSz="914400" eaLnBrk="1" fontAlgn="auto" latinLnBrk="0" hangingPunct="1">
+              <a:lnSpc>
+                <a:spcPct val="100000"/>
+              </a:lnSpc>
+              <a:spcBef>
+                <a:spcPts val="0"/>
+              </a:spcBef>
+              <a:spcAft>
+                <a:spcPts val="0"/>
+              </a:spcAft>
+              <a:buClrTx/>
+              <a:buSzTx/>
+              <a:buFontTx/>
+              <a:buNone/>
+              <a:tabLst/>
+              <a:defRPr/>
+            </a:pPr>
+            <a:r>
+              <a:rPr kumimoji="0" lang="en-US" sz="1800" b="0" i="0" u="none" strike="noStrike" kern="0" cap="none" spc="0" normalizeH="0" baseline="0" noProof="0" dirty="0">
+                <a:ln>
+                  <a:noFill/>
+                </a:ln>
+                <a:solidFill>
+                  <a:prstClr val="black"/>
+                </a:solidFill>
+                <a:effectLst/>
+                <a:uLnTx/>
+                <a:uFillTx/>
+              </a:rPr>
+              <a:t>SE/CO</a:t>
+            </a:r>
+            <a:endParaRPr kumimoji="0" lang="en-GB" sz="1800" b="0" i="0" u="none" strike="noStrike" kern="0" cap="none" spc="0" normalizeH="0" baseline="0" noProof="0" dirty="0">
+              <a:ln>
+                <a:noFill/>
+              </a:ln>
+              <a:solidFill>
+                <a:prstClr val="black"/>
+              </a:solidFill>
+              <a:effectLst/>
+              <a:uLnTx/>
+              <a:uFillTx/>
+            </a:endParaRPr>
+          </a:p>
+        </p:txBody>
+      </p:sp>
+      <p:sp>
+        <p:nvSpPr>
+          <p:cNvPr id="24" name="TextBox 27">
+            <a:extLst>
+              <a:ext uri="{FF2B5EF4-FFF2-40B4-BE49-F238E27FC236}">
+                <a16:creationId xmlns:a16="http://schemas.microsoft.com/office/drawing/2014/main" id="{3D181BBA-532C-98F4-2A1C-380484DA06B2}"/>
+              </a:ext>
+            </a:extLst>
+          </p:cNvPr>
+          <p:cNvSpPr txBox="1"/>
+          <p:nvPr/>
+        </p:nvSpPr>
+        <p:spPr>
+          <a:xfrm>
+            <a:off x="8330666" y="939802"/>
+            <a:ext cx="856765" cy="369332"/>
+          </a:xfrm>
+          <a:prstGeom prst="rect">
+            <a:avLst/>
+          </a:prstGeom>
+          <a:noFill/>
+        </p:spPr>
+        <p:txBody>
+          <a:bodyPr wrap="square" rtlCol="0">
+            <a:spAutoFit/>
+          </a:bodyPr>
+          <a:lstStyle/>
+          <a:p>
+            <a:pPr marL="0" marR="0" lvl="0" indent="0" algn="ctr" defTabSz="914400" eaLnBrk="1" fontAlgn="auto" latinLnBrk="0" hangingPunct="1">
+              <a:lnSpc>
+                <a:spcPct val="100000"/>
+              </a:lnSpc>
+              <a:spcBef>
+                <a:spcPts val="0"/>
+              </a:spcBef>
+              <a:spcAft>
+                <a:spcPts val="0"/>
+              </a:spcAft>
+              <a:buClrTx/>
+              <a:buSzTx/>
+              <a:buFontTx/>
+              <a:buNone/>
+              <a:tabLst/>
+              <a:defRPr/>
+            </a:pPr>
+            <a:r>
+              <a:rPr kumimoji="0" lang="en-US" sz="1800" b="0" i="0" u="none" strike="noStrike" kern="0" cap="none" spc="0" normalizeH="0" baseline="0" noProof="0" dirty="0">
+                <a:ln>
+                  <a:noFill/>
+                </a:ln>
+                <a:solidFill>
+                  <a:prstClr val="black"/>
+                </a:solidFill>
+                <a:effectLst/>
+                <a:uLnTx/>
+                <a:uFillTx/>
+              </a:rPr>
+              <a:t>SE/CO</a:t>
+            </a:r>
+            <a:endParaRPr kumimoji="0" lang="en-GB" sz="1800" b="0" i="0" u="none" strike="noStrike" kern="0" cap="none" spc="0" normalizeH="0" baseline="0" noProof="0" dirty="0">
+              <a:ln>
+                <a:noFill/>
+              </a:ln>
+              <a:solidFill>
+                <a:prstClr val="black"/>
+              </a:solidFill>
+              <a:effectLst/>
+              <a:uLnTx/>
+              <a:uFillTx/>
+            </a:endParaRPr>
+          </a:p>
+        </p:txBody>
+      </p:sp>
+      <p:sp>
+        <p:nvSpPr>
+          <p:cNvPr id="25" name="TextBox 27">
+            <a:extLst>
+              <a:ext uri="{FF2B5EF4-FFF2-40B4-BE49-F238E27FC236}">
+                <a16:creationId xmlns:a16="http://schemas.microsoft.com/office/drawing/2014/main" id="{72395DCC-5A6C-1D2B-DA69-ACEF54E1EE43}"/>
+              </a:ext>
+            </a:extLst>
+          </p:cNvPr>
+          <p:cNvSpPr txBox="1"/>
+          <p:nvPr/>
+        </p:nvSpPr>
+        <p:spPr>
+          <a:xfrm>
+            <a:off x="10478793" y="955515"/>
+            <a:ext cx="856765" cy="369332"/>
+          </a:xfrm>
+          <a:prstGeom prst="rect">
+            <a:avLst/>
+          </a:prstGeom>
+          <a:noFill/>
+        </p:spPr>
+        <p:txBody>
+          <a:bodyPr wrap="square" rtlCol="0">
+            <a:spAutoFit/>
+          </a:bodyPr>
+          <a:lstStyle/>
+          <a:p>
+            <a:pPr marL="0" marR="0" lvl="0" indent="0" algn="ctr" defTabSz="914400" eaLnBrk="1" fontAlgn="auto" latinLnBrk="0" hangingPunct="1">
+              <a:lnSpc>
+                <a:spcPct val="100000"/>
+              </a:lnSpc>
+              <a:spcBef>
+                <a:spcPts val="0"/>
+              </a:spcBef>
+              <a:spcAft>
+                <a:spcPts val="0"/>
+              </a:spcAft>
+              <a:buClrTx/>
+              <a:buSzTx/>
+              <a:buFontTx/>
+              <a:buNone/>
+              <a:tabLst/>
+              <a:defRPr/>
+            </a:pPr>
+            <a:r>
+              <a:rPr kumimoji="0" lang="en-US" sz="1800" b="0" i="0" u="none" strike="noStrike" kern="0" cap="none" spc="0" normalizeH="0" baseline="0" noProof="0" dirty="0">
+                <a:ln>
+                  <a:noFill/>
+                </a:ln>
+                <a:solidFill>
+                  <a:prstClr val="black"/>
+                </a:solidFill>
+                <a:effectLst/>
+                <a:uLnTx/>
+                <a:uFillTx/>
+              </a:rPr>
+              <a:t>SE/CO</a:t>
+            </a:r>
+            <a:endParaRPr kumimoji="0" lang="en-GB" sz="1800" b="0" i="0" u="none" strike="noStrike" kern="0" cap="none" spc="0" normalizeH="0" baseline="0" noProof="0" dirty="0">
+              <a:ln>
+                <a:noFill/>
+              </a:ln>
+              <a:solidFill>
+                <a:prstClr val="black"/>
+              </a:solidFill>
+              <a:effectLst/>
+              <a:uLnTx/>
+              <a:uFillTx/>
+            </a:endParaRPr>
+          </a:p>
+        </p:txBody>
+      </p:sp>
+    </p:spTree>
+    <p:extLst>
+      <p:ext uri="{BB962C8B-B14F-4D97-AF65-F5344CB8AC3E}">
+        <p14:creationId xmlns:p14="http://schemas.microsoft.com/office/powerpoint/2010/main" val="3768136021"/>
       </p:ext>
     </p:extLst>
   </p:cSld>

--- a/Documentação/1-Diagrama PPT/Cadeias Energéticas.pptx
+++ b/Documentação/1-Diagrama PPT/Cadeias Energéticas.pptx
@@ -211,7 +211,7 @@
           <a:p>
             <a:fld id="{F22EC251-D700-40B5-87D9-A45C9416D694}" type="datetimeFigureOut">
               <a:rPr lang="pt-BR" smtClean="0"/>
-              <a:t>02/11/2024</a:t>
+              <a:t>04/01/2025</a:t>
             </a:fld>
             <a:endParaRPr lang="pt-BR"/>
           </a:p>
@@ -1040,7 +1040,7 @@
             <a:fld id="{C11B6B41-91B8-4293-9633-874C21C369B6}" type="datetimeFigureOut">
               <a:rPr lang="pt-BR" smtClean="0"/>
               <a:pPr/>
-              <a:t>02/11/2024</a:t>
+              <a:t>04/01/2025</a:t>
             </a:fld>
             <a:endParaRPr lang="pt-BR"/>
           </a:p>
@@ -1205,7 +1205,7 @@
             <a:fld id="{C11B6B41-91B8-4293-9633-874C21C369B6}" type="datetimeFigureOut">
               <a:rPr lang="pt-BR" smtClean="0"/>
               <a:pPr/>
-              <a:t>02/11/2024</a:t>
+              <a:t>04/01/2025</a:t>
             </a:fld>
             <a:endParaRPr lang="pt-BR"/>
           </a:p>
@@ -1380,7 +1380,7 @@
             <a:fld id="{C11B6B41-91B8-4293-9633-874C21C369B6}" type="datetimeFigureOut">
               <a:rPr lang="pt-BR" smtClean="0"/>
               <a:pPr/>
-              <a:t>02/11/2024</a:t>
+              <a:t>04/01/2025</a:t>
             </a:fld>
             <a:endParaRPr lang="pt-BR"/>
           </a:p>
@@ -1545,7 +1545,7 @@
             <a:fld id="{C11B6B41-91B8-4293-9633-874C21C369B6}" type="datetimeFigureOut">
               <a:rPr lang="pt-BR" smtClean="0"/>
               <a:pPr/>
-              <a:t>02/11/2024</a:t>
+              <a:t>04/01/2025</a:t>
             </a:fld>
             <a:endParaRPr lang="pt-BR"/>
           </a:p>
@@ -1787,7 +1787,7 @@
             <a:fld id="{C11B6B41-91B8-4293-9633-874C21C369B6}" type="datetimeFigureOut">
               <a:rPr lang="pt-BR" smtClean="0"/>
               <a:pPr/>
-              <a:t>02/11/2024</a:t>
+              <a:t>04/01/2025</a:t>
             </a:fld>
             <a:endParaRPr lang="pt-BR"/>
           </a:p>
@@ -2069,7 +2069,7 @@
             <a:fld id="{C11B6B41-91B8-4293-9633-874C21C369B6}" type="datetimeFigureOut">
               <a:rPr lang="pt-BR" smtClean="0"/>
               <a:pPr/>
-              <a:t>02/11/2024</a:t>
+              <a:t>04/01/2025</a:t>
             </a:fld>
             <a:endParaRPr lang="pt-BR"/>
           </a:p>
@@ -2485,7 +2485,7 @@
             <a:fld id="{C11B6B41-91B8-4293-9633-874C21C369B6}" type="datetimeFigureOut">
               <a:rPr lang="pt-BR" smtClean="0"/>
               <a:pPr/>
-              <a:t>02/11/2024</a:t>
+              <a:t>04/01/2025</a:t>
             </a:fld>
             <a:endParaRPr lang="pt-BR"/>
           </a:p>
@@ -2599,7 +2599,7 @@
             <a:fld id="{C11B6B41-91B8-4293-9633-874C21C369B6}" type="datetimeFigureOut">
               <a:rPr lang="pt-BR" smtClean="0"/>
               <a:pPr/>
-              <a:t>02/11/2024</a:t>
+              <a:t>04/01/2025</a:t>
             </a:fld>
             <a:endParaRPr lang="pt-BR"/>
           </a:p>
@@ -2691,7 +2691,7 @@
             <a:fld id="{C11B6B41-91B8-4293-9633-874C21C369B6}" type="datetimeFigureOut">
               <a:rPr lang="pt-BR" smtClean="0"/>
               <a:pPr/>
-              <a:t>02/11/2024</a:t>
+              <a:t>04/01/2025</a:t>
             </a:fld>
             <a:endParaRPr lang="pt-BR"/>
           </a:p>
@@ -2963,7 +2963,7 @@
             <a:fld id="{C11B6B41-91B8-4293-9633-874C21C369B6}" type="datetimeFigureOut">
               <a:rPr lang="pt-BR" smtClean="0"/>
               <a:pPr/>
-              <a:t>02/11/2024</a:t>
+              <a:t>04/01/2025</a:t>
             </a:fld>
             <a:endParaRPr lang="pt-BR"/>
           </a:p>
@@ -3212,7 +3212,7 @@
             <a:fld id="{C11B6B41-91B8-4293-9633-874C21C369B6}" type="datetimeFigureOut">
               <a:rPr lang="pt-BR" smtClean="0"/>
               <a:pPr/>
-              <a:t>02/11/2024</a:t>
+              <a:t>04/01/2025</a:t>
             </a:fld>
             <a:endParaRPr lang="pt-BR"/>
           </a:p>
@@ -3420,7 +3420,7 @@
             <a:fld id="{C11B6B41-91B8-4293-9633-874C21C369B6}" type="datetimeFigureOut">
               <a:rPr lang="pt-BR" smtClean="0"/>
               <a:pPr/>
-              <a:t>02/11/2024</a:t>
+              <a:t>04/01/2025</a:t>
             </a:fld>
             <a:endParaRPr lang="pt-BR"/>
           </a:p>
@@ -9258,7 +9258,7 @@
         </p:nvSpPr>
         <p:spPr>
           <a:xfrm>
-            <a:off x="2277971" y="2147776"/>
+            <a:off x="2277971" y="1930640"/>
             <a:ext cx="1167812" cy="648098"/>
           </a:xfrm>
           <a:prstGeom prst="roundRect">
@@ -9353,7 +9353,7 @@
         </p:nvSpPr>
         <p:spPr>
           <a:xfrm>
-            <a:off x="2277971" y="3012636"/>
+            <a:off x="2277971" y="2795500"/>
             <a:ext cx="1167812" cy="648098"/>
           </a:xfrm>
           <a:prstGeom prst="roundRect">
@@ -9556,7 +9556,7 @@
         </p:nvCxnSpPr>
         <p:spPr>
           <a:xfrm>
-            <a:off x="3456416" y="2452654"/>
+            <a:off x="3456416" y="2235518"/>
             <a:ext cx="490860" cy="0"/>
           </a:xfrm>
           <a:prstGeom prst="straightConnector1">
@@ -9995,7 +9995,7 @@
         </p:nvCxnSpPr>
         <p:spPr>
           <a:xfrm>
-            <a:off x="3445783" y="3377608"/>
+            <a:off x="3445783" y="3160472"/>
             <a:ext cx="490860" cy="0"/>
           </a:xfrm>
           <a:prstGeom prst="straightConnector1">
@@ -10859,7 +10859,7 @@
         </p:nvSpPr>
         <p:spPr>
           <a:xfrm rot="5400000">
-            <a:off x="2733463" y="3726944"/>
+            <a:off x="2728646" y="3480416"/>
             <a:ext cx="458780" cy="523220"/>
           </a:xfrm>
           <a:prstGeom prst="rect">
@@ -10894,7 +10894,7 @@
         </p:nvSpPr>
         <p:spPr>
           <a:xfrm>
-            <a:off x="2264022" y="4307395"/>
+            <a:off x="2264022" y="4653136"/>
             <a:ext cx="1167812" cy="648098"/>
           </a:xfrm>
           <a:prstGeom prst="roundRect">
@@ -10991,7 +10991,7 @@
         </p:nvCxnSpPr>
         <p:spPr>
           <a:xfrm>
-            <a:off x="3442467" y="4612273"/>
+            <a:off x="3442467" y="4958014"/>
             <a:ext cx="490860" cy="0"/>
           </a:xfrm>
           <a:prstGeom prst="straightConnector1">
@@ -12014,6 +12014,76 @@
               <a:uLnTx/>
               <a:uFillTx/>
             </a:endParaRPr>
+          </a:p>
+        </p:txBody>
+      </p:sp>
+      <p:sp>
+        <p:nvSpPr>
+          <p:cNvPr id="12" name="CaixaDeTexto 11">
+            <a:extLst>
+              <a:ext uri="{FF2B5EF4-FFF2-40B4-BE49-F238E27FC236}">
+                <a16:creationId xmlns:a16="http://schemas.microsoft.com/office/drawing/2014/main" id="{963B5545-949A-8554-027D-1C9B0A0EEB6F}"/>
+              </a:ext>
+            </a:extLst>
+          </p:cNvPr>
+          <p:cNvSpPr txBox="1"/>
+          <p:nvPr/>
+        </p:nvSpPr>
+        <p:spPr>
+          <a:xfrm rot="5400000">
+            <a:off x="2728646" y="4176667"/>
+            <a:ext cx="458780" cy="523220"/>
+          </a:xfrm>
+          <a:prstGeom prst="rect">
+            <a:avLst/>
+          </a:prstGeom>
+          <a:noFill/>
+        </p:spPr>
+        <p:txBody>
+          <a:bodyPr wrap="none" rtlCol="0">
+            <a:spAutoFit/>
+          </a:bodyPr>
+          <a:lstStyle/>
+          <a:p>
+            <a:r>
+              <a:rPr lang="pt-BR" sz="2800" dirty="0"/>
+              <a:t>...</a:t>
+            </a:r>
+          </a:p>
+        </p:txBody>
+      </p:sp>
+      <p:sp>
+        <p:nvSpPr>
+          <p:cNvPr id="13" name="CaixaDeTexto 12">
+            <a:extLst>
+              <a:ext uri="{FF2B5EF4-FFF2-40B4-BE49-F238E27FC236}">
+                <a16:creationId xmlns:a16="http://schemas.microsoft.com/office/drawing/2014/main" id="{D63D8571-1A4F-965E-239D-34A3582C08B6}"/>
+              </a:ext>
+            </a:extLst>
+          </p:cNvPr>
+          <p:cNvSpPr txBox="1"/>
+          <p:nvPr/>
+        </p:nvSpPr>
+        <p:spPr>
+          <a:xfrm>
+            <a:off x="2578790" y="3887847"/>
+            <a:ext cx="572593" cy="400110"/>
+          </a:xfrm>
+          <a:prstGeom prst="rect">
+            <a:avLst/>
+          </a:prstGeom>
+          <a:noFill/>
+        </p:spPr>
+        <p:txBody>
+          <a:bodyPr wrap="none" rtlCol="0">
+            <a:spAutoFit/>
+          </a:bodyPr>
+          <a:lstStyle/>
+          <a:p>
+            <a:r>
+              <a:rPr lang="pt-BR" sz="2000" dirty="0"/>
+              <a:t>+11</a:t>
+            </a:r>
           </a:p>
         </p:txBody>
       </p:sp>
